--- a/Lecture05_PatientPhysicianInteractions/L5Slides_PhysicianPatientInteractions_2023W.pptx
+++ b/Lecture05_PatientPhysicianInteractions/L5Slides_PhysicianPatientInteractions_2023W.pptx
@@ -5,7 +5,7 @@
     <p:sldMasterId id="2147483738" r:id="rId1"/>
   </p:sldMasterIdLst>
   <p:notesMasterIdLst>
-    <p:notesMasterId r:id="rId49"/>
+    <p:notesMasterId r:id="rId50"/>
   </p:notesMasterIdLst>
   <p:sldIdLst>
     <p:sldId id="256" r:id="rId2"/>
@@ -36,25 +36,26 @@
     <p:sldId id="499" r:id="rId27"/>
     <p:sldId id="500" r:id="rId28"/>
     <p:sldId id="502" r:id="rId29"/>
-    <p:sldId id="503" r:id="rId30"/>
-    <p:sldId id="501" r:id="rId31"/>
-    <p:sldId id="505" r:id="rId32"/>
-    <p:sldId id="506" r:id="rId33"/>
-    <p:sldId id="507" r:id="rId34"/>
-    <p:sldId id="508" r:id="rId35"/>
-    <p:sldId id="509" r:id="rId36"/>
-    <p:sldId id="510" r:id="rId37"/>
-    <p:sldId id="511" r:id="rId38"/>
-    <p:sldId id="512" r:id="rId39"/>
-    <p:sldId id="513" r:id="rId40"/>
-    <p:sldId id="514" r:id="rId41"/>
-    <p:sldId id="515" r:id="rId42"/>
-    <p:sldId id="516" r:id="rId43"/>
-    <p:sldId id="517" r:id="rId44"/>
-    <p:sldId id="504" r:id="rId45"/>
+    <p:sldId id="519" r:id="rId30"/>
+    <p:sldId id="503" r:id="rId31"/>
+    <p:sldId id="501" r:id="rId32"/>
+    <p:sldId id="505" r:id="rId33"/>
+    <p:sldId id="506" r:id="rId34"/>
+    <p:sldId id="507" r:id="rId35"/>
+    <p:sldId id="508" r:id="rId36"/>
+    <p:sldId id="509" r:id="rId37"/>
+    <p:sldId id="510" r:id="rId38"/>
+    <p:sldId id="511" r:id="rId39"/>
+    <p:sldId id="512" r:id="rId40"/>
+    <p:sldId id="513" r:id="rId41"/>
+    <p:sldId id="514" r:id="rId42"/>
+    <p:sldId id="515" r:id="rId43"/>
+    <p:sldId id="516" r:id="rId44"/>
+    <p:sldId id="517" r:id="rId45"/>
     <p:sldId id="518" r:id="rId46"/>
-    <p:sldId id="478" r:id="rId47"/>
+    <p:sldId id="504" r:id="rId47"/>
     <p:sldId id="414" r:id="rId48"/>
+    <p:sldId id="478" r:id="rId49"/>
   </p:sldIdLst>
   <p:sldSz cx="12192000" cy="6858000"/>
   <p:notesSz cx="7010400" cy="9296400"/>
@@ -4699,7 +4700,7 @@
           <a:p>
             <a:fld id="{EF911157-0FC2-4F06-8D61-FD647FE4E19D}" type="datetimeFigureOut">
               <a:rPr lang="en-US" smtClean="0"/>
-              <a:t>11/25/2022</a:t>
+              <a:t>2/6/2023</a:t>
             </a:fld>
             <a:endParaRPr lang="en-US"/>
           </a:p>
@@ -5996,7 +5997,7 @@
           <a:p>
             <a:r>
               <a:rPr lang="en-CA" dirty="0"/>
-              <a:t>Seminal papers don’t always publish well immediately!</a:t>
+              <a:t>Key papers don’t always publish well immediately!</a:t>
             </a:r>
           </a:p>
         </p:txBody>
@@ -6671,10 +6672,7 @@
           <a:bodyPr/>
           <a:lstStyle/>
           <a:p>
-            <a:r>
-              <a:rPr lang="en-CA" dirty="0"/>
-              <a:t>We’ll come back to this question </a:t>
-            </a:r>
+            <a:endParaRPr lang="en-CA" dirty="0"/>
           </a:p>
         </p:txBody>
       </p:sp>
@@ -6758,10 +6756,7 @@
           <a:bodyPr/>
           <a:lstStyle/>
           <a:p>
-            <a:r>
-              <a:rPr lang="en-CA" dirty="0"/>
-              <a:t>We’ll come back to this question </a:t>
-            </a:r>
+            <a:endParaRPr lang="en-CA" dirty="0"/>
           </a:p>
         </p:txBody>
       </p:sp>
@@ -6791,7 +6786,7 @@
     </p:spTree>
     <p:extLst>
       <p:ext uri="{BB962C8B-B14F-4D97-AF65-F5344CB8AC3E}">
-        <p14:creationId xmlns:p14="http://schemas.microsoft.com/office/powerpoint/2010/main" val="1217678136"/>
+        <p14:creationId xmlns:p14="http://schemas.microsoft.com/office/powerpoint/2010/main" val="4287647923"/>
       </p:ext>
     </p:extLst>
   </p:cSld>
@@ -6847,19 +6842,8 @@
           <a:p>
             <a:r>
               <a:rPr lang="en-CA" dirty="0"/>
-              <a:t>Roy model: one of comparative advantage. </a:t>
+              <a:t>We’ll come back to this question </a:t>
             </a:r>
-            <a:r>
-              <a:rPr lang="en-US" b="0" i="0" dirty="0">
-                <a:solidFill>
-                  <a:srgbClr val="202122"/>
-                </a:solidFill>
-                <a:effectLst/>
-                <a:latin typeface="Arial" panose="020B0604020202020204" pitchFamily="34" charset="0"/>
-              </a:rPr>
-              <a:t>Roy's original paper deals with workers selecting into fishing and hunting professions, where there is no uncertainty about the amount of goods (fish or rabbits) that will be caught in a given period, but fishing is more costly as it requires more skill. The central question that Roy tries to answer in the original paper is whether the best hunters will hunt and the best fishermen will fish. </a:t>
-            </a:r>
-            <a:endParaRPr lang="en-CA" dirty="0"/>
           </a:p>
         </p:txBody>
       </p:sp>
@@ -6889,7 +6873,7 @@
     </p:spTree>
     <p:extLst>
       <p:ext uri="{BB962C8B-B14F-4D97-AF65-F5344CB8AC3E}">
-        <p14:creationId xmlns:p14="http://schemas.microsoft.com/office/powerpoint/2010/main" val="3323746911"/>
+        <p14:creationId xmlns:p14="http://schemas.microsoft.com/office/powerpoint/2010/main" val="1217678136"/>
       </p:ext>
     </p:extLst>
   </p:cSld>
@@ -6987,7 +6971,7 @@
     </p:spTree>
     <p:extLst>
       <p:ext uri="{BB962C8B-B14F-4D97-AF65-F5344CB8AC3E}">
-        <p14:creationId xmlns:p14="http://schemas.microsoft.com/office/powerpoint/2010/main" val="1657530554"/>
+        <p14:creationId xmlns:p14="http://schemas.microsoft.com/office/powerpoint/2010/main" val="3323746911"/>
       </p:ext>
     </p:extLst>
   </p:cSld>
@@ -7043,7 +7027,7 @@
           <a:p>
             <a:r>
               <a:rPr lang="en-CA" dirty="0"/>
-              <a:t>So what’s the story? </a:t>
+              <a:t>So what’s the story – is this entirely patient selection, or does the MD have control? Think back to leniency IV from last semester!</a:t>
             </a:r>
           </a:p>
         </p:txBody>
@@ -7130,8 +7114,19 @@
           <a:p>
             <a:r>
               <a:rPr lang="en-CA" dirty="0"/>
-              <a:t>What are the key parameters here? The alphas – what does it mean if they are positive? Negative? What does lambda mean? The value of life (relating survival to cost in same units – can largely ignore this). Lambda has been estimated around $100,000/life-year , but lambda could be much smaller, even 0, if patients/MDs aren’t paying for treatment themselves. </a:t>
+              <a:t>Roy model: one of comparative advantage. </a:t>
             </a:r>
+            <a:r>
+              <a:rPr lang="en-US" b="0" i="0" dirty="0">
+                <a:solidFill>
+                  <a:srgbClr val="202122"/>
+                </a:solidFill>
+                <a:effectLst/>
+                <a:latin typeface="Arial" panose="020B0604020202020204" pitchFamily="34" charset="0"/>
+              </a:rPr>
+              <a:t>Roy's original paper deals with workers selecting into fishing and hunting professions, where there is no uncertainty about the amount of goods (fish or rabbits) that will be caught in a given period, but fishing is more costly as it requires more skill. The central question that Roy tries to answer in the original paper is whether the best hunters will hunt and the best fishermen will fish. </a:t>
+            </a:r>
+            <a:endParaRPr lang="en-CA" dirty="0"/>
           </a:p>
         </p:txBody>
       </p:sp>
@@ -7161,7 +7156,7 @@
     </p:spTree>
     <p:extLst>
       <p:ext uri="{BB962C8B-B14F-4D97-AF65-F5344CB8AC3E}">
-        <p14:creationId xmlns:p14="http://schemas.microsoft.com/office/powerpoint/2010/main" val="3497347070"/>
+        <p14:creationId xmlns:p14="http://schemas.microsoft.com/office/powerpoint/2010/main" val="1657530554"/>
       </p:ext>
     </p:extLst>
   </p:cSld>
@@ -7217,7 +7212,7 @@
           <a:p>
             <a:r>
               <a:rPr lang="en-CA" dirty="0"/>
-              <a:t>Defining alpha, beta, epsilon as sums and differences</a:t>
+              <a:t>What are the key parameters here? The alphas – what does it mean if they are positive? Negative? What does lambda mean? The value of life (relating survival to cost in same units – can largely ignore this). Lambda has been estimated around $100,000/life-year , but lambda could be much smaller, even 0, if patients/MDs aren’t paying for treatment themselves. </a:t>
             </a:r>
           </a:p>
         </p:txBody>
@@ -7248,7 +7243,7 @@
     </p:spTree>
     <p:extLst>
       <p:ext uri="{BB962C8B-B14F-4D97-AF65-F5344CB8AC3E}">
-        <p14:creationId xmlns:p14="http://schemas.microsoft.com/office/powerpoint/2010/main" val="3626833123"/>
+        <p14:creationId xmlns:p14="http://schemas.microsoft.com/office/powerpoint/2010/main" val="3497347070"/>
       </p:ext>
     </p:extLst>
   </p:cSld>
@@ -7335,6 +7330,93 @@
     </p:spTree>
     <p:extLst>
       <p:ext uri="{BB962C8B-B14F-4D97-AF65-F5344CB8AC3E}">
+        <p14:creationId xmlns:p14="http://schemas.microsoft.com/office/powerpoint/2010/main" val="3626833123"/>
+      </p:ext>
+    </p:extLst>
+  </p:cSld>
+  <p:clrMapOvr>
+    <a:masterClrMapping/>
+  </p:clrMapOvr>
+</p:notes>
+</file>
+
+<file path=ppt/notesSlides/notesSlide33.xml><?xml version="1.0" encoding="utf-8"?>
+<p:notes xmlns:a="http://schemas.openxmlformats.org/drawingml/2006/main" xmlns:r="http://schemas.openxmlformats.org/officeDocument/2006/relationships" xmlns:p="http://schemas.openxmlformats.org/presentationml/2006/main">
+  <p:cSld>
+    <p:spTree>
+      <p:nvGrpSpPr>
+        <p:cNvPr id="1" name=""/>
+        <p:cNvGrpSpPr/>
+        <p:nvPr/>
+      </p:nvGrpSpPr>
+      <p:grpSpPr>
+        <a:xfrm>
+          <a:off x="0" y="0"/>
+          <a:ext cx="0" cy="0"/>
+          <a:chOff x="0" y="0"/>
+          <a:chExt cx="0" cy="0"/>
+        </a:xfrm>
+      </p:grpSpPr>
+      <p:sp>
+        <p:nvSpPr>
+          <p:cNvPr id="2" name="Slide Image Placeholder 1"/>
+          <p:cNvSpPr>
+            <a:spLocks noGrp="1" noRot="1" noChangeAspect="1"/>
+          </p:cNvSpPr>
+          <p:nvPr>
+            <p:ph type="sldImg"/>
+          </p:nvPr>
+        </p:nvSpPr>
+        <p:spPr/>
+      </p:sp>
+      <p:sp>
+        <p:nvSpPr>
+          <p:cNvPr id="3" name="Notes Placeholder 2"/>
+          <p:cNvSpPr>
+            <a:spLocks noGrp="1"/>
+          </p:cNvSpPr>
+          <p:nvPr>
+            <p:ph type="body" idx="1"/>
+          </p:nvPr>
+        </p:nvSpPr>
+        <p:spPr/>
+        <p:txBody>
+          <a:bodyPr/>
+          <a:lstStyle/>
+          <a:p>
+            <a:r>
+              <a:rPr lang="en-CA" dirty="0"/>
+              <a:t>Defining alpha, beta, epsilon as sums and differences</a:t>
+            </a:r>
+          </a:p>
+        </p:txBody>
+      </p:sp>
+      <p:sp>
+        <p:nvSpPr>
+          <p:cNvPr id="4" name="Slide Number Placeholder 3"/>
+          <p:cNvSpPr>
+            <a:spLocks noGrp="1"/>
+          </p:cNvSpPr>
+          <p:nvPr>
+            <p:ph type="sldNum" sz="quarter" idx="5"/>
+          </p:nvPr>
+        </p:nvSpPr>
+        <p:spPr/>
+        <p:txBody>
+          <a:bodyPr/>
+          <a:lstStyle/>
+          <a:p>
+            <a:fld id="{4AF79E1B-2C51-4B9B-8EA4-26DE9E345AFF}" type="slidenum">
+              <a:rPr lang="en-US" smtClean="0"/>
+              <a:t>35</a:t>
+            </a:fld>
+            <a:endParaRPr lang="en-US"/>
+          </a:p>
+        </p:txBody>
+      </p:sp>
+    </p:spTree>
+    <p:extLst>
+      <p:ext uri="{BB962C8B-B14F-4D97-AF65-F5344CB8AC3E}">
         <p14:creationId xmlns:p14="http://schemas.microsoft.com/office/powerpoint/2010/main" val="2773071088"/>
       </p:ext>
     </p:extLst>
@@ -7345,7 +7427,7 @@
 </p:notes>
 </file>
 
-<file path=ppt/notesSlides/notesSlide33.xml><?xml version="1.0" encoding="utf-8"?>
+<file path=ppt/notesSlides/notesSlide34.xml><?xml version="1.0" encoding="utf-8"?>
 <p:notes xmlns:a="http://schemas.openxmlformats.org/drawingml/2006/main" xmlns:r="http://schemas.openxmlformats.org/officeDocument/2006/relationships" xmlns:p="http://schemas.openxmlformats.org/presentationml/2006/main">
   <p:cSld>
     <p:spTree>
@@ -7440,7 +7522,7 @@
           <a:p>
             <a:fld id="{4AF79E1B-2C51-4B9B-8EA4-26DE9E345AFF}" type="slidenum">
               <a:rPr lang="en-US" smtClean="0"/>
-              <a:t>35</a:t>
+              <a:t>36</a:t>
             </a:fld>
             <a:endParaRPr lang="en-US"/>
           </a:p>
@@ -7459,7 +7541,7 @@
 </p:notes>
 </file>
 
-<file path=ppt/notesSlides/notesSlide34.xml><?xml version="1.0" encoding="utf-8"?>
+<file path=ppt/notesSlides/notesSlide35.xml><?xml version="1.0" encoding="utf-8"?>
 <p:notes xmlns:a="http://schemas.openxmlformats.org/drawingml/2006/main" xmlns:r="http://schemas.openxmlformats.org/officeDocument/2006/relationships" xmlns:p="http://schemas.openxmlformats.org/presentationml/2006/main">
   <p:cSld>
     <p:spTree>
@@ -7546,7 +7628,7 @@
           <a:p>
             <a:fld id="{4AF79E1B-2C51-4B9B-8EA4-26DE9E345AFF}" type="slidenum">
               <a:rPr lang="en-US" smtClean="0"/>
-              <a:t>36</a:t>
+              <a:t>37</a:t>
             </a:fld>
             <a:endParaRPr lang="en-US"/>
           </a:p>
@@ -7565,7 +7647,7 @@
 </p:notes>
 </file>
 
-<file path=ppt/notesSlides/notesSlide35.xml><?xml version="1.0" encoding="utf-8"?>
+<file path=ppt/notesSlides/notesSlide36.xml><?xml version="1.0" encoding="utf-8"?>
 <p:notes xmlns:a="http://schemas.openxmlformats.org/drawingml/2006/main" xmlns:r="http://schemas.openxmlformats.org/officeDocument/2006/relationships" xmlns:p="http://schemas.openxmlformats.org/presentationml/2006/main">
   <p:cSld>
     <p:spTree>
@@ -7643,7 +7725,7 @@
           <a:p>
             <a:fld id="{4AF79E1B-2C51-4B9B-8EA4-26DE9E345AFF}" type="slidenum">
               <a:rPr lang="en-US" smtClean="0"/>
-              <a:t>37</a:t>
+              <a:t>38</a:t>
             </a:fld>
             <a:endParaRPr lang="en-US"/>
           </a:p>
@@ -7653,97 +7735,6 @@
     <p:extLst>
       <p:ext uri="{BB962C8B-B14F-4D97-AF65-F5344CB8AC3E}">
         <p14:creationId xmlns:p14="http://schemas.microsoft.com/office/powerpoint/2010/main" val="3352296915"/>
-      </p:ext>
-    </p:extLst>
-  </p:cSld>
-  <p:clrMapOvr>
-    <a:masterClrMapping/>
-  </p:clrMapOvr>
-</p:notes>
-</file>
-
-<file path=ppt/notesSlides/notesSlide36.xml><?xml version="1.0" encoding="utf-8"?>
-<p:notes xmlns:a="http://schemas.openxmlformats.org/drawingml/2006/main" xmlns:r="http://schemas.openxmlformats.org/officeDocument/2006/relationships" xmlns:p="http://schemas.openxmlformats.org/presentationml/2006/main">
-  <p:cSld>
-    <p:spTree>
-      <p:nvGrpSpPr>
-        <p:cNvPr id="1" name=""/>
-        <p:cNvGrpSpPr/>
-        <p:nvPr/>
-      </p:nvGrpSpPr>
-      <p:grpSpPr>
-        <a:xfrm>
-          <a:off x="0" y="0"/>
-          <a:ext cx="0" cy="0"/>
-          <a:chOff x="0" y="0"/>
-          <a:chExt cx="0" cy="0"/>
-        </a:xfrm>
-      </p:grpSpPr>
-      <p:sp>
-        <p:nvSpPr>
-          <p:cNvPr id="2" name="Slide Image Placeholder 1"/>
-          <p:cNvSpPr>
-            <a:spLocks noGrp="1" noRot="1" noChangeAspect="1"/>
-          </p:cNvSpPr>
-          <p:nvPr>
-            <p:ph type="sldImg"/>
-          </p:nvPr>
-        </p:nvSpPr>
-        <p:spPr/>
-      </p:sp>
-      <p:sp>
-        <p:nvSpPr>
-          <p:cNvPr id="3" name="Notes Placeholder 2"/>
-          <p:cNvSpPr>
-            <a:spLocks noGrp="1"/>
-          </p:cNvSpPr>
-          <p:nvPr>
-            <p:ph type="body" idx="1"/>
-          </p:nvPr>
-        </p:nvSpPr>
-        <p:spPr/>
-        <p:txBody>
-          <a:bodyPr/>
-          <a:lstStyle/>
-          <a:p>
-            <a:pPr algn="l"/>
-            <a:r>
-              <a:rPr lang="en-CA" sz="1800" b="0" i="0" u="none" strike="noStrike" baseline="0" dirty="0">
-                <a:latin typeface="NewBaskerville-Roman"/>
-              </a:rPr>
-              <a:t>Suppose that different regions have different distributions F(Z). </a:t>
-            </a:r>
-            <a:endParaRPr lang="en-CA" dirty="0"/>
-          </a:p>
-        </p:txBody>
-      </p:sp>
-      <p:sp>
-        <p:nvSpPr>
-          <p:cNvPr id="4" name="Slide Number Placeholder 3"/>
-          <p:cNvSpPr>
-            <a:spLocks noGrp="1"/>
-          </p:cNvSpPr>
-          <p:nvPr>
-            <p:ph type="sldNum" sz="quarter" idx="5"/>
-          </p:nvPr>
-        </p:nvSpPr>
-        <p:spPr/>
-        <p:txBody>
-          <a:bodyPr/>
-          <a:lstStyle/>
-          <a:p>
-            <a:fld id="{4AF79E1B-2C51-4B9B-8EA4-26DE9E345AFF}" type="slidenum">
-              <a:rPr lang="en-US" smtClean="0"/>
-              <a:t>38</a:t>
-            </a:fld>
-            <a:endParaRPr lang="en-US"/>
-          </a:p>
-        </p:txBody>
-      </p:sp>
-    </p:spTree>
-    <p:extLst>
-      <p:ext uri="{BB962C8B-B14F-4D97-AF65-F5344CB8AC3E}">
-        <p14:creationId xmlns:p14="http://schemas.microsoft.com/office/powerpoint/2010/main" val="3646341940"/>
       </p:ext>
     </p:extLst>
   </p:cSld>
@@ -7834,6 +7825,97 @@
     </p:spTree>
     <p:extLst>
       <p:ext uri="{BB962C8B-B14F-4D97-AF65-F5344CB8AC3E}">
+        <p14:creationId xmlns:p14="http://schemas.microsoft.com/office/powerpoint/2010/main" val="3646341940"/>
+      </p:ext>
+    </p:extLst>
+  </p:cSld>
+  <p:clrMapOvr>
+    <a:masterClrMapping/>
+  </p:clrMapOvr>
+</p:notes>
+</file>
+
+<file path=ppt/notesSlides/notesSlide38.xml><?xml version="1.0" encoding="utf-8"?>
+<p:notes xmlns:a="http://schemas.openxmlformats.org/drawingml/2006/main" xmlns:r="http://schemas.openxmlformats.org/officeDocument/2006/relationships" xmlns:p="http://schemas.openxmlformats.org/presentationml/2006/main">
+  <p:cSld>
+    <p:spTree>
+      <p:nvGrpSpPr>
+        <p:cNvPr id="1" name=""/>
+        <p:cNvGrpSpPr/>
+        <p:nvPr/>
+      </p:nvGrpSpPr>
+      <p:grpSpPr>
+        <a:xfrm>
+          <a:off x="0" y="0"/>
+          <a:ext cx="0" cy="0"/>
+          <a:chOff x="0" y="0"/>
+          <a:chExt cx="0" cy="0"/>
+        </a:xfrm>
+      </p:grpSpPr>
+      <p:sp>
+        <p:nvSpPr>
+          <p:cNvPr id="2" name="Slide Image Placeholder 1"/>
+          <p:cNvSpPr>
+            <a:spLocks noGrp="1" noRot="1" noChangeAspect="1"/>
+          </p:cNvSpPr>
+          <p:nvPr>
+            <p:ph type="sldImg"/>
+          </p:nvPr>
+        </p:nvSpPr>
+        <p:spPr/>
+      </p:sp>
+      <p:sp>
+        <p:nvSpPr>
+          <p:cNvPr id="3" name="Notes Placeholder 2"/>
+          <p:cNvSpPr>
+            <a:spLocks noGrp="1"/>
+          </p:cNvSpPr>
+          <p:nvPr>
+            <p:ph type="body" idx="1"/>
+          </p:nvPr>
+        </p:nvSpPr>
+        <p:spPr/>
+        <p:txBody>
+          <a:bodyPr/>
+          <a:lstStyle/>
+          <a:p>
+            <a:pPr algn="l"/>
+            <a:r>
+              <a:rPr lang="en-CA" sz="1800" b="0" i="0" u="none" strike="noStrike" baseline="0" dirty="0">
+                <a:latin typeface="NewBaskerville-Roman"/>
+              </a:rPr>
+              <a:t>Suppose that different regions have different distributions F(Z). </a:t>
+            </a:r>
+            <a:endParaRPr lang="en-CA" dirty="0"/>
+          </a:p>
+        </p:txBody>
+      </p:sp>
+      <p:sp>
+        <p:nvSpPr>
+          <p:cNvPr id="4" name="Slide Number Placeholder 3"/>
+          <p:cNvSpPr>
+            <a:spLocks noGrp="1"/>
+          </p:cNvSpPr>
+          <p:nvPr>
+            <p:ph type="sldNum" sz="quarter" idx="5"/>
+          </p:nvPr>
+        </p:nvSpPr>
+        <p:spPr/>
+        <p:txBody>
+          <a:bodyPr/>
+          <a:lstStyle/>
+          <a:p>
+            <a:fld id="{4AF79E1B-2C51-4B9B-8EA4-26DE9E345AFF}" type="slidenum">
+              <a:rPr lang="en-US" smtClean="0"/>
+              <a:t>40</a:t>
+            </a:fld>
+            <a:endParaRPr lang="en-US"/>
+          </a:p>
+        </p:txBody>
+      </p:sp>
+    </p:spTree>
+    <p:extLst>
+      <p:ext uri="{BB962C8B-B14F-4D97-AF65-F5344CB8AC3E}">
         <p14:creationId xmlns:p14="http://schemas.microsoft.com/office/powerpoint/2010/main" val="2179013177"/>
       </p:ext>
     </p:extLst>
@@ -7844,7 +7926,7 @@
 </p:notes>
 </file>
 
-<file path=ppt/notesSlides/notesSlide38.xml><?xml version="1.0" encoding="utf-8"?>
+<file path=ppt/notesSlides/notesSlide39.xml><?xml version="1.0" encoding="utf-8"?>
 <p:notes xmlns:a="http://schemas.openxmlformats.org/drawingml/2006/main" xmlns:r="http://schemas.openxmlformats.org/officeDocument/2006/relationships" xmlns:p="http://schemas.openxmlformats.org/presentationml/2006/main">
   <p:cSld>
     <p:spTree>
@@ -7925,7 +8007,7 @@
           <a:p>
             <a:fld id="{4AF79E1B-2C51-4B9B-8EA4-26DE9E345AFF}" type="slidenum">
               <a:rPr lang="en-US" smtClean="0"/>
-              <a:t>40</a:t>
+              <a:t>41</a:t>
             </a:fld>
             <a:endParaRPr lang="en-US"/>
           </a:p>
@@ -7935,109 +8017,6 @@
     <p:extLst>
       <p:ext uri="{BB962C8B-B14F-4D97-AF65-F5344CB8AC3E}">
         <p14:creationId xmlns:p14="http://schemas.microsoft.com/office/powerpoint/2010/main" val="623155655"/>
-      </p:ext>
-    </p:extLst>
-  </p:cSld>
-  <p:clrMapOvr>
-    <a:masterClrMapping/>
-  </p:clrMapOvr>
-</p:notes>
-</file>
-
-<file path=ppt/notesSlides/notesSlide39.xml><?xml version="1.0" encoding="utf-8"?>
-<p:notes xmlns:a="http://schemas.openxmlformats.org/drawingml/2006/main" xmlns:r="http://schemas.openxmlformats.org/officeDocument/2006/relationships" xmlns:p="http://schemas.openxmlformats.org/presentationml/2006/main">
-  <p:cSld>
-    <p:spTree>
-      <p:nvGrpSpPr>
-        <p:cNvPr id="1" name=""/>
-        <p:cNvGrpSpPr/>
-        <p:nvPr/>
-      </p:nvGrpSpPr>
-      <p:grpSpPr>
-        <a:xfrm>
-          <a:off x="0" y="0"/>
-          <a:ext cx="0" cy="0"/>
-          <a:chOff x="0" y="0"/>
-          <a:chExt cx="0" cy="0"/>
-        </a:xfrm>
-      </p:grpSpPr>
-      <p:sp>
-        <p:nvSpPr>
-          <p:cNvPr id="2" name="Slide Image Placeholder 1"/>
-          <p:cNvSpPr>
-            <a:spLocks noGrp="1" noRot="1" noChangeAspect="1"/>
-          </p:cNvSpPr>
-          <p:nvPr>
-            <p:ph type="sldImg"/>
-          </p:nvPr>
-        </p:nvSpPr>
-        <p:spPr/>
-      </p:sp>
-      <p:sp>
-        <p:nvSpPr>
-          <p:cNvPr id="3" name="Notes Placeholder 2"/>
-          <p:cNvSpPr>
-            <a:spLocks noGrp="1"/>
-          </p:cNvSpPr>
-          <p:nvPr>
-            <p:ph type="body" idx="1"/>
-          </p:nvPr>
-        </p:nvSpPr>
-        <p:spPr/>
-        <p:txBody>
-          <a:bodyPr/>
-          <a:lstStyle/>
-          <a:p>
-            <a:pPr algn="l"/>
-            <a:r>
-              <a:rPr lang="en-CA" sz="1800" b="0" i="0" u="none" strike="noStrike" baseline="0" dirty="0">
-                <a:latin typeface="NewBaskerville-Roman"/>
-              </a:rPr>
-              <a:t>Just like in </a:t>
-            </a:r>
-            <a:r>
-              <a:rPr lang="en-CA" sz="1800" b="0" i="0" u="none" strike="noStrike" baseline="0" dirty="0" err="1">
-                <a:latin typeface="NewBaskerville-Roman"/>
-              </a:rPr>
-              <a:t>Dranove</a:t>
-            </a:r>
-            <a:r>
-              <a:rPr lang="en-CA" sz="1800" b="0" i="0" u="none" strike="noStrike" baseline="0" dirty="0">
-                <a:latin typeface="NewBaskerville-Roman"/>
-              </a:rPr>
-              <a:t>! </a:t>
-            </a:r>
-            <a:endParaRPr lang="en-CA" dirty="0"/>
-          </a:p>
-        </p:txBody>
-      </p:sp>
-      <p:sp>
-        <p:nvSpPr>
-          <p:cNvPr id="4" name="Slide Number Placeholder 3"/>
-          <p:cNvSpPr>
-            <a:spLocks noGrp="1"/>
-          </p:cNvSpPr>
-          <p:nvPr>
-            <p:ph type="sldNum" sz="quarter" idx="5"/>
-          </p:nvPr>
-        </p:nvSpPr>
-        <p:spPr/>
-        <p:txBody>
-          <a:bodyPr/>
-          <a:lstStyle/>
-          <a:p>
-            <a:fld id="{4AF79E1B-2C51-4B9B-8EA4-26DE9E345AFF}" type="slidenum">
-              <a:rPr lang="en-US" smtClean="0"/>
-              <a:t>41</a:t>
-            </a:fld>
-            <a:endParaRPr lang="en-US"/>
-          </a:p>
-        </p:txBody>
-      </p:sp>
-    </p:spTree>
-    <p:extLst>
-      <p:ext uri="{BB962C8B-B14F-4D97-AF65-F5344CB8AC3E}">
-        <p14:creationId xmlns:p14="http://schemas.microsoft.com/office/powerpoint/2010/main" val="3017512749"/>
       </p:ext>
     </p:extLst>
   </p:cSld>
@@ -8183,7 +8162,19 @@
               <a:rPr lang="en-CA" sz="1800" b="0" i="0" u="none" strike="noStrike" baseline="0" dirty="0">
                 <a:latin typeface="NewBaskerville-Roman"/>
               </a:rPr>
-              <a:t>Preferences of society affect individual. This is the kicker figure</a:t>
+              <a:t>Just like in </a:t>
+            </a:r>
+            <a:r>
+              <a:rPr lang="en-CA" sz="1800" b="0" i="0" u="none" strike="noStrike" baseline="0" dirty="0" err="1">
+                <a:latin typeface="NewBaskerville-Roman"/>
+              </a:rPr>
+              <a:t>Dranove</a:t>
+            </a:r>
+            <a:r>
+              <a:rPr lang="en-CA" sz="1800" b="0" i="0" u="none" strike="noStrike" baseline="0" dirty="0">
+                <a:latin typeface="NewBaskerville-Roman"/>
+              </a:rPr>
+              <a:t>! </a:t>
             </a:r>
             <a:endParaRPr lang="en-CA" dirty="0"/>
           </a:p>
@@ -8215,6 +8206,97 @@
     </p:spTree>
     <p:extLst>
       <p:ext uri="{BB962C8B-B14F-4D97-AF65-F5344CB8AC3E}">
+        <p14:creationId xmlns:p14="http://schemas.microsoft.com/office/powerpoint/2010/main" val="3017512749"/>
+      </p:ext>
+    </p:extLst>
+  </p:cSld>
+  <p:clrMapOvr>
+    <a:masterClrMapping/>
+  </p:clrMapOvr>
+</p:notes>
+</file>
+
+<file path=ppt/notesSlides/notesSlide41.xml><?xml version="1.0" encoding="utf-8"?>
+<p:notes xmlns:a="http://schemas.openxmlformats.org/drawingml/2006/main" xmlns:r="http://schemas.openxmlformats.org/officeDocument/2006/relationships" xmlns:p="http://schemas.openxmlformats.org/presentationml/2006/main">
+  <p:cSld>
+    <p:spTree>
+      <p:nvGrpSpPr>
+        <p:cNvPr id="1" name=""/>
+        <p:cNvGrpSpPr/>
+        <p:nvPr/>
+      </p:nvGrpSpPr>
+      <p:grpSpPr>
+        <a:xfrm>
+          <a:off x="0" y="0"/>
+          <a:ext cx="0" cy="0"/>
+          <a:chOff x="0" y="0"/>
+          <a:chExt cx="0" cy="0"/>
+        </a:xfrm>
+      </p:grpSpPr>
+      <p:sp>
+        <p:nvSpPr>
+          <p:cNvPr id="2" name="Slide Image Placeholder 1"/>
+          <p:cNvSpPr>
+            <a:spLocks noGrp="1" noRot="1" noChangeAspect="1"/>
+          </p:cNvSpPr>
+          <p:nvPr>
+            <p:ph type="sldImg"/>
+          </p:nvPr>
+        </p:nvSpPr>
+        <p:spPr/>
+      </p:sp>
+      <p:sp>
+        <p:nvSpPr>
+          <p:cNvPr id="3" name="Notes Placeholder 2"/>
+          <p:cNvSpPr>
+            <a:spLocks noGrp="1"/>
+          </p:cNvSpPr>
+          <p:nvPr>
+            <p:ph type="body" idx="1"/>
+          </p:nvPr>
+        </p:nvSpPr>
+        <p:spPr/>
+        <p:txBody>
+          <a:bodyPr/>
+          <a:lstStyle/>
+          <a:p>
+            <a:pPr algn="l"/>
+            <a:r>
+              <a:rPr lang="en-CA" sz="1800" b="0" i="0" u="none" strike="noStrike" baseline="0" dirty="0">
+                <a:latin typeface="NewBaskerville-Roman"/>
+              </a:rPr>
+              <a:t>Preferences of society affect individual. This is the kicker figure</a:t>
+            </a:r>
+            <a:endParaRPr lang="en-CA" dirty="0"/>
+          </a:p>
+        </p:txBody>
+      </p:sp>
+      <p:sp>
+        <p:nvSpPr>
+          <p:cNvPr id="4" name="Slide Number Placeholder 3"/>
+          <p:cNvSpPr>
+            <a:spLocks noGrp="1"/>
+          </p:cNvSpPr>
+          <p:nvPr>
+            <p:ph type="sldNum" sz="quarter" idx="5"/>
+          </p:nvPr>
+        </p:nvSpPr>
+        <p:spPr/>
+        <p:txBody>
+          <a:bodyPr/>
+          <a:lstStyle/>
+          <a:p>
+            <a:fld id="{4AF79E1B-2C51-4B9B-8EA4-26DE9E345AFF}" type="slidenum">
+              <a:rPr lang="en-US" smtClean="0"/>
+              <a:t>43</a:t>
+            </a:fld>
+            <a:endParaRPr lang="en-US"/>
+          </a:p>
+        </p:txBody>
+      </p:sp>
+    </p:spTree>
+    <p:extLst>
+      <p:ext uri="{BB962C8B-B14F-4D97-AF65-F5344CB8AC3E}">
         <p14:creationId xmlns:p14="http://schemas.microsoft.com/office/powerpoint/2010/main" val="2516549306"/>
       </p:ext>
     </p:extLst>
@@ -8225,7 +8307,7 @@
 </p:notes>
 </file>
 
-<file path=ppt/notesSlides/notesSlide41.xml><?xml version="1.0" encoding="utf-8"?>
+<file path=ppt/notesSlides/notesSlide42.xml><?xml version="1.0" encoding="utf-8"?>
 <p:notes xmlns:a="http://schemas.openxmlformats.org/drawingml/2006/main" xmlns:r="http://schemas.openxmlformats.org/officeDocument/2006/relationships" xmlns:p="http://schemas.openxmlformats.org/presentationml/2006/main">
   <p:cSld>
     <p:spTree>
@@ -8297,7 +8379,7 @@
           <a:p>
             <a:fld id="{4AF79E1B-2C51-4B9B-8EA4-26DE9E345AFF}" type="slidenum">
               <a:rPr lang="en-US" smtClean="0"/>
-              <a:t>43</a:t>
+              <a:t>44</a:t>
             </a:fld>
             <a:endParaRPr lang="en-US"/>
           </a:p>
@@ -8307,93 +8389,6 @@
     <p:extLst>
       <p:ext uri="{BB962C8B-B14F-4D97-AF65-F5344CB8AC3E}">
         <p14:creationId xmlns:p14="http://schemas.microsoft.com/office/powerpoint/2010/main" val="1760650866"/>
-      </p:ext>
-    </p:extLst>
-  </p:cSld>
-  <p:clrMapOvr>
-    <a:masterClrMapping/>
-  </p:clrMapOvr>
-</p:notes>
-</file>
-
-<file path=ppt/notesSlides/notesSlide42.xml><?xml version="1.0" encoding="utf-8"?>
-<p:notes xmlns:a="http://schemas.openxmlformats.org/drawingml/2006/main" xmlns:r="http://schemas.openxmlformats.org/officeDocument/2006/relationships" xmlns:p="http://schemas.openxmlformats.org/presentationml/2006/main">
-  <p:cSld>
-    <p:spTree>
-      <p:nvGrpSpPr>
-        <p:cNvPr id="1" name=""/>
-        <p:cNvGrpSpPr/>
-        <p:nvPr/>
-      </p:nvGrpSpPr>
-      <p:grpSpPr>
-        <a:xfrm>
-          <a:off x="0" y="0"/>
-          <a:ext cx="0" cy="0"/>
-          <a:chOff x="0" y="0"/>
-          <a:chExt cx="0" cy="0"/>
-        </a:xfrm>
-      </p:grpSpPr>
-      <p:sp>
-        <p:nvSpPr>
-          <p:cNvPr id="2" name="Slide Image Placeholder 1"/>
-          <p:cNvSpPr>
-            <a:spLocks noGrp="1" noRot="1" noChangeAspect="1"/>
-          </p:cNvSpPr>
-          <p:nvPr>
-            <p:ph type="sldImg"/>
-          </p:nvPr>
-        </p:nvSpPr>
-        <p:spPr/>
-      </p:sp>
-      <p:sp>
-        <p:nvSpPr>
-          <p:cNvPr id="3" name="Notes Placeholder 2"/>
-          <p:cNvSpPr>
-            <a:spLocks noGrp="1"/>
-          </p:cNvSpPr>
-          <p:nvPr>
-            <p:ph type="body" idx="1"/>
-          </p:nvPr>
-        </p:nvSpPr>
-        <p:spPr/>
-        <p:txBody>
-          <a:bodyPr/>
-          <a:lstStyle/>
-          <a:p>
-            <a:r>
-              <a:rPr lang="en-CA" dirty="0"/>
-              <a:t>What is the comparison of utilities in both states? –pi(Z)+mu(E) in one state and mu(E-P) in another</a:t>
-            </a:r>
-          </a:p>
-        </p:txBody>
-      </p:sp>
-      <p:sp>
-        <p:nvSpPr>
-          <p:cNvPr id="4" name="Slide Number Placeholder 3"/>
-          <p:cNvSpPr>
-            <a:spLocks noGrp="1"/>
-          </p:cNvSpPr>
-          <p:nvPr>
-            <p:ph type="sldNum" sz="quarter" idx="5"/>
-          </p:nvPr>
-        </p:nvSpPr>
-        <p:spPr/>
-        <p:txBody>
-          <a:bodyPr/>
-          <a:lstStyle/>
-          <a:p>
-            <a:fld id="{4AF79E1B-2C51-4B9B-8EA4-26DE9E345AFF}" type="slidenum">
-              <a:rPr lang="en-US" smtClean="0"/>
-              <a:t>44</a:t>
-            </a:fld>
-            <a:endParaRPr lang="en-US"/>
-          </a:p>
-        </p:txBody>
-      </p:sp>
-    </p:spTree>
-    <p:extLst>
-      <p:ext uri="{BB962C8B-B14F-4D97-AF65-F5344CB8AC3E}">
-        <p14:creationId xmlns:p14="http://schemas.microsoft.com/office/powerpoint/2010/main" val="2641950494"/>
       </p:ext>
     </p:extLst>
   </p:cSld>
@@ -8536,8 +8531,13 @@
           <a:p>
             <a:r>
               <a:rPr lang="en-CA" dirty="0"/>
-              <a:t>Do this part if there’s time? </a:t>
+              <a:t>Walk through empirics if there is time – especially equation 8, table 1</a:t>
             </a:r>
+            <a:r>
+              <a:rPr lang="en-CA"/>
+              <a:t>, figure 3</a:t>
+            </a:r>
+            <a:endParaRPr lang="en-CA" dirty="0"/>
           </a:p>
         </p:txBody>
       </p:sp>
@@ -8567,7 +8567,7 @@
     </p:spTree>
     <p:extLst>
       <p:ext uri="{BB962C8B-B14F-4D97-AF65-F5344CB8AC3E}">
-        <p14:creationId xmlns:p14="http://schemas.microsoft.com/office/powerpoint/2010/main" val="1621617593"/>
+        <p14:creationId xmlns:p14="http://schemas.microsoft.com/office/powerpoint/2010/main" val="2641950494"/>
       </p:ext>
     </p:extLst>
   </p:cSld>
@@ -8661,6 +8661,93 @@
 </p:notes>
 </file>
 
+<file path=ppt/notesSlides/notesSlide46.xml><?xml version="1.0" encoding="utf-8"?>
+<p:notes xmlns:a="http://schemas.openxmlformats.org/drawingml/2006/main" xmlns:r="http://schemas.openxmlformats.org/officeDocument/2006/relationships" xmlns:p="http://schemas.openxmlformats.org/presentationml/2006/main">
+  <p:cSld>
+    <p:spTree>
+      <p:nvGrpSpPr>
+        <p:cNvPr id="1" name=""/>
+        <p:cNvGrpSpPr/>
+        <p:nvPr/>
+      </p:nvGrpSpPr>
+      <p:grpSpPr>
+        <a:xfrm>
+          <a:off x="0" y="0"/>
+          <a:ext cx="0" cy="0"/>
+          <a:chOff x="0" y="0"/>
+          <a:chExt cx="0" cy="0"/>
+        </a:xfrm>
+      </p:grpSpPr>
+      <p:sp>
+        <p:nvSpPr>
+          <p:cNvPr id="2" name="Slide Image Placeholder 1"/>
+          <p:cNvSpPr>
+            <a:spLocks noGrp="1" noRot="1" noChangeAspect="1"/>
+          </p:cNvSpPr>
+          <p:nvPr>
+            <p:ph type="sldImg"/>
+          </p:nvPr>
+        </p:nvSpPr>
+        <p:spPr/>
+      </p:sp>
+      <p:sp>
+        <p:nvSpPr>
+          <p:cNvPr id="3" name="Notes Placeholder 2"/>
+          <p:cNvSpPr>
+            <a:spLocks noGrp="1"/>
+          </p:cNvSpPr>
+          <p:nvPr>
+            <p:ph type="body" idx="1"/>
+          </p:nvPr>
+        </p:nvSpPr>
+        <p:spPr/>
+        <p:txBody>
+          <a:bodyPr/>
+          <a:lstStyle/>
+          <a:p>
+            <a:r>
+              <a:rPr lang="en-CA" dirty="0"/>
+              <a:t>Do this part if there’s time? </a:t>
+            </a:r>
+          </a:p>
+        </p:txBody>
+      </p:sp>
+      <p:sp>
+        <p:nvSpPr>
+          <p:cNvPr id="4" name="Slide Number Placeholder 3"/>
+          <p:cNvSpPr>
+            <a:spLocks noGrp="1"/>
+          </p:cNvSpPr>
+          <p:nvPr>
+            <p:ph type="sldNum" sz="quarter" idx="5"/>
+          </p:nvPr>
+        </p:nvSpPr>
+        <p:spPr/>
+        <p:txBody>
+          <a:bodyPr/>
+          <a:lstStyle/>
+          <a:p>
+            <a:fld id="{4AF79E1B-2C51-4B9B-8EA4-26DE9E345AFF}" type="slidenum">
+              <a:rPr lang="en-US" smtClean="0"/>
+              <a:t>48</a:t>
+            </a:fld>
+            <a:endParaRPr lang="en-US"/>
+          </a:p>
+        </p:txBody>
+      </p:sp>
+    </p:spTree>
+    <p:extLst>
+      <p:ext uri="{BB962C8B-B14F-4D97-AF65-F5344CB8AC3E}">
+        <p14:creationId xmlns:p14="http://schemas.microsoft.com/office/powerpoint/2010/main" val="1621617593"/>
+      </p:ext>
+    </p:extLst>
+  </p:cSld>
+  <p:clrMapOvr>
+    <a:masterClrMapping/>
+  </p:clrMapOvr>
+</p:notes>
+</file>
+
 <file path=ppt/notesSlides/notesSlide5.xml><?xml version="1.0" encoding="utf-8"?>
 <p:notes xmlns:a="http://schemas.openxmlformats.org/drawingml/2006/main" xmlns:r="http://schemas.openxmlformats.org/officeDocument/2006/relationships" xmlns:p="http://schemas.openxmlformats.org/presentationml/2006/main">
   <p:cSld>
@@ -8707,7 +8794,7 @@
           <a:p>
             <a:r>
               <a:rPr lang="en-CA" dirty="0"/>
-              <a:t>We’ll come back to this question </a:t>
+              <a:t>We’ll come back to this question – source Johnson 2014 (“Physician-Induced Demand”)</a:t>
             </a:r>
           </a:p>
         </p:txBody>
@@ -9265,7 +9352,7 @@
             <a:fld id="{0972D05C-DCFB-4BB6-B49C-AC126BF3ED2C}" type="datetimeFigureOut">
               <a:rPr lang="en-US" smtClean="0"/>
               <a:pPr/>
-              <a:t>11/25/2022</a:t>
+              <a:t>2/6/2023</a:t>
             </a:fld>
             <a:endParaRPr lang="en-US"/>
           </a:p>
@@ -9495,7 +9582,7 @@
             <a:fld id="{0972D05C-DCFB-4BB6-B49C-AC126BF3ED2C}" type="datetimeFigureOut">
               <a:rPr lang="en-US" smtClean="0"/>
               <a:pPr/>
-              <a:t>11/25/2022</a:t>
+              <a:t>2/6/2023</a:t>
             </a:fld>
             <a:endParaRPr lang="en-US"/>
           </a:p>
@@ -9677,7 +9764,7 @@
             <a:fld id="{0972D05C-DCFB-4BB6-B49C-AC126BF3ED2C}" type="datetimeFigureOut">
               <a:rPr lang="en-US" smtClean="0"/>
               <a:pPr/>
-              <a:t>11/25/2022</a:t>
+              <a:t>2/6/2023</a:t>
             </a:fld>
             <a:endParaRPr lang="en-US"/>
           </a:p>
@@ -9849,7 +9936,7 @@
             <a:fld id="{0972D05C-DCFB-4BB6-B49C-AC126BF3ED2C}" type="datetimeFigureOut">
               <a:rPr lang="en-US" smtClean="0"/>
               <a:pPr/>
-              <a:t>11/25/2022</a:t>
+              <a:t>2/6/2023</a:t>
             </a:fld>
             <a:endParaRPr lang="en-US"/>
           </a:p>
@@ -10105,7 +10192,7 @@
             <a:fld id="{0972D05C-DCFB-4BB6-B49C-AC126BF3ED2C}" type="datetimeFigureOut">
               <a:rPr lang="en-US" smtClean="0"/>
               <a:pPr/>
-              <a:t>11/25/2022</a:t>
+              <a:t>2/6/2023</a:t>
             </a:fld>
             <a:endParaRPr lang="en-US"/>
           </a:p>
@@ -10433,7 +10520,7 @@
             <a:fld id="{0972D05C-DCFB-4BB6-B49C-AC126BF3ED2C}" type="datetimeFigureOut">
               <a:rPr lang="en-US" smtClean="0"/>
               <a:pPr/>
-              <a:t>11/25/2022</a:t>
+              <a:t>2/6/2023</a:t>
             </a:fld>
             <a:endParaRPr lang="en-US"/>
           </a:p>
@@ -10886,7 +10973,7 @@
             <a:fld id="{0972D05C-DCFB-4BB6-B49C-AC126BF3ED2C}" type="datetimeFigureOut">
               <a:rPr lang="en-US" smtClean="0"/>
               <a:pPr/>
-              <a:t>11/25/2022</a:t>
+              <a:t>2/6/2023</a:t>
             </a:fld>
             <a:endParaRPr lang="en-US"/>
           </a:p>
@@ -11006,7 +11093,7 @@
             <a:fld id="{0972D05C-DCFB-4BB6-B49C-AC126BF3ED2C}" type="datetimeFigureOut">
               <a:rPr lang="en-US" smtClean="0"/>
               <a:pPr/>
-              <a:t>11/25/2022</a:t>
+              <a:t>2/6/2023</a:t>
             </a:fld>
             <a:endParaRPr lang="en-US"/>
           </a:p>
@@ -11103,7 +11190,7 @@
             <a:fld id="{0972D05C-DCFB-4BB6-B49C-AC126BF3ED2C}" type="datetimeFigureOut">
               <a:rPr lang="en-US" smtClean="0"/>
               <a:pPr/>
-              <a:t>11/25/2022</a:t>
+              <a:t>2/6/2023</a:t>
             </a:fld>
             <a:endParaRPr lang="en-US"/>
           </a:p>
@@ -11392,7 +11479,7 @@
             <a:fld id="{0972D05C-DCFB-4BB6-B49C-AC126BF3ED2C}" type="datetimeFigureOut">
               <a:rPr lang="en-US" smtClean="0"/>
               <a:pPr/>
-              <a:t>11/25/2022</a:t>
+              <a:t>2/6/2023</a:t>
             </a:fld>
             <a:endParaRPr lang="en-US"/>
           </a:p>
@@ -11716,7 +11803,7 @@
             <a:fld id="{0972D05C-DCFB-4BB6-B49C-AC126BF3ED2C}" type="datetimeFigureOut">
               <a:rPr lang="en-US" smtClean="0"/>
               <a:pPr/>
-              <a:t>11/25/2022</a:t>
+              <a:t>2/6/2023</a:t>
             </a:fld>
             <a:endParaRPr lang="en-US"/>
           </a:p>
@@ -11971,7 +12058,7 @@
             <a:fld id="{0972D05C-DCFB-4BB6-B49C-AC126BF3ED2C}" type="datetimeFigureOut">
               <a:rPr lang="en-US" smtClean="0"/>
               <a:pPr/>
-              <a:t>11/25/2022</a:t>
+              <a:t>2/6/2023</a:t>
             </a:fld>
             <a:endParaRPr lang="en-US" dirty="0"/>
           </a:p>
@@ -12729,8 +12816,8 @@
             <a:chExt cx="8102160" cy="522720"/>
           </a:xfrm>
         </p:grpSpPr>
-        <mc:AlternateContent xmlns:mc="http://schemas.openxmlformats.org/markup-compatibility/2006">
-          <mc:Choice xmlns:p14="http://schemas.microsoft.com/office/powerpoint/2010/main" Requires="p14">
+        <mc:AlternateContent xmlns:mc="http://schemas.openxmlformats.org/markup-compatibility/2006" xmlns:p14="http://schemas.microsoft.com/office/powerpoint/2010/main">
+          <mc:Choice Requires="p14">
             <p:contentPart p14:bwMode="auto" r:id="rId3">
               <p14:nvContentPartPr>
                 <p14:cNvPr id="4" name="Ink 3">
@@ -12749,7 +12836,7 @@
               </p14:xfrm>
             </p:contentPart>
           </mc:Choice>
-          <mc:Fallback>
+          <mc:Fallback xmlns="">
             <p:pic>
               <p:nvPicPr>
                 <p:cNvPr id="4" name="Ink 3">
@@ -12780,8 +12867,8 @@
             </p:pic>
           </mc:Fallback>
         </mc:AlternateContent>
-        <mc:AlternateContent xmlns:mc="http://schemas.openxmlformats.org/markup-compatibility/2006">
-          <mc:Choice xmlns:p14="http://schemas.microsoft.com/office/powerpoint/2010/main" Requires="p14">
+        <mc:AlternateContent xmlns:mc="http://schemas.openxmlformats.org/markup-compatibility/2006" xmlns:p14="http://schemas.microsoft.com/office/powerpoint/2010/main">
+          <mc:Choice Requires="p14">
             <p:contentPart p14:bwMode="auto" r:id="rId5">
               <p14:nvContentPartPr>
                 <p14:cNvPr id="5" name="Ink 4">
@@ -12800,7 +12887,7 @@
               </p14:xfrm>
             </p:contentPart>
           </mc:Choice>
-          <mc:Fallback>
+          <mc:Fallback xmlns="">
             <p:pic>
               <p:nvPicPr>
                 <p:cNvPr id="5" name="Ink 4">
@@ -12832,8 +12919,8 @@
           </mc:Fallback>
         </mc:AlternateContent>
       </p:grpSp>
-      <mc:AlternateContent xmlns:mc="http://schemas.openxmlformats.org/markup-compatibility/2006">
-        <mc:Choice xmlns:p14="http://schemas.microsoft.com/office/powerpoint/2010/main" Requires="p14">
+      <mc:AlternateContent xmlns:mc="http://schemas.openxmlformats.org/markup-compatibility/2006" xmlns:p14="http://schemas.microsoft.com/office/powerpoint/2010/main">
+        <mc:Choice Requires="p14">
           <p:contentPart p14:bwMode="auto" r:id="rId7">
             <p14:nvContentPartPr>
               <p14:cNvPr id="7" name="Ink 6">
@@ -12852,7 +12939,7 @@
             </p14:xfrm>
           </p:contentPart>
         </mc:Choice>
-        <mc:Fallback>
+        <mc:Fallback xmlns="">
           <p:pic>
             <p:nvPicPr>
               <p:cNvPr id="7" name="Ink 6">
@@ -12903,8 +12990,8 @@
             <a:chExt cx="730800" cy="504720"/>
           </a:xfrm>
         </p:grpSpPr>
-        <mc:AlternateContent xmlns:mc="http://schemas.openxmlformats.org/markup-compatibility/2006">
-          <mc:Choice xmlns:p14="http://schemas.microsoft.com/office/powerpoint/2010/main" Requires="p14">
+        <mc:AlternateContent xmlns:mc="http://schemas.openxmlformats.org/markup-compatibility/2006" xmlns:p14="http://schemas.microsoft.com/office/powerpoint/2010/main">
+          <mc:Choice Requires="p14">
             <p:contentPart p14:bwMode="auto" r:id="rId9">
               <p14:nvContentPartPr>
                 <p14:cNvPr id="23" name="Ink 22">
@@ -12923,7 +13010,7 @@
               </p14:xfrm>
             </p:contentPart>
           </mc:Choice>
-          <mc:Fallback>
+          <mc:Fallback xmlns="">
             <p:pic>
               <p:nvPicPr>
                 <p:cNvPr id="23" name="Ink 22">
@@ -12954,8 +13041,8 @@
             </p:pic>
           </mc:Fallback>
         </mc:AlternateContent>
-        <mc:AlternateContent xmlns:mc="http://schemas.openxmlformats.org/markup-compatibility/2006">
-          <mc:Choice xmlns:p14="http://schemas.microsoft.com/office/powerpoint/2010/main" Requires="p14">
+        <mc:AlternateContent xmlns:mc="http://schemas.openxmlformats.org/markup-compatibility/2006" xmlns:p14="http://schemas.microsoft.com/office/powerpoint/2010/main">
+          <mc:Choice Requires="p14">
             <p:contentPart p14:bwMode="auto" r:id="rId11">
               <p14:nvContentPartPr>
                 <p14:cNvPr id="24" name="Ink 23">
@@ -12974,7 +13061,7 @@
               </p14:xfrm>
             </p:contentPart>
           </mc:Choice>
-          <mc:Fallback>
+          <mc:Fallback xmlns="">
             <p:pic>
               <p:nvPicPr>
                 <p:cNvPr id="24" name="Ink 23">
@@ -13026,8 +13113,8 @@
             <a:chExt cx="762480" cy="1406880"/>
           </a:xfrm>
         </p:grpSpPr>
-        <mc:AlternateContent xmlns:mc="http://schemas.openxmlformats.org/markup-compatibility/2006">
-          <mc:Choice xmlns:p14="http://schemas.microsoft.com/office/powerpoint/2010/main" Requires="p14">
+        <mc:AlternateContent xmlns:mc="http://schemas.openxmlformats.org/markup-compatibility/2006" xmlns:p14="http://schemas.microsoft.com/office/powerpoint/2010/main">
+          <mc:Choice Requires="p14">
             <p:contentPart p14:bwMode="auto" r:id="rId13">
               <p14:nvContentPartPr>
                 <p14:cNvPr id="26" name="Ink 25">
@@ -13046,7 +13133,7 @@
               </p14:xfrm>
             </p:contentPart>
           </mc:Choice>
-          <mc:Fallback>
+          <mc:Fallback xmlns="">
             <p:pic>
               <p:nvPicPr>
                 <p:cNvPr id="26" name="Ink 25">
@@ -13077,8 +13164,8 @@
             </p:pic>
           </mc:Fallback>
         </mc:AlternateContent>
-        <mc:AlternateContent xmlns:mc="http://schemas.openxmlformats.org/markup-compatibility/2006">
-          <mc:Choice xmlns:p14="http://schemas.microsoft.com/office/powerpoint/2010/main" Requires="p14">
+        <mc:AlternateContent xmlns:mc="http://schemas.openxmlformats.org/markup-compatibility/2006" xmlns:p14="http://schemas.microsoft.com/office/powerpoint/2010/main">
+          <mc:Choice Requires="p14">
             <p:contentPart p14:bwMode="auto" r:id="rId15">
               <p14:nvContentPartPr>
                 <p14:cNvPr id="27" name="Ink 26">
@@ -13097,7 +13184,7 @@
               </p14:xfrm>
             </p:contentPart>
           </mc:Choice>
-          <mc:Fallback>
+          <mc:Fallback xmlns="">
             <p:pic>
               <p:nvPicPr>
                 <p:cNvPr id="27" name="Ink 26">
@@ -13128,8 +13215,8 @@
             </p:pic>
           </mc:Fallback>
         </mc:AlternateContent>
-        <mc:AlternateContent xmlns:mc="http://schemas.openxmlformats.org/markup-compatibility/2006">
-          <mc:Choice xmlns:p14="http://schemas.microsoft.com/office/powerpoint/2010/main" Requires="p14">
+        <mc:AlternateContent xmlns:mc="http://schemas.openxmlformats.org/markup-compatibility/2006" xmlns:p14="http://schemas.microsoft.com/office/powerpoint/2010/main">
+          <mc:Choice Requires="p14">
             <p:contentPart p14:bwMode="auto" r:id="rId17">
               <p14:nvContentPartPr>
                 <p14:cNvPr id="28" name="Ink 27">
@@ -13148,7 +13235,7 @@
               </p14:xfrm>
             </p:contentPart>
           </mc:Choice>
-          <mc:Fallback>
+          <mc:Fallback xmlns="">
             <p:pic>
               <p:nvPicPr>
                 <p:cNvPr id="28" name="Ink 27">
@@ -13200,8 +13287,8 @@
             <a:chExt cx="676440" cy="522000"/>
           </a:xfrm>
         </p:grpSpPr>
-        <mc:AlternateContent xmlns:mc="http://schemas.openxmlformats.org/markup-compatibility/2006">
-          <mc:Choice xmlns:p14="http://schemas.microsoft.com/office/powerpoint/2010/main" Requires="p14">
+        <mc:AlternateContent xmlns:mc="http://schemas.openxmlformats.org/markup-compatibility/2006" xmlns:p14="http://schemas.microsoft.com/office/powerpoint/2010/main">
+          <mc:Choice Requires="p14">
             <p:contentPart p14:bwMode="auto" r:id="rId19">
               <p14:nvContentPartPr>
                 <p14:cNvPr id="30" name="Ink 29">
@@ -13220,7 +13307,7 @@
               </p14:xfrm>
             </p:contentPart>
           </mc:Choice>
-          <mc:Fallback>
+          <mc:Fallback xmlns="">
             <p:pic>
               <p:nvPicPr>
                 <p:cNvPr id="30" name="Ink 29">
@@ -13251,8 +13338,8 @@
             </p:pic>
           </mc:Fallback>
         </mc:AlternateContent>
-        <mc:AlternateContent xmlns:mc="http://schemas.openxmlformats.org/markup-compatibility/2006">
-          <mc:Choice xmlns:p14="http://schemas.microsoft.com/office/powerpoint/2010/main" Requires="p14">
+        <mc:AlternateContent xmlns:mc="http://schemas.openxmlformats.org/markup-compatibility/2006" xmlns:p14="http://schemas.microsoft.com/office/powerpoint/2010/main">
+          <mc:Choice Requires="p14">
             <p:contentPart p14:bwMode="auto" r:id="rId21">
               <p14:nvContentPartPr>
                 <p14:cNvPr id="31" name="Ink 30">
@@ -13271,7 +13358,7 @@
               </p14:xfrm>
             </p:contentPart>
           </mc:Choice>
-          <mc:Fallback>
+          <mc:Fallback xmlns="">
             <p:pic>
               <p:nvPicPr>
                 <p:cNvPr id="31" name="Ink 30">
@@ -13302,8 +13389,8 @@
             </p:pic>
           </mc:Fallback>
         </mc:AlternateContent>
-        <mc:AlternateContent xmlns:mc="http://schemas.openxmlformats.org/markup-compatibility/2006">
-          <mc:Choice xmlns:p14="http://schemas.microsoft.com/office/powerpoint/2010/main" Requires="p14">
+        <mc:AlternateContent xmlns:mc="http://schemas.openxmlformats.org/markup-compatibility/2006" xmlns:p14="http://schemas.microsoft.com/office/powerpoint/2010/main">
+          <mc:Choice Requires="p14">
             <p:contentPart p14:bwMode="auto" r:id="rId23">
               <p14:nvContentPartPr>
                 <p14:cNvPr id="32" name="Ink 31">
@@ -13322,7 +13409,7 @@
               </p14:xfrm>
             </p:contentPart>
           </mc:Choice>
-          <mc:Fallback>
+          <mc:Fallback xmlns="">
             <p:pic>
               <p:nvPicPr>
                 <p:cNvPr id="32" name="Ink 31">
@@ -13374,8 +13461,8 @@
             <a:chExt cx="892080" cy="1221840"/>
           </a:xfrm>
         </p:grpSpPr>
-        <mc:AlternateContent xmlns:mc="http://schemas.openxmlformats.org/markup-compatibility/2006">
-          <mc:Choice xmlns:p14="http://schemas.microsoft.com/office/powerpoint/2010/main" Requires="p14">
+        <mc:AlternateContent xmlns:mc="http://schemas.openxmlformats.org/markup-compatibility/2006" xmlns:p14="http://schemas.microsoft.com/office/powerpoint/2010/main">
+          <mc:Choice Requires="p14">
             <p:contentPart p14:bwMode="auto" r:id="rId25">
               <p14:nvContentPartPr>
                 <p14:cNvPr id="34" name="Ink 33">
@@ -13394,7 +13481,7 @@
               </p14:xfrm>
             </p:contentPart>
           </mc:Choice>
-          <mc:Fallback>
+          <mc:Fallback xmlns="">
             <p:pic>
               <p:nvPicPr>
                 <p:cNvPr id="34" name="Ink 33">
@@ -13425,8 +13512,8 @@
             </p:pic>
           </mc:Fallback>
         </mc:AlternateContent>
-        <mc:AlternateContent xmlns:mc="http://schemas.openxmlformats.org/markup-compatibility/2006">
-          <mc:Choice xmlns:p14="http://schemas.microsoft.com/office/powerpoint/2010/main" Requires="p14">
+        <mc:AlternateContent xmlns:mc="http://schemas.openxmlformats.org/markup-compatibility/2006" xmlns:p14="http://schemas.microsoft.com/office/powerpoint/2010/main">
+          <mc:Choice Requires="p14">
             <p:contentPart p14:bwMode="auto" r:id="rId27">
               <p14:nvContentPartPr>
                 <p14:cNvPr id="35" name="Ink 34">
@@ -13445,7 +13532,7 @@
               </p14:xfrm>
             </p:contentPart>
           </mc:Choice>
-          <mc:Fallback>
+          <mc:Fallback xmlns="">
             <p:pic>
               <p:nvPicPr>
                 <p:cNvPr id="35" name="Ink 34">
@@ -13476,8 +13563,8 @@
             </p:pic>
           </mc:Fallback>
         </mc:AlternateContent>
-        <mc:AlternateContent xmlns:mc="http://schemas.openxmlformats.org/markup-compatibility/2006">
-          <mc:Choice xmlns:p14="http://schemas.microsoft.com/office/powerpoint/2010/main" Requires="p14">
+        <mc:AlternateContent xmlns:mc="http://schemas.openxmlformats.org/markup-compatibility/2006" xmlns:p14="http://schemas.microsoft.com/office/powerpoint/2010/main">
+          <mc:Choice Requires="p14">
             <p:contentPart p14:bwMode="auto" r:id="rId29">
               <p14:nvContentPartPr>
                 <p14:cNvPr id="36" name="Ink 35">
@@ -13496,7 +13583,7 @@
               </p14:xfrm>
             </p:contentPart>
           </mc:Choice>
-          <mc:Fallback>
+          <mc:Fallback xmlns="">
             <p:pic>
               <p:nvPicPr>
                 <p:cNvPr id="36" name="Ink 35">
@@ -13527,8 +13614,8 @@
             </p:pic>
           </mc:Fallback>
         </mc:AlternateContent>
-        <mc:AlternateContent xmlns:mc="http://schemas.openxmlformats.org/markup-compatibility/2006">
-          <mc:Choice xmlns:p14="http://schemas.microsoft.com/office/powerpoint/2010/main" Requires="p14">
+        <mc:AlternateContent xmlns:mc="http://schemas.openxmlformats.org/markup-compatibility/2006" xmlns:p14="http://schemas.microsoft.com/office/powerpoint/2010/main">
+          <mc:Choice Requires="p14">
             <p:contentPart p14:bwMode="auto" r:id="rId31">
               <p14:nvContentPartPr>
                 <p14:cNvPr id="37" name="Ink 36">
@@ -13547,7 +13634,7 @@
               </p14:xfrm>
             </p:contentPart>
           </mc:Choice>
-          <mc:Fallback>
+          <mc:Fallback xmlns="">
             <p:pic>
               <p:nvPicPr>
                 <p:cNvPr id="37" name="Ink 36">
@@ -13578,8 +13665,8 @@
             </p:pic>
           </mc:Fallback>
         </mc:AlternateContent>
-        <mc:AlternateContent xmlns:mc="http://schemas.openxmlformats.org/markup-compatibility/2006">
-          <mc:Choice xmlns:p14="http://schemas.microsoft.com/office/powerpoint/2010/main" Requires="p14">
+        <mc:AlternateContent xmlns:mc="http://schemas.openxmlformats.org/markup-compatibility/2006" xmlns:p14="http://schemas.microsoft.com/office/powerpoint/2010/main">
+          <mc:Choice Requires="p14">
             <p:contentPart p14:bwMode="auto" r:id="rId33">
               <p14:nvContentPartPr>
                 <p14:cNvPr id="38" name="Ink 37">
@@ -13598,7 +13685,7 @@
               </p14:xfrm>
             </p:contentPart>
           </mc:Choice>
-          <mc:Fallback>
+          <mc:Fallback xmlns="">
             <p:pic>
               <p:nvPicPr>
                 <p:cNvPr id="38" name="Ink 37">
@@ -13747,8 +13834,8 @@
           </a:p>
         </p:txBody>
       </p:sp>
-      <mc:AlternateContent xmlns:mc="http://schemas.openxmlformats.org/markup-compatibility/2006">
-        <mc:Choice xmlns:a14="http://schemas.microsoft.com/office/drawing/2010/main" Requires="a14">
+      <mc:AlternateContent xmlns:mc="http://schemas.openxmlformats.org/markup-compatibility/2006" xmlns:a14="http://schemas.microsoft.com/office/drawing/2010/main">
+        <mc:Choice Requires="a14">
           <p:sp>
             <p:nvSpPr>
               <p:cNvPr id="3" name="TextBox 2">
@@ -13971,7 +14058,7 @@
                     <m:sSub>
                       <m:sSubPr>
                         <m:ctrlPr>
-                          <a:rPr lang="en-CA" sz="2200" b="0" i="0" smtClean="0">
+                          <a:rPr lang="en-CA" sz="2200" b="0" i="1" smtClean="0">
                             <a:latin typeface="Cambria Math" panose="02040503050406030204" pitchFamily="18" charset="0"/>
                           </a:rPr>
                         </m:ctrlPr>
@@ -14080,7 +14167,7 @@
             </p:txBody>
           </p:sp>
         </mc:Choice>
-        <mc:Fallback>
+        <mc:Fallback xmlns="">
           <p:sp>
             <p:nvSpPr>
               <p:cNvPr id="3" name="TextBox 2">
@@ -14242,8 +14329,8 @@
           </a:p>
         </p:txBody>
       </p:sp>
-      <mc:AlternateContent xmlns:mc="http://schemas.openxmlformats.org/markup-compatibility/2006">
-        <mc:Choice xmlns:a14="http://schemas.microsoft.com/office/drawing/2010/main" Requires="a14">
+      <mc:AlternateContent xmlns:mc="http://schemas.openxmlformats.org/markup-compatibility/2006" xmlns:a14="http://schemas.microsoft.com/office/drawing/2010/main">
+        <mc:Choice Requires="a14">
           <p:sp>
             <p:nvSpPr>
               <p:cNvPr id="3" name="TextBox 2">
@@ -14956,7 +15043,7 @@
             </p:txBody>
           </p:sp>
         </mc:Choice>
-        <mc:Fallback>
+        <mc:Fallback xmlns="">
           <p:sp>
             <p:nvSpPr>
               <p:cNvPr id="3" name="TextBox 2">
@@ -15298,8 +15385,8 @@
           </a:p>
         </p:txBody>
       </p:sp>
-      <mc:AlternateContent xmlns:mc="http://schemas.openxmlformats.org/markup-compatibility/2006">
-        <mc:Choice xmlns:a14="http://schemas.microsoft.com/office/drawing/2010/main" Requires="a14">
+      <mc:AlternateContent xmlns:mc="http://schemas.openxmlformats.org/markup-compatibility/2006" xmlns:a14="http://schemas.microsoft.com/office/drawing/2010/main">
+        <mc:Choice Requires="a14">
           <p:sp>
             <p:nvSpPr>
               <p:cNvPr id="3" name="TextBox 2">
@@ -15375,6 +15462,7 @@
                 </a:r>
               </a:p>
               <a:p>
+                <a:pPr/>
                 <a14:m>
                   <m:oMathPara xmlns:m="http://schemas.openxmlformats.org/officeDocument/2006/math">
                     <m:oMathParaPr>
@@ -15504,6 +15592,7 @@
                 <a:endParaRPr lang="en-CA" sz="2200" dirty="0"/>
               </a:p>
               <a:p>
+                <a:pPr/>
                 <a14:m>
                   <m:oMathPara xmlns:m="http://schemas.openxmlformats.org/officeDocument/2006/math">
                     <m:oMathParaPr>
@@ -15670,7 +15759,7 @@
             </p:txBody>
           </p:sp>
         </mc:Choice>
-        <mc:Fallback>
+        <mc:Fallback xmlns="">
           <p:sp>
             <p:nvSpPr>
               <p:cNvPr id="3" name="TextBox 2">
@@ -15832,8 +15921,8 @@
           </a:p>
         </p:txBody>
       </p:sp>
-      <mc:AlternateContent xmlns:mc="http://schemas.openxmlformats.org/markup-compatibility/2006">
-        <mc:Choice xmlns:a14="http://schemas.microsoft.com/office/drawing/2010/main" Requires="a14">
+      <mc:AlternateContent xmlns:mc="http://schemas.openxmlformats.org/markup-compatibility/2006" xmlns:a14="http://schemas.microsoft.com/office/drawing/2010/main">
+        <mc:Choice Requires="a14">
           <p:sp>
             <p:nvSpPr>
               <p:cNvPr id="3" name="TextBox 2">
@@ -15906,6 +15995,7 @@
                 </a:r>
               </a:p>
               <a:p>
+                <a:pPr/>
                 <a14:m>
                   <m:oMathPara xmlns:m="http://schemas.openxmlformats.org/officeDocument/2006/math">
                     <m:oMathParaPr>
@@ -16035,6 +16125,7 @@
                 <a:endParaRPr lang="en-CA" sz="2200" dirty="0"/>
               </a:p>
               <a:p>
+                <a:pPr/>
                 <a14:m>
                   <m:oMathPara xmlns:m="http://schemas.openxmlformats.org/officeDocument/2006/math">
                     <m:oMathParaPr>
@@ -16389,7 +16480,7 @@
             </p:txBody>
           </p:sp>
         </mc:Choice>
-        <mc:Fallback>
+        <mc:Fallback xmlns="">
           <p:sp>
             <p:nvSpPr>
               <p:cNvPr id="3" name="TextBox 2">
@@ -16616,8 +16707,8 @@
             <a:chExt cx="536400" cy="587520"/>
           </a:xfrm>
         </p:grpSpPr>
-        <mc:AlternateContent xmlns:mc="http://schemas.openxmlformats.org/markup-compatibility/2006">
-          <mc:Choice xmlns:p14="http://schemas.microsoft.com/office/powerpoint/2010/main" Requires="p14">
+        <mc:AlternateContent xmlns:mc="http://schemas.openxmlformats.org/markup-compatibility/2006" xmlns:p14="http://schemas.microsoft.com/office/powerpoint/2010/main">
+          <mc:Choice Requires="p14">
             <p:contentPart p14:bwMode="auto" r:id="rId4">
               <p14:nvContentPartPr>
                 <p14:cNvPr id="4" name="Ink 3">
@@ -16636,7 +16727,7 @@
               </p14:xfrm>
             </p:contentPart>
           </mc:Choice>
-          <mc:Fallback>
+          <mc:Fallback xmlns="">
             <p:pic>
               <p:nvPicPr>
                 <p:cNvPr id="4" name="Ink 3">
@@ -16667,8 +16758,8 @@
             </p:pic>
           </mc:Fallback>
         </mc:AlternateContent>
-        <mc:AlternateContent xmlns:mc="http://schemas.openxmlformats.org/markup-compatibility/2006">
-          <mc:Choice xmlns:p14="http://schemas.microsoft.com/office/powerpoint/2010/main" Requires="p14">
+        <mc:AlternateContent xmlns:mc="http://schemas.openxmlformats.org/markup-compatibility/2006" xmlns:p14="http://schemas.microsoft.com/office/powerpoint/2010/main">
+          <mc:Choice Requires="p14">
             <p:contentPart p14:bwMode="auto" r:id="rId6">
               <p14:nvContentPartPr>
                 <p14:cNvPr id="6" name="Ink 5">
@@ -16687,7 +16778,7 @@
               </p14:xfrm>
             </p:contentPart>
           </mc:Choice>
-          <mc:Fallback>
+          <mc:Fallback xmlns="">
             <p:pic>
               <p:nvPicPr>
                 <p:cNvPr id="6" name="Ink 5">
@@ -16719,8 +16810,8 @@
           </mc:Fallback>
         </mc:AlternateContent>
       </p:grpSp>
-      <mc:AlternateContent xmlns:mc="http://schemas.openxmlformats.org/markup-compatibility/2006">
-        <mc:Choice xmlns:p14="http://schemas.microsoft.com/office/powerpoint/2010/main" Requires="p14">
+      <mc:AlternateContent xmlns:mc="http://schemas.openxmlformats.org/markup-compatibility/2006" xmlns:p14="http://schemas.microsoft.com/office/powerpoint/2010/main">
+        <mc:Choice Requires="p14">
           <p:contentPart p14:bwMode="auto" r:id="rId8">
             <p14:nvContentPartPr>
               <p14:cNvPr id="14" name="Ink 13">
@@ -16739,7 +16830,7 @@
             </p14:xfrm>
           </p:contentPart>
         </mc:Choice>
-        <mc:Fallback>
+        <mc:Fallback xmlns="">
           <p:pic>
             <p:nvPicPr>
               <p:cNvPr id="14" name="Ink 13">
@@ -16790,8 +16881,8 @@
             <a:chExt cx="621720" cy="521280"/>
           </a:xfrm>
         </p:grpSpPr>
-        <mc:AlternateContent xmlns:mc="http://schemas.openxmlformats.org/markup-compatibility/2006">
-          <mc:Choice xmlns:p14="http://schemas.microsoft.com/office/powerpoint/2010/main" Requires="p14">
+        <mc:AlternateContent xmlns:mc="http://schemas.openxmlformats.org/markup-compatibility/2006" xmlns:p14="http://schemas.microsoft.com/office/powerpoint/2010/main">
+          <mc:Choice Requires="p14">
             <p:contentPart p14:bwMode="auto" r:id="rId10">
               <p14:nvContentPartPr>
                 <p14:cNvPr id="15" name="Ink 14">
@@ -16810,7 +16901,7 @@
               </p14:xfrm>
             </p:contentPart>
           </mc:Choice>
-          <mc:Fallback>
+          <mc:Fallback xmlns="">
             <p:pic>
               <p:nvPicPr>
                 <p:cNvPr id="15" name="Ink 14">
@@ -16841,8 +16932,8 @@
             </p:pic>
           </mc:Fallback>
         </mc:AlternateContent>
-        <mc:AlternateContent xmlns:mc="http://schemas.openxmlformats.org/markup-compatibility/2006">
-          <mc:Choice xmlns:p14="http://schemas.microsoft.com/office/powerpoint/2010/main" Requires="p14">
+        <mc:AlternateContent xmlns:mc="http://schemas.openxmlformats.org/markup-compatibility/2006" xmlns:p14="http://schemas.microsoft.com/office/powerpoint/2010/main">
+          <mc:Choice Requires="p14">
             <p:contentPart p14:bwMode="auto" r:id="rId12">
               <p14:nvContentPartPr>
                 <p14:cNvPr id="16" name="Ink 15">
@@ -16861,7 +16952,7 @@
               </p14:xfrm>
             </p:contentPart>
           </mc:Choice>
-          <mc:Fallback>
+          <mc:Fallback xmlns="">
             <p:pic>
               <p:nvPicPr>
                 <p:cNvPr id="16" name="Ink 15">
@@ -16892,8 +16983,8 @@
             </p:pic>
           </mc:Fallback>
         </mc:AlternateContent>
-        <mc:AlternateContent xmlns:mc="http://schemas.openxmlformats.org/markup-compatibility/2006">
-          <mc:Choice xmlns:p14="http://schemas.microsoft.com/office/powerpoint/2010/main" Requires="p14">
+        <mc:AlternateContent xmlns:mc="http://schemas.openxmlformats.org/markup-compatibility/2006" xmlns:p14="http://schemas.microsoft.com/office/powerpoint/2010/main">
+          <mc:Choice Requires="p14">
             <p:contentPart p14:bwMode="auto" r:id="rId14">
               <p14:nvContentPartPr>
                 <p14:cNvPr id="18" name="Ink 17">
@@ -16912,7 +17003,7 @@
               </p14:xfrm>
             </p:contentPart>
           </mc:Choice>
-          <mc:Fallback>
+          <mc:Fallback xmlns="">
             <p:pic>
               <p:nvPicPr>
                 <p:cNvPr id="18" name="Ink 17">
@@ -16944,8 +17035,8 @@
           </mc:Fallback>
         </mc:AlternateContent>
       </p:grpSp>
-      <mc:AlternateContent xmlns:mc="http://schemas.openxmlformats.org/markup-compatibility/2006">
-        <mc:Choice xmlns:a14="http://schemas.microsoft.com/office/drawing/2010/main" Requires="a14">
+      <mc:AlternateContent xmlns:mc="http://schemas.openxmlformats.org/markup-compatibility/2006" xmlns:a14="http://schemas.microsoft.com/office/drawing/2010/main">
+        <mc:Choice Requires="a14">
           <p:sp>
             <p:nvSpPr>
               <p:cNvPr id="20" name="Textfeld 47">
@@ -17027,7 +17118,7 @@
             </p:txBody>
           </p:sp>
         </mc:Choice>
-        <mc:Fallback>
+        <mc:Fallback xmlns="">
           <p:sp>
             <p:nvSpPr>
               <p:cNvPr id="20" name="Textfeld 47">
@@ -17291,8 +17382,8 @@
           </a:extLst>
         </p:spPr>
       </p:pic>
-      <mc:AlternateContent xmlns:mc="http://schemas.openxmlformats.org/markup-compatibility/2006">
-        <mc:Choice xmlns:p14="http://schemas.microsoft.com/office/powerpoint/2010/main" Requires="p14">
+      <mc:AlternateContent xmlns:mc="http://schemas.openxmlformats.org/markup-compatibility/2006" xmlns:p14="http://schemas.microsoft.com/office/powerpoint/2010/main">
+        <mc:Choice Requires="p14">
           <p:contentPart p14:bwMode="auto" r:id="rId4">
             <p14:nvContentPartPr>
               <p14:cNvPr id="14" name="Ink 13">
@@ -17311,7 +17402,7 @@
             </p14:xfrm>
           </p:contentPart>
         </mc:Choice>
-        <mc:Fallback>
+        <mc:Fallback xmlns="">
           <p:pic>
             <p:nvPicPr>
               <p:cNvPr id="14" name="Ink 13">
@@ -17362,8 +17453,8 @@
             <a:chExt cx="621720" cy="521280"/>
           </a:xfrm>
         </p:grpSpPr>
-        <mc:AlternateContent xmlns:mc="http://schemas.openxmlformats.org/markup-compatibility/2006">
-          <mc:Choice xmlns:p14="http://schemas.microsoft.com/office/powerpoint/2010/main" Requires="p14">
+        <mc:AlternateContent xmlns:mc="http://schemas.openxmlformats.org/markup-compatibility/2006" xmlns:p14="http://schemas.microsoft.com/office/powerpoint/2010/main">
+          <mc:Choice Requires="p14">
             <p:contentPart p14:bwMode="auto" r:id="rId6">
               <p14:nvContentPartPr>
                 <p14:cNvPr id="15" name="Ink 14">
@@ -17382,7 +17473,7 @@
               </p14:xfrm>
             </p:contentPart>
           </mc:Choice>
-          <mc:Fallback>
+          <mc:Fallback xmlns="">
             <p:pic>
               <p:nvPicPr>
                 <p:cNvPr id="15" name="Ink 14">
@@ -17413,8 +17504,8 @@
             </p:pic>
           </mc:Fallback>
         </mc:AlternateContent>
-        <mc:AlternateContent xmlns:mc="http://schemas.openxmlformats.org/markup-compatibility/2006">
-          <mc:Choice xmlns:p14="http://schemas.microsoft.com/office/powerpoint/2010/main" Requires="p14">
+        <mc:AlternateContent xmlns:mc="http://schemas.openxmlformats.org/markup-compatibility/2006" xmlns:p14="http://schemas.microsoft.com/office/powerpoint/2010/main">
+          <mc:Choice Requires="p14">
             <p:contentPart p14:bwMode="auto" r:id="rId8">
               <p14:nvContentPartPr>
                 <p14:cNvPr id="16" name="Ink 15">
@@ -17433,7 +17524,7 @@
               </p14:xfrm>
             </p:contentPart>
           </mc:Choice>
-          <mc:Fallback>
+          <mc:Fallback xmlns="">
             <p:pic>
               <p:nvPicPr>
                 <p:cNvPr id="16" name="Ink 15">
@@ -17464,8 +17555,8 @@
             </p:pic>
           </mc:Fallback>
         </mc:AlternateContent>
-        <mc:AlternateContent xmlns:mc="http://schemas.openxmlformats.org/markup-compatibility/2006">
-          <mc:Choice xmlns:p14="http://schemas.microsoft.com/office/powerpoint/2010/main" Requires="p14">
+        <mc:AlternateContent xmlns:mc="http://schemas.openxmlformats.org/markup-compatibility/2006" xmlns:p14="http://schemas.microsoft.com/office/powerpoint/2010/main">
+          <mc:Choice Requires="p14">
             <p:contentPart p14:bwMode="auto" r:id="rId10">
               <p14:nvContentPartPr>
                 <p14:cNvPr id="18" name="Ink 17">
@@ -17484,7 +17575,7 @@
               </p14:xfrm>
             </p:contentPart>
           </mc:Choice>
-          <mc:Fallback>
+          <mc:Fallback xmlns="">
             <p:pic>
               <p:nvPicPr>
                 <p:cNvPr id="18" name="Ink 17">
@@ -17536,8 +17627,8 @@
             <a:chExt cx="6995880" cy="3174840"/>
           </a:xfrm>
         </p:grpSpPr>
-        <mc:AlternateContent xmlns:mc="http://schemas.openxmlformats.org/markup-compatibility/2006">
-          <mc:Choice xmlns:p14="http://schemas.microsoft.com/office/powerpoint/2010/main" Requires="p14">
+        <mc:AlternateContent xmlns:mc="http://schemas.openxmlformats.org/markup-compatibility/2006" xmlns:p14="http://schemas.microsoft.com/office/powerpoint/2010/main">
+          <mc:Choice Requires="p14">
             <p:contentPart p14:bwMode="auto" r:id="rId12">
               <p14:nvContentPartPr>
                 <p14:cNvPr id="3" name="Ink 2">
@@ -17556,7 +17647,7 @@
               </p14:xfrm>
             </p:contentPart>
           </mc:Choice>
-          <mc:Fallback>
+          <mc:Fallback xmlns="">
             <p:pic>
               <p:nvPicPr>
                 <p:cNvPr id="3" name="Ink 2">
@@ -17587,8 +17678,8 @@
             </p:pic>
           </mc:Fallback>
         </mc:AlternateContent>
-        <mc:AlternateContent xmlns:mc="http://schemas.openxmlformats.org/markup-compatibility/2006">
-          <mc:Choice xmlns:p14="http://schemas.microsoft.com/office/powerpoint/2010/main" Requires="p14">
+        <mc:AlternateContent xmlns:mc="http://schemas.openxmlformats.org/markup-compatibility/2006" xmlns:p14="http://schemas.microsoft.com/office/powerpoint/2010/main">
+          <mc:Choice Requires="p14">
             <p:contentPart p14:bwMode="auto" r:id="rId14">
               <p14:nvContentPartPr>
                 <p14:cNvPr id="13" name="Ink 12">
@@ -17607,7 +17698,7 @@
               </p14:xfrm>
             </p:contentPart>
           </mc:Choice>
-          <mc:Fallback>
+          <mc:Fallback xmlns="">
             <p:pic>
               <p:nvPicPr>
                 <p:cNvPr id="13" name="Ink 12">
@@ -17638,8 +17729,8 @@
             </p:pic>
           </mc:Fallback>
         </mc:AlternateContent>
-        <mc:AlternateContent xmlns:mc="http://schemas.openxmlformats.org/markup-compatibility/2006">
-          <mc:Choice xmlns:p14="http://schemas.microsoft.com/office/powerpoint/2010/main" Requires="p14">
+        <mc:AlternateContent xmlns:mc="http://schemas.openxmlformats.org/markup-compatibility/2006" xmlns:p14="http://schemas.microsoft.com/office/powerpoint/2010/main">
+          <mc:Choice Requires="p14">
             <p:contentPart p14:bwMode="auto" r:id="rId16">
               <p14:nvContentPartPr>
                 <p14:cNvPr id="17" name="Ink 16">
@@ -17658,7 +17749,7 @@
               </p14:xfrm>
             </p:contentPart>
           </mc:Choice>
-          <mc:Fallback>
+          <mc:Fallback xmlns="">
             <p:pic>
               <p:nvPicPr>
                 <p:cNvPr id="17" name="Ink 16">
@@ -17689,8 +17780,8 @@
             </p:pic>
           </mc:Fallback>
         </mc:AlternateContent>
-        <mc:AlternateContent xmlns:mc="http://schemas.openxmlformats.org/markup-compatibility/2006">
-          <mc:Choice xmlns:p14="http://schemas.microsoft.com/office/powerpoint/2010/main" Requires="p14">
+        <mc:AlternateContent xmlns:mc="http://schemas.openxmlformats.org/markup-compatibility/2006" xmlns:p14="http://schemas.microsoft.com/office/powerpoint/2010/main">
+          <mc:Choice Requires="p14">
             <p:contentPart p14:bwMode="auto" r:id="rId18">
               <p14:nvContentPartPr>
                 <p14:cNvPr id="20" name="Ink 19">
@@ -17709,7 +17800,7 @@
               </p14:xfrm>
             </p:contentPart>
           </mc:Choice>
-          <mc:Fallback>
+          <mc:Fallback xmlns="">
             <p:pic>
               <p:nvPicPr>
                 <p:cNvPr id="20" name="Ink 19">
@@ -17740,8 +17831,8 @@
             </p:pic>
           </mc:Fallback>
         </mc:AlternateContent>
-        <mc:AlternateContent xmlns:mc="http://schemas.openxmlformats.org/markup-compatibility/2006">
-          <mc:Choice xmlns:p14="http://schemas.microsoft.com/office/powerpoint/2010/main" Requires="p14">
+        <mc:AlternateContent xmlns:mc="http://schemas.openxmlformats.org/markup-compatibility/2006" xmlns:p14="http://schemas.microsoft.com/office/powerpoint/2010/main">
+          <mc:Choice Requires="p14">
             <p:contentPart p14:bwMode="auto" r:id="rId20">
               <p14:nvContentPartPr>
                 <p14:cNvPr id="21" name="Ink 20">
@@ -17760,7 +17851,7 @@
               </p14:xfrm>
             </p:contentPart>
           </mc:Choice>
-          <mc:Fallback>
+          <mc:Fallback xmlns="">
             <p:pic>
               <p:nvPicPr>
                 <p:cNvPr id="21" name="Ink 20">
@@ -17791,8 +17882,8 @@
             </p:pic>
           </mc:Fallback>
         </mc:AlternateContent>
-        <mc:AlternateContent xmlns:mc="http://schemas.openxmlformats.org/markup-compatibility/2006">
-          <mc:Choice xmlns:p14="http://schemas.microsoft.com/office/powerpoint/2010/main" Requires="p14">
+        <mc:AlternateContent xmlns:mc="http://schemas.openxmlformats.org/markup-compatibility/2006" xmlns:p14="http://schemas.microsoft.com/office/powerpoint/2010/main">
+          <mc:Choice Requires="p14">
             <p:contentPart p14:bwMode="auto" r:id="rId22">
               <p14:nvContentPartPr>
                 <p14:cNvPr id="22" name="Ink 21">
@@ -17811,7 +17902,7 @@
               </p14:xfrm>
             </p:contentPart>
           </mc:Choice>
-          <mc:Fallback>
+          <mc:Fallback xmlns="">
             <p:pic>
               <p:nvPicPr>
                 <p:cNvPr id="22" name="Ink 21">
@@ -17842,8 +17933,8 @@
             </p:pic>
           </mc:Fallback>
         </mc:AlternateContent>
-        <mc:AlternateContent xmlns:mc="http://schemas.openxmlformats.org/markup-compatibility/2006">
-          <mc:Choice xmlns:p14="http://schemas.microsoft.com/office/powerpoint/2010/main" Requires="p14">
+        <mc:AlternateContent xmlns:mc="http://schemas.openxmlformats.org/markup-compatibility/2006" xmlns:p14="http://schemas.microsoft.com/office/powerpoint/2010/main">
+          <mc:Choice Requires="p14">
             <p:contentPart p14:bwMode="auto" r:id="rId24">
               <p14:nvContentPartPr>
                 <p14:cNvPr id="23" name="Ink 22">
@@ -17862,7 +17953,7 @@
               </p14:xfrm>
             </p:contentPart>
           </mc:Choice>
-          <mc:Fallback>
+          <mc:Fallback xmlns="">
             <p:pic>
               <p:nvPicPr>
                 <p:cNvPr id="23" name="Ink 22">
@@ -17893,8 +17984,8 @@
             </p:pic>
           </mc:Fallback>
         </mc:AlternateContent>
-        <mc:AlternateContent xmlns:mc="http://schemas.openxmlformats.org/markup-compatibility/2006">
-          <mc:Choice xmlns:p14="http://schemas.microsoft.com/office/powerpoint/2010/main" Requires="p14">
+        <mc:AlternateContent xmlns:mc="http://schemas.openxmlformats.org/markup-compatibility/2006" xmlns:p14="http://schemas.microsoft.com/office/powerpoint/2010/main">
+          <mc:Choice Requires="p14">
             <p:contentPart p14:bwMode="auto" r:id="rId26">
               <p14:nvContentPartPr>
                 <p14:cNvPr id="24" name="Ink 23">
@@ -17913,7 +18004,7 @@
               </p14:xfrm>
             </p:contentPart>
           </mc:Choice>
-          <mc:Fallback>
+          <mc:Fallback xmlns="">
             <p:pic>
               <p:nvPicPr>
                 <p:cNvPr id="24" name="Ink 23">
@@ -17944,8 +18035,8 @@
             </p:pic>
           </mc:Fallback>
         </mc:AlternateContent>
-        <mc:AlternateContent xmlns:mc="http://schemas.openxmlformats.org/markup-compatibility/2006">
-          <mc:Choice xmlns:p14="http://schemas.microsoft.com/office/powerpoint/2010/main" Requires="p14">
+        <mc:AlternateContent xmlns:mc="http://schemas.openxmlformats.org/markup-compatibility/2006" xmlns:p14="http://schemas.microsoft.com/office/powerpoint/2010/main">
+          <mc:Choice Requires="p14">
             <p:contentPart p14:bwMode="auto" r:id="rId28">
               <p14:nvContentPartPr>
                 <p14:cNvPr id="25" name="Ink 24">
@@ -17964,7 +18055,7 @@
               </p14:xfrm>
             </p:contentPart>
           </mc:Choice>
-          <mc:Fallback>
+          <mc:Fallback xmlns="">
             <p:pic>
               <p:nvPicPr>
                 <p:cNvPr id="25" name="Ink 24">
@@ -17995,8 +18086,8 @@
             </p:pic>
           </mc:Fallback>
         </mc:AlternateContent>
-        <mc:AlternateContent xmlns:mc="http://schemas.openxmlformats.org/markup-compatibility/2006">
-          <mc:Choice xmlns:p14="http://schemas.microsoft.com/office/powerpoint/2010/main" Requires="p14">
+        <mc:AlternateContent xmlns:mc="http://schemas.openxmlformats.org/markup-compatibility/2006" xmlns:p14="http://schemas.microsoft.com/office/powerpoint/2010/main">
+          <mc:Choice Requires="p14">
             <p:contentPart p14:bwMode="auto" r:id="rId30">
               <p14:nvContentPartPr>
                 <p14:cNvPr id="26" name="Ink 25">
@@ -18015,7 +18106,7 @@
               </p14:xfrm>
             </p:contentPart>
           </mc:Choice>
-          <mc:Fallback>
+          <mc:Fallback xmlns="">
             <p:pic>
               <p:nvPicPr>
                 <p:cNvPr id="26" name="Ink 25">
@@ -18047,8 +18138,8 @@
           </mc:Fallback>
         </mc:AlternateContent>
       </p:grpSp>
-      <mc:AlternateContent xmlns:mc="http://schemas.openxmlformats.org/markup-compatibility/2006">
-        <mc:Choice xmlns:a14="http://schemas.microsoft.com/office/drawing/2010/main" Requires="a14">
+      <mc:AlternateContent xmlns:mc="http://schemas.openxmlformats.org/markup-compatibility/2006" xmlns:a14="http://schemas.microsoft.com/office/drawing/2010/main">
+        <mc:Choice Requires="a14">
           <p:sp>
             <p:nvSpPr>
               <p:cNvPr id="28" name="Textfeld 47">
@@ -18130,7 +18221,7 @@
             </p:txBody>
           </p:sp>
         </mc:Choice>
-        <mc:Fallback>
+        <mc:Fallback xmlns="">
           <p:sp>
             <p:nvSpPr>
               <p:cNvPr id="28" name="Textfeld 47">
@@ -18195,8 +18286,8 @@
             <a:chExt cx="536400" cy="587520"/>
           </a:xfrm>
         </p:grpSpPr>
-        <mc:AlternateContent xmlns:mc="http://schemas.openxmlformats.org/markup-compatibility/2006">
-          <mc:Choice xmlns:p14="http://schemas.microsoft.com/office/powerpoint/2010/main" Requires="p14">
+        <mc:AlternateContent xmlns:mc="http://schemas.openxmlformats.org/markup-compatibility/2006" xmlns:p14="http://schemas.microsoft.com/office/powerpoint/2010/main">
+          <mc:Choice Requires="p14">
             <p:contentPart p14:bwMode="auto" r:id="rId33">
               <p14:nvContentPartPr>
                 <p14:cNvPr id="30" name="Ink 29">
@@ -18215,7 +18306,7 @@
               </p14:xfrm>
             </p:contentPart>
           </mc:Choice>
-          <mc:Fallback>
+          <mc:Fallback xmlns="">
             <p:pic>
               <p:nvPicPr>
                 <p:cNvPr id="30" name="Ink 29">
@@ -18246,8 +18337,8 @@
             </p:pic>
           </mc:Fallback>
         </mc:AlternateContent>
-        <mc:AlternateContent xmlns:mc="http://schemas.openxmlformats.org/markup-compatibility/2006">
-          <mc:Choice xmlns:p14="http://schemas.microsoft.com/office/powerpoint/2010/main" Requires="p14">
+        <mc:AlternateContent xmlns:mc="http://schemas.openxmlformats.org/markup-compatibility/2006" xmlns:p14="http://schemas.microsoft.com/office/powerpoint/2010/main">
+          <mc:Choice Requires="p14">
             <p:contentPart p14:bwMode="auto" r:id="rId35">
               <p14:nvContentPartPr>
                 <p14:cNvPr id="31" name="Ink 30">
@@ -18266,7 +18357,7 @@
               </p14:xfrm>
             </p:contentPart>
           </mc:Choice>
-          <mc:Fallback>
+          <mc:Fallback xmlns="">
             <p:pic>
               <p:nvPicPr>
                 <p:cNvPr id="31" name="Ink 30">
@@ -18537,8 +18628,8 @@
             <a:chExt cx="573120" cy="587520"/>
           </a:xfrm>
         </p:grpSpPr>
-        <mc:AlternateContent xmlns:mc="http://schemas.openxmlformats.org/markup-compatibility/2006">
-          <mc:Choice xmlns:p14="http://schemas.microsoft.com/office/powerpoint/2010/main" Requires="p14">
+        <mc:AlternateContent xmlns:mc="http://schemas.openxmlformats.org/markup-compatibility/2006" xmlns:p14="http://schemas.microsoft.com/office/powerpoint/2010/main">
+          <mc:Choice Requires="p14">
             <p:contentPart p14:bwMode="auto" r:id="rId4">
               <p14:nvContentPartPr>
                 <p14:cNvPr id="4" name="Ink 3">
@@ -18557,7 +18648,7 @@
               </p14:xfrm>
             </p:contentPart>
           </mc:Choice>
-          <mc:Fallback>
+          <mc:Fallback xmlns="">
             <p:pic>
               <p:nvPicPr>
                 <p:cNvPr id="4" name="Ink 3">
@@ -18588,8 +18679,8 @@
             </p:pic>
           </mc:Fallback>
         </mc:AlternateContent>
-        <mc:AlternateContent xmlns:mc="http://schemas.openxmlformats.org/markup-compatibility/2006">
-          <mc:Choice xmlns:p14="http://schemas.microsoft.com/office/powerpoint/2010/main" Requires="p14">
+        <mc:AlternateContent xmlns:mc="http://schemas.openxmlformats.org/markup-compatibility/2006" xmlns:p14="http://schemas.microsoft.com/office/powerpoint/2010/main">
+          <mc:Choice Requires="p14">
             <p:contentPart p14:bwMode="auto" r:id="rId6">
               <p14:nvContentPartPr>
                 <p14:cNvPr id="5" name="Ink 4">
@@ -18608,7 +18699,7 @@
               </p14:xfrm>
             </p:contentPart>
           </mc:Choice>
-          <mc:Fallback>
+          <mc:Fallback xmlns="">
             <p:pic>
               <p:nvPicPr>
                 <p:cNvPr id="5" name="Ink 4">
@@ -18639,8 +18730,8 @@
             </p:pic>
           </mc:Fallback>
         </mc:AlternateContent>
-        <mc:AlternateContent xmlns:mc="http://schemas.openxmlformats.org/markup-compatibility/2006">
-          <mc:Choice xmlns:p14="http://schemas.microsoft.com/office/powerpoint/2010/main" Requires="p14">
+        <mc:AlternateContent xmlns:mc="http://schemas.openxmlformats.org/markup-compatibility/2006" xmlns:p14="http://schemas.microsoft.com/office/powerpoint/2010/main">
+          <mc:Choice Requires="p14">
             <p:contentPart p14:bwMode="auto" r:id="rId8">
               <p14:nvContentPartPr>
                 <p14:cNvPr id="6" name="Ink 5">
@@ -18659,7 +18750,7 @@
               </p14:xfrm>
             </p:contentPart>
           </mc:Choice>
-          <mc:Fallback>
+          <mc:Fallback xmlns="">
             <p:pic>
               <p:nvPicPr>
                 <p:cNvPr id="6" name="Ink 5">
@@ -18691,8 +18782,8 @@
           </mc:Fallback>
         </mc:AlternateContent>
       </p:grpSp>
-      <mc:AlternateContent xmlns:mc="http://schemas.openxmlformats.org/markup-compatibility/2006">
-        <mc:Choice xmlns:p14="http://schemas.microsoft.com/office/powerpoint/2010/main" Requires="p14">
+      <mc:AlternateContent xmlns:mc="http://schemas.openxmlformats.org/markup-compatibility/2006" xmlns:p14="http://schemas.microsoft.com/office/powerpoint/2010/main">
+        <mc:Choice Requires="p14">
           <p:contentPart p14:bwMode="auto" r:id="rId10">
             <p14:nvContentPartPr>
               <p14:cNvPr id="14" name="Ink 13">
@@ -18711,7 +18802,7 @@
             </p14:xfrm>
           </p:contentPart>
         </mc:Choice>
-        <mc:Fallback>
+        <mc:Fallback xmlns="">
           <p:pic>
             <p:nvPicPr>
               <p:cNvPr id="14" name="Ink 13">
@@ -18762,8 +18853,8 @@
             <a:chExt cx="621720" cy="521280"/>
           </a:xfrm>
         </p:grpSpPr>
-        <mc:AlternateContent xmlns:mc="http://schemas.openxmlformats.org/markup-compatibility/2006">
-          <mc:Choice xmlns:p14="http://schemas.microsoft.com/office/powerpoint/2010/main" Requires="p14">
+        <mc:AlternateContent xmlns:mc="http://schemas.openxmlformats.org/markup-compatibility/2006" xmlns:p14="http://schemas.microsoft.com/office/powerpoint/2010/main">
+          <mc:Choice Requires="p14">
             <p:contentPart p14:bwMode="auto" r:id="rId12">
               <p14:nvContentPartPr>
                 <p14:cNvPr id="15" name="Ink 14">
@@ -18782,7 +18873,7 @@
               </p14:xfrm>
             </p:contentPart>
           </mc:Choice>
-          <mc:Fallback>
+          <mc:Fallback xmlns="">
             <p:pic>
               <p:nvPicPr>
                 <p:cNvPr id="15" name="Ink 14">
@@ -18813,8 +18904,8 @@
             </p:pic>
           </mc:Fallback>
         </mc:AlternateContent>
-        <mc:AlternateContent xmlns:mc="http://schemas.openxmlformats.org/markup-compatibility/2006">
-          <mc:Choice xmlns:p14="http://schemas.microsoft.com/office/powerpoint/2010/main" Requires="p14">
+        <mc:AlternateContent xmlns:mc="http://schemas.openxmlformats.org/markup-compatibility/2006" xmlns:p14="http://schemas.microsoft.com/office/powerpoint/2010/main">
+          <mc:Choice Requires="p14">
             <p:contentPart p14:bwMode="auto" r:id="rId14">
               <p14:nvContentPartPr>
                 <p14:cNvPr id="16" name="Ink 15">
@@ -18833,7 +18924,7 @@
               </p14:xfrm>
             </p:contentPart>
           </mc:Choice>
-          <mc:Fallback>
+          <mc:Fallback xmlns="">
             <p:pic>
               <p:nvPicPr>
                 <p:cNvPr id="16" name="Ink 15">
@@ -18864,8 +18955,8 @@
             </p:pic>
           </mc:Fallback>
         </mc:AlternateContent>
-        <mc:AlternateContent xmlns:mc="http://schemas.openxmlformats.org/markup-compatibility/2006">
-          <mc:Choice xmlns:p14="http://schemas.microsoft.com/office/powerpoint/2010/main" Requires="p14">
+        <mc:AlternateContent xmlns:mc="http://schemas.openxmlformats.org/markup-compatibility/2006" xmlns:p14="http://schemas.microsoft.com/office/powerpoint/2010/main">
+          <mc:Choice Requires="p14">
             <p:contentPart p14:bwMode="auto" r:id="rId16">
               <p14:nvContentPartPr>
                 <p14:cNvPr id="18" name="Ink 17">
@@ -18884,7 +18975,7 @@
               </p14:xfrm>
             </p:contentPart>
           </mc:Choice>
-          <mc:Fallback>
+          <mc:Fallback xmlns="">
             <p:pic>
               <p:nvPicPr>
                 <p:cNvPr id="18" name="Ink 17">
@@ -18936,8 +19027,8 @@
             <a:chExt cx="6995880" cy="3174840"/>
           </a:xfrm>
         </p:grpSpPr>
-        <mc:AlternateContent xmlns:mc="http://schemas.openxmlformats.org/markup-compatibility/2006">
-          <mc:Choice xmlns:p14="http://schemas.microsoft.com/office/powerpoint/2010/main" Requires="p14">
+        <mc:AlternateContent xmlns:mc="http://schemas.openxmlformats.org/markup-compatibility/2006" xmlns:p14="http://schemas.microsoft.com/office/powerpoint/2010/main">
+          <mc:Choice Requires="p14">
             <p:contentPart p14:bwMode="auto" r:id="rId18">
               <p14:nvContentPartPr>
                 <p14:cNvPr id="3" name="Ink 2">
@@ -18956,7 +19047,7 @@
               </p14:xfrm>
             </p:contentPart>
           </mc:Choice>
-          <mc:Fallback>
+          <mc:Fallback xmlns="">
             <p:pic>
               <p:nvPicPr>
                 <p:cNvPr id="3" name="Ink 2">
@@ -18987,8 +19078,8 @@
             </p:pic>
           </mc:Fallback>
         </mc:AlternateContent>
-        <mc:AlternateContent xmlns:mc="http://schemas.openxmlformats.org/markup-compatibility/2006">
-          <mc:Choice xmlns:p14="http://schemas.microsoft.com/office/powerpoint/2010/main" Requires="p14">
+        <mc:AlternateContent xmlns:mc="http://schemas.openxmlformats.org/markup-compatibility/2006" xmlns:p14="http://schemas.microsoft.com/office/powerpoint/2010/main">
+          <mc:Choice Requires="p14">
             <p:contentPart p14:bwMode="auto" r:id="rId20">
               <p14:nvContentPartPr>
                 <p14:cNvPr id="13" name="Ink 12">
@@ -19007,7 +19098,7 @@
               </p14:xfrm>
             </p:contentPart>
           </mc:Choice>
-          <mc:Fallback>
+          <mc:Fallback xmlns="">
             <p:pic>
               <p:nvPicPr>
                 <p:cNvPr id="13" name="Ink 12">
@@ -19038,8 +19129,8 @@
             </p:pic>
           </mc:Fallback>
         </mc:AlternateContent>
-        <mc:AlternateContent xmlns:mc="http://schemas.openxmlformats.org/markup-compatibility/2006">
-          <mc:Choice xmlns:p14="http://schemas.microsoft.com/office/powerpoint/2010/main" Requires="p14">
+        <mc:AlternateContent xmlns:mc="http://schemas.openxmlformats.org/markup-compatibility/2006" xmlns:p14="http://schemas.microsoft.com/office/powerpoint/2010/main">
+          <mc:Choice Requires="p14">
             <p:contentPart p14:bwMode="auto" r:id="rId22">
               <p14:nvContentPartPr>
                 <p14:cNvPr id="17" name="Ink 16">
@@ -19058,7 +19149,7 @@
               </p14:xfrm>
             </p:contentPart>
           </mc:Choice>
-          <mc:Fallback>
+          <mc:Fallback xmlns="">
             <p:pic>
               <p:nvPicPr>
                 <p:cNvPr id="17" name="Ink 16">
@@ -19089,8 +19180,8 @@
             </p:pic>
           </mc:Fallback>
         </mc:AlternateContent>
-        <mc:AlternateContent xmlns:mc="http://schemas.openxmlformats.org/markup-compatibility/2006">
-          <mc:Choice xmlns:p14="http://schemas.microsoft.com/office/powerpoint/2010/main" Requires="p14">
+        <mc:AlternateContent xmlns:mc="http://schemas.openxmlformats.org/markup-compatibility/2006" xmlns:p14="http://schemas.microsoft.com/office/powerpoint/2010/main">
+          <mc:Choice Requires="p14">
             <p:contentPart p14:bwMode="auto" r:id="rId24">
               <p14:nvContentPartPr>
                 <p14:cNvPr id="20" name="Ink 19">
@@ -19109,7 +19200,7 @@
               </p14:xfrm>
             </p:contentPart>
           </mc:Choice>
-          <mc:Fallback>
+          <mc:Fallback xmlns="">
             <p:pic>
               <p:nvPicPr>
                 <p:cNvPr id="20" name="Ink 19">
@@ -19140,8 +19231,8 @@
             </p:pic>
           </mc:Fallback>
         </mc:AlternateContent>
-        <mc:AlternateContent xmlns:mc="http://schemas.openxmlformats.org/markup-compatibility/2006">
-          <mc:Choice xmlns:p14="http://schemas.microsoft.com/office/powerpoint/2010/main" Requires="p14">
+        <mc:AlternateContent xmlns:mc="http://schemas.openxmlformats.org/markup-compatibility/2006" xmlns:p14="http://schemas.microsoft.com/office/powerpoint/2010/main">
+          <mc:Choice Requires="p14">
             <p:contentPart p14:bwMode="auto" r:id="rId26">
               <p14:nvContentPartPr>
                 <p14:cNvPr id="21" name="Ink 20">
@@ -19160,7 +19251,7 @@
               </p14:xfrm>
             </p:contentPart>
           </mc:Choice>
-          <mc:Fallback>
+          <mc:Fallback xmlns="">
             <p:pic>
               <p:nvPicPr>
                 <p:cNvPr id="21" name="Ink 20">
@@ -19191,8 +19282,8 @@
             </p:pic>
           </mc:Fallback>
         </mc:AlternateContent>
-        <mc:AlternateContent xmlns:mc="http://schemas.openxmlformats.org/markup-compatibility/2006">
-          <mc:Choice xmlns:p14="http://schemas.microsoft.com/office/powerpoint/2010/main" Requires="p14">
+        <mc:AlternateContent xmlns:mc="http://schemas.openxmlformats.org/markup-compatibility/2006" xmlns:p14="http://schemas.microsoft.com/office/powerpoint/2010/main">
+          <mc:Choice Requires="p14">
             <p:contentPart p14:bwMode="auto" r:id="rId28">
               <p14:nvContentPartPr>
                 <p14:cNvPr id="22" name="Ink 21">
@@ -19211,7 +19302,7 @@
               </p14:xfrm>
             </p:contentPart>
           </mc:Choice>
-          <mc:Fallback>
+          <mc:Fallback xmlns="">
             <p:pic>
               <p:nvPicPr>
                 <p:cNvPr id="22" name="Ink 21">
@@ -19242,8 +19333,8 @@
             </p:pic>
           </mc:Fallback>
         </mc:AlternateContent>
-        <mc:AlternateContent xmlns:mc="http://schemas.openxmlformats.org/markup-compatibility/2006">
-          <mc:Choice xmlns:p14="http://schemas.microsoft.com/office/powerpoint/2010/main" Requires="p14">
+        <mc:AlternateContent xmlns:mc="http://schemas.openxmlformats.org/markup-compatibility/2006" xmlns:p14="http://schemas.microsoft.com/office/powerpoint/2010/main">
+          <mc:Choice Requires="p14">
             <p:contentPart p14:bwMode="auto" r:id="rId30">
               <p14:nvContentPartPr>
                 <p14:cNvPr id="23" name="Ink 22">
@@ -19262,7 +19353,7 @@
               </p14:xfrm>
             </p:contentPart>
           </mc:Choice>
-          <mc:Fallback>
+          <mc:Fallback xmlns="">
             <p:pic>
               <p:nvPicPr>
                 <p:cNvPr id="23" name="Ink 22">
@@ -19293,8 +19384,8 @@
             </p:pic>
           </mc:Fallback>
         </mc:AlternateContent>
-        <mc:AlternateContent xmlns:mc="http://schemas.openxmlformats.org/markup-compatibility/2006">
-          <mc:Choice xmlns:p14="http://schemas.microsoft.com/office/powerpoint/2010/main" Requires="p14">
+        <mc:AlternateContent xmlns:mc="http://schemas.openxmlformats.org/markup-compatibility/2006" xmlns:p14="http://schemas.microsoft.com/office/powerpoint/2010/main">
+          <mc:Choice Requires="p14">
             <p:contentPart p14:bwMode="auto" r:id="rId32">
               <p14:nvContentPartPr>
                 <p14:cNvPr id="24" name="Ink 23">
@@ -19313,7 +19404,7 @@
               </p14:xfrm>
             </p:contentPart>
           </mc:Choice>
-          <mc:Fallback>
+          <mc:Fallback xmlns="">
             <p:pic>
               <p:nvPicPr>
                 <p:cNvPr id="24" name="Ink 23">
@@ -19344,8 +19435,8 @@
             </p:pic>
           </mc:Fallback>
         </mc:AlternateContent>
-        <mc:AlternateContent xmlns:mc="http://schemas.openxmlformats.org/markup-compatibility/2006">
-          <mc:Choice xmlns:p14="http://schemas.microsoft.com/office/powerpoint/2010/main" Requires="p14">
+        <mc:AlternateContent xmlns:mc="http://schemas.openxmlformats.org/markup-compatibility/2006" xmlns:p14="http://schemas.microsoft.com/office/powerpoint/2010/main">
+          <mc:Choice Requires="p14">
             <p:contentPart p14:bwMode="auto" r:id="rId34">
               <p14:nvContentPartPr>
                 <p14:cNvPr id="25" name="Ink 24">
@@ -19364,7 +19455,7 @@
               </p14:xfrm>
             </p:contentPart>
           </mc:Choice>
-          <mc:Fallback>
+          <mc:Fallback xmlns="">
             <p:pic>
               <p:nvPicPr>
                 <p:cNvPr id="25" name="Ink 24">
@@ -19395,8 +19486,8 @@
             </p:pic>
           </mc:Fallback>
         </mc:AlternateContent>
-        <mc:AlternateContent xmlns:mc="http://schemas.openxmlformats.org/markup-compatibility/2006">
-          <mc:Choice xmlns:p14="http://schemas.microsoft.com/office/powerpoint/2010/main" Requires="p14">
+        <mc:AlternateContent xmlns:mc="http://schemas.openxmlformats.org/markup-compatibility/2006" xmlns:p14="http://schemas.microsoft.com/office/powerpoint/2010/main">
+          <mc:Choice Requires="p14">
             <p:contentPart p14:bwMode="auto" r:id="rId36">
               <p14:nvContentPartPr>
                 <p14:cNvPr id="26" name="Ink 25">
@@ -19415,7 +19506,7 @@
               </p14:xfrm>
             </p:contentPart>
           </mc:Choice>
-          <mc:Fallback>
+          <mc:Fallback xmlns="">
             <p:pic>
               <p:nvPicPr>
                 <p:cNvPr id="26" name="Ink 25">
@@ -19447,8 +19538,8 @@
           </mc:Fallback>
         </mc:AlternateContent>
       </p:grpSp>
-      <mc:AlternateContent xmlns:mc="http://schemas.openxmlformats.org/markup-compatibility/2006">
-        <mc:Choice xmlns:p14="http://schemas.microsoft.com/office/powerpoint/2010/main" Requires="p14">
+      <mc:AlternateContent xmlns:mc="http://schemas.openxmlformats.org/markup-compatibility/2006" xmlns:p14="http://schemas.microsoft.com/office/powerpoint/2010/main">
+        <mc:Choice Requires="p14">
           <p:contentPart p14:bwMode="auto" r:id="rId38">
             <p14:nvContentPartPr>
               <p14:cNvPr id="28" name="Ink 27">
@@ -19467,7 +19558,7 @@
             </p14:xfrm>
           </p:contentPart>
         </mc:Choice>
-        <mc:Fallback>
+        <mc:Fallback xmlns="">
           <p:pic>
             <p:nvPicPr>
               <p:cNvPr id="28" name="Ink 27">
@@ -19498,8 +19589,8 @@
           </p:pic>
         </mc:Fallback>
       </mc:AlternateContent>
-      <mc:AlternateContent xmlns:mc="http://schemas.openxmlformats.org/markup-compatibility/2006">
-        <mc:Choice xmlns:p14="http://schemas.microsoft.com/office/powerpoint/2010/main" Requires="p14">
+      <mc:AlternateContent xmlns:mc="http://schemas.openxmlformats.org/markup-compatibility/2006" xmlns:p14="http://schemas.microsoft.com/office/powerpoint/2010/main">
+        <mc:Choice Requires="p14">
           <p:contentPart p14:bwMode="auto" r:id="rId40">
             <p14:nvContentPartPr>
               <p14:cNvPr id="29" name="Ink 28">
@@ -19518,7 +19609,7 @@
             </p14:xfrm>
           </p:contentPart>
         </mc:Choice>
-        <mc:Fallback>
+        <mc:Fallback xmlns="">
           <p:pic>
             <p:nvPicPr>
               <p:cNvPr id="29" name="Ink 28">
@@ -19549,8 +19640,8 @@
           </p:pic>
         </mc:Fallback>
       </mc:AlternateContent>
-      <mc:AlternateContent xmlns:mc="http://schemas.openxmlformats.org/markup-compatibility/2006">
-        <mc:Choice xmlns:a14="http://schemas.microsoft.com/office/drawing/2010/main" Requires="a14">
+      <mc:AlternateContent xmlns:mc="http://schemas.openxmlformats.org/markup-compatibility/2006" xmlns:a14="http://schemas.microsoft.com/office/drawing/2010/main">
+        <mc:Choice Requires="a14">
           <p:sp>
             <p:nvSpPr>
               <p:cNvPr id="30" name="Textfeld 47">
@@ -19632,7 +19723,7 @@
             </p:txBody>
           </p:sp>
         </mc:Choice>
-        <mc:Fallback>
+        <mc:Fallback xmlns="">
           <p:sp>
             <p:nvSpPr>
               <p:cNvPr id="30" name="Textfeld 47">
@@ -19867,8 +19958,8 @@
             <a:chExt cx="573120" cy="587520"/>
           </a:xfrm>
         </p:grpSpPr>
-        <mc:AlternateContent xmlns:mc="http://schemas.openxmlformats.org/markup-compatibility/2006">
-          <mc:Choice xmlns:p14="http://schemas.microsoft.com/office/powerpoint/2010/main" Requires="p14">
+        <mc:AlternateContent xmlns:mc="http://schemas.openxmlformats.org/markup-compatibility/2006" xmlns:p14="http://schemas.microsoft.com/office/powerpoint/2010/main">
+          <mc:Choice Requires="p14">
             <p:contentPart p14:bwMode="auto" r:id="rId4">
               <p14:nvContentPartPr>
                 <p14:cNvPr id="4" name="Ink 3">
@@ -19887,7 +19978,7 @@
               </p14:xfrm>
             </p:contentPart>
           </mc:Choice>
-          <mc:Fallback>
+          <mc:Fallback xmlns="">
             <p:pic>
               <p:nvPicPr>
                 <p:cNvPr id="4" name="Ink 3">
@@ -19918,8 +20009,8 @@
             </p:pic>
           </mc:Fallback>
         </mc:AlternateContent>
-        <mc:AlternateContent xmlns:mc="http://schemas.openxmlformats.org/markup-compatibility/2006">
-          <mc:Choice xmlns:p14="http://schemas.microsoft.com/office/powerpoint/2010/main" Requires="p14">
+        <mc:AlternateContent xmlns:mc="http://schemas.openxmlformats.org/markup-compatibility/2006" xmlns:p14="http://schemas.microsoft.com/office/powerpoint/2010/main">
+          <mc:Choice Requires="p14">
             <p:contentPart p14:bwMode="auto" r:id="rId6">
               <p14:nvContentPartPr>
                 <p14:cNvPr id="5" name="Ink 4">
@@ -19938,7 +20029,7 @@
               </p14:xfrm>
             </p:contentPart>
           </mc:Choice>
-          <mc:Fallback>
+          <mc:Fallback xmlns="">
             <p:pic>
               <p:nvPicPr>
                 <p:cNvPr id="5" name="Ink 4">
@@ -19969,8 +20060,8 @@
             </p:pic>
           </mc:Fallback>
         </mc:AlternateContent>
-        <mc:AlternateContent xmlns:mc="http://schemas.openxmlformats.org/markup-compatibility/2006">
-          <mc:Choice xmlns:p14="http://schemas.microsoft.com/office/powerpoint/2010/main" Requires="p14">
+        <mc:AlternateContent xmlns:mc="http://schemas.openxmlformats.org/markup-compatibility/2006" xmlns:p14="http://schemas.microsoft.com/office/powerpoint/2010/main">
+          <mc:Choice Requires="p14">
             <p:contentPart p14:bwMode="auto" r:id="rId8">
               <p14:nvContentPartPr>
                 <p14:cNvPr id="6" name="Ink 5">
@@ -19989,7 +20080,7 @@
               </p14:xfrm>
             </p:contentPart>
           </mc:Choice>
-          <mc:Fallback>
+          <mc:Fallback xmlns="">
             <p:pic>
               <p:nvPicPr>
                 <p:cNvPr id="6" name="Ink 5">
@@ -20021,8 +20112,8 @@
           </mc:Fallback>
         </mc:AlternateContent>
       </p:grpSp>
-      <mc:AlternateContent xmlns:mc="http://schemas.openxmlformats.org/markup-compatibility/2006">
-        <mc:Choice xmlns:p14="http://schemas.microsoft.com/office/powerpoint/2010/main" Requires="p14">
+      <mc:AlternateContent xmlns:mc="http://schemas.openxmlformats.org/markup-compatibility/2006" xmlns:p14="http://schemas.microsoft.com/office/powerpoint/2010/main">
+        <mc:Choice Requires="p14">
           <p:contentPart p14:bwMode="auto" r:id="rId10">
             <p14:nvContentPartPr>
               <p14:cNvPr id="14" name="Ink 13">
@@ -20041,7 +20132,7 @@
             </p14:xfrm>
           </p:contentPart>
         </mc:Choice>
-        <mc:Fallback>
+        <mc:Fallback xmlns="">
           <p:pic>
             <p:nvPicPr>
               <p:cNvPr id="14" name="Ink 13">
@@ -20092,8 +20183,8 @@
             <a:chExt cx="621720" cy="521280"/>
           </a:xfrm>
         </p:grpSpPr>
-        <mc:AlternateContent xmlns:mc="http://schemas.openxmlformats.org/markup-compatibility/2006">
-          <mc:Choice xmlns:p14="http://schemas.microsoft.com/office/powerpoint/2010/main" Requires="p14">
+        <mc:AlternateContent xmlns:mc="http://schemas.openxmlformats.org/markup-compatibility/2006" xmlns:p14="http://schemas.microsoft.com/office/powerpoint/2010/main">
+          <mc:Choice Requires="p14">
             <p:contentPart p14:bwMode="auto" r:id="rId12">
               <p14:nvContentPartPr>
                 <p14:cNvPr id="15" name="Ink 14">
@@ -20112,7 +20203,7 @@
               </p14:xfrm>
             </p:contentPart>
           </mc:Choice>
-          <mc:Fallback>
+          <mc:Fallback xmlns="">
             <p:pic>
               <p:nvPicPr>
                 <p:cNvPr id="15" name="Ink 14">
@@ -20143,8 +20234,8 @@
             </p:pic>
           </mc:Fallback>
         </mc:AlternateContent>
-        <mc:AlternateContent xmlns:mc="http://schemas.openxmlformats.org/markup-compatibility/2006">
-          <mc:Choice xmlns:p14="http://schemas.microsoft.com/office/powerpoint/2010/main" Requires="p14">
+        <mc:AlternateContent xmlns:mc="http://schemas.openxmlformats.org/markup-compatibility/2006" xmlns:p14="http://schemas.microsoft.com/office/powerpoint/2010/main">
+          <mc:Choice Requires="p14">
             <p:contentPart p14:bwMode="auto" r:id="rId14">
               <p14:nvContentPartPr>
                 <p14:cNvPr id="16" name="Ink 15">
@@ -20163,7 +20254,7 @@
               </p14:xfrm>
             </p:contentPart>
           </mc:Choice>
-          <mc:Fallback>
+          <mc:Fallback xmlns="">
             <p:pic>
               <p:nvPicPr>
                 <p:cNvPr id="16" name="Ink 15">
@@ -20194,8 +20285,8 @@
             </p:pic>
           </mc:Fallback>
         </mc:AlternateContent>
-        <mc:AlternateContent xmlns:mc="http://schemas.openxmlformats.org/markup-compatibility/2006">
-          <mc:Choice xmlns:p14="http://schemas.microsoft.com/office/powerpoint/2010/main" Requires="p14">
+        <mc:AlternateContent xmlns:mc="http://schemas.openxmlformats.org/markup-compatibility/2006" xmlns:p14="http://schemas.microsoft.com/office/powerpoint/2010/main">
+          <mc:Choice Requires="p14">
             <p:contentPart p14:bwMode="auto" r:id="rId16">
               <p14:nvContentPartPr>
                 <p14:cNvPr id="18" name="Ink 17">
@@ -20214,7 +20305,7 @@
               </p14:xfrm>
             </p:contentPart>
           </mc:Choice>
-          <mc:Fallback>
+          <mc:Fallback xmlns="">
             <p:pic>
               <p:nvPicPr>
                 <p:cNvPr id="18" name="Ink 17">
@@ -20266,8 +20357,8 @@
             <a:chExt cx="6995880" cy="3174840"/>
           </a:xfrm>
         </p:grpSpPr>
-        <mc:AlternateContent xmlns:mc="http://schemas.openxmlformats.org/markup-compatibility/2006">
-          <mc:Choice xmlns:p14="http://schemas.microsoft.com/office/powerpoint/2010/main" Requires="p14">
+        <mc:AlternateContent xmlns:mc="http://schemas.openxmlformats.org/markup-compatibility/2006" xmlns:p14="http://schemas.microsoft.com/office/powerpoint/2010/main">
+          <mc:Choice Requires="p14">
             <p:contentPart p14:bwMode="auto" r:id="rId18">
               <p14:nvContentPartPr>
                 <p14:cNvPr id="3" name="Ink 2">
@@ -20286,7 +20377,7 @@
               </p14:xfrm>
             </p:contentPart>
           </mc:Choice>
-          <mc:Fallback>
+          <mc:Fallback xmlns="">
             <p:pic>
               <p:nvPicPr>
                 <p:cNvPr id="3" name="Ink 2">
@@ -20317,8 +20408,8 @@
             </p:pic>
           </mc:Fallback>
         </mc:AlternateContent>
-        <mc:AlternateContent xmlns:mc="http://schemas.openxmlformats.org/markup-compatibility/2006">
-          <mc:Choice xmlns:p14="http://schemas.microsoft.com/office/powerpoint/2010/main" Requires="p14">
+        <mc:AlternateContent xmlns:mc="http://schemas.openxmlformats.org/markup-compatibility/2006" xmlns:p14="http://schemas.microsoft.com/office/powerpoint/2010/main">
+          <mc:Choice Requires="p14">
             <p:contentPart p14:bwMode="auto" r:id="rId20">
               <p14:nvContentPartPr>
                 <p14:cNvPr id="13" name="Ink 12">
@@ -20337,7 +20428,7 @@
               </p14:xfrm>
             </p:contentPart>
           </mc:Choice>
-          <mc:Fallback>
+          <mc:Fallback xmlns="">
             <p:pic>
               <p:nvPicPr>
                 <p:cNvPr id="13" name="Ink 12">
@@ -20368,8 +20459,8 @@
             </p:pic>
           </mc:Fallback>
         </mc:AlternateContent>
-        <mc:AlternateContent xmlns:mc="http://schemas.openxmlformats.org/markup-compatibility/2006">
-          <mc:Choice xmlns:p14="http://schemas.microsoft.com/office/powerpoint/2010/main" Requires="p14">
+        <mc:AlternateContent xmlns:mc="http://schemas.openxmlformats.org/markup-compatibility/2006" xmlns:p14="http://schemas.microsoft.com/office/powerpoint/2010/main">
+          <mc:Choice Requires="p14">
             <p:contentPart p14:bwMode="auto" r:id="rId22">
               <p14:nvContentPartPr>
                 <p14:cNvPr id="17" name="Ink 16">
@@ -20388,7 +20479,7 @@
               </p14:xfrm>
             </p:contentPart>
           </mc:Choice>
-          <mc:Fallback>
+          <mc:Fallback xmlns="">
             <p:pic>
               <p:nvPicPr>
                 <p:cNvPr id="17" name="Ink 16">
@@ -20419,8 +20510,8 @@
             </p:pic>
           </mc:Fallback>
         </mc:AlternateContent>
-        <mc:AlternateContent xmlns:mc="http://schemas.openxmlformats.org/markup-compatibility/2006">
-          <mc:Choice xmlns:p14="http://schemas.microsoft.com/office/powerpoint/2010/main" Requires="p14">
+        <mc:AlternateContent xmlns:mc="http://schemas.openxmlformats.org/markup-compatibility/2006" xmlns:p14="http://schemas.microsoft.com/office/powerpoint/2010/main">
+          <mc:Choice Requires="p14">
             <p:contentPart p14:bwMode="auto" r:id="rId24">
               <p14:nvContentPartPr>
                 <p14:cNvPr id="20" name="Ink 19">
@@ -20439,7 +20530,7 @@
               </p14:xfrm>
             </p:contentPart>
           </mc:Choice>
-          <mc:Fallback>
+          <mc:Fallback xmlns="">
             <p:pic>
               <p:nvPicPr>
                 <p:cNvPr id="20" name="Ink 19">
@@ -20470,8 +20561,8 @@
             </p:pic>
           </mc:Fallback>
         </mc:AlternateContent>
-        <mc:AlternateContent xmlns:mc="http://schemas.openxmlformats.org/markup-compatibility/2006">
-          <mc:Choice xmlns:p14="http://schemas.microsoft.com/office/powerpoint/2010/main" Requires="p14">
+        <mc:AlternateContent xmlns:mc="http://schemas.openxmlformats.org/markup-compatibility/2006" xmlns:p14="http://schemas.microsoft.com/office/powerpoint/2010/main">
+          <mc:Choice Requires="p14">
             <p:contentPart p14:bwMode="auto" r:id="rId26">
               <p14:nvContentPartPr>
                 <p14:cNvPr id="21" name="Ink 20">
@@ -20490,7 +20581,7 @@
               </p14:xfrm>
             </p:contentPart>
           </mc:Choice>
-          <mc:Fallback>
+          <mc:Fallback xmlns="">
             <p:pic>
               <p:nvPicPr>
                 <p:cNvPr id="21" name="Ink 20">
@@ -20521,8 +20612,8 @@
             </p:pic>
           </mc:Fallback>
         </mc:AlternateContent>
-        <mc:AlternateContent xmlns:mc="http://schemas.openxmlformats.org/markup-compatibility/2006">
-          <mc:Choice xmlns:p14="http://schemas.microsoft.com/office/powerpoint/2010/main" Requires="p14">
+        <mc:AlternateContent xmlns:mc="http://schemas.openxmlformats.org/markup-compatibility/2006" xmlns:p14="http://schemas.microsoft.com/office/powerpoint/2010/main">
+          <mc:Choice Requires="p14">
             <p:contentPart p14:bwMode="auto" r:id="rId28">
               <p14:nvContentPartPr>
                 <p14:cNvPr id="22" name="Ink 21">
@@ -20541,7 +20632,7 @@
               </p14:xfrm>
             </p:contentPart>
           </mc:Choice>
-          <mc:Fallback>
+          <mc:Fallback xmlns="">
             <p:pic>
               <p:nvPicPr>
                 <p:cNvPr id="22" name="Ink 21">
@@ -20572,8 +20663,8 @@
             </p:pic>
           </mc:Fallback>
         </mc:AlternateContent>
-        <mc:AlternateContent xmlns:mc="http://schemas.openxmlformats.org/markup-compatibility/2006">
-          <mc:Choice xmlns:p14="http://schemas.microsoft.com/office/powerpoint/2010/main" Requires="p14">
+        <mc:AlternateContent xmlns:mc="http://schemas.openxmlformats.org/markup-compatibility/2006" xmlns:p14="http://schemas.microsoft.com/office/powerpoint/2010/main">
+          <mc:Choice Requires="p14">
             <p:contentPart p14:bwMode="auto" r:id="rId30">
               <p14:nvContentPartPr>
                 <p14:cNvPr id="23" name="Ink 22">
@@ -20592,7 +20683,7 @@
               </p14:xfrm>
             </p:contentPart>
           </mc:Choice>
-          <mc:Fallback>
+          <mc:Fallback xmlns="">
             <p:pic>
               <p:nvPicPr>
                 <p:cNvPr id="23" name="Ink 22">
@@ -20623,8 +20714,8 @@
             </p:pic>
           </mc:Fallback>
         </mc:AlternateContent>
-        <mc:AlternateContent xmlns:mc="http://schemas.openxmlformats.org/markup-compatibility/2006">
-          <mc:Choice xmlns:p14="http://schemas.microsoft.com/office/powerpoint/2010/main" Requires="p14">
+        <mc:AlternateContent xmlns:mc="http://schemas.openxmlformats.org/markup-compatibility/2006" xmlns:p14="http://schemas.microsoft.com/office/powerpoint/2010/main">
+          <mc:Choice Requires="p14">
             <p:contentPart p14:bwMode="auto" r:id="rId32">
               <p14:nvContentPartPr>
                 <p14:cNvPr id="24" name="Ink 23">
@@ -20643,7 +20734,7 @@
               </p14:xfrm>
             </p:contentPart>
           </mc:Choice>
-          <mc:Fallback>
+          <mc:Fallback xmlns="">
             <p:pic>
               <p:nvPicPr>
                 <p:cNvPr id="24" name="Ink 23">
@@ -20674,8 +20765,8 @@
             </p:pic>
           </mc:Fallback>
         </mc:AlternateContent>
-        <mc:AlternateContent xmlns:mc="http://schemas.openxmlformats.org/markup-compatibility/2006">
-          <mc:Choice xmlns:p14="http://schemas.microsoft.com/office/powerpoint/2010/main" Requires="p14">
+        <mc:AlternateContent xmlns:mc="http://schemas.openxmlformats.org/markup-compatibility/2006" xmlns:p14="http://schemas.microsoft.com/office/powerpoint/2010/main">
+          <mc:Choice Requires="p14">
             <p:contentPart p14:bwMode="auto" r:id="rId34">
               <p14:nvContentPartPr>
                 <p14:cNvPr id="25" name="Ink 24">
@@ -20694,7 +20785,7 @@
               </p14:xfrm>
             </p:contentPart>
           </mc:Choice>
-          <mc:Fallback>
+          <mc:Fallback xmlns="">
             <p:pic>
               <p:nvPicPr>
                 <p:cNvPr id="25" name="Ink 24">
@@ -20725,8 +20816,8 @@
             </p:pic>
           </mc:Fallback>
         </mc:AlternateContent>
-        <mc:AlternateContent xmlns:mc="http://schemas.openxmlformats.org/markup-compatibility/2006">
-          <mc:Choice xmlns:p14="http://schemas.microsoft.com/office/powerpoint/2010/main" Requires="p14">
+        <mc:AlternateContent xmlns:mc="http://schemas.openxmlformats.org/markup-compatibility/2006" xmlns:p14="http://schemas.microsoft.com/office/powerpoint/2010/main">
+          <mc:Choice Requires="p14">
             <p:contentPart p14:bwMode="auto" r:id="rId36">
               <p14:nvContentPartPr>
                 <p14:cNvPr id="26" name="Ink 25">
@@ -20745,7 +20836,7 @@
               </p14:xfrm>
             </p:contentPart>
           </mc:Choice>
-          <mc:Fallback>
+          <mc:Fallback xmlns="">
             <p:pic>
               <p:nvPicPr>
                 <p:cNvPr id="26" name="Ink 25">
@@ -20777,8 +20868,8 @@
           </mc:Fallback>
         </mc:AlternateContent>
       </p:grpSp>
-      <mc:AlternateContent xmlns:mc="http://schemas.openxmlformats.org/markup-compatibility/2006">
-        <mc:Choice xmlns:p14="http://schemas.microsoft.com/office/powerpoint/2010/main" Requires="p14">
+      <mc:AlternateContent xmlns:mc="http://schemas.openxmlformats.org/markup-compatibility/2006" xmlns:p14="http://schemas.microsoft.com/office/powerpoint/2010/main">
+        <mc:Choice Requires="p14">
           <p:contentPart p14:bwMode="auto" r:id="rId38">
             <p14:nvContentPartPr>
               <p14:cNvPr id="28" name="Ink 27">
@@ -20797,7 +20888,7 @@
             </p14:xfrm>
           </p:contentPart>
         </mc:Choice>
-        <mc:Fallback>
+        <mc:Fallback xmlns="">
           <p:pic>
             <p:nvPicPr>
               <p:cNvPr id="28" name="Ink 27">
@@ -20828,8 +20919,8 @@
           </p:pic>
         </mc:Fallback>
       </mc:AlternateContent>
-      <mc:AlternateContent xmlns:mc="http://schemas.openxmlformats.org/markup-compatibility/2006">
-        <mc:Choice xmlns:p14="http://schemas.microsoft.com/office/powerpoint/2010/main" Requires="p14">
+      <mc:AlternateContent xmlns:mc="http://schemas.openxmlformats.org/markup-compatibility/2006" xmlns:p14="http://schemas.microsoft.com/office/powerpoint/2010/main">
+        <mc:Choice Requires="p14">
           <p:contentPart p14:bwMode="auto" r:id="rId40">
             <p14:nvContentPartPr>
               <p14:cNvPr id="29" name="Ink 28">
@@ -20848,7 +20939,7 @@
             </p14:xfrm>
           </p:contentPart>
         </mc:Choice>
-        <mc:Fallback>
+        <mc:Fallback xmlns="">
           <p:pic>
             <p:nvPicPr>
               <p:cNvPr id="29" name="Ink 28">
@@ -20879,8 +20970,8 @@
           </p:pic>
         </mc:Fallback>
       </mc:AlternateContent>
-      <mc:AlternateContent xmlns:mc="http://schemas.openxmlformats.org/markup-compatibility/2006">
-        <mc:Choice xmlns:a14="http://schemas.microsoft.com/office/drawing/2010/main" Requires="a14">
+      <mc:AlternateContent xmlns:mc="http://schemas.openxmlformats.org/markup-compatibility/2006" xmlns:a14="http://schemas.microsoft.com/office/drawing/2010/main">
+        <mc:Choice Requires="a14">
           <p:sp>
             <p:nvSpPr>
               <p:cNvPr id="48" name="Textfeld 47">
@@ -20962,7 +21053,7 @@
             </p:txBody>
           </p:sp>
         </mc:Choice>
-        <mc:Fallback>
+        <mc:Fallback xmlns="">
           <p:sp>
             <p:nvSpPr>
               <p:cNvPr id="48" name="Textfeld 47">
@@ -21007,8 +21098,8 @@
           </p:sp>
         </mc:Fallback>
       </mc:AlternateContent>
-      <mc:AlternateContent xmlns:mc="http://schemas.openxmlformats.org/markup-compatibility/2006">
-        <mc:Choice xmlns:p14="http://schemas.microsoft.com/office/powerpoint/2010/main" Requires="p14">
+      <mc:AlternateContent xmlns:mc="http://schemas.openxmlformats.org/markup-compatibility/2006" xmlns:p14="http://schemas.microsoft.com/office/powerpoint/2010/main">
+        <mc:Choice Requires="p14">
           <p:contentPart p14:bwMode="auto" r:id="rId43">
             <p14:nvContentPartPr>
               <p14:cNvPr id="30" name="Ink 29">
@@ -21027,7 +21118,7 @@
             </p14:xfrm>
           </p:contentPart>
         </mc:Choice>
-        <mc:Fallback>
+        <mc:Fallback xmlns="">
           <p:pic>
             <p:nvPicPr>
               <p:cNvPr id="30" name="Ink 29">
@@ -21058,8 +21149,8 @@
           </p:pic>
         </mc:Fallback>
       </mc:AlternateContent>
-      <mc:AlternateContent xmlns:mc="http://schemas.openxmlformats.org/markup-compatibility/2006">
-        <mc:Choice xmlns:p14="http://schemas.microsoft.com/office/powerpoint/2010/main" Requires="p14">
+      <mc:AlternateContent xmlns:mc="http://schemas.openxmlformats.org/markup-compatibility/2006" xmlns:p14="http://schemas.microsoft.com/office/powerpoint/2010/main">
+        <mc:Choice Requires="p14">
           <p:contentPart p14:bwMode="auto" r:id="rId45">
             <p14:nvContentPartPr>
               <p14:cNvPr id="31" name="Ink 30">
@@ -21078,7 +21169,7 @@
             </p14:xfrm>
           </p:contentPart>
         </mc:Choice>
-        <mc:Fallback>
+        <mc:Fallback xmlns="">
           <p:pic>
             <p:nvPicPr>
               <p:cNvPr id="31" name="Ink 30">
@@ -21109,8 +21200,8 @@
           </p:pic>
         </mc:Fallback>
       </mc:AlternateContent>
-      <mc:AlternateContent xmlns:mc="http://schemas.openxmlformats.org/markup-compatibility/2006">
-        <mc:Choice xmlns:p14="http://schemas.microsoft.com/office/powerpoint/2010/main" Requires="p14">
+      <mc:AlternateContent xmlns:mc="http://schemas.openxmlformats.org/markup-compatibility/2006" xmlns:p14="http://schemas.microsoft.com/office/powerpoint/2010/main">
+        <mc:Choice Requires="p14">
           <p:contentPart p14:bwMode="auto" r:id="rId47">
             <p14:nvContentPartPr>
               <p14:cNvPr id="32" name="Ink 31">
@@ -21129,7 +21220,7 @@
             </p14:xfrm>
           </p:contentPart>
         </mc:Choice>
-        <mc:Fallback>
+        <mc:Fallback xmlns="">
           <p:pic>
             <p:nvPicPr>
               <p:cNvPr id="32" name="Ink 31">
@@ -21160,8 +21251,8 @@
           </p:pic>
         </mc:Fallback>
       </mc:AlternateContent>
-      <mc:AlternateContent xmlns:mc="http://schemas.openxmlformats.org/markup-compatibility/2006">
-        <mc:Choice xmlns:p14="http://schemas.microsoft.com/office/powerpoint/2010/main" Requires="p14">
+      <mc:AlternateContent xmlns:mc="http://schemas.openxmlformats.org/markup-compatibility/2006" xmlns:p14="http://schemas.microsoft.com/office/powerpoint/2010/main">
+        <mc:Choice Requires="p14">
           <p:contentPart p14:bwMode="auto" r:id="rId49">
             <p14:nvContentPartPr>
               <p14:cNvPr id="33" name="Ink 32">
@@ -21180,7 +21271,7 @@
             </p14:xfrm>
           </p:contentPart>
         </mc:Choice>
-        <mc:Fallback>
+        <mc:Fallback xmlns="">
           <p:pic>
             <p:nvPicPr>
               <p:cNvPr id="33" name="Ink 32">
@@ -21231,8 +21322,8 @@
             <a:chExt cx="360" cy="1291680"/>
           </a:xfrm>
         </p:grpSpPr>
-        <mc:AlternateContent xmlns:mc="http://schemas.openxmlformats.org/markup-compatibility/2006">
-          <mc:Choice xmlns:p14="http://schemas.microsoft.com/office/powerpoint/2010/main" Requires="p14">
+        <mc:AlternateContent xmlns:mc="http://schemas.openxmlformats.org/markup-compatibility/2006" xmlns:p14="http://schemas.microsoft.com/office/powerpoint/2010/main">
+          <mc:Choice Requires="p14">
             <p:contentPart p14:bwMode="auto" r:id="rId51">
               <p14:nvContentPartPr>
                 <p14:cNvPr id="34" name="Ink 33">
@@ -21251,7 +21342,7 @@
               </p14:xfrm>
             </p:contentPart>
           </mc:Choice>
-          <mc:Fallback>
+          <mc:Fallback xmlns="">
             <p:pic>
               <p:nvPicPr>
                 <p:cNvPr id="34" name="Ink 33">
@@ -21282,8 +21373,8 @@
             </p:pic>
           </mc:Fallback>
         </mc:AlternateContent>
-        <mc:AlternateContent xmlns:mc="http://schemas.openxmlformats.org/markup-compatibility/2006">
-          <mc:Choice xmlns:p14="http://schemas.microsoft.com/office/powerpoint/2010/main" Requires="p14">
+        <mc:AlternateContent xmlns:mc="http://schemas.openxmlformats.org/markup-compatibility/2006" xmlns:p14="http://schemas.microsoft.com/office/powerpoint/2010/main">
+          <mc:Choice Requires="p14">
             <p:contentPart p14:bwMode="auto" r:id="rId53">
               <p14:nvContentPartPr>
                 <p14:cNvPr id="35" name="Ink 34">
@@ -21302,7 +21393,7 @@
               </p14:xfrm>
             </p:contentPart>
           </mc:Choice>
-          <mc:Fallback>
+          <mc:Fallback xmlns="">
             <p:pic>
               <p:nvPicPr>
                 <p:cNvPr id="35" name="Ink 34">
@@ -21334,8 +21425,8 @@
           </mc:Fallback>
         </mc:AlternateContent>
       </p:grpSp>
-      <mc:AlternateContent xmlns:mc="http://schemas.openxmlformats.org/markup-compatibility/2006">
-        <mc:Choice xmlns:a14="http://schemas.microsoft.com/office/drawing/2010/main" Requires="a14">
+      <mc:AlternateContent xmlns:mc="http://schemas.openxmlformats.org/markup-compatibility/2006" xmlns:a14="http://schemas.microsoft.com/office/drawing/2010/main">
+        <mc:Choice Requires="a14">
           <p:sp>
             <p:nvSpPr>
               <p:cNvPr id="38" name="TextBox 37">
@@ -21446,7 +21537,7 @@
             </p:txBody>
           </p:sp>
         </mc:Choice>
-        <mc:Fallback>
+        <mc:Fallback xmlns="">
           <p:sp>
             <p:nvSpPr>
               <p:cNvPr id="38" name="TextBox 37">
@@ -21895,6 +21986,60 @@
           </a:p>
         </p:txBody>
       </p:sp>
+      <p:sp>
+        <p:nvSpPr>
+          <p:cNvPr id="3" name="TextBox 2">
+            <a:extLst>
+              <a:ext uri="{FF2B5EF4-FFF2-40B4-BE49-F238E27FC236}">
+                <a16:creationId xmlns:a16="http://schemas.microsoft.com/office/drawing/2014/main" id="{79E01B59-E033-A5AE-DF88-DB1E915450B2}"/>
+              </a:ext>
+            </a:extLst>
+          </p:cNvPr>
+          <p:cNvSpPr txBox="1"/>
+          <p:nvPr/>
+        </p:nvSpPr>
+        <p:spPr>
+          <a:xfrm>
+            <a:off x="609600" y="2133600"/>
+            <a:ext cx="6105832" cy="923330"/>
+          </a:xfrm>
+          <a:prstGeom prst="rect">
+            <a:avLst/>
+          </a:prstGeom>
+          <a:solidFill>
+            <a:schemeClr val="accent3">
+              <a:lumMod val="75000"/>
+            </a:schemeClr>
+          </a:solidFill>
+          <a:ln>
+            <a:solidFill>
+              <a:schemeClr val="accent3">
+                <a:lumMod val="50000"/>
+              </a:schemeClr>
+            </a:solidFill>
+          </a:ln>
+        </p:spPr>
+        <p:txBody>
+          <a:bodyPr wrap="square">
+            <a:spAutoFit/>
+          </a:bodyPr>
+          <a:lstStyle/>
+          <a:p>
+            <a:r>
+              <a:rPr lang="en-CA" dirty="0"/>
+              <a:t>Case Study: Fee for Service and Equitable Payment? </a:t>
+            </a:r>
+            <a:r>
+              <a:rPr lang="en-CA" dirty="0">
+                <a:solidFill>
+                  <a:schemeClr val="bg1"/>
+                </a:solidFill>
+              </a:rPr>
+              <a:t>https://www.theglobeandmail.com/canada/article-female-doctors-ontario-earnings/</a:t>
+            </a:r>
+          </a:p>
+        </p:txBody>
+      </p:sp>
     </p:spTree>
     <p:extLst>
       <p:ext uri="{BB962C8B-B14F-4D97-AF65-F5344CB8AC3E}">
@@ -22082,8 +22227,8 @@
             <a:chExt cx="573120" cy="587520"/>
           </a:xfrm>
         </p:grpSpPr>
-        <mc:AlternateContent xmlns:mc="http://schemas.openxmlformats.org/markup-compatibility/2006">
-          <mc:Choice xmlns:p14="http://schemas.microsoft.com/office/powerpoint/2010/main" Requires="p14">
+        <mc:AlternateContent xmlns:mc="http://schemas.openxmlformats.org/markup-compatibility/2006" xmlns:p14="http://schemas.microsoft.com/office/powerpoint/2010/main">
+          <mc:Choice Requires="p14">
             <p:contentPart p14:bwMode="auto" r:id="rId4">
               <p14:nvContentPartPr>
                 <p14:cNvPr id="4" name="Ink 3">
@@ -22102,7 +22247,7 @@
               </p14:xfrm>
             </p:contentPart>
           </mc:Choice>
-          <mc:Fallback>
+          <mc:Fallback xmlns="">
             <p:pic>
               <p:nvPicPr>
                 <p:cNvPr id="4" name="Ink 3">
@@ -22133,8 +22278,8 @@
             </p:pic>
           </mc:Fallback>
         </mc:AlternateContent>
-        <mc:AlternateContent xmlns:mc="http://schemas.openxmlformats.org/markup-compatibility/2006">
-          <mc:Choice xmlns:p14="http://schemas.microsoft.com/office/powerpoint/2010/main" Requires="p14">
+        <mc:AlternateContent xmlns:mc="http://schemas.openxmlformats.org/markup-compatibility/2006" xmlns:p14="http://schemas.microsoft.com/office/powerpoint/2010/main">
+          <mc:Choice Requires="p14">
             <p:contentPart p14:bwMode="auto" r:id="rId6">
               <p14:nvContentPartPr>
                 <p14:cNvPr id="5" name="Ink 4">
@@ -22153,7 +22298,7 @@
               </p14:xfrm>
             </p:contentPart>
           </mc:Choice>
-          <mc:Fallback>
+          <mc:Fallback xmlns="">
             <p:pic>
               <p:nvPicPr>
                 <p:cNvPr id="5" name="Ink 4">
@@ -22184,8 +22329,8 @@
             </p:pic>
           </mc:Fallback>
         </mc:AlternateContent>
-        <mc:AlternateContent xmlns:mc="http://schemas.openxmlformats.org/markup-compatibility/2006">
-          <mc:Choice xmlns:p14="http://schemas.microsoft.com/office/powerpoint/2010/main" Requires="p14">
+        <mc:AlternateContent xmlns:mc="http://schemas.openxmlformats.org/markup-compatibility/2006" xmlns:p14="http://schemas.microsoft.com/office/powerpoint/2010/main">
+          <mc:Choice Requires="p14">
             <p:contentPart p14:bwMode="auto" r:id="rId8">
               <p14:nvContentPartPr>
                 <p14:cNvPr id="6" name="Ink 5">
@@ -22204,7 +22349,7 @@
               </p14:xfrm>
             </p:contentPart>
           </mc:Choice>
-          <mc:Fallback>
+          <mc:Fallback xmlns="">
             <p:pic>
               <p:nvPicPr>
                 <p:cNvPr id="6" name="Ink 5">
@@ -22236,8 +22381,8 @@
           </mc:Fallback>
         </mc:AlternateContent>
       </p:grpSp>
-      <mc:AlternateContent xmlns:mc="http://schemas.openxmlformats.org/markup-compatibility/2006">
-        <mc:Choice xmlns:p14="http://schemas.microsoft.com/office/powerpoint/2010/main" Requires="p14">
+      <mc:AlternateContent xmlns:mc="http://schemas.openxmlformats.org/markup-compatibility/2006" xmlns:p14="http://schemas.microsoft.com/office/powerpoint/2010/main">
+        <mc:Choice Requires="p14">
           <p:contentPart p14:bwMode="auto" r:id="rId10">
             <p14:nvContentPartPr>
               <p14:cNvPr id="14" name="Ink 13">
@@ -22256,7 +22401,7 @@
             </p14:xfrm>
           </p:contentPart>
         </mc:Choice>
-        <mc:Fallback>
+        <mc:Fallback xmlns="">
           <p:pic>
             <p:nvPicPr>
               <p:cNvPr id="14" name="Ink 13">
@@ -22307,8 +22452,8 @@
             <a:chExt cx="621720" cy="521280"/>
           </a:xfrm>
         </p:grpSpPr>
-        <mc:AlternateContent xmlns:mc="http://schemas.openxmlformats.org/markup-compatibility/2006">
-          <mc:Choice xmlns:p14="http://schemas.microsoft.com/office/powerpoint/2010/main" Requires="p14">
+        <mc:AlternateContent xmlns:mc="http://schemas.openxmlformats.org/markup-compatibility/2006" xmlns:p14="http://schemas.microsoft.com/office/powerpoint/2010/main">
+          <mc:Choice Requires="p14">
             <p:contentPart p14:bwMode="auto" r:id="rId12">
               <p14:nvContentPartPr>
                 <p14:cNvPr id="15" name="Ink 14">
@@ -22327,7 +22472,7 @@
               </p14:xfrm>
             </p:contentPart>
           </mc:Choice>
-          <mc:Fallback>
+          <mc:Fallback xmlns="">
             <p:pic>
               <p:nvPicPr>
                 <p:cNvPr id="15" name="Ink 14">
@@ -22358,8 +22503,8 @@
             </p:pic>
           </mc:Fallback>
         </mc:AlternateContent>
-        <mc:AlternateContent xmlns:mc="http://schemas.openxmlformats.org/markup-compatibility/2006">
-          <mc:Choice xmlns:p14="http://schemas.microsoft.com/office/powerpoint/2010/main" Requires="p14">
+        <mc:AlternateContent xmlns:mc="http://schemas.openxmlformats.org/markup-compatibility/2006" xmlns:p14="http://schemas.microsoft.com/office/powerpoint/2010/main">
+          <mc:Choice Requires="p14">
             <p:contentPart p14:bwMode="auto" r:id="rId14">
               <p14:nvContentPartPr>
                 <p14:cNvPr id="16" name="Ink 15">
@@ -22378,7 +22523,7 @@
               </p14:xfrm>
             </p:contentPart>
           </mc:Choice>
-          <mc:Fallback>
+          <mc:Fallback xmlns="">
             <p:pic>
               <p:nvPicPr>
                 <p:cNvPr id="16" name="Ink 15">
@@ -22409,8 +22554,8 @@
             </p:pic>
           </mc:Fallback>
         </mc:AlternateContent>
-        <mc:AlternateContent xmlns:mc="http://schemas.openxmlformats.org/markup-compatibility/2006">
-          <mc:Choice xmlns:p14="http://schemas.microsoft.com/office/powerpoint/2010/main" Requires="p14">
+        <mc:AlternateContent xmlns:mc="http://schemas.openxmlformats.org/markup-compatibility/2006" xmlns:p14="http://schemas.microsoft.com/office/powerpoint/2010/main">
+          <mc:Choice Requires="p14">
             <p:contentPart p14:bwMode="auto" r:id="rId16">
               <p14:nvContentPartPr>
                 <p14:cNvPr id="18" name="Ink 17">
@@ -22429,7 +22574,7 @@
               </p14:xfrm>
             </p:contentPart>
           </mc:Choice>
-          <mc:Fallback>
+          <mc:Fallback xmlns="">
             <p:pic>
               <p:nvPicPr>
                 <p:cNvPr id="18" name="Ink 17">
@@ -22481,8 +22626,8 @@
             <a:chExt cx="6995880" cy="3174840"/>
           </a:xfrm>
         </p:grpSpPr>
-        <mc:AlternateContent xmlns:mc="http://schemas.openxmlformats.org/markup-compatibility/2006">
-          <mc:Choice xmlns:p14="http://schemas.microsoft.com/office/powerpoint/2010/main" Requires="p14">
+        <mc:AlternateContent xmlns:mc="http://schemas.openxmlformats.org/markup-compatibility/2006" xmlns:p14="http://schemas.microsoft.com/office/powerpoint/2010/main">
+          <mc:Choice Requires="p14">
             <p:contentPart p14:bwMode="auto" r:id="rId18">
               <p14:nvContentPartPr>
                 <p14:cNvPr id="3" name="Ink 2">
@@ -22501,7 +22646,7 @@
               </p14:xfrm>
             </p:contentPart>
           </mc:Choice>
-          <mc:Fallback>
+          <mc:Fallback xmlns="">
             <p:pic>
               <p:nvPicPr>
                 <p:cNvPr id="3" name="Ink 2">
@@ -22532,8 +22677,8 @@
             </p:pic>
           </mc:Fallback>
         </mc:AlternateContent>
-        <mc:AlternateContent xmlns:mc="http://schemas.openxmlformats.org/markup-compatibility/2006">
-          <mc:Choice xmlns:p14="http://schemas.microsoft.com/office/powerpoint/2010/main" Requires="p14">
+        <mc:AlternateContent xmlns:mc="http://schemas.openxmlformats.org/markup-compatibility/2006" xmlns:p14="http://schemas.microsoft.com/office/powerpoint/2010/main">
+          <mc:Choice Requires="p14">
             <p:contentPart p14:bwMode="auto" r:id="rId20">
               <p14:nvContentPartPr>
                 <p14:cNvPr id="13" name="Ink 12">
@@ -22552,7 +22697,7 @@
               </p14:xfrm>
             </p:contentPart>
           </mc:Choice>
-          <mc:Fallback>
+          <mc:Fallback xmlns="">
             <p:pic>
               <p:nvPicPr>
                 <p:cNvPr id="13" name="Ink 12">
@@ -22583,8 +22728,8 @@
             </p:pic>
           </mc:Fallback>
         </mc:AlternateContent>
-        <mc:AlternateContent xmlns:mc="http://schemas.openxmlformats.org/markup-compatibility/2006">
-          <mc:Choice xmlns:p14="http://schemas.microsoft.com/office/powerpoint/2010/main" Requires="p14">
+        <mc:AlternateContent xmlns:mc="http://schemas.openxmlformats.org/markup-compatibility/2006" xmlns:p14="http://schemas.microsoft.com/office/powerpoint/2010/main">
+          <mc:Choice Requires="p14">
             <p:contentPart p14:bwMode="auto" r:id="rId22">
               <p14:nvContentPartPr>
                 <p14:cNvPr id="17" name="Ink 16">
@@ -22603,7 +22748,7 @@
               </p14:xfrm>
             </p:contentPart>
           </mc:Choice>
-          <mc:Fallback>
+          <mc:Fallback xmlns="">
             <p:pic>
               <p:nvPicPr>
                 <p:cNvPr id="17" name="Ink 16">
@@ -22634,8 +22779,8 @@
             </p:pic>
           </mc:Fallback>
         </mc:AlternateContent>
-        <mc:AlternateContent xmlns:mc="http://schemas.openxmlformats.org/markup-compatibility/2006">
-          <mc:Choice xmlns:p14="http://schemas.microsoft.com/office/powerpoint/2010/main" Requires="p14">
+        <mc:AlternateContent xmlns:mc="http://schemas.openxmlformats.org/markup-compatibility/2006" xmlns:p14="http://schemas.microsoft.com/office/powerpoint/2010/main">
+          <mc:Choice Requires="p14">
             <p:contentPart p14:bwMode="auto" r:id="rId24">
               <p14:nvContentPartPr>
                 <p14:cNvPr id="20" name="Ink 19">
@@ -22654,7 +22799,7 @@
               </p14:xfrm>
             </p:contentPart>
           </mc:Choice>
-          <mc:Fallback>
+          <mc:Fallback xmlns="">
             <p:pic>
               <p:nvPicPr>
                 <p:cNvPr id="20" name="Ink 19">
@@ -22685,8 +22830,8 @@
             </p:pic>
           </mc:Fallback>
         </mc:AlternateContent>
-        <mc:AlternateContent xmlns:mc="http://schemas.openxmlformats.org/markup-compatibility/2006">
-          <mc:Choice xmlns:p14="http://schemas.microsoft.com/office/powerpoint/2010/main" Requires="p14">
+        <mc:AlternateContent xmlns:mc="http://schemas.openxmlformats.org/markup-compatibility/2006" xmlns:p14="http://schemas.microsoft.com/office/powerpoint/2010/main">
+          <mc:Choice Requires="p14">
             <p:contentPart p14:bwMode="auto" r:id="rId26">
               <p14:nvContentPartPr>
                 <p14:cNvPr id="21" name="Ink 20">
@@ -22705,7 +22850,7 @@
               </p14:xfrm>
             </p:contentPart>
           </mc:Choice>
-          <mc:Fallback>
+          <mc:Fallback xmlns="">
             <p:pic>
               <p:nvPicPr>
                 <p:cNvPr id="21" name="Ink 20">
@@ -22736,8 +22881,8 @@
             </p:pic>
           </mc:Fallback>
         </mc:AlternateContent>
-        <mc:AlternateContent xmlns:mc="http://schemas.openxmlformats.org/markup-compatibility/2006">
-          <mc:Choice xmlns:p14="http://schemas.microsoft.com/office/powerpoint/2010/main" Requires="p14">
+        <mc:AlternateContent xmlns:mc="http://schemas.openxmlformats.org/markup-compatibility/2006" xmlns:p14="http://schemas.microsoft.com/office/powerpoint/2010/main">
+          <mc:Choice Requires="p14">
             <p:contentPart p14:bwMode="auto" r:id="rId28">
               <p14:nvContentPartPr>
                 <p14:cNvPr id="22" name="Ink 21">
@@ -22756,7 +22901,7 @@
               </p14:xfrm>
             </p:contentPart>
           </mc:Choice>
-          <mc:Fallback>
+          <mc:Fallback xmlns="">
             <p:pic>
               <p:nvPicPr>
                 <p:cNvPr id="22" name="Ink 21">
@@ -22787,8 +22932,8 @@
             </p:pic>
           </mc:Fallback>
         </mc:AlternateContent>
-        <mc:AlternateContent xmlns:mc="http://schemas.openxmlformats.org/markup-compatibility/2006">
-          <mc:Choice xmlns:p14="http://schemas.microsoft.com/office/powerpoint/2010/main" Requires="p14">
+        <mc:AlternateContent xmlns:mc="http://schemas.openxmlformats.org/markup-compatibility/2006" xmlns:p14="http://schemas.microsoft.com/office/powerpoint/2010/main">
+          <mc:Choice Requires="p14">
             <p:contentPart p14:bwMode="auto" r:id="rId30">
               <p14:nvContentPartPr>
                 <p14:cNvPr id="23" name="Ink 22">
@@ -22807,7 +22952,7 @@
               </p14:xfrm>
             </p:contentPart>
           </mc:Choice>
-          <mc:Fallback>
+          <mc:Fallback xmlns="">
             <p:pic>
               <p:nvPicPr>
                 <p:cNvPr id="23" name="Ink 22">
@@ -22838,8 +22983,8 @@
             </p:pic>
           </mc:Fallback>
         </mc:AlternateContent>
-        <mc:AlternateContent xmlns:mc="http://schemas.openxmlformats.org/markup-compatibility/2006">
-          <mc:Choice xmlns:p14="http://schemas.microsoft.com/office/powerpoint/2010/main" Requires="p14">
+        <mc:AlternateContent xmlns:mc="http://schemas.openxmlformats.org/markup-compatibility/2006" xmlns:p14="http://schemas.microsoft.com/office/powerpoint/2010/main">
+          <mc:Choice Requires="p14">
             <p:contentPart p14:bwMode="auto" r:id="rId32">
               <p14:nvContentPartPr>
                 <p14:cNvPr id="24" name="Ink 23">
@@ -22858,7 +23003,7 @@
               </p14:xfrm>
             </p:contentPart>
           </mc:Choice>
-          <mc:Fallback>
+          <mc:Fallback xmlns="">
             <p:pic>
               <p:nvPicPr>
                 <p:cNvPr id="24" name="Ink 23">
@@ -22889,8 +23034,8 @@
             </p:pic>
           </mc:Fallback>
         </mc:AlternateContent>
-        <mc:AlternateContent xmlns:mc="http://schemas.openxmlformats.org/markup-compatibility/2006">
-          <mc:Choice xmlns:p14="http://schemas.microsoft.com/office/powerpoint/2010/main" Requires="p14">
+        <mc:AlternateContent xmlns:mc="http://schemas.openxmlformats.org/markup-compatibility/2006" xmlns:p14="http://schemas.microsoft.com/office/powerpoint/2010/main">
+          <mc:Choice Requires="p14">
             <p:contentPart p14:bwMode="auto" r:id="rId34">
               <p14:nvContentPartPr>
                 <p14:cNvPr id="25" name="Ink 24">
@@ -22909,7 +23054,7 @@
               </p14:xfrm>
             </p:contentPart>
           </mc:Choice>
-          <mc:Fallback>
+          <mc:Fallback xmlns="">
             <p:pic>
               <p:nvPicPr>
                 <p:cNvPr id="25" name="Ink 24">
@@ -22940,8 +23085,8 @@
             </p:pic>
           </mc:Fallback>
         </mc:AlternateContent>
-        <mc:AlternateContent xmlns:mc="http://schemas.openxmlformats.org/markup-compatibility/2006">
-          <mc:Choice xmlns:p14="http://schemas.microsoft.com/office/powerpoint/2010/main" Requires="p14">
+        <mc:AlternateContent xmlns:mc="http://schemas.openxmlformats.org/markup-compatibility/2006" xmlns:p14="http://schemas.microsoft.com/office/powerpoint/2010/main">
+          <mc:Choice Requires="p14">
             <p:contentPart p14:bwMode="auto" r:id="rId36">
               <p14:nvContentPartPr>
                 <p14:cNvPr id="26" name="Ink 25">
@@ -22960,7 +23105,7 @@
               </p14:xfrm>
             </p:contentPart>
           </mc:Choice>
-          <mc:Fallback>
+          <mc:Fallback xmlns="">
             <p:pic>
               <p:nvPicPr>
                 <p:cNvPr id="26" name="Ink 25">
@@ -22992,8 +23137,8 @@
           </mc:Fallback>
         </mc:AlternateContent>
       </p:grpSp>
-      <mc:AlternateContent xmlns:mc="http://schemas.openxmlformats.org/markup-compatibility/2006">
-        <mc:Choice xmlns:p14="http://schemas.microsoft.com/office/powerpoint/2010/main" Requires="p14">
+      <mc:AlternateContent xmlns:mc="http://schemas.openxmlformats.org/markup-compatibility/2006" xmlns:p14="http://schemas.microsoft.com/office/powerpoint/2010/main">
+        <mc:Choice Requires="p14">
           <p:contentPart p14:bwMode="auto" r:id="rId38">
             <p14:nvContentPartPr>
               <p14:cNvPr id="28" name="Ink 27">
@@ -23012,7 +23157,7 @@
             </p14:xfrm>
           </p:contentPart>
         </mc:Choice>
-        <mc:Fallback>
+        <mc:Fallback xmlns="">
           <p:pic>
             <p:nvPicPr>
               <p:cNvPr id="28" name="Ink 27">
@@ -23043,8 +23188,8 @@
           </p:pic>
         </mc:Fallback>
       </mc:AlternateContent>
-      <mc:AlternateContent xmlns:mc="http://schemas.openxmlformats.org/markup-compatibility/2006">
-        <mc:Choice xmlns:p14="http://schemas.microsoft.com/office/powerpoint/2010/main" Requires="p14">
+      <mc:AlternateContent xmlns:mc="http://schemas.openxmlformats.org/markup-compatibility/2006" xmlns:p14="http://schemas.microsoft.com/office/powerpoint/2010/main">
+        <mc:Choice Requires="p14">
           <p:contentPart p14:bwMode="auto" r:id="rId40">
             <p14:nvContentPartPr>
               <p14:cNvPr id="29" name="Ink 28">
@@ -23063,7 +23208,7 @@
             </p14:xfrm>
           </p:contentPart>
         </mc:Choice>
-        <mc:Fallback>
+        <mc:Fallback xmlns="">
           <p:pic>
             <p:nvPicPr>
               <p:cNvPr id="29" name="Ink 28">
@@ -23094,8 +23239,8 @@
           </p:pic>
         </mc:Fallback>
       </mc:AlternateContent>
-      <mc:AlternateContent xmlns:mc="http://schemas.openxmlformats.org/markup-compatibility/2006">
-        <mc:Choice xmlns:a14="http://schemas.microsoft.com/office/drawing/2010/main" Requires="a14">
+      <mc:AlternateContent xmlns:mc="http://schemas.openxmlformats.org/markup-compatibility/2006" xmlns:a14="http://schemas.microsoft.com/office/drawing/2010/main">
+        <mc:Choice Requires="a14">
           <p:sp>
             <p:nvSpPr>
               <p:cNvPr id="48" name="Textfeld 47">
@@ -23177,7 +23322,7 @@
             </p:txBody>
           </p:sp>
         </mc:Choice>
-        <mc:Fallback>
+        <mc:Fallback xmlns="">
           <p:sp>
             <p:nvSpPr>
               <p:cNvPr id="48" name="Textfeld 47">
@@ -23222,8 +23367,8 @@
           </p:sp>
         </mc:Fallback>
       </mc:AlternateContent>
-      <mc:AlternateContent xmlns:mc="http://schemas.openxmlformats.org/markup-compatibility/2006">
-        <mc:Choice xmlns:p14="http://schemas.microsoft.com/office/powerpoint/2010/main" Requires="p14">
+      <mc:AlternateContent xmlns:mc="http://schemas.openxmlformats.org/markup-compatibility/2006" xmlns:p14="http://schemas.microsoft.com/office/powerpoint/2010/main">
+        <mc:Choice Requires="p14">
           <p:contentPart p14:bwMode="auto" r:id="rId43">
             <p14:nvContentPartPr>
               <p14:cNvPr id="30" name="Ink 29">
@@ -23242,7 +23387,7 @@
             </p14:xfrm>
           </p:contentPart>
         </mc:Choice>
-        <mc:Fallback>
+        <mc:Fallback xmlns="">
           <p:pic>
             <p:nvPicPr>
               <p:cNvPr id="30" name="Ink 29">
@@ -23273,8 +23418,8 @@
           </p:pic>
         </mc:Fallback>
       </mc:AlternateContent>
-      <mc:AlternateContent xmlns:mc="http://schemas.openxmlformats.org/markup-compatibility/2006">
-        <mc:Choice xmlns:p14="http://schemas.microsoft.com/office/powerpoint/2010/main" Requires="p14">
+      <mc:AlternateContent xmlns:mc="http://schemas.openxmlformats.org/markup-compatibility/2006" xmlns:p14="http://schemas.microsoft.com/office/powerpoint/2010/main">
+        <mc:Choice Requires="p14">
           <p:contentPart p14:bwMode="auto" r:id="rId45">
             <p14:nvContentPartPr>
               <p14:cNvPr id="31" name="Ink 30">
@@ -23293,7 +23438,7 @@
             </p14:xfrm>
           </p:contentPart>
         </mc:Choice>
-        <mc:Fallback>
+        <mc:Fallback xmlns="">
           <p:pic>
             <p:nvPicPr>
               <p:cNvPr id="31" name="Ink 30">
@@ -23324,8 +23469,8 @@
           </p:pic>
         </mc:Fallback>
       </mc:AlternateContent>
-      <mc:AlternateContent xmlns:mc="http://schemas.openxmlformats.org/markup-compatibility/2006">
-        <mc:Choice xmlns:p14="http://schemas.microsoft.com/office/powerpoint/2010/main" Requires="p14">
+      <mc:AlternateContent xmlns:mc="http://schemas.openxmlformats.org/markup-compatibility/2006" xmlns:p14="http://schemas.microsoft.com/office/powerpoint/2010/main">
+        <mc:Choice Requires="p14">
           <p:contentPart p14:bwMode="auto" r:id="rId47">
             <p14:nvContentPartPr>
               <p14:cNvPr id="32" name="Ink 31">
@@ -23344,7 +23489,7 @@
             </p14:xfrm>
           </p:contentPart>
         </mc:Choice>
-        <mc:Fallback>
+        <mc:Fallback xmlns="">
           <p:pic>
             <p:nvPicPr>
               <p:cNvPr id="32" name="Ink 31">
@@ -23375,8 +23520,8 @@
           </p:pic>
         </mc:Fallback>
       </mc:AlternateContent>
-      <mc:AlternateContent xmlns:mc="http://schemas.openxmlformats.org/markup-compatibility/2006">
-        <mc:Choice xmlns:p14="http://schemas.microsoft.com/office/powerpoint/2010/main" Requires="p14">
+      <mc:AlternateContent xmlns:mc="http://schemas.openxmlformats.org/markup-compatibility/2006" xmlns:p14="http://schemas.microsoft.com/office/powerpoint/2010/main">
+        <mc:Choice Requires="p14">
           <p:contentPart p14:bwMode="auto" r:id="rId49">
             <p14:nvContentPartPr>
               <p14:cNvPr id="33" name="Ink 32">
@@ -23395,7 +23540,7 @@
             </p14:xfrm>
           </p:contentPart>
         </mc:Choice>
-        <mc:Fallback>
+        <mc:Fallback xmlns="">
           <p:pic>
             <p:nvPicPr>
               <p:cNvPr id="33" name="Ink 32">
@@ -23446,8 +23591,8 @@
             <a:chExt cx="360" cy="1291680"/>
           </a:xfrm>
         </p:grpSpPr>
-        <mc:AlternateContent xmlns:mc="http://schemas.openxmlformats.org/markup-compatibility/2006">
-          <mc:Choice xmlns:p14="http://schemas.microsoft.com/office/powerpoint/2010/main" Requires="p14">
+        <mc:AlternateContent xmlns:mc="http://schemas.openxmlformats.org/markup-compatibility/2006" xmlns:p14="http://schemas.microsoft.com/office/powerpoint/2010/main">
+          <mc:Choice Requires="p14">
             <p:contentPart p14:bwMode="auto" r:id="rId51">
               <p14:nvContentPartPr>
                 <p14:cNvPr id="34" name="Ink 33">
@@ -23466,7 +23611,7 @@
               </p14:xfrm>
             </p:contentPart>
           </mc:Choice>
-          <mc:Fallback>
+          <mc:Fallback xmlns="">
             <p:pic>
               <p:nvPicPr>
                 <p:cNvPr id="34" name="Ink 33">
@@ -23497,8 +23642,8 @@
             </p:pic>
           </mc:Fallback>
         </mc:AlternateContent>
-        <mc:AlternateContent xmlns:mc="http://schemas.openxmlformats.org/markup-compatibility/2006">
-          <mc:Choice xmlns:p14="http://schemas.microsoft.com/office/powerpoint/2010/main" Requires="p14">
+        <mc:AlternateContent xmlns:mc="http://schemas.openxmlformats.org/markup-compatibility/2006" xmlns:p14="http://schemas.microsoft.com/office/powerpoint/2010/main">
+          <mc:Choice Requires="p14">
             <p:contentPart p14:bwMode="auto" r:id="rId53">
               <p14:nvContentPartPr>
                 <p14:cNvPr id="35" name="Ink 34">
@@ -23517,7 +23662,7 @@
               </p14:xfrm>
             </p:contentPart>
           </mc:Choice>
-          <mc:Fallback>
+          <mc:Fallback xmlns="">
             <p:pic>
               <p:nvPicPr>
                 <p:cNvPr id="35" name="Ink 34">
@@ -23549,8 +23694,8 @@
           </mc:Fallback>
         </mc:AlternateContent>
       </p:grpSp>
-      <mc:AlternateContent xmlns:mc="http://schemas.openxmlformats.org/markup-compatibility/2006">
-        <mc:Choice xmlns:a14="http://schemas.microsoft.com/office/drawing/2010/main" Requires="a14">
+      <mc:AlternateContent xmlns:mc="http://schemas.openxmlformats.org/markup-compatibility/2006" xmlns:a14="http://schemas.microsoft.com/office/drawing/2010/main">
+        <mc:Choice Requires="a14">
           <p:sp>
             <p:nvSpPr>
               <p:cNvPr id="38" name="TextBox 37">
@@ -23661,7 +23806,7 @@
             </p:txBody>
           </p:sp>
         </mc:Choice>
-        <mc:Fallback>
+        <mc:Fallback xmlns="">
           <p:sp>
             <p:nvSpPr>
               <p:cNvPr id="38" name="TextBox 37">
@@ -23706,8 +23851,8 @@
           </p:sp>
         </mc:Fallback>
       </mc:AlternateContent>
-      <mc:AlternateContent xmlns:mc="http://schemas.openxmlformats.org/markup-compatibility/2006">
-        <mc:Choice xmlns:p14="http://schemas.microsoft.com/office/powerpoint/2010/main" Requires="p14">
+      <mc:AlternateContent xmlns:mc="http://schemas.openxmlformats.org/markup-compatibility/2006" xmlns:p14="http://schemas.microsoft.com/office/powerpoint/2010/main">
+        <mc:Choice Requires="p14">
           <p:contentPart p14:bwMode="auto" r:id="rId56">
             <p14:nvContentPartPr>
               <p14:cNvPr id="8" name="Ink 7">
@@ -23726,7 +23871,7 @@
             </p14:xfrm>
           </p:contentPart>
         </mc:Choice>
-        <mc:Fallback>
+        <mc:Fallback xmlns="">
           <p:pic>
             <p:nvPicPr>
               <p:cNvPr id="8" name="Ink 7">
@@ -23777,8 +23922,8 @@
             <a:chExt cx="2250360" cy="360"/>
           </a:xfrm>
         </p:grpSpPr>
-        <mc:AlternateContent xmlns:mc="http://schemas.openxmlformats.org/markup-compatibility/2006">
-          <mc:Choice xmlns:p14="http://schemas.microsoft.com/office/powerpoint/2010/main" Requires="p14">
+        <mc:AlternateContent xmlns:mc="http://schemas.openxmlformats.org/markup-compatibility/2006" xmlns:p14="http://schemas.microsoft.com/office/powerpoint/2010/main">
+          <mc:Choice Requires="p14">
             <p:contentPart p14:bwMode="auto" r:id="rId58">
               <p14:nvContentPartPr>
                 <p14:cNvPr id="10" name="Ink 9">
@@ -23797,7 +23942,7 @@
               </p14:xfrm>
             </p:contentPart>
           </mc:Choice>
-          <mc:Fallback>
+          <mc:Fallback xmlns="">
             <p:pic>
               <p:nvPicPr>
                 <p:cNvPr id="10" name="Ink 9">
@@ -23828,8 +23973,8 @@
             </p:pic>
           </mc:Fallback>
         </mc:AlternateContent>
-        <mc:AlternateContent xmlns:mc="http://schemas.openxmlformats.org/markup-compatibility/2006">
-          <mc:Choice xmlns:p14="http://schemas.microsoft.com/office/powerpoint/2010/main" Requires="p14">
+        <mc:AlternateContent xmlns:mc="http://schemas.openxmlformats.org/markup-compatibility/2006" xmlns:p14="http://schemas.microsoft.com/office/powerpoint/2010/main">
+          <mc:Choice Requires="p14">
             <p:contentPart p14:bwMode="auto" r:id="rId60">
               <p14:nvContentPartPr>
                 <p14:cNvPr id="11" name="Ink 10">
@@ -23848,7 +23993,7 @@
               </p14:xfrm>
             </p:contentPart>
           </mc:Choice>
-          <mc:Fallback>
+          <mc:Fallback xmlns="">
             <p:pic>
               <p:nvPicPr>
                 <p:cNvPr id="11" name="Ink 10">
@@ -23879,8 +24024,8 @@
             </p:pic>
           </mc:Fallback>
         </mc:AlternateContent>
-        <mc:AlternateContent xmlns:mc="http://schemas.openxmlformats.org/markup-compatibility/2006">
-          <mc:Choice xmlns:p14="http://schemas.microsoft.com/office/powerpoint/2010/main" Requires="p14">
+        <mc:AlternateContent xmlns:mc="http://schemas.openxmlformats.org/markup-compatibility/2006" xmlns:p14="http://schemas.microsoft.com/office/powerpoint/2010/main">
+          <mc:Choice Requires="p14">
             <p:contentPart p14:bwMode="auto" r:id="rId62">
               <p14:nvContentPartPr>
                 <p14:cNvPr id="12" name="Ink 11">
@@ -23899,7 +24044,7 @@
               </p14:xfrm>
             </p:contentPart>
           </mc:Choice>
-          <mc:Fallback>
+          <mc:Fallback xmlns="">
             <p:pic>
               <p:nvPicPr>
                 <p:cNvPr id="12" name="Ink 11">
@@ -23930,8 +24075,8 @@
             </p:pic>
           </mc:Fallback>
         </mc:AlternateContent>
-        <mc:AlternateContent xmlns:mc="http://schemas.openxmlformats.org/markup-compatibility/2006">
-          <mc:Choice xmlns:p14="http://schemas.microsoft.com/office/powerpoint/2010/main" Requires="p14">
+        <mc:AlternateContent xmlns:mc="http://schemas.openxmlformats.org/markup-compatibility/2006" xmlns:p14="http://schemas.microsoft.com/office/powerpoint/2010/main">
+          <mc:Choice Requires="p14">
             <p:contentPart p14:bwMode="auto" r:id="rId64">
               <p14:nvContentPartPr>
                 <p14:cNvPr id="37" name="Ink 36">
@@ -23950,7 +24095,7 @@
               </p14:xfrm>
             </p:contentPart>
           </mc:Choice>
-          <mc:Fallback>
+          <mc:Fallback xmlns="">
             <p:pic>
               <p:nvPicPr>
                 <p:cNvPr id="37" name="Ink 36">
@@ -23981,8 +24126,8 @@
             </p:pic>
           </mc:Fallback>
         </mc:AlternateContent>
-        <mc:AlternateContent xmlns:mc="http://schemas.openxmlformats.org/markup-compatibility/2006">
-          <mc:Choice xmlns:p14="http://schemas.microsoft.com/office/powerpoint/2010/main" Requires="p14">
+        <mc:AlternateContent xmlns:mc="http://schemas.openxmlformats.org/markup-compatibility/2006" xmlns:p14="http://schemas.microsoft.com/office/powerpoint/2010/main">
+          <mc:Choice Requires="p14">
             <p:contentPart p14:bwMode="auto" r:id="rId66">
               <p14:nvContentPartPr>
                 <p14:cNvPr id="39" name="Ink 38">
@@ -24001,7 +24146,7 @@
               </p14:xfrm>
             </p:contentPart>
           </mc:Choice>
-          <mc:Fallback>
+          <mc:Fallback xmlns="">
             <p:pic>
               <p:nvPicPr>
                 <p:cNvPr id="39" name="Ink 38">
@@ -24053,8 +24198,8 @@
             <a:chExt cx="1881360" cy="360"/>
           </a:xfrm>
         </p:grpSpPr>
-        <mc:AlternateContent xmlns:mc="http://schemas.openxmlformats.org/markup-compatibility/2006">
-          <mc:Choice xmlns:p14="http://schemas.microsoft.com/office/powerpoint/2010/main" Requires="p14">
+        <mc:AlternateContent xmlns:mc="http://schemas.openxmlformats.org/markup-compatibility/2006" xmlns:p14="http://schemas.microsoft.com/office/powerpoint/2010/main">
+          <mc:Choice Requires="p14">
             <p:contentPart p14:bwMode="auto" r:id="rId68">
               <p14:nvContentPartPr>
                 <p14:cNvPr id="41" name="Ink 40">
@@ -24073,7 +24218,7 @@
               </p14:xfrm>
             </p:contentPart>
           </mc:Choice>
-          <mc:Fallback>
+          <mc:Fallback xmlns="">
             <p:pic>
               <p:nvPicPr>
                 <p:cNvPr id="41" name="Ink 40">
@@ -24104,8 +24249,8 @@
             </p:pic>
           </mc:Fallback>
         </mc:AlternateContent>
-        <mc:AlternateContent xmlns:mc="http://schemas.openxmlformats.org/markup-compatibility/2006">
-          <mc:Choice xmlns:p14="http://schemas.microsoft.com/office/powerpoint/2010/main" Requires="p14">
+        <mc:AlternateContent xmlns:mc="http://schemas.openxmlformats.org/markup-compatibility/2006" xmlns:p14="http://schemas.microsoft.com/office/powerpoint/2010/main">
+          <mc:Choice Requires="p14">
             <p:contentPart p14:bwMode="auto" r:id="rId70">
               <p14:nvContentPartPr>
                 <p14:cNvPr id="42" name="Ink 41">
@@ -24124,7 +24269,7 @@
               </p14:xfrm>
             </p:contentPart>
           </mc:Choice>
-          <mc:Fallback>
+          <mc:Fallback xmlns="">
             <p:pic>
               <p:nvPicPr>
                 <p:cNvPr id="42" name="Ink 41">
@@ -24155,8 +24300,8 @@
             </p:pic>
           </mc:Fallback>
         </mc:AlternateContent>
-        <mc:AlternateContent xmlns:mc="http://schemas.openxmlformats.org/markup-compatibility/2006">
-          <mc:Choice xmlns:p14="http://schemas.microsoft.com/office/powerpoint/2010/main" Requires="p14">
+        <mc:AlternateContent xmlns:mc="http://schemas.openxmlformats.org/markup-compatibility/2006" xmlns:p14="http://schemas.microsoft.com/office/powerpoint/2010/main">
+          <mc:Choice Requires="p14">
             <p:contentPart p14:bwMode="auto" r:id="rId72">
               <p14:nvContentPartPr>
                 <p14:cNvPr id="43" name="Ink 42">
@@ -24175,7 +24320,7 @@
               </p14:xfrm>
             </p:contentPart>
           </mc:Choice>
-          <mc:Fallback>
+          <mc:Fallback xmlns="">
             <p:pic>
               <p:nvPicPr>
                 <p:cNvPr id="43" name="Ink 42">
@@ -24207,8 +24352,8 @@
           </mc:Fallback>
         </mc:AlternateContent>
       </p:grpSp>
-      <mc:AlternateContent xmlns:mc="http://schemas.openxmlformats.org/markup-compatibility/2006">
-        <mc:Choice xmlns:p14="http://schemas.microsoft.com/office/powerpoint/2010/main" Requires="p14">
+      <mc:AlternateContent xmlns:mc="http://schemas.openxmlformats.org/markup-compatibility/2006" xmlns:p14="http://schemas.microsoft.com/office/powerpoint/2010/main">
+        <mc:Choice Requires="p14">
           <p:contentPart p14:bwMode="auto" r:id="rId74">
             <p14:nvContentPartPr>
               <p14:cNvPr id="45" name="Ink 44">
@@ -24227,7 +24372,7 @@
             </p14:xfrm>
           </p:contentPart>
         </mc:Choice>
-        <mc:Fallback>
+        <mc:Fallback xmlns="">
           <p:pic>
             <p:nvPicPr>
               <p:cNvPr id="45" name="Ink 44">
@@ -24258,8 +24403,8 @@
           </p:pic>
         </mc:Fallback>
       </mc:AlternateContent>
-      <mc:AlternateContent xmlns:mc="http://schemas.openxmlformats.org/markup-compatibility/2006">
-        <mc:Choice xmlns:p14="http://schemas.microsoft.com/office/powerpoint/2010/main" Requires="p14">
+      <mc:AlternateContent xmlns:mc="http://schemas.openxmlformats.org/markup-compatibility/2006" xmlns:p14="http://schemas.microsoft.com/office/powerpoint/2010/main">
+        <mc:Choice Requires="p14">
           <p:contentPart p14:bwMode="auto" r:id="rId76">
             <p14:nvContentPartPr>
               <p14:cNvPr id="46" name="Ink 45">
@@ -24278,7 +24423,7 @@
             </p14:xfrm>
           </p:contentPart>
         </mc:Choice>
-        <mc:Fallback>
+        <mc:Fallback xmlns="">
           <p:pic>
             <p:nvPicPr>
               <p:cNvPr id="46" name="Ink 45">
@@ -24309,8 +24454,8 @@
           </p:pic>
         </mc:Fallback>
       </mc:AlternateContent>
-      <mc:AlternateContent xmlns:mc="http://schemas.openxmlformats.org/markup-compatibility/2006">
-        <mc:Choice xmlns:p14="http://schemas.microsoft.com/office/powerpoint/2010/main" Requires="p14">
+      <mc:AlternateContent xmlns:mc="http://schemas.openxmlformats.org/markup-compatibility/2006" xmlns:p14="http://schemas.microsoft.com/office/powerpoint/2010/main">
+        <mc:Choice Requires="p14">
           <p:contentPart p14:bwMode="auto" r:id="rId78">
             <p14:nvContentPartPr>
               <p14:cNvPr id="47" name="Ink 46">
@@ -24329,7 +24474,7 @@
             </p14:xfrm>
           </p:contentPart>
         </mc:Choice>
-        <mc:Fallback>
+        <mc:Fallback xmlns="">
           <p:pic>
             <p:nvPicPr>
               <p:cNvPr id="47" name="Ink 46">
@@ -24360,8 +24505,8 @@
           </p:pic>
         </mc:Fallback>
       </mc:AlternateContent>
-      <mc:AlternateContent xmlns:mc="http://schemas.openxmlformats.org/markup-compatibility/2006">
-        <mc:Choice xmlns:p14="http://schemas.microsoft.com/office/powerpoint/2010/main" Requires="p14">
+      <mc:AlternateContent xmlns:mc="http://schemas.openxmlformats.org/markup-compatibility/2006" xmlns:p14="http://schemas.microsoft.com/office/powerpoint/2010/main">
+        <mc:Choice Requires="p14">
           <p:contentPart p14:bwMode="auto" r:id="rId80">
             <p14:nvContentPartPr>
               <p14:cNvPr id="49" name="Ink 48">
@@ -24380,7 +24525,7 @@
             </p14:xfrm>
           </p:contentPart>
         </mc:Choice>
-        <mc:Fallback>
+        <mc:Fallback xmlns="">
           <p:pic>
             <p:nvPicPr>
               <p:cNvPr id="49" name="Ink 48">
@@ -24411,8 +24556,8 @@
           </p:pic>
         </mc:Fallback>
       </mc:AlternateContent>
-      <mc:AlternateContent xmlns:mc="http://schemas.openxmlformats.org/markup-compatibility/2006">
-        <mc:Choice xmlns:p14="http://schemas.microsoft.com/office/powerpoint/2010/main" Requires="p14">
+      <mc:AlternateContent xmlns:mc="http://schemas.openxmlformats.org/markup-compatibility/2006" xmlns:p14="http://schemas.microsoft.com/office/powerpoint/2010/main">
+        <mc:Choice Requires="p14">
           <p:contentPart p14:bwMode="auto" r:id="rId82">
             <p14:nvContentPartPr>
               <p14:cNvPr id="50" name="Ink 49">
@@ -24431,7 +24576,7 @@
             </p14:xfrm>
           </p:contentPart>
         </mc:Choice>
-        <mc:Fallback>
+        <mc:Fallback xmlns="">
           <p:pic>
             <p:nvPicPr>
               <p:cNvPr id="50" name="Ink 49">
@@ -24462,8 +24607,8 @@
           </p:pic>
         </mc:Fallback>
       </mc:AlternateContent>
-      <mc:AlternateContent xmlns:mc="http://schemas.openxmlformats.org/markup-compatibility/2006">
-        <mc:Choice xmlns:p14="http://schemas.microsoft.com/office/powerpoint/2010/main" Requires="p14">
+      <mc:AlternateContent xmlns:mc="http://schemas.openxmlformats.org/markup-compatibility/2006" xmlns:p14="http://schemas.microsoft.com/office/powerpoint/2010/main">
+        <mc:Choice Requires="p14">
           <p:contentPart p14:bwMode="auto" r:id="rId84">
             <p14:nvContentPartPr>
               <p14:cNvPr id="51" name="Ink 50">
@@ -24482,7 +24627,7 @@
             </p14:xfrm>
           </p:contentPart>
         </mc:Choice>
-        <mc:Fallback>
+        <mc:Fallback xmlns="">
           <p:pic>
             <p:nvPicPr>
               <p:cNvPr id="51" name="Ink 50">
@@ -24513,8 +24658,8 @@
           </p:pic>
         </mc:Fallback>
       </mc:AlternateContent>
-      <mc:AlternateContent xmlns:mc="http://schemas.openxmlformats.org/markup-compatibility/2006">
-        <mc:Choice xmlns:p14="http://schemas.microsoft.com/office/powerpoint/2010/main" Requires="p14">
+      <mc:AlternateContent xmlns:mc="http://schemas.openxmlformats.org/markup-compatibility/2006" xmlns:p14="http://schemas.microsoft.com/office/powerpoint/2010/main">
+        <mc:Choice Requires="p14">
           <p:contentPart p14:bwMode="auto" r:id="rId86">
             <p14:nvContentPartPr>
               <p14:cNvPr id="52" name="Ink 51">
@@ -24533,7 +24678,7 @@
             </p14:xfrm>
           </p:contentPart>
         </mc:Choice>
-        <mc:Fallback>
+        <mc:Fallback xmlns="">
           <p:pic>
             <p:nvPicPr>
               <p:cNvPr id="52" name="Ink 51">
@@ -24564,8 +24709,8 @@
           </p:pic>
         </mc:Fallback>
       </mc:AlternateContent>
-      <mc:AlternateContent xmlns:mc="http://schemas.openxmlformats.org/markup-compatibility/2006">
-        <mc:Choice xmlns:p14="http://schemas.microsoft.com/office/powerpoint/2010/main" Requires="p14">
+      <mc:AlternateContent xmlns:mc="http://schemas.openxmlformats.org/markup-compatibility/2006" xmlns:p14="http://schemas.microsoft.com/office/powerpoint/2010/main">
+        <mc:Choice Requires="p14">
           <p:contentPart p14:bwMode="auto" r:id="rId88">
             <p14:nvContentPartPr>
               <p14:cNvPr id="53" name="Ink 52">
@@ -24584,7 +24729,7 @@
             </p14:xfrm>
           </p:contentPart>
         </mc:Choice>
-        <mc:Fallback>
+        <mc:Fallback xmlns="">
           <p:pic>
             <p:nvPicPr>
               <p:cNvPr id="53" name="Ink 52">
@@ -24615,8 +24760,8 @@
           </p:pic>
         </mc:Fallback>
       </mc:AlternateContent>
-      <mc:AlternateContent xmlns:mc="http://schemas.openxmlformats.org/markup-compatibility/2006">
-        <mc:Choice xmlns:p14="http://schemas.microsoft.com/office/powerpoint/2010/main" Requires="p14">
+      <mc:AlternateContent xmlns:mc="http://schemas.openxmlformats.org/markup-compatibility/2006" xmlns:p14="http://schemas.microsoft.com/office/powerpoint/2010/main">
+        <mc:Choice Requires="p14">
           <p:contentPart p14:bwMode="auto" r:id="rId90">
             <p14:nvContentPartPr>
               <p14:cNvPr id="54" name="Ink 53">
@@ -24635,7 +24780,7 @@
             </p14:xfrm>
           </p:contentPart>
         </mc:Choice>
-        <mc:Fallback>
+        <mc:Fallback xmlns="">
           <p:pic>
             <p:nvPicPr>
               <p:cNvPr id="54" name="Ink 53">
@@ -24666,8 +24811,8 @@
           </p:pic>
         </mc:Fallback>
       </mc:AlternateContent>
-      <mc:AlternateContent xmlns:mc="http://schemas.openxmlformats.org/markup-compatibility/2006">
-        <mc:Choice xmlns:p14="http://schemas.microsoft.com/office/powerpoint/2010/main" Requires="p14">
+      <mc:AlternateContent xmlns:mc="http://schemas.openxmlformats.org/markup-compatibility/2006" xmlns:p14="http://schemas.microsoft.com/office/powerpoint/2010/main">
+        <mc:Choice Requires="p14">
           <p:contentPart p14:bwMode="auto" r:id="rId92">
             <p14:nvContentPartPr>
               <p14:cNvPr id="56" name="Ink 55">
@@ -24686,7 +24831,7 @@
             </p14:xfrm>
           </p:contentPart>
         </mc:Choice>
-        <mc:Fallback>
+        <mc:Fallback xmlns="">
           <p:pic>
             <p:nvPicPr>
               <p:cNvPr id="56" name="Ink 55">
@@ -24849,7 +24994,7 @@
         <p:spPr>
           <a:xfrm>
             <a:off x="304800" y="869901"/>
-            <a:ext cx="10668000" cy="1446550"/>
+            <a:ext cx="10668000" cy="1785104"/>
           </a:xfrm>
           <a:prstGeom prst="rect">
             <a:avLst/>
@@ -24879,6 +25024,24 @@
             <a:r>
               <a:rPr lang="en-CA" sz="2200" dirty="0"/>
               <a:t>What about noise in patient/provider signals? </a:t>
+            </a:r>
+          </a:p>
+          <a:p>
+            <a:pPr marL="285750" indent="-285750">
+              <a:buFont typeface="Arial" panose="020B0604020202020204" pitchFamily="34" charset="0"/>
+              <a:buChar char="•"/>
+            </a:pPr>
+            <a:r>
+              <a:rPr lang="en-CA" sz="2200" dirty="0"/>
+              <a:t>What about physician competition for patients? (</a:t>
+            </a:r>
+            <a:r>
+              <a:rPr lang="en-CA" sz="2200" dirty="0" err="1"/>
+              <a:t>Rochaix</a:t>
+            </a:r>
+            <a:r>
+              <a:rPr lang="en-CA" sz="2200" dirty="0"/>
+              <a:t>, 1989)</a:t>
             </a:r>
           </a:p>
           <a:p>
@@ -25032,7 +25195,7 @@
         <p:spPr>
           <a:xfrm>
             <a:off x="304800" y="869901"/>
-            <a:ext cx="10668000" cy="4154984"/>
+            <a:ext cx="10668000" cy="4493538"/>
           </a:xfrm>
           <a:prstGeom prst="rect">
             <a:avLst/>
@@ -25062,6 +25225,24 @@
             <a:r>
               <a:rPr lang="en-CA" sz="2200" dirty="0"/>
               <a:t>What about noise in patient/provider signals? </a:t>
+            </a:r>
+          </a:p>
+          <a:p>
+            <a:pPr marL="285750" indent="-285750">
+              <a:buFont typeface="Arial" panose="020B0604020202020204" pitchFamily="34" charset="0"/>
+              <a:buChar char="•"/>
+            </a:pPr>
+            <a:r>
+              <a:rPr lang="en-CA" sz="2200" dirty="0"/>
+              <a:t>What about physician competition for patients? (</a:t>
+            </a:r>
+            <a:r>
+              <a:rPr lang="en-CA" sz="2200" dirty="0" err="1"/>
+              <a:t>Rochaix</a:t>
+            </a:r>
+            <a:r>
+              <a:rPr lang="en-CA" sz="2200" dirty="0"/>
+              <a:t>, 1989)</a:t>
             </a:r>
           </a:p>
           <a:p>
@@ -25181,7 +25362,7 @@
         </p:blipFill>
         <p:spPr bwMode="auto">
           <a:xfrm>
-            <a:off x="2971800" y="4827559"/>
+            <a:off x="3763823" y="5219441"/>
             <a:ext cx="1847850" cy="1160540"/>
           </a:xfrm>
           <a:prstGeom prst="rect">
@@ -26161,7 +26342,7 @@
         </p:blipFill>
         <p:spPr>
           <a:xfrm>
-            <a:off x="1828800" y="1263918"/>
+            <a:off x="1219200" y="1263918"/>
             <a:ext cx="7601725" cy="5363968"/>
           </a:xfrm>
           <a:prstGeom prst="rect">
@@ -26523,8 +26704,192 @@
           </a:p>
         </p:txBody>
       </p:sp>
-      <mc:AlternateContent xmlns:mc="http://schemas.openxmlformats.org/markup-compatibility/2006">
-        <mc:Choice xmlns:a14="http://schemas.microsoft.com/office/drawing/2010/main" Requires="a14">
+      <p:sp>
+        <p:nvSpPr>
+          <p:cNvPr id="3" name="TextBox 2">
+            <a:extLst>
+              <a:ext uri="{FF2B5EF4-FFF2-40B4-BE49-F238E27FC236}">
+                <a16:creationId xmlns:a16="http://schemas.microsoft.com/office/drawing/2014/main" id="{EB3B0B30-C2F4-16D0-9036-2E80A97D4666}"/>
+              </a:ext>
+            </a:extLst>
+          </p:cNvPr>
+          <p:cNvSpPr txBox="1"/>
+          <p:nvPr/>
+        </p:nvSpPr>
+        <p:spPr>
+          <a:xfrm>
+            <a:off x="304800" y="733299"/>
+            <a:ext cx="10668000" cy="1446550"/>
+          </a:xfrm>
+          <a:prstGeom prst="rect">
+            <a:avLst/>
+          </a:prstGeom>
+          <a:noFill/>
+        </p:spPr>
+        <p:txBody>
+          <a:bodyPr wrap="square" rtlCol="0">
+            <a:spAutoFit/>
+          </a:bodyPr>
+          <a:lstStyle/>
+          <a:p>
+            <a:pPr marL="285750" indent="-285750">
+              <a:buFont typeface="Arial" panose="020B0604020202020204" pitchFamily="34" charset="0"/>
+              <a:buChar char="•"/>
+            </a:pPr>
+            <a:r>
+              <a:rPr lang="en-CA" sz="2200" dirty="0"/>
+              <a:t>One hypothesis: </a:t>
+            </a:r>
+            <a:r>
+              <a:rPr lang="en-CA" sz="2200" b="1" dirty="0"/>
+              <a:t>“flat of the curve” medicine</a:t>
+            </a:r>
+          </a:p>
+          <a:p>
+            <a:pPr marL="742950" lvl="1" indent="-285750">
+              <a:buFont typeface="Arial" panose="020B0604020202020204" pitchFamily="34" charset="0"/>
+              <a:buChar char="•"/>
+            </a:pPr>
+            <a:r>
+              <a:rPr lang="en-CA" sz="2200" dirty="0"/>
+              <a:t>Is there wasteful utilization? Too much demand-inducement? </a:t>
+            </a:r>
+          </a:p>
+          <a:p>
+            <a:pPr marL="285750" indent="-285750">
+              <a:buFont typeface="Arial" panose="020B0604020202020204" pitchFamily="34" charset="0"/>
+              <a:buChar char="•"/>
+            </a:pPr>
+            <a:endParaRPr lang="en-CA" sz="2200" dirty="0"/>
+          </a:p>
+          <a:p>
+            <a:pPr marL="285750" indent="-285750">
+              <a:buFont typeface="Arial" panose="020B0604020202020204" pitchFamily="34" charset="0"/>
+              <a:buChar char="•"/>
+            </a:pPr>
+            <a:endParaRPr lang="en-CA" sz="2200" dirty="0"/>
+          </a:p>
+        </p:txBody>
+      </p:sp>
+    </p:spTree>
+    <p:extLst>
+      <p:ext uri="{BB962C8B-B14F-4D97-AF65-F5344CB8AC3E}">
+        <p14:creationId xmlns:p14="http://schemas.microsoft.com/office/powerpoint/2010/main" val="1379795562"/>
+      </p:ext>
+    </p:extLst>
+  </p:cSld>
+  <p:clrMapOvr>
+    <a:masterClrMapping/>
+  </p:clrMapOvr>
+  <p:transition>
+    <p:cut/>
+  </p:transition>
+</p:sld>
+</file>
+
+<file path=ppt/slides/slide29.xml><?xml version="1.0" encoding="utf-8"?>
+<p:sld xmlns:a="http://schemas.openxmlformats.org/drawingml/2006/main" xmlns:r="http://schemas.openxmlformats.org/officeDocument/2006/relationships" xmlns:p="http://schemas.openxmlformats.org/presentationml/2006/main">
+  <p:cSld>
+    <p:spTree>
+      <p:nvGrpSpPr>
+        <p:cNvPr id="1" name=""/>
+        <p:cNvGrpSpPr/>
+        <p:nvPr/>
+      </p:nvGrpSpPr>
+      <p:grpSpPr>
+        <a:xfrm>
+          <a:off x="0" y="0"/>
+          <a:ext cx="0" cy="0"/>
+          <a:chOff x="0" y="0"/>
+          <a:chExt cx="0" cy="0"/>
+        </a:xfrm>
+      </p:grpSpPr>
+      <p:sp>
+        <p:nvSpPr>
+          <p:cNvPr id="2" name="object 2"/>
+          <p:cNvSpPr txBox="1">
+            <a:spLocks noGrp="1"/>
+          </p:cNvSpPr>
+          <p:nvPr>
+            <p:ph type="title"/>
+          </p:nvPr>
+        </p:nvSpPr>
+        <p:spPr>
+          <a:xfrm>
+            <a:off x="211217" y="30443"/>
+            <a:ext cx="10304383" cy="702856"/>
+          </a:xfrm>
+          <a:prstGeom prst="rect">
+            <a:avLst/>
+          </a:prstGeom>
+        </p:spPr>
+        <p:txBody>
+          <a:bodyPr vert="horz" wrap="square" lIns="0" tIns="25499" rIns="0" bIns="0" rtlCol="0" anchor="b">
+            <a:spAutoFit/>
+          </a:bodyPr>
+          <a:lstStyle/>
+          <a:p>
+            <a:pPr marL="26841">
+              <a:lnSpc>
+                <a:spcPct val="100000"/>
+              </a:lnSpc>
+              <a:spcBef>
+                <a:spcPts val="201"/>
+              </a:spcBef>
+            </a:pPr>
+            <a:r>
+              <a:rPr lang="en-CA" spc="95" dirty="0"/>
+              <a:t>Productivity Spillovers</a:t>
+            </a:r>
+            <a:endParaRPr spc="95" dirty="0"/>
+          </a:p>
+        </p:txBody>
+      </p:sp>
+      <p:sp>
+        <p:nvSpPr>
+          <p:cNvPr id="9" name="object 9"/>
+          <p:cNvSpPr txBox="1"/>
+          <p:nvPr/>
+        </p:nvSpPr>
+        <p:spPr>
+          <a:xfrm>
+            <a:off x="11862007" y="6407020"/>
+            <a:ext cx="132865" cy="220866"/>
+          </a:xfrm>
+          <a:prstGeom prst="rect">
+            <a:avLst/>
+          </a:prstGeom>
+        </p:spPr>
+        <p:txBody>
+          <a:bodyPr vert="horz" wrap="square" lIns="0" tIns="25499" rIns="0" bIns="0" rtlCol="0">
+            <a:spAutoFit/>
+          </a:bodyPr>
+          <a:lstStyle/>
+          <a:p>
+            <a:pPr marL="26841">
+              <a:spcBef>
+                <a:spcPts val="201"/>
+              </a:spcBef>
+            </a:pPr>
+            <a:r>
+              <a:rPr sz="1268" spc="-232" dirty="0">
+                <a:solidFill>
+                  <a:srgbClr val="22373A"/>
+                </a:solidFill>
+                <a:latin typeface="Arial Black"/>
+                <a:cs typeface="Arial Black"/>
+              </a:rPr>
+              <a:t>5</a:t>
+            </a:r>
+            <a:endParaRPr sz="1268">
+              <a:latin typeface="Arial Black"/>
+              <a:cs typeface="Arial Black"/>
+            </a:endParaRPr>
+          </a:p>
+        </p:txBody>
+      </p:sp>
+      <mc:AlternateContent xmlns:mc="http://schemas.openxmlformats.org/markup-compatibility/2006" xmlns:a14="http://schemas.microsoft.com/office/drawing/2010/main">
+        <mc:Choice Requires="a14">
           <p:sp>
             <p:nvSpPr>
               <p:cNvPr id="3" name="TextBox 2">
@@ -26728,7 +27093,7 @@
             </p:txBody>
           </p:sp>
         </mc:Choice>
-        <mc:Fallback>
+        <mc:Fallback xmlns="">
           <p:sp>
             <p:nvSpPr>
               <p:cNvPr id="3" name="TextBox 2">
@@ -26776,398 +27141,7 @@
     </p:spTree>
     <p:extLst>
       <p:ext uri="{BB962C8B-B14F-4D97-AF65-F5344CB8AC3E}">
-        <p14:creationId xmlns:p14="http://schemas.microsoft.com/office/powerpoint/2010/main" val="1379795562"/>
-      </p:ext>
-    </p:extLst>
-  </p:cSld>
-  <p:clrMapOvr>
-    <a:masterClrMapping/>
-  </p:clrMapOvr>
-  <p:transition>
-    <p:cut/>
-  </p:transition>
-</p:sld>
-</file>
-
-<file path=ppt/slides/slide29.xml><?xml version="1.0" encoding="utf-8"?>
-<p:sld xmlns:a="http://schemas.openxmlformats.org/drawingml/2006/main" xmlns:r="http://schemas.openxmlformats.org/officeDocument/2006/relationships" xmlns:p="http://schemas.openxmlformats.org/presentationml/2006/main">
-  <p:cSld>
-    <p:spTree>
-      <p:nvGrpSpPr>
-        <p:cNvPr id="1" name=""/>
-        <p:cNvGrpSpPr/>
-        <p:nvPr/>
-      </p:nvGrpSpPr>
-      <p:grpSpPr>
-        <a:xfrm>
-          <a:off x="0" y="0"/>
-          <a:ext cx="0" cy="0"/>
-          <a:chOff x="0" y="0"/>
-          <a:chExt cx="0" cy="0"/>
-        </a:xfrm>
-      </p:grpSpPr>
-      <p:sp>
-        <p:nvSpPr>
-          <p:cNvPr id="2" name="object 2"/>
-          <p:cNvSpPr txBox="1">
-            <a:spLocks noGrp="1"/>
-          </p:cNvSpPr>
-          <p:nvPr>
-            <p:ph type="title"/>
-          </p:nvPr>
-        </p:nvSpPr>
-        <p:spPr>
-          <a:xfrm>
-            <a:off x="211217" y="30443"/>
-            <a:ext cx="10304383" cy="702856"/>
-          </a:xfrm>
-          <a:prstGeom prst="rect">
-            <a:avLst/>
-          </a:prstGeom>
-        </p:spPr>
-        <p:txBody>
-          <a:bodyPr vert="horz" wrap="square" lIns="0" tIns="25499" rIns="0" bIns="0" rtlCol="0" anchor="b">
-            <a:spAutoFit/>
-          </a:bodyPr>
-          <a:lstStyle/>
-          <a:p>
-            <a:pPr marL="26841">
-              <a:lnSpc>
-                <a:spcPct val="100000"/>
-              </a:lnSpc>
-              <a:spcBef>
-                <a:spcPts val="201"/>
-              </a:spcBef>
-            </a:pPr>
-            <a:r>
-              <a:rPr lang="en-CA" spc="95" dirty="0"/>
-              <a:t>Productivity Spillovers</a:t>
-            </a:r>
-            <a:endParaRPr spc="95" dirty="0"/>
-          </a:p>
-        </p:txBody>
-      </p:sp>
-      <p:sp>
-        <p:nvSpPr>
-          <p:cNvPr id="9" name="object 9"/>
-          <p:cNvSpPr txBox="1"/>
-          <p:nvPr/>
-        </p:nvSpPr>
-        <p:spPr>
-          <a:xfrm>
-            <a:off x="11862007" y="6407020"/>
-            <a:ext cx="132865" cy="220866"/>
-          </a:xfrm>
-          <a:prstGeom prst="rect">
-            <a:avLst/>
-          </a:prstGeom>
-        </p:spPr>
-        <p:txBody>
-          <a:bodyPr vert="horz" wrap="square" lIns="0" tIns="25499" rIns="0" bIns="0" rtlCol="0">
-            <a:spAutoFit/>
-          </a:bodyPr>
-          <a:lstStyle/>
-          <a:p>
-            <a:pPr marL="26841">
-              <a:spcBef>
-                <a:spcPts val="201"/>
-              </a:spcBef>
-            </a:pPr>
-            <a:r>
-              <a:rPr sz="1268" spc="-232" dirty="0">
-                <a:solidFill>
-                  <a:srgbClr val="22373A"/>
-                </a:solidFill>
-                <a:latin typeface="Arial Black"/>
-                <a:cs typeface="Arial Black"/>
-              </a:rPr>
-              <a:t>5</a:t>
-            </a:r>
-            <a:endParaRPr sz="1268">
-              <a:latin typeface="Arial Black"/>
-              <a:cs typeface="Arial Black"/>
-            </a:endParaRPr>
-          </a:p>
-        </p:txBody>
-      </p:sp>
-      <mc:AlternateContent xmlns:mc="http://schemas.openxmlformats.org/markup-compatibility/2006">
-        <mc:Choice xmlns:a14="http://schemas.microsoft.com/office/drawing/2010/main" Requires="a14">
-          <p:sp>
-            <p:nvSpPr>
-              <p:cNvPr id="3" name="TextBox 2">
-                <a:extLst>
-                  <a:ext uri="{FF2B5EF4-FFF2-40B4-BE49-F238E27FC236}">
-                    <a16:creationId xmlns:a16="http://schemas.microsoft.com/office/drawing/2014/main" id="{EB3B0B30-C2F4-16D0-9036-2E80A97D4666}"/>
-                  </a:ext>
-                </a:extLst>
-              </p:cNvPr>
-              <p:cNvSpPr txBox="1"/>
-              <p:nvPr/>
-            </p:nvSpPr>
-            <p:spPr>
-              <a:xfrm>
-                <a:off x="304800" y="733299"/>
-                <a:ext cx="10668000" cy="4832092"/>
-              </a:xfrm>
-              <a:prstGeom prst="rect">
-                <a:avLst/>
-              </a:prstGeom>
-              <a:noFill/>
-            </p:spPr>
-            <p:txBody>
-              <a:bodyPr wrap="square" rtlCol="0">
-                <a:spAutoFit/>
-              </a:bodyPr>
-              <a:lstStyle/>
-              <a:p>
-                <a:pPr marL="285750" indent="-285750">
-                  <a:buFont typeface="Arial" panose="020B0604020202020204" pitchFamily="34" charset="0"/>
-                  <a:buChar char="•"/>
-                </a:pPr>
-                <a:r>
-                  <a:rPr lang="en-CA" sz="2200" dirty="0"/>
-                  <a:t>One hypothesis: </a:t>
-                </a:r>
-                <a:r>
-                  <a:rPr lang="en-CA" sz="2200" b="1" dirty="0"/>
-                  <a:t>“flat of the curve” medicine</a:t>
-                </a:r>
-              </a:p>
-              <a:p>
-                <a:pPr marL="742950" lvl="1" indent="-285750">
-                  <a:buFont typeface="Arial" panose="020B0604020202020204" pitchFamily="34" charset="0"/>
-                  <a:buChar char="•"/>
-                </a:pPr>
-                <a:r>
-                  <a:rPr lang="en-CA" sz="2200" dirty="0"/>
-                  <a:t>Is there wasteful utilization? Too much demand-inducement? </a:t>
-                </a:r>
-              </a:p>
-              <a:p>
-                <a:pPr marL="285750" indent="-285750">
-                  <a:buFont typeface="Arial" panose="020B0604020202020204" pitchFamily="34" charset="0"/>
-                  <a:buChar char="•"/>
-                </a:pPr>
-                <a:r>
-                  <a:rPr lang="en-CA" sz="2200" dirty="0"/>
-                  <a:t>But this theory has some issues: </a:t>
-                </a:r>
-              </a:p>
-              <a:p>
-                <a:pPr marL="914400" lvl="1" indent="-457200">
-                  <a:buFont typeface="+mj-lt"/>
-                  <a:buAutoNum type="arabicPeriod"/>
-                </a:pPr>
-                <a:r>
-                  <a:rPr lang="en-CA" sz="2200" dirty="0"/>
-                  <a:t>Why would we see differences in outcomes in similar regions? </a:t>
-                </a:r>
-              </a:p>
-              <a:p>
-                <a:pPr marL="914400" lvl="1" indent="-457200">
-                  <a:buFont typeface="+mj-lt"/>
-                  <a:buAutoNum type="arabicPeriod"/>
-                </a:pPr>
-                <a:r>
-                  <a:rPr lang="en-CA" sz="2200" dirty="0"/>
-                  <a:t>We would still expect more treatment to improve outcomes</a:t>
-                </a:r>
-              </a:p>
-              <a:p>
-                <a:pPr marL="914400" lvl="1" indent="-457200">
-                  <a:buFont typeface="+mj-lt"/>
-                  <a:buAutoNum type="arabicPeriod"/>
-                </a:pPr>
-                <a:r>
-                  <a:rPr lang="en-CA" sz="2200" dirty="0"/>
-                  <a:t>This would predict that </a:t>
-                </a:r>
-                <a14:m>
-                  <m:oMath xmlns:m="http://schemas.openxmlformats.org/officeDocument/2006/math">
-                    <m:r>
-                      <a:rPr lang="en-CA" sz="2200" b="0" i="1" smtClean="0">
-                        <a:latin typeface="Cambria Math" panose="02040503050406030204" pitchFamily="18" charset="0"/>
-                      </a:rPr>
-                      <m:t>𝑀</m:t>
-                    </m:r>
-                    <m:sSub>
-                      <m:sSubPr>
-                        <m:ctrlPr>
-                          <a:rPr lang="en-CA" sz="2200" b="0" i="1" smtClean="0">
-                            <a:latin typeface="Cambria Math" panose="02040503050406030204" pitchFamily="18" charset="0"/>
-                          </a:rPr>
-                        </m:ctrlPr>
-                      </m:sSubPr>
-                      <m:e>
-                        <m:r>
-                          <a:rPr lang="en-CA" sz="2200" b="0" i="1" smtClean="0">
-                            <a:latin typeface="Cambria Math" panose="02040503050406030204" pitchFamily="18" charset="0"/>
-                          </a:rPr>
-                          <m:t>𝐵</m:t>
-                        </m:r>
-                      </m:e>
-                      <m:sub>
-                        <m:r>
-                          <a:rPr lang="en-CA" sz="2200" b="0" i="1" smtClean="0">
-                            <a:latin typeface="Cambria Math" panose="02040503050406030204" pitchFamily="18" charset="0"/>
-                          </a:rPr>
-                          <m:t>𝑡</m:t>
-                        </m:r>
-                      </m:sub>
-                    </m:sSub>
-                  </m:oMath>
-                </a14:m>
-                <a:r>
-                  <a:rPr lang="en-CA" sz="2200" dirty="0"/>
-                  <a:t> is higher in less-intensive areas, but this is violated in cross-country comparisons. </a:t>
-                </a:r>
-              </a:p>
-              <a:p>
-                <a:pPr lvl="1"/>
-                <a:endParaRPr lang="en-CA" sz="2200" dirty="0"/>
-              </a:p>
-              <a:p>
-                <a:pPr marL="285750" indent="-285750">
-                  <a:buFont typeface="Arial" panose="020B0604020202020204" pitchFamily="34" charset="0"/>
-                  <a:buChar char="•"/>
-                </a:pPr>
-                <a:r>
-                  <a:rPr lang="en-CA" sz="2200" dirty="0"/>
-                  <a:t>Another hypothesis: </a:t>
-                </a:r>
-                <a:r>
-                  <a:rPr lang="en-CA" sz="2200" b="1" dirty="0"/>
-                  <a:t>productivity spillovers </a:t>
-                </a:r>
-              </a:p>
-              <a:p>
-                <a:pPr marL="742950" lvl="1" indent="-285750">
-                  <a:buFont typeface="Arial" panose="020B0604020202020204" pitchFamily="34" charset="0"/>
-                  <a:buChar char="•"/>
-                </a:pPr>
-                <a:r>
-                  <a:rPr lang="en-CA" sz="2200" dirty="0"/>
-                  <a:t>Treatment decisions and outcomes are correlated geographically</a:t>
-                </a:r>
-              </a:p>
-              <a:p>
-                <a:pPr marL="742950" lvl="1" indent="-285750">
-                  <a:buFont typeface="Arial" panose="020B0604020202020204" pitchFamily="34" charset="0"/>
-                  <a:buChar char="•"/>
-                </a:pPr>
-                <a:r>
-                  <a:rPr lang="en-CA" sz="2200" dirty="0"/>
-                  <a:t>Could be knowledge spillovers (e.g., MD peer effects)</a:t>
-                </a:r>
-              </a:p>
-              <a:p>
-                <a:pPr marL="742950" lvl="1" indent="-285750">
-                  <a:buFont typeface="Arial" panose="020B0604020202020204" pitchFamily="34" charset="0"/>
-                  <a:buChar char="•"/>
-                </a:pPr>
-                <a:r>
-                  <a:rPr lang="en-CA" sz="2200" dirty="0"/>
-                  <a:t>Could also be selective physician relocation, etc. </a:t>
-                </a:r>
-              </a:p>
-              <a:p>
-                <a:pPr marL="742950" lvl="1" indent="-285750">
-                  <a:buFont typeface="Arial" panose="020B0604020202020204" pitchFamily="34" charset="0"/>
-                  <a:buChar char="•"/>
-                </a:pPr>
-                <a:r>
-                  <a:rPr lang="en-CA" sz="2200" dirty="0"/>
-                  <a:t>Key assumption: </a:t>
-                </a:r>
-                <a:r>
-                  <a:rPr lang="en-CA" sz="2200" b="1" dirty="0">
-                    <a:solidFill>
-                      <a:schemeClr val="accent2">
-                        <a:lumMod val="75000"/>
-                      </a:schemeClr>
-                    </a:solidFill>
-                  </a:rPr>
-                  <a:t>Returns to an intensive treatment </a:t>
-                </a:r>
-                <a14:m>
-                  <m:oMath xmlns:m="http://schemas.openxmlformats.org/officeDocument/2006/math">
-                    <m:r>
-                      <a:rPr lang="en-CA" sz="2200" b="1" i="1" smtClean="0">
-                        <a:solidFill>
-                          <a:schemeClr val="accent2">
-                            <a:lumMod val="75000"/>
-                          </a:schemeClr>
-                        </a:solidFill>
-                        <a:latin typeface="Cambria Math" panose="02040503050406030204" pitchFamily="18" charset="0"/>
-                      </a:rPr>
-                      <m:t>↑</m:t>
-                    </m:r>
-                  </m:oMath>
-                </a14:m>
-                <a:r>
-                  <a:rPr lang="en-CA" sz="2200" b="1" dirty="0">
-                    <a:solidFill>
-                      <a:schemeClr val="accent2">
-                        <a:lumMod val="75000"/>
-                      </a:schemeClr>
-                    </a:solidFill>
-                  </a:rPr>
-                  <a:t> as that treatment is done more</a:t>
-                </a:r>
-                <a:endParaRPr lang="en-CA" sz="2200" b="1" dirty="0"/>
-              </a:p>
-            </p:txBody>
-          </p:sp>
-        </mc:Choice>
-        <mc:Fallback>
-          <p:sp>
-            <p:nvSpPr>
-              <p:cNvPr id="3" name="TextBox 2">
-                <a:extLst>
-                  <a:ext uri="{FF2B5EF4-FFF2-40B4-BE49-F238E27FC236}">
-                    <a16:creationId xmlns:a16="http://schemas.microsoft.com/office/drawing/2014/main" id="{EB3B0B30-C2F4-16D0-9036-2E80A97D4666}"/>
-                  </a:ext>
-                </a:extLst>
-              </p:cNvPr>
-              <p:cNvSpPr txBox="1">
-                <a:spLocks noRot="1" noChangeAspect="1" noMove="1" noResize="1" noEditPoints="1" noAdjustHandles="1" noChangeArrowheads="1" noChangeShapeType="1" noTextEdit="1"/>
-              </p:cNvSpPr>
-              <p:nvPr/>
-            </p:nvSpPr>
-            <p:spPr>
-              <a:xfrm>
-                <a:off x="304800" y="733299"/>
-                <a:ext cx="10668000" cy="4832092"/>
-              </a:xfrm>
-              <a:prstGeom prst="rect">
-                <a:avLst/>
-              </a:prstGeom>
-              <a:blipFill>
-                <a:blip r:embed="rId3"/>
-                <a:stretch>
-                  <a:fillRect l="-629" t="-757" b="-1639"/>
-                </a:stretch>
-              </a:blipFill>
-            </p:spPr>
-            <p:txBody>
-              <a:bodyPr/>
-              <a:lstStyle/>
-              <a:p>
-                <a:r>
-                  <a:rPr lang="en-CA">
-                    <a:noFill/>
-                  </a:rPr>
-                  <a:t> </a:t>
-                </a:r>
-              </a:p>
-            </p:txBody>
-          </p:sp>
-        </mc:Fallback>
-      </mc:AlternateContent>
-    </p:spTree>
-    <p:extLst>
-      <p:ext uri="{BB962C8B-B14F-4D97-AF65-F5344CB8AC3E}">
-        <p14:creationId xmlns:p14="http://schemas.microsoft.com/office/powerpoint/2010/main" val="2148308448"/>
+        <p14:creationId xmlns:p14="http://schemas.microsoft.com/office/powerpoint/2010/main" val="2391071275"/>
       </p:ext>
     </p:extLst>
   </p:cSld>
@@ -27915,6 +27889,44 @@
               <a:t>How does variation in utilization patterns arise?</a:t>
             </a:r>
           </a:p>
+          <a:p>
+            <a:r>
+              <a:rPr lang="en-US" sz="2400" dirty="0">
+                <a:cs typeface="Times New Roman" panose="02020603050405020304" pitchFamily="18" charset="0"/>
+              </a:rPr>
+              <a:t>This is a </a:t>
+            </a:r>
+            <a:r>
+              <a:rPr lang="en-US" sz="2400" b="1" dirty="0">
+                <a:cs typeface="Times New Roman" panose="02020603050405020304" pitchFamily="18" charset="0"/>
+              </a:rPr>
+              <a:t>very </a:t>
+            </a:r>
+            <a:r>
+              <a:rPr lang="en-US" sz="2400" dirty="0">
+                <a:cs typeface="Times New Roman" panose="02020603050405020304" pitchFamily="18" charset="0"/>
+              </a:rPr>
+              <a:t>rich literature! </a:t>
+            </a:r>
+          </a:p>
+          <a:p>
+            <a:pPr lvl="1"/>
+            <a:r>
+              <a:rPr lang="en-US" sz="2200" dirty="0">
+                <a:cs typeface="Times New Roman" panose="02020603050405020304" pitchFamily="18" charset="0"/>
+              </a:rPr>
+              <a:t>Covered today: demand inducement, returns to specialization, teams (Casey)</a:t>
+            </a:r>
+          </a:p>
+          <a:p>
+            <a:pPr lvl="1"/>
+            <a:r>
+              <a:rPr lang="en-US" sz="2200" dirty="0">
+                <a:cs typeface="Times New Roman" panose="02020603050405020304" pitchFamily="18" charset="0"/>
+              </a:rPr>
+              <a:t>Not covered: learning, innovation adoption, testing decisions, report cards, etc.!</a:t>
+            </a:r>
+          </a:p>
         </p:txBody>
       </p:sp>
     </p:spTree>
@@ -27931,6 +27943,397 @@
 </file>
 
 <file path=ppt/slides/slide30.xml><?xml version="1.0" encoding="utf-8"?>
+<p:sld xmlns:a="http://schemas.openxmlformats.org/drawingml/2006/main" xmlns:r="http://schemas.openxmlformats.org/officeDocument/2006/relationships" xmlns:p="http://schemas.openxmlformats.org/presentationml/2006/main">
+  <p:cSld>
+    <p:spTree>
+      <p:nvGrpSpPr>
+        <p:cNvPr id="1" name=""/>
+        <p:cNvGrpSpPr/>
+        <p:nvPr/>
+      </p:nvGrpSpPr>
+      <p:grpSpPr>
+        <a:xfrm>
+          <a:off x="0" y="0"/>
+          <a:ext cx="0" cy="0"/>
+          <a:chOff x="0" y="0"/>
+          <a:chExt cx="0" cy="0"/>
+        </a:xfrm>
+      </p:grpSpPr>
+      <p:sp>
+        <p:nvSpPr>
+          <p:cNvPr id="2" name="object 2"/>
+          <p:cNvSpPr txBox="1">
+            <a:spLocks noGrp="1"/>
+          </p:cNvSpPr>
+          <p:nvPr>
+            <p:ph type="title"/>
+          </p:nvPr>
+        </p:nvSpPr>
+        <p:spPr>
+          <a:xfrm>
+            <a:off x="211217" y="30443"/>
+            <a:ext cx="10304383" cy="702856"/>
+          </a:xfrm>
+          <a:prstGeom prst="rect">
+            <a:avLst/>
+          </a:prstGeom>
+        </p:spPr>
+        <p:txBody>
+          <a:bodyPr vert="horz" wrap="square" lIns="0" tIns="25499" rIns="0" bIns="0" rtlCol="0" anchor="b">
+            <a:spAutoFit/>
+          </a:bodyPr>
+          <a:lstStyle/>
+          <a:p>
+            <a:pPr marL="26841">
+              <a:lnSpc>
+                <a:spcPct val="100000"/>
+              </a:lnSpc>
+              <a:spcBef>
+                <a:spcPts val="201"/>
+              </a:spcBef>
+            </a:pPr>
+            <a:r>
+              <a:rPr lang="en-CA" spc="95" dirty="0"/>
+              <a:t>Productivity Spillovers</a:t>
+            </a:r>
+            <a:endParaRPr spc="95" dirty="0"/>
+          </a:p>
+        </p:txBody>
+      </p:sp>
+      <p:sp>
+        <p:nvSpPr>
+          <p:cNvPr id="9" name="object 9"/>
+          <p:cNvSpPr txBox="1"/>
+          <p:nvPr/>
+        </p:nvSpPr>
+        <p:spPr>
+          <a:xfrm>
+            <a:off x="11862007" y="6407020"/>
+            <a:ext cx="132865" cy="220866"/>
+          </a:xfrm>
+          <a:prstGeom prst="rect">
+            <a:avLst/>
+          </a:prstGeom>
+        </p:spPr>
+        <p:txBody>
+          <a:bodyPr vert="horz" wrap="square" lIns="0" tIns="25499" rIns="0" bIns="0" rtlCol="0">
+            <a:spAutoFit/>
+          </a:bodyPr>
+          <a:lstStyle/>
+          <a:p>
+            <a:pPr marL="26841">
+              <a:spcBef>
+                <a:spcPts val="201"/>
+              </a:spcBef>
+            </a:pPr>
+            <a:r>
+              <a:rPr sz="1268" spc="-232" dirty="0">
+                <a:solidFill>
+                  <a:srgbClr val="22373A"/>
+                </a:solidFill>
+                <a:latin typeface="Arial Black"/>
+                <a:cs typeface="Arial Black"/>
+              </a:rPr>
+              <a:t>5</a:t>
+            </a:r>
+            <a:endParaRPr sz="1268">
+              <a:latin typeface="Arial Black"/>
+              <a:cs typeface="Arial Black"/>
+            </a:endParaRPr>
+          </a:p>
+        </p:txBody>
+      </p:sp>
+      <mc:AlternateContent xmlns:mc="http://schemas.openxmlformats.org/markup-compatibility/2006" xmlns:a14="http://schemas.microsoft.com/office/drawing/2010/main">
+        <mc:Choice Requires="a14">
+          <p:sp>
+            <p:nvSpPr>
+              <p:cNvPr id="3" name="TextBox 2">
+                <a:extLst>
+                  <a:ext uri="{FF2B5EF4-FFF2-40B4-BE49-F238E27FC236}">
+                    <a16:creationId xmlns:a16="http://schemas.microsoft.com/office/drawing/2014/main" id="{EB3B0B30-C2F4-16D0-9036-2E80A97D4666}"/>
+                  </a:ext>
+                </a:extLst>
+              </p:cNvPr>
+              <p:cNvSpPr txBox="1"/>
+              <p:nvPr/>
+            </p:nvSpPr>
+            <p:spPr>
+              <a:xfrm>
+                <a:off x="304800" y="733299"/>
+                <a:ext cx="10668000" cy="4832092"/>
+              </a:xfrm>
+              <a:prstGeom prst="rect">
+                <a:avLst/>
+              </a:prstGeom>
+              <a:noFill/>
+            </p:spPr>
+            <p:txBody>
+              <a:bodyPr wrap="square" rtlCol="0">
+                <a:spAutoFit/>
+              </a:bodyPr>
+              <a:lstStyle/>
+              <a:p>
+                <a:pPr marL="285750" indent="-285750">
+                  <a:buFont typeface="Arial" panose="020B0604020202020204" pitchFamily="34" charset="0"/>
+                  <a:buChar char="•"/>
+                </a:pPr>
+                <a:r>
+                  <a:rPr lang="en-CA" sz="2200" dirty="0"/>
+                  <a:t>One hypothesis: </a:t>
+                </a:r>
+                <a:r>
+                  <a:rPr lang="en-CA" sz="2200" b="1" dirty="0"/>
+                  <a:t>“flat of the curve” medicine</a:t>
+                </a:r>
+              </a:p>
+              <a:p>
+                <a:pPr marL="742950" lvl="1" indent="-285750">
+                  <a:buFont typeface="Arial" panose="020B0604020202020204" pitchFamily="34" charset="0"/>
+                  <a:buChar char="•"/>
+                </a:pPr>
+                <a:r>
+                  <a:rPr lang="en-CA" sz="2200" dirty="0"/>
+                  <a:t>Is there wasteful utilization? Too much demand-inducement? </a:t>
+                </a:r>
+              </a:p>
+              <a:p>
+                <a:pPr marL="285750" indent="-285750">
+                  <a:buFont typeface="Arial" panose="020B0604020202020204" pitchFamily="34" charset="0"/>
+                  <a:buChar char="•"/>
+                </a:pPr>
+                <a:r>
+                  <a:rPr lang="en-CA" sz="2200" dirty="0"/>
+                  <a:t>But this theory has some issues: </a:t>
+                </a:r>
+              </a:p>
+              <a:p>
+                <a:pPr marL="914400" lvl="1" indent="-457200">
+                  <a:buFont typeface="+mj-lt"/>
+                  <a:buAutoNum type="arabicPeriod"/>
+                </a:pPr>
+                <a:r>
+                  <a:rPr lang="en-CA" sz="2200" dirty="0"/>
+                  <a:t>Why would we see differences in outcomes in similar regions? </a:t>
+                </a:r>
+              </a:p>
+              <a:p>
+                <a:pPr marL="914400" lvl="1" indent="-457200">
+                  <a:buFont typeface="+mj-lt"/>
+                  <a:buAutoNum type="arabicPeriod"/>
+                </a:pPr>
+                <a:r>
+                  <a:rPr lang="en-CA" sz="2200" dirty="0"/>
+                  <a:t>We would still expect more treatment to improve outcomes</a:t>
+                </a:r>
+              </a:p>
+              <a:p>
+                <a:pPr marL="914400" lvl="1" indent="-457200">
+                  <a:buFont typeface="+mj-lt"/>
+                  <a:buAutoNum type="arabicPeriod"/>
+                </a:pPr>
+                <a:r>
+                  <a:rPr lang="en-CA" sz="2200" dirty="0"/>
+                  <a:t>This would predict that </a:t>
+                </a:r>
+                <a14:m>
+                  <m:oMath xmlns:m="http://schemas.openxmlformats.org/officeDocument/2006/math">
+                    <m:r>
+                      <a:rPr lang="en-CA" sz="2200" b="0" i="1" smtClean="0">
+                        <a:latin typeface="Cambria Math" panose="02040503050406030204" pitchFamily="18" charset="0"/>
+                      </a:rPr>
+                      <m:t>𝑀</m:t>
+                    </m:r>
+                    <m:sSub>
+                      <m:sSubPr>
+                        <m:ctrlPr>
+                          <a:rPr lang="en-CA" sz="2200" b="0" i="1" smtClean="0">
+                            <a:latin typeface="Cambria Math" panose="02040503050406030204" pitchFamily="18" charset="0"/>
+                          </a:rPr>
+                        </m:ctrlPr>
+                      </m:sSubPr>
+                      <m:e>
+                        <m:r>
+                          <a:rPr lang="en-CA" sz="2200" b="0" i="1" smtClean="0">
+                            <a:latin typeface="Cambria Math" panose="02040503050406030204" pitchFamily="18" charset="0"/>
+                          </a:rPr>
+                          <m:t>𝐵</m:t>
+                        </m:r>
+                      </m:e>
+                      <m:sub>
+                        <m:r>
+                          <a:rPr lang="en-CA" sz="2200" b="0" i="1" smtClean="0">
+                            <a:latin typeface="Cambria Math" panose="02040503050406030204" pitchFamily="18" charset="0"/>
+                          </a:rPr>
+                          <m:t>𝑡</m:t>
+                        </m:r>
+                      </m:sub>
+                    </m:sSub>
+                  </m:oMath>
+                </a14:m>
+                <a:r>
+                  <a:rPr lang="en-CA" sz="2200" dirty="0"/>
+                  <a:t> is higher in less-intensive areas, but this is violated in cross-country comparisons. </a:t>
+                </a:r>
+              </a:p>
+              <a:p>
+                <a:pPr lvl="1"/>
+                <a:endParaRPr lang="en-CA" sz="2200" dirty="0"/>
+              </a:p>
+              <a:p>
+                <a:pPr marL="285750" indent="-285750">
+                  <a:buFont typeface="Arial" panose="020B0604020202020204" pitchFamily="34" charset="0"/>
+                  <a:buChar char="•"/>
+                </a:pPr>
+                <a:r>
+                  <a:rPr lang="en-CA" sz="2200" dirty="0"/>
+                  <a:t>Another hypothesis: </a:t>
+                </a:r>
+                <a:r>
+                  <a:rPr lang="en-CA" sz="2200" b="1" dirty="0"/>
+                  <a:t>productivity spillovers </a:t>
+                </a:r>
+              </a:p>
+              <a:p>
+                <a:pPr marL="742950" lvl="1" indent="-285750">
+                  <a:buFont typeface="Arial" panose="020B0604020202020204" pitchFamily="34" charset="0"/>
+                  <a:buChar char="•"/>
+                </a:pPr>
+                <a:r>
+                  <a:rPr lang="en-CA" sz="2200" dirty="0"/>
+                  <a:t>Treatment decisions and outcomes are correlated geographically</a:t>
+                </a:r>
+              </a:p>
+              <a:p>
+                <a:pPr marL="742950" lvl="1" indent="-285750">
+                  <a:buFont typeface="Arial" panose="020B0604020202020204" pitchFamily="34" charset="0"/>
+                  <a:buChar char="•"/>
+                </a:pPr>
+                <a:r>
+                  <a:rPr lang="en-CA" sz="2200" dirty="0"/>
+                  <a:t>Could be knowledge spillovers (e.g., MD peer effects)</a:t>
+                </a:r>
+              </a:p>
+              <a:p>
+                <a:pPr marL="742950" lvl="1" indent="-285750">
+                  <a:buFont typeface="Arial" panose="020B0604020202020204" pitchFamily="34" charset="0"/>
+                  <a:buChar char="•"/>
+                </a:pPr>
+                <a:r>
+                  <a:rPr lang="en-CA" sz="2200" dirty="0"/>
+                  <a:t>Could also be selective physician relocation, etc. </a:t>
+                </a:r>
+              </a:p>
+              <a:p>
+                <a:pPr marL="742950" lvl="1" indent="-285750">
+                  <a:buFont typeface="Arial" panose="020B0604020202020204" pitchFamily="34" charset="0"/>
+                  <a:buChar char="•"/>
+                </a:pPr>
+                <a:r>
+                  <a:rPr lang="en-CA" sz="2200" dirty="0"/>
+                  <a:t>Key assumption: </a:t>
+                </a:r>
+                <a:r>
+                  <a:rPr lang="en-CA" sz="2200" b="1" dirty="0">
+                    <a:solidFill>
+                      <a:schemeClr val="accent2">
+                        <a:lumMod val="75000"/>
+                      </a:schemeClr>
+                    </a:solidFill>
+                  </a:rPr>
+                  <a:t>Returns to an intensive treatment </a:t>
+                </a:r>
+                <a14:m>
+                  <m:oMath xmlns:m="http://schemas.openxmlformats.org/officeDocument/2006/math">
+                    <m:r>
+                      <a:rPr lang="en-CA" sz="2200" b="1" i="1" smtClean="0">
+                        <a:solidFill>
+                          <a:schemeClr val="accent2">
+                            <a:lumMod val="75000"/>
+                          </a:schemeClr>
+                        </a:solidFill>
+                        <a:latin typeface="Cambria Math" panose="02040503050406030204" pitchFamily="18" charset="0"/>
+                      </a:rPr>
+                      <m:t>↑</m:t>
+                    </m:r>
+                  </m:oMath>
+                </a14:m>
+                <a:r>
+                  <a:rPr lang="en-CA" sz="2200" b="1" dirty="0">
+                    <a:solidFill>
+                      <a:schemeClr val="accent2">
+                        <a:lumMod val="75000"/>
+                      </a:schemeClr>
+                    </a:solidFill>
+                  </a:rPr>
+                  <a:t> as that treatment is done more</a:t>
+                </a:r>
+                <a:endParaRPr lang="en-CA" sz="2200" b="1" dirty="0"/>
+              </a:p>
+            </p:txBody>
+          </p:sp>
+        </mc:Choice>
+        <mc:Fallback xmlns="">
+          <p:sp>
+            <p:nvSpPr>
+              <p:cNvPr id="3" name="TextBox 2">
+                <a:extLst>
+                  <a:ext uri="{FF2B5EF4-FFF2-40B4-BE49-F238E27FC236}">
+                    <a16:creationId xmlns:a16="http://schemas.microsoft.com/office/drawing/2014/main" id="{EB3B0B30-C2F4-16D0-9036-2E80A97D4666}"/>
+                  </a:ext>
+                </a:extLst>
+              </p:cNvPr>
+              <p:cNvSpPr txBox="1">
+                <a:spLocks noRot="1" noChangeAspect="1" noMove="1" noResize="1" noEditPoints="1" noAdjustHandles="1" noChangeArrowheads="1" noChangeShapeType="1" noTextEdit="1"/>
+              </p:cNvSpPr>
+              <p:nvPr/>
+            </p:nvSpPr>
+            <p:spPr>
+              <a:xfrm>
+                <a:off x="304800" y="733299"/>
+                <a:ext cx="10668000" cy="4832092"/>
+              </a:xfrm>
+              <a:prstGeom prst="rect">
+                <a:avLst/>
+              </a:prstGeom>
+              <a:blipFill>
+                <a:blip r:embed="rId3"/>
+                <a:stretch>
+                  <a:fillRect l="-629" t="-757" b="-1639"/>
+                </a:stretch>
+              </a:blipFill>
+            </p:spPr>
+            <p:txBody>
+              <a:bodyPr/>
+              <a:lstStyle/>
+              <a:p>
+                <a:r>
+                  <a:rPr lang="en-CA">
+                    <a:noFill/>
+                  </a:rPr>
+                  <a:t> </a:t>
+                </a:r>
+              </a:p>
+            </p:txBody>
+          </p:sp>
+        </mc:Fallback>
+      </mc:AlternateContent>
+    </p:spTree>
+    <p:extLst>
+      <p:ext uri="{BB962C8B-B14F-4D97-AF65-F5344CB8AC3E}">
+        <p14:creationId xmlns:p14="http://schemas.microsoft.com/office/powerpoint/2010/main" val="2148308448"/>
+      </p:ext>
+    </p:extLst>
+  </p:cSld>
+  <p:clrMapOvr>
+    <a:masterClrMapping/>
+  </p:clrMapOvr>
+  <p:transition>
+    <p:cut/>
+  </p:transition>
+</p:sld>
+</file>
+
+<file path=ppt/slides/slide31.xml><?xml version="1.0" encoding="utf-8"?>
 <p:sld xmlns:a="http://schemas.openxmlformats.org/drawingml/2006/main" xmlns:r="http://schemas.openxmlformats.org/officeDocument/2006/relationships" xmlns:p="http://schemas.openxmlformats.org/presentationml/2006/main">
   <p:cSld>
     <p:spTree>
@@ -28080,15 +28483,7 @@
                 </a:pPr>
                 <a:r>
                   <a:rPr lang="en-CA" sz="2200" dirty="0"/>
-                  <a:t>Patients have two treatment choices: </a:t>
-                </a:r>
-                <a:r>
-                  <a:rPr lang="en-CA" sz="2200" dirty="0" err="1"/>
-                  <a:t>nonintensive</a:t>
-                </a:r>
-                <a:r>
-                  <a:rPr lang="en-CA" sz="2200" dirty="0"/>
-                  <a:t> (RX) and intensive (Surg)</a:t>
+                  <a:t>Patients have two treatment choices: non-intensive (RX) and intensive (Surg)</a:t>
                 </a:r>
               </a:p>
               <a:p>
@@ -28367,8 +28762,8 @@
           </p:sp>
         </mc:Fallback>
       </mc:AlternateContent>
-      <mc:AlternateContent xmlns:mc="http://schemas.openxmlformats.org/markup-compatibility/2006">
-        <mc:Choice xmlns:p14="http://schemas.microsoft.com/office/powerpoint/2010/main" Requires="p14">
+      <mc:AlternateContent xmlns:mc="http://schemas.openxmlformats.org/markup-compatibility/2006" xmlns:p14="http://schemas.microsoft.com/office/powerpoint/2010/main">
+        <mc:Choice Requires="p14">
           <p:contentPart p14:bwMode="auto" r:id="rId4">
             <p14:nvContentPartPr>
               <p14:cNvPr id="4" name="Ink 3">
@@ -28387,7 +28782,7 @@
             </p14:xfrm>
           </p:contentPart>
         </mc:Choice>
-        <mc:Fallback>
+        <mc:Fallback xmlns="">
           <p:pic>
             <p:nvPicPr>
               <p:cNvPr id="4" name="Ink 3">
@@ -28418,8 +28813,8 @@
           </p:pic>
         </mc:Fallback>
       </mc:AlternateContent>
-      <mc:AlternateContent xmlns:mc="http://schemas.openxmlformats.org/markup-compatibility/2006">
-        <mc:Choice xmlns:p14="http://schemas.microsoft.com/office/powerpoint/2010/main" Requires="p14">
+      <mc:AlternateContent xmlns:mc="http://schemas.openxmlformats.org/markup-compatibility/2006" xmlns:p14="http://schemas.microsoft.com/office/powerpoint/2010/main">
+        <mc:Choice Requires="p14">
           <p:contentPart p14:bwMode="auto" r:id="rId6">
             <p14:nvContentPartPr>
               <p14:cNvPr id="5" name="Ink 4">
@@ -28438,7 +28833,7 @@
             </p14:xfrm>
           </p:contentPart>
         </mc:Choice>
-        <mc:Fallback>
+        <mc:Fallback xmlns="">
           <p:pic>
             <p:nvPicPr>
               <p:cNvPr id="5" name="Ink 4">
@@ -28485,7 +28880,7 @@
 </p:sld>
 </file>
 
-<file path=ppt/slides/slide31.xml><?xml version="1.0" encoding="utf-8"?>
+<file path=ppt/slides/slide32.xml><?xml version="1.0" encoding="utf-8"?>
 <p:sld xmlns:a="http://schemas.openxmlformats.org/drawingml/2006/main" xmlns:r="http://schemas.openxmlformats.org/officeDocument/2006/relationships" xmlns:p="http://schemas.openxmlformats.org/presentationml/2006/main">
   <p:cSld>
     <p:spTree>
@@ -28635,15 +29030,7 @@
                 </a:pPr>
                 <a:r>
                   <a:rPr lang="en-CA" sz="2200" dirty="0"/>
-                  <a:t>Patients have two treatment choices: </a:t>
-                </a:r>
-                <a:r>
-                  <a:rPr lang="en-CA" sz="2200" dirty="0" err="1"/>
-                  <a:t>nonintensive</a:t>
-                </a:r>
-                <a:r>
-                  <a:rPr lang="en-CA" sz="2200" dirty="0"/>
-                  <a:t> (RX) and intensive (Surg)</a:t>
+                  <a:t>Patients have two treatment choices: non-intensive (RX) and intensive (Surg)</a:t>
                 </a:r>
               </a:p>
               <a:p>
@@ -28962,8 +29349,8 @@
           </p:sp>
         </mc:Fallback>
       </mc:AlternateContent>
-      <mc:AlternateContent xmlns:mc="http://schemas.openxmlformats.org/markup-compatibility/2006">
-        <mc:Choice xmlns:p14="http://schemas.microsoft.com/office/powerpoint/2010/main" Requires="p14">
+      <mc:AlternateContent xmlns:mc="http://schemas.openxmlformats.org/markup-compatibility/2006" xmlns:p14="http://schemas.microsoft.com/office/powerpoint/2010/main">
+        <mc:Choice Requires="p14">
           <p:contentPart p14:bwMode="auto" r:id="rId4">
             <p14:nvContentPartPr>
               <p14:cNvPr id="4" name="Ink 3">
@@ -28982,7 +29369,7 @@
             </p14:xfrm>
           </p:contentPart>
         </mc:Choice>
-        <mc:Fallback>
+        <mc:Fallback xmlns="">
           <p:pic>
             <p:nvPicPr>
               <p:cNvPr id="4" name="Ink 3">
@@ -29013,8 +29400,8 @@
           </p:pic>
         </mc:Fallback>
       </mc:AlternateContent>
-      <mc:AlternateContent xmlns:mc="http://schemas.openxmlformats.org/markup-compatibility/2006">
-        <mc:Choice xmlns:p14="http://schemas.microsoft.com/office/powerpoint/2010/main" Requires="p14">
+      <mc:AlternateContent xmlns:mc="http://schemas.openxmlformats.org/markup-compatibility/2006" xmlns:p14="http://schemas.microsoft.com/office/powerpoint/2010/main">
+        <mc:Choice Requires="p14">
           <p:contentPart p14:bwMode="auto" r:id="rId6">
             <p14:nvContentPartPr>
               <p14:cNvPr id="5" name="Ink 4">
@@ -29033,7 +29420,7 @@
             </p14:xfrm>
           </p:contentPart>
         </mc:Choice>
-        <mc:Fallback>
+        <mc:Fallback xmlns="">
           <p:pic>
             <p:nvPicPr>
               <p:cNvPr id="5" name="Ink 4">
@@ -29080,7 +29467,7 @@
 </p:sld>
 </file>
 
-<file path=ppt/slides/slide32.xml><?xml version="1.0" encoding="utf-8"?>
+<file path=ppt/slides/slide33.xml><?xml version="1.0" encoding="utf-8"?>
 <p:sld xmlns:a="http://schemas.openxmlformats.org/drawingml/2006/main" xmlns:r="http://schemas.openxmlformats.org/officeDocument/2006/relationships" xmlns:p="http://schemas.openxmlformats.org/presentationml/2006/main">
   <p:cSld>
     <p:spTree>
@@ -29181,8 +29568,8 @@
           </a:p>
         </p:txBody>
       </p:sp>
-      <mc:AlternateContent xmlns:mc="http://schemas.openxmlformats.org/markup-compatibility/2006">
-        <mc:Choice xmlns:p14="http://schemas.microsoft.com/office/powerpoint/2010/main" Requires="p14">
+      <mc:AlternateContent xmlns:mc="http://schemas.openxmlformats.org/markup-compatibility/2006" xmlns:p14="http://schemas.microsoft.com/office/powerpoint/2010/main">
+        <mc:Choice Requires="p14">
           <p:contentPart p14:bwMode="auto" r:id="rId3">
             <p14:nvContentPartPr>
               <p14:cNvPr id="4" name="Ink 3">
@@ -29201,7 +29588,7 @@
             </p14:xfrm>
           </p:contentPart>
         </mc:Choice>
-        <mc:Fallback>
+        <mc:Fallback xmlns="">
           <p:pic>
             <p:nvPicPr>
               <p:cNvPr id="4" name="Ink 3">
@@ -29232,8 +29619,8 @@
           </p:pic>
         </mc:Fallback>
       </mc:AlternateContent>
-      <mc:AlternateContent xmlns:mc="http://schemas.openxmlformats.org/markup-compatibility/2006">
-        <mc:Choice xmlns:p14="http://schemas.microsoft.com/office/powerpoint/2010/main" Requires="p14">
+      <mc:AlternateContent xmlns:mc="http://schemas.openxmlformats.org/markup-compatibility/2006" xmlns:p14="http://schemas.microsoft.com/office/powerpoint/2010/main">
+        <mc:Choice Requires="p14">
           <p:contentPart p14:bwMode="auto" r:id="rId5">
             <p14:nvContentPartPr>
               <p14:cNvPr id="5" name="Ink 4">
@@ -29252,7 +29639,7 @@
             </p14:xfrm>
           </p:contentPart>
         </mc:Choice>
-        <mc:Fallback>
+        <mc:Fallback xmlns="">
           <p:pic>
             <p:nvPicPr>
               <p:cNvPr id="5" name="Ink 4">
@@ -29283,8 +29670,8 @@
           </p:pic>
         </mc:Fallback>
       </mc:AlternateContent>
-      <mc:AlternateContent xmlns:mc="http://schemas.openxmlformats.org/markup-compatibility/2006">
-        <mc:Choice xmlns:a14="http://schemas.microsoft.com/office/drawing/2010/main" Requires="a14">
+      <mc:AlternateContent xmlns:mc="http://schemas.openxmlformats.org/markup-compatibility/2006" xmlns:a14="http://schemas.microsoft.com/office/drawing/2010/main">
+        <mc:Choice Requires="a14">
           <p:sp>
             <p:nvSpPr>
               <p:cNvPr id="6" name="TextBox 5">
@@ -29452,6 +29839,7 @@
                 <a:endParaRPr lang="en-CA" sz="2200" dirty="0"/>
               </a:p>
               <a:p>
+                <a:pPr/>
                 <a14:m>
                   <m:oMathPara xmlns:m="http://schemas.openxmlformats.org/officeDocument/2006/math">
                     <m:oMathParaPr>
@@ -29680,6 +30068,7 @@
                 <a:endParaRPr lang="en-CA" sz="2200" b="0" dirty="0"/>
               </a:p>
               <a:p>
+                <a:pPr/>
                 <a14:m>
                   <m:oMathPara xmlns:m="http://schemas.openxmlformats.org/officeDocument/2006/math">
                     <m:oMathParaPr>
@@ -29919,7 +30308,7 @@
             </p:txBody>
           </p:sp>
         </mc:Choice>
-        <mc:Fallback>
+        <mc:Fallback xmlns="">
           <p:sp>
             <p:nvSpPr>
               <p:cNvPr id="6" name="TextBox 5">
@@ -29980,7 +30369,7 @@
 </p:sld>
 </file>
 
-<file path=ppt/slides/slide33.xml><?xml version="1.0" encoding="utf-8"?>
+<file path=ppt/slides/slide34.xml><?xml version="1.0" encoding="utf-8"?>
 <p:sld xmlns:a="http://schemas.openxmlformats.org/drawingml/2006/main" xmlns:r="http://schemas.openxmlformats.org/officeDocument/2006/relationships" xmlns:p="http://schemas.openxmlformats.org/presentationml/2006/main">
   <p:cSld>
     <p:spTree>
@@ -30081,8 +30470,8 @@
           </a:p>
         </p:txBody>
       </p:sp>
-      <mc:AlternateContent xmlns:mc="http://schemas.openxmlformats.org/markup-compatibility/2006">
-        <mc:Choice xmlns:p14="http://schemas.microsoft.com/office/powerpoint/2010/main" Requires="p14">
+      <mc:AlternateContent xmlns:mc="http://schemas.openxmlformats.org/markup-compatibility/2006" xmlns:p14="http://schemas.microsoft.com/office/powerpoint/2010/main">
+        <mc:Choice Requires="p14">
           <p:contentPart p14:bwMode="auto" r:id="rId3">
             <p14:nvContentPartPr>
               <p14:cNvPr id="4" name="Ink 3">
@@ -30101,7 +30490,7 @@
             </p14:xfrm>
           </p:contentPart>
         </mc:Choice>
-        <mc:Fallback>
+        <mc:Fallback xmlns="">
           <p:pic>
             <p:nvPicPr>
               <p:cNvPr id="4" name="Ink 3">
@@ -30132,8 +30521,8 @@
           </p:pic>
         </mc:Fallback>
       </mc:AlternateContent>
-      <mc:AlternateContent xmlns:mc="http://schemas.openxmlformats.org/markup-compatibility/2006">
-        <mc:Choice xmlns:p14="http://schemas.microsoft.com/office/powerpoint/2010/main" Requires="p14">
+      <mc:AlternateContent xmlns:mc="http://schemas.openxmlformats.org/markup-compatibility/2006" xmlns:p14="http://schemas.microsoft.com/office/powerpoint/2010/main">
+        <mc:Choice Requires="p14">
           <p:contentPart p14:bwMode="auto" r:id="rId5">
             <p14:nvContentPartPr>
               <p14:cNvPr id="5" name="Ink 4">
@@ -30152,7 +30541,7 @@
             </p14:xfrm>
           </p:contentPart>
         </mc:Choice>
-        <mc:Fallback>
+        <mc:Fallback xmlns="">
           <p:pic>
             <p:nvPicPr>
               <p:cNvPr id="5" name="Ink 4">
@@ -30183,8 +30572,8 @@
           </p:pic>
         </mc:Fallback>
       </mc:AlternateContent>
-      <mc:AlternateContent xmlns:mc="http://schemas.openxmlformats.org/markup-compatibility/2006">
-        <mc:Choice xmlns:a14="http://schemas.microsoft.com/office/drawing/2010/main" Requires="a14">
+      <mc:AlternateContent xmlns:mc="http://schemas.openxmlformats.org/markup-compatibility/2006" xmlns:a14="http://schemas.microsoft.com/office/drawing/2010/main">
+        <mc:Choice Requires="a14">
           <p:sp>
             <p:nvSpPr>
               <p:cNvPr id="6" name="TextBox 5">
@@ -30352,6 +30741,7 @@
                 <a:endParaRPr lang="en-CA" sz="2200" dirty="0"/>
               </a:p>
               <a:p>
+                <a:pPr/>
                 <a14:m>
                   <m:oMathPara xmlns:m="http://schemas.openxmlformats.org/officeDocument/2006/math">
                     <m:oMathParaPr>
@@ -30580,6 +30970,7 @@
                 <a:endParaRPr lang="en-CA" sz="2200" b="0" dirty="0"/>
               </a:p>
               <a:p>
+                <a:pPr/>
                 <a14:m>
                   <m:oMathPara xmlns:m="http://schemas.openxmlformats.org/officeDocument/2006/math">
                     <m:oMathParaPr>
@@ -30953,6 +31344,7 @@
                 </a:r>
               </a:p>
               <a:p>
+                <a:pPr/>
                 <a14:m>
                   <m:oMathPara xmlns:m="http://schemas.openxmlformats.org/officeDocument/2006/math">
                     <m:oMathParaPr>
@@ -31593,7 +31985,7 @@
             </p:txBody>
           </p:sp>
         </mc:Choice>
-        <mc:Fallback>
+        <mc:Fallback xmlns="">
           <p:sp>
             <p:nvSpPr>
               <p:cNvPr id="6" name="TextBox 5">
@@ -31654,7 +32046,7 @@
 </p:sld>
 </file>
 
-<file path=ppt/slides/slide34.xml><?xml version="1.0" encoding="utf-8"?>
+<file path=ppt/slides/slide35.xml><?xml version="1.0" encoding="utf-8"?>
 <p:sld xmlns:a="http://schemas.openxmlformats.org/drawingml/2006/main" xmlns:r="http://schemas.openxmlformats.org/officeDocument/2006/relationships" xmlns:p="http://schemas.openxmlformats.org/presentationml/2006/main">
   <p:cSld>
     <p:spTree>
@@ -31755,8 +32147,8 @@
           </a:p>
         </p:txBody>
       </p:sp>
-      <mc:AlternateContent xmlns:mc="http://schemas.openxmlformats.org/markup-compatibility/2006">
-        <mc:Choice xmlns:p14="http://schemas.microsoft.com/office/powerpoint/2010/main" Requires="p14">
+      <mc:AlternateContent xmlns:mc="http://schemas.openxmlformats.org/markup-compatibility/2006" xmlns:p14="http://schemas.microsoft.com/office/powerpoint/2010/main">
+        <mc:Choice Requires="p14">
           <p:contentPart p14:bwMode="auto" r:id="rId3">
             <p14:nvContentPartPr>
               <p14:cNvPr id="4" name="Ink 3">
@@ -31775,7 +32167,7 @@
             </p14:xfrm>
           </p:contentPart>
         </mc:Choice>
-        <mc:Fallback>
+        <mc:Fallback xmlns="">
           <p:pic>
             <p:nvPicPr>
               <p:cNvPr id="4" name="Ink 3">
@@ -31806,8 +32198,8 @@
           </p:pic>
         </mc:Fallback>
       </mc:AlternateContent>
-      <mc:AlternateContent xmlns:mc="http://schemas.openxmlformats.org/markup-compatibility/2006">
-        <mc:Choice xmlns:p14="http://schemas.microsoft.com/office/powerpoint/2010/main" Requires="p14">
+      <mc:AlternateContent xmlns:mc="http://schemas.openxmlformats.org/markup-compatibility/2006" xmlns:p14="http://schemas.microsoft.com/office/powerpoint/2010/main">
+        <mc:Choice Requires="p14">
           <p:contentPart p14:bwMode="auto" r:id="rId5">
             <p14:nvContentPartPr>
               <p14:cNvPr id="5" name="Ink 4">
@@ -31826,7 +32218,7 @@
             </p14:xfrm>
           </p:contentPart>
         </mc:Choice>
-        <mc:Fallback>
+        <mc:Fallback xmlns="">
           <p:pic>
             <p:nvPicPr>
               <p:cNvPr id="5" name="Ink 4">
@@ -31857,8 +32249,8 @@
           </p:pic>
         </mc:Fallback>
       </mc:AlternateContent>
-      <mc:AlternateContent xmlns:mc="http://schemas.openxmlformats.org/markup-compatibility/2006">
-        <mc:Choice xmlns:a14="http://schemas.microsoft.com/office/drawing/2010/main" Requires="a14">
+      <mc:AlternateContent xmlns:mc="http://schemas.openxmlformats.org/markup-compatibility/2006" xmlns:a14="http://schemas.microsoft.com/office/drawing/2010/main">
+        <mc:Choice Requires="a14">
           <p:sp>
             <p:nvSpPr>
               <p:cNvPr id="6" name="TextBox 5">
@@ -32026,6 +32418,7 @@
                 <a:endParaRPr lang="en-CA" sz="2200" dirty="0"/>
               </a:p>
               <a:p>
+                <a:pPr/>
                 <a14:m>
                   <m:oMathPara xmlns:m="http://schemas.openxmlformats.org/officeDocument/2006/math">
                     <m:oMathParaPr>
@@ -32254,6 +32647,7 @@
                 <a:endParaRPr lang="en-CA" sz="2200" b="0" dirty="0"/>
               </a:p>
               <a:p>
+                <a:pPr/>
                 <a14:m>
                   <m:oMathPara xmlns:m="http://schemas.openxmlformats.org/officeDocument/2006/math">
                     <m:oMathParaPr>
@@ -32627,6 +33021,7 @@
                 </a:r>
               </a:p>
               <a:p>
+                <a:pPr/>
                 <a14:m>
                   <m:oMathPara xmlns:m="http://schemas.openxmlformats.org/officeDocument/2006/math">
                     <m:oMathParaPr>
@@ -33265,6 +33660,7 @@
                 </a:r>
               </a:p>
               <a:p>
+                <a:pPr/>
                 <a14:m>
                   <m:oMathPara xmlns:m="http://schemas.openxmlformats.org/officeDocument/2006/math">
                     <m:oMathParaPr>
@@ -33573,7 +33969,7 @@
             </p:txBody>
           </p:sp>
         </mc:Choice>
-        <mc:Fallback>
+        <mc:Fallback xmlns="">
           <p:sp>
             <p:nvSpPr>
               <p:cNvPr id="6" name="TextBox 5">
@@ -33622,260 +34018,6 @@
     <p:extLst>
       <p:ext uri="{BB962C8B-B14F-4D97-AF65-F5344CB8AC3E}">
         <p14:creationId xmlns:p14="http://schemas.microsoft.com/office/powerpoint/2010/main" val="3544401714"/>
-      </p:ext>
-    </p:extLst>
-  </p:cSld>
-  <p:clrMapOvr>
-    <a:masterClrMapping/>
-  </p:clrMapOvr>
-  <p:transition>
-    <p:cut/>
-  </p:transition>
-</p:sld>
-</file>
-
-<file path=ppt/slides/slide35.xml><?xml version="1.0" encoding="utf-8"?>
-<p:sld xmlns:a="http://schemas.openxmlformats.org/drawingml/2006/main" xmlns:r="http://schemas.openxmlformats.org/officeDocument/2006/relationships" xmlns:p="http://schemas.openxmlformats.org/presentationml/2006/main">
-  <p:cSld>
-    <p:spTree>
-      <p:nvGrpSpPr>
-        <p:cNvPr id="1" name=""/>
-        <p:cNvGrpSpPr/>
-        <p:nvPr/>
-      </p:nvGrpSpPr>
-      <p:grpSpPr>
-        <a:xfrm>
-          <a:off x="0" y="0"/>
-          <a:ext cx="0" cy="0"/>
-          <a:chOff x="0" y="0"/>
-          <a:chExt cx="0" cy="0"/>
-        </a:xfrm>
-      </p:grpSpPr>
-      <p:sp>
-        <p:nvSpPr>
-          <p:cNvPr id="2" name="object 2"/>
-          <p:cNvSpPr txBox="1">
-            <a:spLocks noGrp="1"/>
-          </p:cNvSpPr>
-          <p:nvPr>
-            <p:ph type="title"/>
-          </p:nvPr>
-        </p:nvSpPr>
-        <p:spPr>
-          <a:xfrm>
-            <a:off x="211217" y="30443"/>
-            <a:ext cx="10304383" cy="702856"/>
-          </a:xfrm>
-          <a:prstGeom prst="rect">
-            <a:avLst/>
-          </a:prstGeom>
-        </p:spPr>
-        <p:txBody>
-          <a:bodyPr vert="horz" wrap="square" lIns="0" tIns="25499" rIns="0" bIns="0" rtlCol="0" anchor="b">
-            <a:spAutoFit/>
-          </a:bodyPr>
-          <a:lstStyle/>
-          <a:p>
-            <a:pPr marL="26841">
-              <a:lnSpc>
-                <a:spcPct val="100000"/>
-              </a:lnSpc>
-              <a:spcBef>
-                <a:spcPts val="201"/>
-              </a:spcBef>
-            </a:pPr>
-            <a:r>
-              <a:rPr lang="en-CA" spc="95" dirty="0"/>
-              <a:t>Equilibrium</a:t>
-            </a:r>
-            <a:endParaRPr spc="95" dirty="0"/>
-          </a:p>
-        </p:txBody>
-      </p:sp>
-      <p:sp>
-        <p:nvSpPr>
-          <p:cNvPr id="9" name="object 9"/>
-          <p:cNvSpPr txBox="1"/>
-          <p:nvPr/>
-        </p:nvSpPr>
-        <p:spPr>
-          <a:xfrm>
-            <a:off x="11862007" y="6407020"/>
-            <a:ext cx="132865" cy="220866"/>
-          </a:xfrm>
-          <a:prstGeom prst="rect">
-            <a:avLst/>
-          </a:prstGeom>
-        </p:spPr>
-        <p:txBody>
-          <a:bodyPr vert="horz" wrap="square" lIns="0" tIns="25499" rIns="0" bIns="0" rtlCol="0">
-            <a:spAutoFit/>
-          </a:bodyPr>
-          <a:lstStyle/>
-          <a:p>
-            <a:pPr marL="26841">
-              <a:spcBef>
-                <a:spcPts val="201"/>
-              </a:spcBef>
-            </a:pPr>
-            <a:r>
-              <a:rPr sz="1268" spc="-232" dirty="0">
-                <a:solidFill>
-                  <a:srgbClr val="22373A"/>
-                </a:solidFill>
-                <a:latin typeface="Arial Black"/>
-                <a:cs typeface="Arial Black"/>
-              </a:rPr>
-              <a:t>5</a:t>
-            </a:r>
-            <a:endParaRPr sz="1268">
-              <a:latin typeface="Arial Black"/>
-              <a:cs typeface="Arial Black"/>
-            </a:endParaRPr>
-          </a:p>
-        </p:txBody>
-      </p:sp>
-      <mc:AlternateContent xmlns:mc="http://schemas.openxmlformats.org/markup-compatibility/2006">
-        <mc:Choice xmlns:p14="http://schemas.microsoft.com/office/powerpoint/2010/main" Requires="p14">
-          <p:contentPart p14:bwMode="auto" r:id="rId3">
-            <p14:nvContentPartPr>
-              <p14:cNvPr id="4" name="Ink 3">
-                <a:extLst>
-                  <a:ext uri="{FF2B5EF4-FFF2-40B4-BE49-F238E27FC236}">
-                    <a16:creationId xmlns:a16="http://schemas.microsoft.com/office/drawing/2014/main" id="{0269A358-6643-27A2-4CFC-87DBE469AFBC}"/>
-                  </a:ext>
-                </a:extLst>
-              </p14:cNvPr>
-              <p14:cNvContentPartPr/>
-              <p14:nvPr/>
-            </p14:nvContentPartPr>
-            <p14:xfrm>
-              <a:off x="3164106" y="491156"/>
-              <a:ext cx="2160" cy="360"/>
-            </p14:xfrm>
-          </p:contentPart>
-        </mc:Choice>
-        <mc:Fallback>
-          <p:pic>
-            <p:nvPicPr>
-              <p:cNvPr id="4" name="Ink 3">
-                <a:extLst>
-                  <a:ext uri="{FF2B5EF4-FFF2-40B4-BE49-F238E27FC236}">
-                    <a16:creationId xmlns:a16="http://schemas.microsoft.com/office/drawing/2014/main" id="{0269A358-6643-27A2-4CFC-87DBE469AFBC}"/>
-                  </a:ext>
-                </a:extLst>
-              </p:cNvPr>
-              <p:cNvPicPr/>
-              <p:nvPr/>
-            </p:nvPicPr>
-            <p:blipFill>
-              <a:blip r:embed="rId4"/>
-              <a:stretch>
-                <a:fillRect/>
-              </a:stretch>
-            </p:blipFill>
-            <p:spPr>
-              <a:xfrm>
-                <a:off x="3155106" y="482516"/>
-                <a:ext cx="19800" cy="18000"/>
-              </a:xfrm>
-              <a:prstGeom prst="rect">
-                <a:avLst/>
-              </a:prstGeom>
-            </p:spPr>
-          </p:pic>
-        </mc:Fallback>
-      </mc:AlternateContent>
-      <mc:AlternateContent xmlns:mc="http://schemas.openxmlformats.org/markup-compatibility/2006">
-        <mc:Choice xmlns:p14="http://schemas.microsoft.com/office/powerpoint/2010/main" Requires="p14">
-          <p:contentPart p14:bwMode="auto" r:id="rId5">
-            <p14:nvContentPartPr>
-              <p14:cNvPr id="5" name="Ink 4">
-                <a:extLst>
-                  <a:ext uri="{FF2B5EF4-FFF2-40B4-BE49-F238E27FC236}">
-                    <a16:creationId xmlns:a16="http://schemas.microsoft.com/office/drawing/2014/main" id="{9EB1C396-5C70-EB5C-87E2-F2AEA6D23D6E}"/>
-                  </a:ext>
-                </a:extLst>
-              </p14:cNvPr>
-              <p14:cNvContentPartPr/>
-              <p14:nvPr/>
-            </p14:nvContentPartPr>
-            <p14:xfrm>
-              <a:off x="3028026" y="422396"/>
-              <a:ext cx="360" cy="360"/>
-            </p14:xfrm>
-          </p:contentPart>
-        </mc:Choice>
-        <mc:Fallback>
-          <p:pic>
-            <p:nvPicPr>
-              <p:cNvPr id="5" name="Ink 4">
-                <a:extLst>
-                  <a:ext uri="{FF2B5EF4-FFF2-40B4-BE49-F238E27FC236}">
-                    <a16:creationId xmlns:a16="http://schemas.microsoft.com/office/drawing/2014/main" id="{9EB1C396-5C70-EB5C-87E2-F2AEA6D23D6E}"/>
-                  </a:ext>
-                </a:extLst>
-              </p:cNvPr>
-              <p:cNvPicPr/>
-              <p:nvPr/>
-            </p:nvPicPr>
-            <p:blipFill>
-              <a:blip r:embed="rId6"/>
-              <a:stretch>
-                <a:fillRect/>
-              </a:stretch>
-            </p:blipFill>
-            <p:spPr>
-              <a:xfrm>
-                <a:off x="3019386" y="413756"/>
-                <a:ext cx="18000" cy="18000"/>
-              </a:xfrm>
-              <a:prstGeom prst="rect">
-                <a:avLst/>
-              </a:prstGeom>
-            </p:spPr>
-          </p:pic>
-        </mc:Fallback>
-      </mc:AlternateContent>
-      <p:sp>
-        <p:nvSpPr>
-          <p:cNvPr id="6" name="TextBox 5">
-            <a:extLst>
-              <a:ext uri="{FF2B5EF4-FFF2-40B4-BE49-F238E27FC236}">
-                <a16:creationId xmlns:a16="http://schemas.microsoft.com/office/drawing/2014/main" id="{5FA729C6-479C-8004-9624-88412B87441B}"/>
-              </a:ext>
-            </a:extLst>
-          </p:cNvPr>
-          <p:cNvSpPr txBox="1"/>
-          <p:nvPr/>
-        </p:nvSpPr>
-        <p:spPr>
-          <a:xfrm>
-            <a:off x="304800" y="733299"/>
-            <a:ext cx="10439400" cy="769441"/>
-          </a:xfrm>
-          <a:prstGeom prst="rect">
-            <a:avLst/>
-          </a:prstGeom>
-          <a:noFill/>
-        </p:spPr>
-        <p:txBody>
-          <a:bodyPr wrap="square" rtlCol="0">
-            <a:spAutoFit/>
-          </a:bodyPr>
-          <a:lstStyle/>
-          <a:p>
-            <a:r>
-              <a:rPr lang="en-CA" sz="2200" dirty="0"/>
-              <a:t>What do we need for this system of equations (utility, treatment choice, ATT) to be an equilibrium? </a:t>
-            </a:r>
-          </a:p>
-        </p:txBody>
-      </p:sp>
-    </p:spTree>
-    <p:extLst>
-      <p:ext uri="{BB962C8B-B14F-4D97-AF65-F5344CB8AC3E}">
-        <p14:creationId xmlns:p14="http://schemas.microsoft.com/office/powerpoint/2010/main" val="3589770988"/>
       </p:ext>
     </p:extLst>
   </p:cSld>
@@ -33989,8 +34131,8 @@
           </a:p>
         </p:txBody>
       </p:sp>
-      <mc:AlternateContent xmlns:mc="http://schemas.openxmlformats.org/markup-compatibility/2006">
-        <mc:Choice xmlns:p14="http://schemas.microsoft.com/office/powerpoint/2010/main" Requires="p14">
+      <mc:AlternateContent xmlns:mc="http://schemas.openxmlformats.org/markup-compatibility/2006" xmlns:p14="http://schemas.microsoft.com/office/powerpoint/2010/main">
+        <mc:Choice Requires="p14">
           <p:contentPart p14:bwMode="auto" r:id="rId3">
             <p14:nvContentPartPr>
               <p14:cNvPr id="4" name="Ink 3">
@@ -34009,7 +34151,7 @@
             </p14:xfrm>
           </p:contentPart>
         </mc:Choice>
-        <mc:Fallback>
+        <mc:Fallback xmlns="">
           <p:pic>
             <p:nvPicPr>
               <p:cNvPr id="4" name="Ink 3">
@@ -34040,8 +34182,8 @@
           </p:pic>
         </mc:Fallback>
       </mc:AlternateContent>
-      <mc:AlternateContent xmlns:mc="http://schemas.openxmlformats.org/markup-compatibility/2006">
-        <mc:Choice xmlns:p14="http://schemas.microsoft.com/office/powerpoint/2010/main" Requires="p14">
+      <mc:AlternateContent xmlns:mc="http://schemas.openxmlformats.org/markup-compatibility/2006" xmlns:p14="http://schemas.microsoft.com/office/powerpoint/2010/main">
+        <mc:Choice Requires="p14">
           <p:contentPart p14:bwMode="auto" r:id="rId5">
             <p14:nvContentPartPr>
               <p14:cNvPr id="5" name="Ink 4">
@@ -34060,7 +34202,7 @@
             </p14:xfrm>
           </p:contentPart>
         </mc:Choice>
-        <mc:Fallback>
+        <mc:Fallback xmlns="">
           <p:pic>
             <p:nvPicPr>
               <p:cNvPr id="5" name="Ink 4">
@@ -34091,8 +34233,262 @@
           </p:pic>
         </mc:Fallback>
       </mc:AlternateContent>
-      <mc:AlternateContent xmlns:mc="http://schemas.openxmlformats.org/markup-compatibility/2006">
-        <mc:Choice xmlns:a14="http://schemas.microsoft.com/office/drawing/2010/main" Requires="a14">
+      <p:sp>
+        <p:nvSpPr>
+          <p:cNvPr id="6" name="TextBox 5">
+            <a:extLst>
+              <a:ext uri="{FF2B5EF4-FFF2-40B4-BE49-F238E27FC236}">
+                <a16:creationId xmlns:a16="http://schemas.microsoft.com/office/drawing/2014/main" id="{5FA729C6-479C-8004-9624-88412B87441B}"/>
+              </a:ext>
+            </a:extLst>
+          </p:cNvPr>
+          <p:cNvSpPr txBox="1"/>
+          <p:nvPr/>
+        </p:nvSpPr>
+        <p:spPr>
+          <a:xfrm>
+            <a:off x="304800" y="733299"/>
+            <a:ext cx="10439400" cy="769441"/>
+          </a:xfrm>
+          <a:prstGeom prst="rect">
+            <a:avLst/>
+          </a:prstGeom>
+          <a:noFill/>
+        </p:spPr>
+        <p:txBody>
+          <a:bodyPr wrap="square" rtlCol="0">
+            <a:spAutoFit/>
+          </a:bodyPr>
+          <a:lstStyle/>
+          <a:p>
+            <a:r>
+              <a:rPr lang="en-CA" sz="2200" dirty="0"/>
+              <a:t>What do we need for this system of equations (utility, treatment choice, ATT) to be an equilibrium? </a:t>
+            </a:r>
+          </a:p>
+        </p:txBody>
+      </p:sp>
+    </p:spTree>
+    <p:extLst>
+      <p:ext uri="{BB962C8B-B14F-4D97-AF65-F5344CB8AC3E}">
+        <p14:creationId xmlns:p14="http://schemas.microsoft.com/office/powerpoint/2010/main" val="3589770988"/>
+      </p:ext>
+    </p:extLst>
+  </p:cSld>
+  <p:clrMapOvr>
+    <a:masterClrMapping/>
+  </p:clrMapOvr>
+  <p:transition>
+    <p:cut/>
+  </p:transition>
+</p:sld>
+</file>
+
+<file path=ppt/slides/slide37.xml><?xml version="1.0" encoding="utf-8"?>
+<p:sld xmlns:a="http://schemas.openxmlformats.org/drawingml/2006/main" xmlns:r="http://schemas.openxmlformats.org/officeDocument/2006/relationships" xmlns:p="http://schemas.openxmlformats.org/presentationml/2006/main">
+  <p:cSld>
+    <p:spTree>
+      <p:nvGrpSpPr>
+        <p:cNvPr id="1" name=""/>
+        <p:cNvGrpSpPr/>
+        <p:nvPr/>
+      </p:nvGrpSpPr>
+      <p:grpSpPr>
+        <a:xfrm>
+          <a:off x="0" y="0"/>
+          <a:ext cx="0" cy="0"/>
+          <a:chOff x="0" y="0"/>
+          <a:chExt cx="0" cy="0"/>
+        </a:xfrm>
+      </p:grpSpPr>
+      <p:sp>
+        <p:nvSpPr>
+          <p:cNvPr id="2" name="object 2"/>
+          <p:cNvSpPr txBox="1">
+            <a:spLocks noGrp="1"/>
+          </p:cNvSpPr>
+          <p:nvPr>
+            <p:ph type="title"/>
+          </p:nvPr>
+        </p:nvSpPr>
+        <p:spPr>
+          <a:xfrm>
+            <a:off x="211217" y="30443"/>
+            <a:ext cx="10304383" cy="702856"/>
+          </a:xfrm>
+          <a:prstGeom prst="rect">
+            <a:avLst/>
+          </a:prstGeom>
+        </p:spPr>
+        <p:txBody>
+          <a:bodyPr vert="horz" wrap="square" lIns="0" tIns="25499" rIns="0" bIns="0" rtlCol="0" anchor="b">
+            <a:spAutoFit/>
+          </a:bodyPr>
+          <a:lstStyle/>
+          <a:p>
+            <a:pPr marL="26841">
+              <a:lnSpc>
+                <a:spcPct val="100000"/>
+              </a:lnSpc>
+              <a:spcBef>
+                <a:spcPts val="201"/>
+              </a:spcBef>
+            </a:pPr>
+            <a:r>
+              <a:rPr lang="en-CA" spc="95" dirty="0"/>
+              <a:t>Equilibrium</a:t>
+            </a:r>
+            <a:endParaRPr spc="95" dirty="0"/>
+          </a:p>
+        </p:txBody>
+      </p:sp>
+      <p:sp>
+        <p:nvSpPr>
+          <p:cNvPr id="9" name="object 9"/>
+          <p:cNvSpPr txBox="1"/>
+          <p:nvPr/>
+        </p:nvSpPr>
+        <p:spPr>
+          <a:xfrm>
+            <a:off x="11862007" y="6407020"/>
+            <a:ext cx="132865" cy="220866"/>
+          </a:xfrm>
+          <a:prstGeom prst="rect">
+            <a:avLst/>
+          </a:prstGeom>
+        </p:spPr>
+        <p:txBody>
+          <a:bodyPr vert="horz" wrap="square" lIns="0" tIns="25499" rIns="0" bIns="0" rtlCol="0">
+            <a:spAutoFit/>
+          </a:bodyPr>
+          <a:lstStyle/>
+          <a:p>
+            <a:pPr marL="26841">
+              <a:spcBef>
+                <a:spcPts val="201"/>
+              </a:spcBef>
+            </a:pPr>
+            <a:r>
+              <a:rPr sz="1268" spc="-232" dirty="0">
+                <a:solidFill>
+                  <a:srgbClr val="22373A"/>
+                </a:solidFill>
+                <a:latin typeface="Arial Black"/>
+                <a:cs typeface="Arial Black"/>
+              </a:rPr>
+              <a:t>5</a:t>
+            </a:r>
+            <a:endParaRPr sz="1268">
+              <a:latin typeface="Arial Black"/>
+              <a:cs typeface="Arial Black"/>
+            </a:endParaRPr>
+          </a:p>
+        </p:txBody>
+      </p:sp>
+      <mc:AlternateContent xmlns:mc="http://schemas.openxmlformats.org/markup-compatibility/2006" xmlns:p14="http://schemas.microsoft.com/office/powerpoint/2010/main">
+        <mc:Choice Requires="p14">
+          <p:contentPart p14:bwMode="auto" r:id="rId3">
+            <p14:nvContentPartPr>
+              <p14:cNvPr id="4" name="Ink 3">
+                <a:extLst>
+                  <a:ext uri="{FF2B5EF4-FFF2-40B4-BE49-F238E27FC236}">
+                    <a16:creationId xmlns:a16="http://schemas.microsoft.com/office/drawing/2014/main" id="{0269A358-6643-27A2-4CFC-87DBE469AFBC}"/>
+                  </a:ext>
+                </a:extLst>
+              </p14:cNvPr>
+              <p14:cNvContentPartPr/>
+              <p14:nvPr/>
+            </p14:nvContentPartPr>
+            <p14:xfrm>
+              <a:off x="3164106" y="491156"/>
+              <a:ext cx="2160" cy="360"/>
+            </p14:xfrm>
+          </p:contentPart>
+        </mc:Choice>
+        <mc:Fallback xmlns="">
+          <p:pic>
+            <p:nvPicPr>
+              <p:cNvPr id="4" name="Ink 3">
+                <a:extLst>
+                  <a:ext uri="{FF2B5EF4-FFF2-40B4-BE49-F238E27FC236}">
+                    <a16:creationId xmlns:a16="http://schemas.microsoft.com/office/drawing/2014/main" id="{0269A358-6643-27A2-4CFC-87DBE469AFBC}"/>
+                  </a:ext>
+                </a:extLst>
+              </p:cNvPr>
+              <p:cNvPicPr/>
+              <p:nvPr/>
+            </p:nvPicPr>
+            <p:blipFill>
+              <a:blip r:embed="rId4"/>
+              <a:stretch>
+                <a:fillRect/>
+              </a:stretch>
+            </p:blipFill>
+            <p:spPr>
+              <a:xfrm>
+                <a:off x="3155106" y="482516"/>
+                <a:ext cx="19800" cy="18000"/>
+              </a:xfrm>
+              <a:prstGeom prst="rect">
+                <a:avLst/>
+              </a:prstGeom>
+            </p:spPr>
+          </p:pic>
+        </mc:Fallback>
+      </mc:AlternateContent>
+      <mc:AlternateContent xmlns:mc="http://schemas.openxmlformats.org/markup-compatibility/2006" xmlns:p14="http://schemas.microsoft.com/office/powerpoint/2010/main">
+        <mc:Choice Requires="p14">
+          <p:contentPart p14:bwMode="auto" r:id="rId5">
+            <p14:nvContentPartPr>
+              <p14:cNvPr id="5" name="Ink 4">
+                <a:extLst>
+                  <a:ext uri="{FF2B5EF4-FFF2-40B4-BE49-F238E27FC236}">
+                    <a16:creationId xmlns:a16="http://schemas.microsoft.com/office/drawing/2014/main" id="{9EB1C396-5C70-EB5C-87E2-F2AEA6D23D6E}"/>
+                  </a:ext>
+                </a:extLst>
+              </p14:cNvPr>
+              <p14:cNvContentPartPr/>
+              <p14:nvPr/>
+            </p14:nvContentPartPr>
+            <p14:xfrm>
+              <a:off x="3028026" y="422396"/>
+              <a:ext cx="360" cy="360"/>
+            </p14:xfrm>
+          </p:contentPart>
+        </mc:Choice>
+        <mc:Fallback xmlns="">
+          <p:pic>
+            <p:nvPicPr>
+              <p:cNvPr id="5" name="Ink 4">
+                <a:extLst>
+                  <a:ext uri="{FF2B5EF4-FFF2-40B4-BE49-F238E27FC236}">
+                    <a16:creationId xmlns:a16="http://schemas.microsoft.com/office/drawing/2014/main" id="{9EB1C396-5C70-EB5C-87E2-F2AEA6D23D6E}"/>
+                  </a:ext>
+                </a:extLst>
+              </p:cNvPr>
+              <p:cNvPicPr/>
+              <p:nvPr/>
+            </p:nvPicPr>
+            <p:blipFill>
+              <a:blip r:embed="rId6"/>
+              <a:stretch>
+                <a:fillRect/>
+              </a:stretch>
+            </p:blipFill>
+            <p:spPr>
+              <a:xfrm>
+                <a:off x="3019386" y="413756"/>
+                <a:ext cx="18000" cy="18000"/>
+              </a:xfrm>
+              <a:prstGeom prst="rect">
+                <a:avLst/>
+              </a:prstGeom>
+            </p:spPr>
+          </p:pic>
+        </mc:Fallback>
+      </mc:AlternateContent>
+      <mc:AlternateContent xmlns:mc="http://schemas.openxmlformats.org/markup-compatibility/2006" xmlns:a14="http://schemas.microsoft.com/office/drawing/2010/main">
+        <mc:Choice Requires="a14">
           <p:sp>
             <p:nvSpPr>
               <p:cNvPr id="6" name="TextBox 5">
@@ -34211,6 +34607,7 @@
                 <a:endParaRPr lang="en-CA" sz="2200" dirty="0"/>
               </a:p>
               <a:p>
+                <a:pPr/>
                 <a14:m>
                   <m:oMathPara xmlns:m="http://schemas.openxmlformats.org/officeDocument/2006/math">
                     <m:oMathParaPr>
@@ -34482,7 +34879,7 @@
             </p:txBody>
           </p:sp>
         </mc:Choice>
-        <mc:Fallback>
+        <mc:Fallback xmlns="">
           <p:sp>
             <p:nvSpPr>
               <p:cNvPr id="6" name="TextBox 5">
@@ -34543,7 +34940,7 @@
 </p:sld>
 </file>
 
-<file path=ppt/slides/slide37.xml><?xml version="1.0" encoding="utf-8"?>
+<file path=ppt/slides/slide38.xml><?xml version="1.0" encoding="utf-8"?>
 <p:sld xmlns:a="http://schemas.openxmlformats.org/drawingml/2006/main" xmlns:r="http://schemas.openxmlformats.org/officeDocument/2006/relationships" xmlns:p="http://schemas.openxmlformats.org/presentationml/2006/main">
   <p:cSld>
     <p:spTree>
@@ -34644,8 +35041,8 @@
           </a:p>
         </p:txBody>
       </p:sp>
-      <mc:AlternateContent xmlns:mc="http://schemas.openxmlformats.org/markup-compatibility/2006">
-        <mc:Choice xmlns:p14="http://schemas.microsoft.com/office/powerpoint/2010/main" Requires="p14">
+      <mc:AlternateContent xmlns:mc="http://schemas.openxmlformats.org/markup-compatibility/2006" xmlns:p14="http://schemas.microsoft.com/office/powerpoint/2010/main">
+        <mc:Choice Requires="p14">
           <p:contentPart p14:bwMode="auto" r:id="rId3">
             <p14:nvContentPartPr>
               <p14:cNvPr id="4" name="Ink 3">
@@ -34664,7 +35061,7 @@
             </p14:xfrm>
           </p:contentPart>
         </mc:Choice>
-        <mc:Fallback>
+        <mc:Fallback xmlns="">
           <p:pic>
             <p:nvPicPr>
               <p:cNvPr id="4" name="Ink 3">
@@ -34695,8 +35092,8 @@
           </p:pic>
         </mc:Fallback>
       </mc:AlternateContent>
-      <mc:AlternateContent xmlns:mc="http://schemas.openxmlformats.org/markup-compatibility/2006">
-        <mc:Choice xmlns:p14="http://schemas.microsoft.com/office/powerpoint/2010/main" Requires="p14">
+      <mc:AlternateContent xmlns:mc="http://schemas.openxmlformats.org/markup-compatibility/2006" xmlns:p14="http://schemas.microsoft.com/office/powerpoint/2010/main">
+        <mc:Choice Requires="p14">
           <p:contentPart p14:bwMode="auto" r:id="rId5">
             <p14:nvContentPartPr>
               <p14:cNvPr id="5" name="Ink 4">
@@ -34715,7 +35112,7 @@
             </p14:xfrm>
           </p:contentPart>
         </mc:Choice>
-        <mc:Fallback>
+        <mc:Fallback xmlns="">
           <p:pic>
             <p:nvPicPr>
               <p:cNvPr id="5" name="Ink 4">
@@ -34746,8 +35143,8 @@
           </p:pic>
         </mc:Fallback>
       </mc:AlternateContent>
-      <mc:AlternateContent xmlns:mc="http://schemas.openxmlformats.org/markup-compatibility/2006">
-        <mc:Choice xmlns:a14="http://schemas.microsoft.com/office/drawing/2010/main" Requires="a14">
+      <mc:AlternateContent xmlns:mc="http://schemas.openxmlformats.org/markup-compatibility/2006" xmlns:a14="http://schemas.microsoft.com/office/drawing/2010/main">
+        <mc:Choice Requires="a14">
           <p:sp>
             <p:nvSpPr>
               <p:cNvPr id="6" name="TextBox 5">
@@ -34866,6 +35263,7 @@
                 <a:endParaRPr lang="en-CA" sz="2200" dirty="0"/>
               </a:p>
               <a:p>
+                <a:pPr/>
                 <a14:m>
                   <m:oMathPara xmlns:m="http://schemas.openxmlformats.org/officeDocument/2006/math">
                     <m:oMathParaPr>
@@ -35226,7 +35624,7 @@
             </p:txBody>
           </p:sp>
         </mc:Choice>
-        <mc:Fallback>
+        <mc:Fallback xmlns="">
           <p:sp>
             <p:nvSpPr>
               <p:cNvPr id="6" name="TextBox 5">
@@ -35275,397 +35673,6 @@
     <p:extLst>
       <p:ext uri="{BB962C8B-B14F-4D97-AF65-F5344CB8AC3E}">
         <p14:creationId xmlns:p14="http://schemas.microsoft.com/office/powerpoint/2010/main" val="3676986097"/>
-      </p:ext>
-    </p:extLst>
-  </p:cSld>
-  <p:clrMapOvr>
-    <a:masterClrMapping/>
-  </p:clrMapOvr>
-  <p:transition>
-    <p:cut/>
-  </p:transition>
-</p:sld>
-</file>
-
-<file path=ppt/slides/slide38.xml><?xml version="1.0" encoding="utf-8"?>
-<p:sld xmlns:a="http://schemas.openxmlformats.org/drawingml/2006/main" xmlns:r="http://schemas.openxmlformats.org/officeDocument/2006/relationships" xmlns:p="http://schemas.openxmlformats.org/presentationml/2006/main">
-  <p:cSld>
-    <p:spTree>
-      <p:nvGrpSpPr>
-        <p:cNvPr id="1" name=""/>
-        <p:cNvGrpSpPr/>
-        <p:nvPr/>
-      </p:nvGrpSpPr>
-      <p:grpSpPr>
-        <a:xfrm>
-          <a:off x="0" y="0"/>
-          <a:ext cx="0" cy="0"/>
-          <a:chOff x="0" y="0"/>
-          <a:chExt cx="0" cy="0"/>
-        </a:xfrm>
-      </p:grpSpPr>
-      <p:sp>
-        <p:nvSpPr>
-          <p:cNvPr id="2" name="object 2"/>
-          <p:cNvSpPr txBox="1">
-            <a:spLocks noGrp="1"/>
-          </p:cNvSpPr>
-          <p:nvPr>
-            <p:ph type="title"/>
-          </p:nvPr>
-        </p:nvSpPr>
-        <p:spPr>
-          <a:xfrm>
-            <a:off x="211217" y="30443"/>
-            <a:ext cx="10304383" cy="702856"/>
-          </a:xfrm>
-          <a:prstGeom prst="rect">
-            <a:avLst/>
-          </a:prstGeom>
-        </p:spPr>
-        <p:txBody>
-          <a:bodyPr vert="horz" wrap="square" lIns="0" tIns="25499" rIns="0" bIns="0" rtlCol="0" anchor="b">
-            <a:spAutoFit/>
-          </a:bodyPr>
-          <a:lstStyle/>
-          <a:p>
-            <a:pPr marL="26841">
-              <a:lnSpc>
-                <a:spcPct val="100000"/>
-              </a:lnSpc>
-              <a:spcBef>
-                <a:spcPts val="201"/>
-              </a:spcBef>
-            </a:pPr>
-            <a:r>
-              <a:rPr lang="en-CA" spc="95" dirty="0"/>
-              <a:t>Model Implications</a:t>
-            </a:r>
-            <a:endParaRPr spc="95" dirty="0"/>
-          </a:p>
-        </p:txBody>
-      </p:sp>
-      <p:sp>
-        <p:nvSpPr>
-          <p:cNvPr id="9" name="object 9"/>
-          <p:cNvSpPr txBox="1"/>
-          <p:nvPr/>
-        </p:nvSpPr>
-        <p:spPr>
-          <a:xfrm>
-            <a:off x="11862007" y="6407020"/>
-            <a:ext cx="132865" cy="220866"/>
-          </a:xfrm>
-          <a:prstGeom prst="rect">
-            <a:avLst/>
-          </a:prstGeom>
-        </p:spPr>
-        <p:txBody>
-          <a:bodyPr vert="horz" wrap="square" lIns="0" tIns="25499" rIns="0" bIns="0" rtlCol="0">
-            <a:spAutoFit/>
-          </a:bodyPr>
-          <a:lstStyle/>
-          <a:p>
-            <a:pPr marL="26841">
-              <a:spcBef>
-                <a:spcPts val="201"/>
-              </a:spcBef>
-            </a:pPr>
-            <a:r>
-              <a:rPr sz="1268" spc="-232" dirty="0">
-                <a:solidFill>
-                  <a:srgbClr val="22373A"/>
-                </a:solidFill>
-                <a:latin typeface="Arial Black"/>
-                <a:cs typeface="Arial Black"/>
-              </a:rPr>
-              <a:t>5</a:t>
-            </a:r>
-            <a:endParaRPr sz="1268">
-              <a:latin typeface="Arial Black"/>
-              <a:cs typeface="Arial Black"/>
-            </a:endParaRPr>
-          </a:p>
-        </p:txBody>
-      </p:sp>
-      <mc:AlternateContent xmlns:mc="http://schemas.openxmlformats.org/markup-compatibility/2006">
-        <mc:Choice xmlns:p14="http://schemas.microsoft.com/office/powerpoint/2010/main" Requires="p14">
-          <p:contentPart p14:bwMode="auto" r:id="rId3">
-            <p14:nvContentPartPr>
-              <p14:cNvPr id="4" name="Ink 3">
-                <a:extLst>
-                  <a:ext uri="{FF2B5EF4-FFF2-40B4-BE49-F238E27FC236}">
-                    <a16:creationId xmlns:a16="http://schemas.microsoft.com/office/drawing/2014/main" id="{0269A358-6643-27A2-4CFC-87DBE469AFBC}"/>
-                  </a:ext>
-                </a:extLst>
-              </p14:cNvPr>
-              <p14:cNvContentPartPr/>
-              <p14:nvPr/>
-            </p14:nvContentPartPr>
-            <p14:xfrm>
-              <a:off x="3164106" y="491156"/>
-              <a:ext cx="2160" cy="360"/>
-            </p14:xfrm>
-          </p:contentPart>
-        </mc:Choice>
-        <mc:Fallback>
-          <p:pic>
-            <p:nvPicPr>
-              <p:cNvPr id="4" name="Ink 3">
-                <a:extLst>
-                  <a:ext uri="{FF2B5EF4-FFF2-40B4-BE49-F238E27FC236}">
-                    <a16:creationId xmlns:a16="http://schemas.microsoft.com/office/drawing/2014/main" id="{0269A358-6643-27A2-4CFC-87DBE469AFBC}"/>
-                  </a:ext>
-                </a:extLst>
-              </p:cNvPr>
-              <p:cNvPicPr/>
-              <p:nvPr/>
-            </p:nvPicPr>
-            <p:blipFill>
-              <a:blip r:embed="rId4"/>
-              <a:stretch>
-                <a:fillRect/>
-              </a:stretch>
-            </p:blipFill>
-            <p:spPr>
-              <a:xfrm>
-                <a:off x="3155106" y="482516"/>
-                <a:ext cx="19800" cy="18000"/>
-              </a:xfrm>
-              <a:prstGeom prst="rect">
-                <a:avLst/>
-              </a:prstGeom>
-            </p:spPr>
-          </p:pic>
-        </mc:Fallback>
-      </mc:AlternateContent>
-      <mc:AlternateContent xmlns:mc="http://schemas.openxmlformats.org/markup-compatibility/2006">
-        <mc:Choice xmlns:p14="http://schemas.microsoft.com/office/powerpoint/2010/main" Requires="p14">
-          <p:contentPart p14:bwMode="auto" r:id="rId5">
-            <p14:nvContentPartPr>
-              <p14:cNvPr id="5" name="Ink 4">
-                <a:extLst>
-                  <a:ext uri="{FF2B5EF4-FFF2-40B4-BE49-F238E27FC236}">
-                    <a16:creationId xmlns:a16="http://schemas.microsoft.com/office/drawing/2014/main" id="{9EB1C396-5C70-EB5C-87E2-F2AEA6D23D6E}"/>
-                  </a:ext>
-                </a:extLst>
-              </p14:cNvPr>
-              <p14:cNvContentPartPr/>
-              <p14:nvPr/>
-            </p14:nvContentPartPr>
-            <p14:xfrm>
-              <a:off x="3028026" y="422396"/>
-              <a:ext cx="360" cy="360"/>
-            </p14:xfrm>
-          </p:contentPart>
-        </mc:Choice>
-        <mc:Fallback>
-          <p:pic>
-            <p:nvPicPr>
-              <p:cNvPr id="5" name="Ink 4">
-                <a:extLst>
-                  <a:ext uri="{FF2B5EF4-FFF2-40B4-BE49-F238E27FC236}">
-                    <a16:creationId xmlns:a16="http://schemas.microsoft.com/office/drawing/2014/main" id="{9EB1C396-5C70-EB5C-87E2-F2AEA6D23D6E}"/>
-                  </a:ext>
-                </a:extLst>
-              </p:cNvPr>
-              <p:cNvPicPr/>
-              <p:nvPr/>
-            </p:nvPicPr>
-            <p:blipFill>
-              <a:blip r:embed="rId6"/>
-              <a:stretch>
-                <a:fillRect/>
-              </a:stretch>
-            </p:blipFill>
-            <p:spPr>
-              <a:xfrm>
-                <a:off x="3019386" y="413756"/>
-                <a:ext cx="18000" cy="18000"/>
-              </a:xfrm>
-              <a:prstGeom prst="rect">
-                <a:avLst/>
-              </a:prstGeom>
-            </p:spPr>
-          </p:pic>
-        </mc:Fallback>
-      </mc:AlternateContent>
-      <mc:AlternateContent xmlns:mc="http://schemas.openxmlformats.org/markup-compatibility/2006">
-        <mc:Choice xmlns:a14="http://schemas.microsoft.com/office/drawing/2010/main" Requires="a14">
-          <p:sp>
-            <p:nvSpPr>
-              <p:cNvPr id="6" name="TextBox 5">
-                <a:extLst>
-                  <a:ext uri="{FF2B5EF4-FFF2-40B4-BE49-F238E27FC236}">
-                    <a16:creationId xmlns:a16="http://schemas.microsoft.com/office/drawing/2014/main" id="{5FA729C6-479C-8004-9624-88412B87441B}"/>
-                  </a:ext>
-                </a:extLst>
-              </p:cNvPr>
-              <p:cNvSpPr txBox="1"/>
-              <p:nvPr/>
-            </p:nvSpPr>
-            <p:spPr>
-              <a:xfrm>
-                <a:off x="304800" y="733299"/>
-                <a:ext cx="10439400" cy="1107996"/>
-              </a:xfrm>
-              <a:prstGeom prst="rect">
-                <a:avLst/>
-              </a:prstGeom>
-              <a:noFill/>
-            </p:spPr>
-            <p:txBody>
-              <a:bodyPr wrap="square" rtlCol="0">
-                <a:spAutoFit/>
-              </a:bodyPr>
-              <a:lstStyle/>
-              <a:p>
-                <a:r>
-                  <a:rPr lang="en-CA" sz="2200" dirty="0"/>
-                  <a:t>What do these equilibria look like?</a:t>
-                </a:r>
-              </a:p>
-              <a:p>
-                <a:pPr marL="457200" indent="-457200">
-                  <a:buFont typeface="+mj-lt"/>
-                  <a:buAutoNum type="arabicPeriod"/>
-                </a:pPr>
-                <a:r>
-                  <a:rPr lang="en-CA" sz="2200" dirty="0"/>
-                  <a:t>Productivity spillovers </a:t>
-                </a:r>
-                <a14:m>
-                  <m:oMath xmlns:m="http://schemas.openxmlformats.org/officeDocument/2006/math">
-                    <m:r>
-                      <a:rPr lang="en-CA" sz="2200" b="0" i="1" smtClean="0">
-                        <a:latin typeface="Cambria Math" panose="02040503050406030204" pitchFamily="18" charset="0"/>
-                      </a:rPr>
-                      <m:t>⇒</m:t>
-                    </m:r>
-                  </m:oMath>
-                </a14:m>
-                <a:r>
-                  <a:rPr lang="en-CA" sz="2200" dirty="0"/>
-                  <a:t> multiple equilibria, even for the same </a:t>
-                </a:r>
-                <a14:m>
-                  <m:oMath xmlns:m="http://schemas.openxmlformats.org/officeDocument/2006/math">
-                    <m:r>
-                      <m:rPr>
-                        <m:sty m:val="p"/>
-                      </m:rPr>
-                      <a:rPr lang="en-CA" sz="2200" b="0" i="0" smtClean="0">
-                        <a:latin typeface="Cambria Math" panose="02040503050406030204" pitchFamily="18" charset="0"/>
-                      </a:rPr>
-                      <m:t>f</m:t>
-                    </m:r>
-                    <m:r>
-                      <a:rPr lang="en-CA" sz="2200" b="0" i="0" smtClean="0">
-                        <a:latin typeface="Cambria Math" panose="02040503050406030204" pitchFamily="18" charset="0"/>
-                      </a:rPr>
-                      <m:t>(</m:t>
-                    </m:r>
-                    <m:r>
-                      <a:rPr lang="en-CA" sz="2200" b="0" i="1" smtClean="0">
-                        <a:latin typeface="Cambria Math" panose="02040503050406030204" pitchFamily="18" charset="0"/>
-                      </a:rPr>
-                      <m:t>𝑍</m:t>
-                    </m:r>
-                    <m:r>
-                      <a:rPr lang="en-CA" sz="2200" b="0" i="1" smtClean="0">
-                        <a:latin typeface="Cambria Math" panose="02040503050406030204" pitchFamily="18" charset="0"/>
-                      </a:rPr>
-                      <m:t>)</m:t>
-                    </m:r>
-                  </m:oMath>
-                </a14:m>
-                <a:endParaRPr lang="en-CA" sz="2200" dirty="0"/>
-              </a:p>
-              <a:p>
-                <a:endParaRPr lang="en-CA" sz="2200" dirty="0"/>
-              </a:p>
-            </p:txBody>
-          </p:sp>
-        </mc:Choice>
-        <mc:Fallback>
-          <p:sp>
-            <p:nvSpPr>
-              <p:cNvPr id="6" name="TextBox 5">
-                <a:extLst>
-                  <a:ext uri="{FF2B5EF4-FFF2-40B4-BE49-F238E27FC236}">
-                    <a16:creationId xmlns:a16="http://schemas.microsoft.com/office/drawing/2014/main" id="{5FA729C6-479C-8004-9624-88412B87441B}"/>
-                  </a:ext>
-                </a:extLst>
-              </p:cNvPr>
-              <p:cNvSpPr txBox="1">
-                <a:spLocks noRot="1" noChangeAspect="1" noMove="1" noResize="1" noEditPoints="1" noAdjustHandles="1" noChangeArrowheads="1" noChangeShapeType="1" noTextEdit="1"/>
-              </p:cNvSpPr>
-              <p:nvPr/>
-            </p:nvSpPr>
-            <p:spPr>
-              <a:xfrm>
-                <a:off x="304800" y="733299"/>
-                <a:ext cx="10439400" cy="1107996"/>
-              </a:xfrm>
-              <a:prstGeom prst="rect">
-                <a:avLst/>
-              </a:prstGeom>
-              <a:blipFill>
-                <a:blip r:embed="rId7"/>
-                <a:stretch>
-                  <a:fillRect l="-759" t="-3297"/>
-                </a:stretch>
-              </a:blipFill>
-            </p:spPr>
-            <p:txBody>
-              <a:bodyPr/>
-              <a:lstStyle/>
-              <a:p>
-                <a:r>
-                  <a:rPr lang="en-CA">
-                    <a:noFill/>
-                  </a:rPr>
-                  <a:t> </a:t>
-                </a:r>
-              </a:p>
-            </p:txBody>
-          </p:sp>
-        </mc:Fallback>
-      </mc:AlternateContent>
-      <p:pic>
-        <p:nvPicPr>
-          <p:cNvPr id="7" name="Picture 6">
-            <a:extLst>
-              <a:ext uri="{FF2B5EF4-FFF2-40B4-BE49-F238E27FC236}">
-                <a16:creationId xmlns:a16="http://schemas.microsoft.com/office/drawing/2014/main" id="{271B4B7B-89E9-F194-3D50-B99BD1F68915}"/>
-              </a:ext>
-            </a:extLst>
-          </p:cNvPr>
-          <p:cNvPicPr>
-            <a:picLocks noChangeAspect="1"/>
-          </p:cNvPicPr>
-          <p:nvPr/>
-        </p:nvPicPr>
-        <p:blipFill>
-          <a:blip r:embed="rId8"/>
-          <a:stretch>
-            <a:fillRect/>
-          </a:stretch>
-        </p:blipFill>
-        <p:spPr>
-          <a:xfrm>
-            <a:off x="2590800" y="1490888"/>
-            <a:ext cx="5737146" cy="5048688"/>
-          </a:xfrm>
-          <a:prstGeom prst="rect">
-            <a:avLst/>
-          </a:prstGeom>
-        </p:spPr>
-      </p:pic>
-    </p:spTree>
-    <p:extLst>
-      <p:ext uri="{BB962C8B-B14F-4D97-AF65-F5344CB8AC3E}">
-        <p14:creationId xmlns:p14="http://schemas.microsoft.com/office/powerpoint/2010/main" val="272632770"/>
       </p:ext>
     </p:extLst>
   </p:cSld>
@@ -35779,8 +35786,8 @@
           </a:p>
         </p:txBody>
       </p:sp>
-      <mc:AlternateContent xmlns:mc="http://schemas.openxmlformats.org/markup-compatibility/2006">
-        <mc:Choice xmlns:p14="http://schemas.microsoft.com/office/powerpoint/2010/main" Requires="p14">
+      <mc:AlternateContent xmlns:mc="http://schemas.openxmlformats.org/markup-compatibility/2006" xmlns:p14="http://schemas.microsoft.com/office/powerpoint/2010/main">
+        <mc:Choice Requires="p14">
           <p:contentPart p14:bwMode="auto" r:id="rId3">
             <p14:nvContentPartPr>
               <p14:cNvPr id="4" name="Ink 3">
@@ -35799,7 +35806,7 @@
             </p14:xfrm>
           </p:contentPart>
         </mc:Choice>
-        <mc:Fallback>
+        <mc:Fallback xmlns="">
           <p:pic>
             <p:nvPicPr>
               <p:cNvPr id="4" name="Ink 3">
@@ -35830,8 +35837,8 @@
           </p:pic>
         </mc:Fallback>
       </mc:AlternateContent>
-      <mc:AlternateContent xmlns:mc="http://schemas.openxmlformats.org/markup-compatibility/2006">
-        <mc:Choice xmlns:p14="http://schemas.microsoft.com/office/powerpoint/2010/main" Requires="p14">
+      <mc:AlternateContent xmlns:mc="http://schemas.openxmlformats.org/markup-compatibility/2006" xmlns:p14="http://schemas.microsoft.com/office/powerpoint/2010/main">
+        <mc:Choice Requires="p14">
           <p:contentPart p14:bwMode="auto" r:id="rId5">
             <p14:nvContentPartPr>
               <p14:cNvPr id="5" name="Ink 4">
@@ -35850,7 +35857,7 @@
             </p14:xfrm>
           </p:contentPart>
         </mc:Choice>
-        <mc:Fallback>
+        <mc:Fallback xmlns="">
           <p:pic>
             <p:nvPicPr>
               <p:cNvPr id="5" name="Ink 4">
@@ -35881,8 +35888,8 @@
           </p:pic>
         </mc:Fallback>
       </mc:AlternateContent>
-      <mc:AlternateContent xmlns:mc="http://schemas.openxmlformats.org/markup-compatibility/2006">
-        <mc:Choice xmlns:a14="http://schemas.microsoft.com/office/drawing/2010/main" Requires="a14">
+      <mc:AlternateContent xmlns:mc="http://schemas.openxmlformats.org/markup-compatibility/2006" xmlns:a14="http://schemas.microsoft.com/office/drawing/2010/main">
+        <mc:Choice Requires="a14">
           <p:sp>
             <p:nvSpPr>
               <p:cNvPr id="6" name="TextBox 5">
@@ -35898,7 +35905,7 @@
             <p:spPr>
               <a:xfrm>
                 <a:off x="304800" y="733299"/>
-                <a:ext cx="10439400" cy="1446550"/>
+                <a:ext cx="10439400" cy="1107996"/>
               </a:xfrm>
               <a:prstGeom prst="rect">
                 <a:avLst/>
@@ -35973,54 +35980,12 @@
                 <a:endParaRPr lang="en-CA" sz="2200" dirty="0"/>
               </a:p>
               <a:p>
-                <a:pPr marL="457200" indent="-457200">
-                  <a:buFont typeface="+mj-lt"/>
-                  <a:buAutoNum type="arabicPeriod"/>
-                </a:pPr>
-                <a:r>
-                  <a:rPr lang="en-CA" sz="2200" dirty="0"/>
-                  <a:t>Changes in </a:t>
-                </a:r>
-                <a14:m>
-                  <m:oMath xmlns:m="http://schemas.openxmlformats.org/officeDocument/2006/math">
-                    <m:r>
-                      <a:rPr lang="en-CA" sz="2200" b="0" i="1" smtClean="0">
-                        <a:latin typeface="Cambria Math" panose="02040503050406030204" pitchFamily="18" charset="0"/>
-                      </a:rPr>
-                      <m:t>𝑓</m:t>
-                    </m:r>
-                    <m:r>
-                      <a:rPr lang="en-CA" sz="2200" b="0" i="1" smtClean="0">
-                        <a:latin typeface="Cambria Math" panose="02040503050406030204" pitchFamily="18" charset="0"/>
-                      </a:rPr>
-                      <m:t>(</m:t>
-                    </m:r>
-                    <m:r>
-                      <a:rPr lang="en-CA" sz="2200" b="0" i="1" smtClean="0">
-                        <a:latin typeface="Cambria Math" panose="02040503050406030204" pitchFamily="18" charset="0"/>
-                      </a:rPr>
-                      <m:t>𝑍</m:t>
-                    </m:r>
-                    <m:r>
-                      <a:rPr lang="en-CA" sz="2200" b="0" i="1" smtClean="0">
-                        <a:latin typeface="Cambria Math" panose="02040503050406030204" pitchFamily="18" charset="0"/>
-                      </a:rPr>
-                      <m:t>)</m:t>
-                    </m:r>
-                  </m:oMath>
-                </a14:m>
-                <a:r>
-                  <a:rPr lang="en-CA" sz="2200" dirty="0"/>
-                  <a:t> will also change equilibria</a:t>
-                </a:r>
-              </a:p>
-              <a:p>
                 <a:endParaRPr lang="en-CA" sz="2200" dirty="0"/>
               </a:p>
             </p:txBody>
           </p:sp>
         </mc:Choice>
-        <mc:Fallback>
+        <mc:Fallback xmlns="">
           <p:sp>
             <p:nvSpPr>
               <p:cNvPr id="6" name="TextBox 5">
@@ -36038,7 +36003,7 @@
             <p:spPr>
               <a:xfrm>
                 <a:off x="304800" y="733299"/>
-                <a:ext cx="10439400" cy="1446550"/>
+                <a:ext cx="10439400" cy="1107996"/>
               </a:xfrm>
               <a:prstGeom prst="rect">
                 <a:avLst/>
@@ -36046,7 +36011,7 @@
               <a:blipFill>
                 <a:blip r:embed="rId7"/>
                 <a:stretch>
-                  <a:fillRect l="-759" t="-2521"/>
+                  <a:fillRect l="-759" t="-3297"/>
                 </a:stretch>
               </a:blipFill>
             </p:spPr>
@@ -36070,7 +36035,7 @@
           <p:cNvPr id="7" name="Picture 6">
             <a:extLst>
               <a:ext uri="{FF2B5EF4-FFF2-40B4-BE49-F238E27FC236}">
-                <a16:creationId xmlns:a16="http://schemas.microsoft.com/office/drawing/2014/main" id="{F81BBC38-DE2E-6B47-7DB4-6F6D38A3DC43}"/>
+                <a16:creationId xmlns:a16="http://schemas.microsoft.com/office/drawing/2014/main" id="{271B4B7B-89E9-F194-3D50-B99BD1F68915}"/>
               </a:ext>
             </a:extLst>
           </p:cNvPr>
@@ -36087,8 +36052,8 @@
         </p:blipFill>
         <p:spPr>
           <a:xfrm>
-            <a:off x="2662364" y="1905000"/>
-            <a:ext cx="5724271" cy="4612453"/>
+            <a:off x="2590800" y="1490888"/>
+            <a:ext cx="5737146" cy="5048688"/>
           </a:xfrm>
           <a:prstGeom prst="rect">
             <a:avLst/>
@@ -36098,7 +36063,7 @@
     </p:spTree>
     <p:extLst>
       <p:ext uri="{BB962C8B-B14F-4D97-AF65-F5344CB8AC3E}">
-        <p14:creationId xmlns:p14="http://schemas.microsoft.com/office/powerpoint/2010/main" val="2021169718"/>
+        <p14:creationId xmlns:p14="http://schemas.microsoft.com/office/powerpoint/2010/main" val="272632770"/>
       </p:ext>
     </p:extLst>
   </p:cSld>
@@ -36184,7 +36149,7 @@
         <p:spPr>
           <a:xfrm>
             <a:off x="1235290" y="4814777"/>
-            <a:ext cx="9966109" cy="1691640"/>
+            <a:ext cx="10347110" cy="1691640"/>
           </a:xfrm>
           <a:prstGeom prst="rect">
             <a:avLst/>
@@ -36566,8 +36531,8 @@
           </a:p>
         </p:txBody>
       </p:sp>
-      <mc:AlternateContent xmlns:mc="http://schemas.openxmlformats.org/markup-compatibility/2006">
-        <mc:Choice xmlns:p14="http://schemas.microsoft.com/office/powerpoint/2010/main" Requires="p14">
+      <mc:AlternateContent xmlns:mc="http://schemas.openxmlformats.org/markup-compatibility/2006" xmlns:p14="http://schemas.microsoft.com/office/powerpoint/2010/main">
+        <mc:Choice Requires="p14">
           <p:contentPart p14:bwMode="auto" r:id="rId3">
             <p14:nvContentPartPr>
               <p14:cNvPr id="4" name="Ink 3">
@@ -36586,7 +36551,7 @@
             </p14:xfrm>
           </p:contentPart>
         </mc:Choice>
-        <mc:Fallback>
+        <mc:Fallback xmlns="">
           <p:pic>
             <p:nvPicPr>
               <p:cNvPr id="4" name="Ink 3">
@@ -36617,8 +36582,8 @@
           </p:pic>
         </mc:Fallback>
       </mc:AlternateContent>
-      <mc:AlternateContent xmlns:mc="http://schemas.openxmlformats.org/markup-compatibility/2006">
-        <mc:Choice xmlns:p14="http://schemas.microsoft.com/office/powerpoint/2010/main" Requires="p14">
+      <mc:AlternateContent xmlns:mc="http://schemas.openxmlformats.org/markup-compatibility/2006" xmlns:p14="http://schemas.microsoft.com/office/powerpoint/2010/main">
+        <mc:Choice Requires="p14">
           <p:contentPart p14:bwMode="auto" r:id="rId5">
             <p14:nvContentPartPr>
               <p14:cNvPr id="5" name="Ink 4">
@@ -36637,7 +36602,7 @@
             </p14:xfrm>
           </p:contentPart>
         </mc:Choice>
-        <mc:Fallback>
+        <mc:Fallback xmlns="">
           <p:pic>
             <p:nvPicPr>
               <p:cNvPr id="5" name="Ink 4">
@@ -36668,8 +36633,441 @@
           </p:pic>
         </mc:Fallback>
       </mc:AlternateContent>
-      <mc:AlternateContent xmlns:mc="http://schemas.openxmlformats.org/markup-compatibility/2006">
-        <mc:Choice xmlns:a14="http://schemas.microsoft.com/office/drawing/2010/main" Requires="a14">
+      <mc:AlternateContent xmlns:mc="http://schemas.openxmlformats.org/markup-compatibility/2006" xmlns:a14="http://schemas.microsoft.com/office/drawing/2010/main">
+        <mc:Choice Requires="a14">
+          <p:sp>
+            <p:nvSpPr>
+              <p:cNvPr id="6" name="TextBox 5">
+                <a:extLst>
+                  <a:ext uri="{FF2B5EF4-FFF2-40B4-BE49-F238E27FC236}">
+                    <a16:creationId xmlns:a16="http://schemas.microsoft.com/office/drawing/2014/main" id="{5FA729C6-479C-8004-9624-88412B87441B}"/>
+                  </a:ext>
+                </a:extLst>
+              </p:cNvPr>
+              <p:cNvSpPr txBox="1"/>
+              <p:nvPr/>
+            </p:nvSpPr>
+            <p:spPr>
+              <a:xfrm>
+                <a:off x="304800" y="733299"/>
+                <a:ext cx="10439400" cy="1446550"/>
+              </a:xfrm>
+              <a:prstGeom prst="rect">
+                <a:avLst/>
+              </a:prstGeom>
+              <a:noFill/>
+            </p:spPr>
+            <p:txBody>
+              <a:bodyPr wrap="square" rtlCol="0">
+                <a:spAutoFit/>
+              </a:bodyPr>
+              <a:lstStyle/>
+              <a:p>
+                <a:r>
+                  <a:rPr lang="en-CA" sz="2200" dirty="0"/>
+                  <a:t>What do these equilibria look like?</a:t>
+                </a:r>
+              </a:p>
+              <a:p>
+                <a:pPr marL="457200" indent="-457200">
+                  <a:buFont typeface="+mj-lt"/>
+                  <a:buAutoNum type="arabicPeriod"/>
+                </a:pPr>
+                <a:r>
+                  <a:rPr lang="en-CA" sz="2200" dirty="0"/>
+                  <a:t>Productivity spillovers </a:t>
+                </a:r>
+                <a14:m>
+                  <m:oMath xmlns:m="http://schemas.openxmlformats.org/officeDocument/2006/math">
+                    <m:r>
+                      <a:rPr lang="en-CA" sz="2200" b="0" i="1" smtClean="0">
+                        <a:latin typeface="Cambria Math" panose="02040503050406030204" pitchFamily="18" charset="0"/>
+                      </a:rPr>
+                      <m:t>⇒</m:t>
+                    </m:r>
+                  </m:oMath>
+                </a14:m>
+                <a:r>
+                  <a:rPr lang="en-CA" sz="2200" dirty="0"/>
+                  <a:t> multiple equilibria, even for the same </a:t>
+                </a:r>
+                <a14:m>
+                  <m:oMath xmlns:m="http://schemas.openxmlformats.org/officeDocument/2006/math">
+                    <m:r>
+                      <m:rPr>
+                        <m:sty m:val="p"/>
+                      </m:rPr>
+                      <a:rPr lang="en-CA" sz="2200" b="0" i="0" smtClean="0">
+                        <a:latin typeface="Cambria Math" panose="02040503050406030204" pitchFamily="18" charset="0"/>
+                      </a:rPr>
+                      <m:t>f</m:t>
+                    </m:r>
+                    <m:r>
+                      <a:rPr lang="en-CA" sz="2200" b="0" i="0" smtClean="0">
+                        <a:latin typeface="Cambria Math" panose="02040503050406030204" pitchFamily="18" charset="0"/>
+                      </a:rPr>
+                      <m:t>(</m:t>
+                    </m:r>
+                    <m:r>
+                      <a:rPr lang="en-CA" sz="2200" b="0" i="1" smtClean="0">
+                        <a:latin typeface="Cambria Math" panose="02040503050406030204" pitchFamily="18" charset="0"/>
+                      </a:rPr>
+                      <m:t>𝑍</m:t>
+                    </m:r>
+                    <m:r>
+                      <a:rPr lang="en-CA" sz="2200" b="0" i="1" smtClean="0">
+                        <a:latin typeface="Cambria Math" panose="02040503050406030204" pitchFamily="18" charset="0"/>
+                      </a:rPr>
+                      <m:t>)</m:t>
+                    </m:r>
+                  </m:oMath>
+                </a14:m>
+                <a:endParaRPr lang="en-CA" sz="2200" dirty="0"/>
+              </a:p>
+              <a:p>
+                <a:pPr marL="457200" indent="-457200">
+                  <a:buFont typeface="+mj-lt"/>
+                  <a:buAutoNum type="arabicPeriod"/>
+                </a:pPr>
+                <a:r>
+                  <a:rPr lang="en-CA" sz="2200" dirty="0"/>
+                  <a:t>Changes in </a:t>
+                </a:r>
+                <a14:m>
+                  <m:oMath xmlns:m="http://schemas.openxmlformats.org/officeDocument/2006/math">
+                    <m:r>
+                      <a:rPr lang="en-CA" sz="2200" b="0" i="1" smtClean="0">
+                        <a:latin typeface="Cambria Math" panose="02040503050406030204" pitchFamily="18" charset="0"/>
+                      </a:rPr>
+                      <m:t>𝑓</m:t>
+                    </m:r>
+                    <m:r>
+                      <a:rPr lang="en-CA" sz="2200" b="0" i="1" smtClean="0">
+                        <a:latin typeface="Cambria Math" panose="02040503050406030204" pitchFamily="18" charset="0"/>
+                      </a:rPr>
+                      <m:t>(</m:t>
+                    </m:r>
+                    <m:r>
+                      <a:rPr lang="en-CA" sz="2200" b="0" i="1" smtClean="0">
+                        <a:latin typeface="Cambria Math" panose="02040503050406030204" pitchFamily="18" charset="0"/>
+                      </a:rPr>
+                      <m:t>𝑍</m:t>
+                    </m:r>
+                    <m:r>
+                      <a:rPr lang="en-CA" sz="2200" b="0" i="1" smtClean="0">
+                        <a:latin typeface="Cambria Math" panose="02040503050406030204" pitchFamily="18" charset="0"/>
+                      </a:rPr>
+                      <m:t>)</m:t>
+                    </m:r>
+                  </m:oMath>
+                </a14:m>
+                <a:r>
+                  <a:rPr lang="en-CA" sz="2200" dirty="0"/>
+                  <a:t> will also change equilibria</a:t>
+                </a:r>
+              </a:p>
+              <a:p>
+                <a:endParaRPr lang="en-CA" sz="2200" dirty="0"/>
+              </a:p>
+            </p:txBody>
+          </p:sp>
+        </mc:Choice>
+        <mc:Fallback xmlns="">
+          <p:sp>
+            <p:nvSpPr>
+              <p:cNvPr id="6" name="TextBox 5">
+                <a:extLst>
+                  <a:ext uri="{FF2B5EF4-FFF2-40B4-BE49-F238E27FC236}">
+                    <a16:creationId xmlns:a16="http://schemas.microsoft.com/office/drawing/2014/main" id="{5FA729C6-479C-8004-9624-88412B87441B}"/>
+                  </a:ext>
+                </a:extLst>
+              </p:cNvPr>
+              <p:cNvSpPr txBox="1">
+                <a:spLocks noRot="1" noChangeAspect="1" noMove="1" noResize="1" noEditPoints="1" noAdjustHandles="1" noChangeArrowheads="1" noChangeShapeType="1" noTextEdit="1"/>
+              </p:cNvSpPr>
+              <p:nvPr/>
+            </p:nvSpPr>
+            <p:spPr>
+              <a:xfrm>
+                <a:off x="304800" y="733299"/>
+                <a:ext cx="10439400" cy="1446550"/>
+              </a:xfrm>
+              <a:prstGeom prst="rect">
+                <a:avLst/>
+              </a:prstGeom>
+              <a:blipFill>
+                <a:blip r:embed="rId7"/>
+                <a:stretch>
+                  <a:fillRect l="-759" t="-2521"/>
+                </a:stretch>
+              </a:blipFill>
+            </p:spPr>
+            <p:txBody>
+              <a:bodyPr/>
+              <a:lstStyle/>
+              <a:p>
+                <a:r>
+                  <a:rPr lang="en-CA">
+                    <a:noFill/>
+                  </a:rPr>
+                  <a:t> </a:t>
+                </a:r>
+              </a:p>
+            </p:txBody>
+          </p:sp>
+        </mc:Fallback>
+      </mc:AlternateContent>
+      <p:pic>
+        <p:nvPicPr>
+          <p:cNvPr id="7" name="Picture 6">
+            <a:extLst>
+              <a:ext uri="{FF2B5EF4-FFF2-40B4-BE49-F238E27FC236}">
+                <a16:creationId xmlns:a16="http://schemas.microsoft.com/office/drawing/2014/main" id="{F81BBC38-DE2E-6B47-7DB4-6F6D38A3DC43}"/>
+              </a:ext>
+            </a:extLst>
+          </p:cNvPr>
+          <p:cNvPicPr>
+            <a:picLocks noChangeAspect="1"/>
+          </p:cNvPicPr>
+          <p:nvPr/>
+        </p:nvPicPr>
+        <p:blipFill>
+          <a:blip r:embed="rId8"/>
+          <a:stretch>
+            <a:fillRect/>
+          </a:stretch>
+        </p:blipFill>
+        <p:spPr>
+          <a:xfrm>
+            <a:off x="2662364" y="1905000"/>
+            <a:ext cx="5724271" cy="4612453"/>
+          </a:xfrm>
+          <a:prstGeom prst="rect">
+            <a:avLst/>
+          </a:prstGeom>
+        </p:spPr>
+      </p:pic>
+    </p:spTree>
+    <p:extLst>
+      <p:ext uri="{BB962C8B-B14F-4D97-AF65-F5344CB8AC3E}">
+        <p14:creationId xmlns:p14="http://schemas.microsoft.com/office/powerpoint/2010/main" val="2021169718"/>
+      </p:ext>
+    </p:extLst>
+  </p:cSld>
+  <p:clrMapOvr>
+    <a:masterClrMapping/>
+  </p:clrMapOvr>
+  <p:transition>
+    <p:cut/>
+  </p:transition>
+</p:sld>
+</file>
+
+<file path=ppt/slides/slide41.xml><?xml version="1.0" encoding="utf-8"?>
+<p:sld xmlns:a="http://schemas.openxmlformats.org/drawingml/2006/main" xmlns:r="http://schemas.openxmlformats.org/officeDocument/2006/relationships" xmlns:p="http://schemas.openxmlformats.org/presentationml/2006/main">
+  <p:cSld>
+    <p:spTree>
+      <p:nvGrpSpPr>
+        <p:cNvPr id="1" name=""/>
+        <p:cNvGrpSpPr/>
+        <p:nvPr/>
+      </p:nvGrpSpPr>
+      <p:grpSpPr>
+        <a:xfrm>
+          <a:off x="0" y="0"/>
+          <a:ext cx="0" cy="0"/>
+          <a:chOff x="0" y="0"/>
+          <a:chExt cx="0" cy="0"/>
+        </a:xfrm>
+      </p:grpSpPr>
+      <p:sp>
+        <p:nvSpPr>
+          <p:cNvPr id="2" name="object 2"/>
+          <p:cNvSpPr txBox="1">
+            <a:spLocks noGrp="1"/>
+          </p:cNvSpPr>
+          <p:nvPr>
+            <p:ph type="title"/>
+          </p:nvPr>
+        </p:nvSpPr>
+        <p:spPr>
+          <a:xfrm>
+            <a:off x="211217" y="30443"/>
+            <a:ext cx="10304383" cy="702856"/>
+          </a:xfrm>
+          <a:prstGeom prst="rect">
+            <a:avLst/>
+          </a:prstGeom>
+        </p:spPr>
+        <p:txBody>
+          <a:bodyPr vert="horz" wrap="square" lIns="0" tIns="25499" rIns="0" bIns="0" rtlCol="0" anchor="b">
+            <a:spAutoFit/>
+          </a:bodyPr>
+          <a:lstStyle/>
+          <a:p>
+            <a:pPr marL="26841">
+              <a:lnSpc>
+                <a:spcPct val="100000"/>
+              </a:lnSpc>
+              <a:spcBef>
+                <a:spcPts val="201"/>
+              </a:spcBef>
+            </a:pPr>
+            <a:r>
+              <a:rPr lang="en-CA" spc="95" dirty="0"/>
+              <a:t>Model Implications</a:t>
+            </a:r>
+            <a:endParaRPr spc="95" dirty="0"/>
+          </a:p>
+        </p:txBody>
+      </p:sp>
+      <p:sp>
+        <p:nvSpPr>
+          <p:cNvPr id="9" name="object 9"/>
+          <p:cNvSpPr txBox="1"/>
+          <p:nvPr/>
+        </p:nvSpPr>
+        <p:spPr>
+          <a:xfrm>
+            <a:off x="11862007" y="6407020"/>
+            <a:ext cx="132865" cy="220866"/>
+          </a:xfrm>
+          <a:prstGeom prst="rect">
+            <a:avLst/>
+          </a:prstGeom>
+        </p:spPr>
+        <p:txBody>
+          <a:bodyPr vert="horz" wrap="square" lIns="0" tIns="25499" rIns="0" bIns="0" rtlCol="0">
+            <a:spAutoFit/>
+          </a:bodyPr>
+          <a:lstStyle/>
+          <a:p>
+            <a:pPr marL="26841">
+              <a:spcBef>
+                <a:spcPts val="201"/>
+              </a:spcBef>
+            </a:pPr>
+            <a:r>
+              <a:rPr sz="1268" spc="-232" dirty="0">
+                <a:solidFill>
+                  <a:srgbClr val="22373A"/>
+                </a:solidFill>
+                <a:latin typeface="Arial Black"/>
+                <a:cs typeface="Arial Black"/>
+              </a:rPr>
+              <a:t>5</a:t>
+            </a:r>
+            <a:endParaRPr sz="1268">
+              <a:latin typeface="Arial Black"/>
+              <a:cs typeface="Arial Black"/>
+            </a:endParaRPr>
+          </a:p>
+        </p:txBody>
+      </p:sp>
+      <mc:AlternateContent xmlns:mc="http://schemas.openxmlformats.org/markup-compatibility/2006" xmlns:p14="http://schemas.microsoft.com/office/powerpoint/2010/main">
+        <mc:Choice Requires="p14">
+          <p:contentPart p14:bwMode="auto" r:id="rId3">
+            <p14:nvContentPartPr>
+              <p14:cNvPr id="4" name="Ink 3">
+                <a:extLst>
+                  <a:ext uri="{FF2B5EF4-FFF2-40B4-BE49-F238E27FC236}">
+                    <a16:creationId xmlns:a16="http://schemas.microsoft.com/office/drawing/2014/main" id="{0269A358-6643-27A2-4CFC-87DBE469AFBC}"/>
+                  </a:ext>
+                </a:extLst>
+              </p14:cNvPr>
+              <p14:cNvContentPartPr/>
+              <p14:nvPr/>
+            </p14:nvContentPartPr>
+            <p14:xfrm>
+              <a:off x="3164106" y="491156"/>
+              <a:ext cx="2160" cy="360"/>
+            </p14:xfrm>
+          </p:contentPart>
+        </mc:Choice>
+        <mc:Fallback xmlns="">
+          <p:pic>
+            <p:nvPicPr>
+              <p:cNvPr id="4" name="Ink 3">
+                <a:extLst>
+                  <a:ext uri="{FF2B5EF4-FFF2-40B4-BE49-F238E27FC236}">
+                    <a16:creationId xmlns:a16="http://schemas.microsoft.com/office/drawing/2014/main" id="{0269A358-6643-27A2-4CFC-87DBE469AFBC}"/>
+                  </a:ext>
+                </a:extLst>
+              </p:cNvPr>
+              <p:cNvPicPr/>
+              <p:nvPr/>
+            </p:nvPicPr>
+            <p:blipFill>
+              <a:blip r:embed="rId4"/>
+              <a:stretch>
+                <a:fillRect/>
+              </a:stretch>
+            </p:blipFill>
+            <p:spPr>
+              <a:xfrm>
+                <a:off x="3155106" y="482516"/>
+                <a:ext cx="19800" cy="18000"/>
+              </a:xfrm>
+              <a:prstGeom prst="rect">
+                <a:avLst/>
+              </a:prstGeom>
+            </p:spPr>
+          </p:pic>
+        </mc:Fallback>
+      </mc:AlternateContent>
+      <mc:AlternateContent xmlns:mc="http://schemas.openxmlformats.org/markup-compatibility/2006" xmlns:p14="http://schemas.microsoft.com/office/powerpoint/2010/main">
+        <mc:Choice Requires="p14">
+          <p:contentPart p14:bwMode="auto" r:id="rId5">
+            <p14:nvContentPartPr>
+              <p14:cNvPr id="5" name="Ink 4">
+                <a:extLst>
+                  <a:ext uri="{FF2B5EF4-FFF2-40B4-BE49-F238E27FC236}">
+                    <a16:creationId xmlns:a16="http://schemas.microsoft.com/office/drawing/2014/main" id="{9EB1C396-5C70-EB5C-87E2-F2AEA6D23D6E}"/>
+                  </a:ext>
+                </a:extLst>
+              </p14:cNvPr>
+              <p14:cNvContentPartPr/>
+              <p14:nvPr/>
+            </p14:nvContentPartPr>
+            <p14:xfrm>
+              <a:off x="3028026" y="422396"/>
+              <a:ext cx="360" cy="360"/>
+            </p14:xfrm>
+          </p:contentPart>
+        </mc:Choice>
+        <mc:Fallback xmlns="">
+          <p:pic>
+            <p:nvPicPr>
+              <p:cNvPr id="5" name="Ink 4">
+                <a:extLst>
+                  <a:ext uri="{FF2B5EF4-FFF2-40B4-BE49-F238E27FC236}">
+                    <a16:creationId xmlns:a16="http://schemas.microsoft.com/office/drawing/2014/main" id="{9EB1C396-5C70-EB5C-87E2-F2AEA6D23D6E}"/>
+                  </a:ext>
+                </a:extLst>
+              </p:cNvPr>
+              <p:cNvPicPr/>
+              <p:nvPr/>
+            </p:nvPicPr>
+            <p:blipFill>
+              <a:blip r:embed="rId6"/>
+              <a:stretch>
+                <a:fillRect/>
+              </a:stretch>
+            </p:blipFill>
+            <p:spPr>
+              <a:xfrm>
+                <a:off x="3019386" y="413756"/>
+                <a:ext cx="18000" cy="18000"/>
+              </a:xfrm>
+              <a:prstGeom prst="rect">
+                <a:avLst/>
+              </a:prstGeom>
+            </p:spPr>
+          </p:pic>
+        </mc:Fallback>
+      </mc:AlternateContent>
+      <mc:AlternateContent xmlns:mc="http://schemas.openxmlformats.org/markup-compatibility/2006" xmlns:a14="http://schemas.microsoft.com/office/drawing/2010/main">
+        <mc:Choice Requires="a14">
           <p:sp>
             <p:nvSpPr>
               <p:cNvPr id="6" name="TextBox 5">
@@ -36858,7 +37256,7 @@
             </p:txBody>
           </p:sp>
         </mc:Choice>
-        <mc:Fallback>
+        <mc:Fallback xmlns="">
           <p:sp>
             <p:nvSpPr>
               <p:cNvPr id="6" name="TextBox 5">
@@ -36919,7 +37317,7 @@
 </p:sld>
 </file>
 
-<file path=ppt/slides/slide41.xml><?xml version="1.0" encoding="utf-8"?>
+<file path=ppt/slides/slide42.xml><?xml version="1.0" encoding="utf-8"?>
 <p:sld xmlns:a="http://schemas.openxmlformats.org/drawingml/2006/main" xmlns:r="http://schemas.openxmlformats.org/officeDocument/2006/relationships" xmlns:p="http://schemas.openxmlformats.org/presentationml/2006/main">
   <p:cSld>
     <p:spTree>
@@ -37020,8 +37418,8 @@
           </a:p>
         </p:txBody>
       </p:sp>
-      <mc:AlternateContent xmlns:mc="http://schemas.openxmlformats.org/markup-compatibility/2006">
-        <mc:Choice xmlns:p14="http://schemas.microsoft.com/office/powerpoint/2010/main" Requires="p14">
+      <mc:AlternateContent xmlns:mc="http://schemas.openxmlformats.org/markup-compatibility/2006" xmlns:p14="http://schemas.microsoft.com/office/powerpoint/2010/main">
+        <mc:Choice Requires="p14">
           <p:contentPart p14:bwMode="auto" r:id="rId3">
             <p14:nvContentPartPr>
               <p14:cNvPr id="4" name="Ink 3">
@@ -37040,7 +37438,7 @@
             </p14:xfrm>
           </p:contentPart>
         </mc:Choice>
-        <mc:Fallback>
+        <mc:Fallback xmlns="">
           <p:pic>
             <p:nvPicPr>
               <p:cNvPr id="4" name="Ink 3">
@@ -37071,8 +37469,8 @@
           </p:pic>
         </mc:Fallback>
       </mc:AlternateContent>
-      <mc:AlternateContent xmlns:mc="http://schemas.openxmlformats.org/markup-compatibility/2006">
-        <mc:Choice xmlns:p14="http://schemas.microsoft.com/office/powerpoint/2010/main" Requires="p14">
+      <mc:AlternateContent xmlns:mc="http://schemas.openxmlformats.org/markup-compatibility/2006" xmlns:p14="http://schemas.microsoft.com/office/powerpoint/2010/main">
+        <mc:Choice Requires="p14">
           <p:contentPart p14:bwMode="auto" r:id="rId5">
             <p14:nvContentPartPr>
               <p14:cNvPr id="5" name="Ink 4">
@@ -37091,7 +37489,7 @@
             </p14:xfrm>
           </p:contentPart>
         </mc:Choice>
-        <mc:Fallback>
+        <mc:Fallback xmlns="">
           <p:pic>
             <p:nvPicPr>
               <p:cNvPr id="5" name="Ink 4">
@@ -37122,8 +37520,8 @@
           </p:pic>
         </mc:Fallback>
       </mc:AlternateContent>
-      <mc:AlternateContent xmlns:mc="http://schemas.openxmlformats.org/markup-compatibility/2006">
-        <mc:Choice xmlns:a14="http://schemas.microsoft.com/office/drawing/2010/main" Requires="a14">
+      <mc:AlternateContent xmlns:mc="http://schemas.openxmlformats.org/markup-compatibility/2006" xmlns:a14="http://schemas.microsoft.com/office/drawing/2010/main">
+        <mc:Choice Requires="a14">
           <p:sp>
             <p:nvSpPr>
               <p:cNvPr id="6" name="TextBox 5">
@@ -37330,7 +37728,7 @@
             </p:txBody>
           </p:sp>
         </mc:Choice>
-        <mc:Fallback>
+        <mc:Fallback xmlns="">
           <p:sp>
             <p:nvSpPr>
               <p:cNvPr id="6" name="TextBox 5">
@@ -37421,7 +37819,7 @@
 </p:sld>
 </file>
 
-<file path=ppt/slides/slide42.xml><?xml version="1.0" encoding="utf-8"?>
+<file path=ppt/slides/slide43.xml><?xml version="1.0" encoding="utf-8"?>
 <p:sld xmlns:a="http://schemas.openxmlformats.org/drawingml/2006/main" xmlns:r="http://schemas.openxmlformats.org/officeDocument/2006/relationships" xmlns:p="http://schemas.openxmlformats.org/presentationml/2006/main">
   <p:cSld>
     <p:spTree>
@@ -37522,8 +37920,8 @@
           </a:p>
         </p:txBody>
       </p:sp>
-      <mc:AlternateContent xmlns:mc="http://schemas.openxmlformats.org/markup-compatibility/2006">
-        <mc:Choice xmlns:p14="http://schemas.microsoft.com/office/powerpoint/2010/main" Requires="p14">
+      <mc:AlternateContent xmlns:mc="http://schemas.openxmlformats.org/markup-compatibility/2006" xmlns:p14="http://schemas.microsoft.com/office/powerpoint/2010/main">
+        <mc:Choice Requires="p14">
           <p:contentPart p14:bwMode="auto" r:id="rId3">
             <p14:nvContentPartPr>
               <p14:cNvPr id="4" name="Ink 3">
@@ -37542,7 +37940,7 @@
             </p14:xfrm>
           </p:contentPart>
         </mc:Choice>
-        <mc:Fallback>
+        <mc:Fallback xmlns="">
           <p:pic>
             <p:nvPicPr>
               <p:cNvPr id="4" name="Ink 3">
@@ -37573,8 +37971,8 @@
           </p:pic>
         </mc:Fallback>
       </mc:AlternateContent>
-      <mc:AlternateContent xmlns:mc="http://schemas.openxmlformats.org/markup-compatibility/2006">
-        <mc:Choice xmlns:p14="http://schemas.microsoft.com/office/powerpoint/2010/main" Requires="p14">
+      <mc:AlternateContent xmlns:mc="http://schemas.openxmlformats.org/markup-compatibility/2006" xmlns:p14="http://schemas.microsoft.com/office/powerpoint/2010/main">
+        <mc:Choice Requires="p14">
           <p:contentPart p14:bwMode="auto" r:id="rId5">
             <p14:nvContentPartPr>
               <p14:cNvPr id="5" name="Ink 4">
@@ -37593,7 +37991,7 @@
             </p14:xfrm>
           </p:contentPart>
         </mc:Choice>
-        <mc:Fallback>
+        <mc:Fallback xmlns="">
           <p:pic>
             <p:nvPicPr>
               <p:cNvPr id="5" name="Ink 4">
@@ -37624,8 +38022,8 @@
           </p:pic>
         </mc:Fallback>
       </mc:AlternateContent>
-      <mc:AlternateContent xmlns:mc="http://schemas.openxmlformats.org/markup-compatibility/2006">
-        <mc:Choice xmlns:a14="http://schemas.microsoft.com/office/drawing/2010/main" Requires="a14">
+      <mc:AlternateContent xmlns:mc="http://schemas.openxmlformats.org/markup-compatibility/2006" xmlns:a14="http://schemas.microsoft.com/office/drawing/2010/main">
+        <mc:Choice Requires="a14">
           <p:sp>
             <p:nvSpPr>
               <p:cNvPr id="6" name="TextBox 5">
@@ -37846,7 +38244,7 @@
             </p:txBody>
           </p:sp>
         </mc:Choice>
-        <mc:Fallback>
+        <mc:Fallback xmlns="">
           <p:sp>
             <p:nvSpPr>
               <p:cNvPr id="6" name="TextBox 5">
@@ -37907,7 +38305,7 @@
 </p:sld>
 </file>
 
-<file path=ppt/slides/slide43.xml><?xml version="1.0" encoding="utf-8"?>
+<file path=ppt/slides/slide44.xml><?xml version="1.0" encoding="utf-8"?>
 <p:sld xmlns:a="http://schemas.openxmlformats.org/drawingml/2006/main" xmlns:r="http://schemas.openxmlformats.org/officeDocument/2006/relationships" xmlns:p="http://schemas.openxmlformats.org/presentationml/2006/main">
   <p:cSld>
     <p:spTree>
@@ -38008,8 +38406,8 @@
           </a:p>
         </p:txBody>
       </p:sp>
-      <mc:AlternateContent xmlns:mc="http://schemas.openxmlformats.org/markup-compatibility/2006">
-        <mc:Choice xmlns:p14="http://schemas.microsoft.com/office/powerpoint/2010/main" Requires="p14">
+      <mc:AlternateContent xmlns:mc="http://schemas.openxmlformats.org/markup-compatibility/2006" xmlns:p14="http://schemas.microsoft.com/office/powerpoint/2010/main">
+        <mc:Choice Requires="p14">
           <p:contentPart p14:bwMode="auto" r:id="rId3">
             <p14:nvContentPartPr>
               <p14:cNvPr id="4" name="Ink 3">
@@ -38028,7 +38426,7 @@
             </p14:xfrm>
           </p:contentPart>
         </mc:Choice>
-        <mc:Fallback>
+        <mc:Fallback xmlns="">
           <p:pic>
             <p:nvPicPr>
               <p:cNvPr id="4" name="Ink 3">
@@ -38059,8 +38457,8 @@
           </p:pic>
         </mc:Fallback>
       </mc:AlternateContent>
-      <mc:AlternateContent xmlns:mc="http://schemas.openxmlformats.org/markup-compatibility/2006">
-        <mc:Choice xmlns:p14="http://schemas.microsoft.com/office/powerpoint/2010/main" Requires="p14">
+      <mc:AlternateContent xmlns:mc="http://schemas.openxmlformats.org/markup-compatibility/2006" xmlns:p14="http://schemas.microsoft.com/office/powerpoint/2010/main">
+        <mc:Choice Requires="p14">
           <p:contentPart p14:bwMode="auto" r:id="rId5">
             <p14:nvContentPartPr>
               <p14:cNvPr id="5" name="Ink 4">
@@ -38079,7 +38477,7 @@
             </p14:xfrm>
           </p:contentPart>
         </mc:Choice>
-        <mc:Fallback>
+        <mc:Fallback xmlns="">
           <p:pic>
             <p:nvPicPr>
               <p:cNvPr id="5" name="Ink 4">
@@ -38144,382 +38542,6 @@
     <p:extLst>
       <p:ext uri="{BB962C8B-B14F-4D97-AF65-F5344CB8AC3E}">
         <p14:creationId xmlns:p14="http://schemas.microsoft.com/office/powerpoint/2010/main" val="3706387972"/>
-      </p:ext>
-    </p:extLst>
-  </p:cSld>
-  <p:clrMapOvr>
-    <a:masterClrMapping/>
-  </p:clrMapOvr>
-  <p:transition>
-    <p:cut/>
-  </p:transition>
-</p:sld>
-</file>
-
-<file path=ppt/slides/slide44.xml><?xml version="1.0" encoding="utf-8"?>
-<p:sld xmlns:a="http://schemas.openxmlformats.org/drawingml/2006/main" xmlns:r="http://schemas.openxmlformats.org/officeDocument/2006/relationships" xmlns:p="http://schemas.openxmlformats.org/presentationml/2006/main">
-  <p:cSld>
-    <p:spTree>
-      <p:nvGrpSpPr>
-        <p:cNvPr id="1" name=""/>
-        <p:cNvGrpSpPr/>
-        <p:nvPr/>
-      </p:nvGrpSpPr>
-      <p:grpSpPr>
-        <a:xfrm>
-          <a:off x="0" y="0"/>
-          <a:ext cx="0" cy="0"/>
-          <a:chOff x="0" y="0"/>
-          <a:chExt cx="0" cy="0"/>
-        </a:xfrm>
-      </p:grpSpPr>
-      <p:sp>
-        <p:nvSpPr>
-          <p:cNvPr id="2" name="object 2"/>
-          <p:cNvSpPr txBox="1">
-            <a:spLocks noGrp="1"/>
-          </p:cNvSpPr>
-          <p:nvPr>
-            <p:ph type="title"/>
-          </p:nvPr>
-        </p:nvSpPr>
-        <p:spPr>
-          <a:xfrm>
-            <a:off x="211217" y="30443"/>
-            <a:ext cx="10304383" cy="702856"/>
-          </a:xfrm>
-          <a:prstGeom prst="rect">
-            <a:avLst/>
-          </a:prstGeom>
-        </p:spPr>
-        <p:txBody>
-          <a:bodyPr vert="horz" wrap="square" lIns="0" tIns="25499" rIns="0" bIns="0" rtlCol="0" anchor="b">
-            <a:spAutoFit/>
-          </a:bodyPr>
-          <a:lstStyle/>
-          <a:p>
-            <a:pPr marL="26841">
-              <a:lnSpc>
-                <a:spcPct val="100000"/>
-              </a:lnSpc>
-              <a:spcBef>
-                <a:spcPts val="201"/>
-              </a:spcBef>
-            </a:pPr>
-            <a:r>
-              <a:rPr lang="en-CA" spc="95" dirty="0"/>
-              <a:t>Empirical Predictions of the Model</a:t>
-            </a:r>
-            <a:endParaRPr spc="95" dirty="0"/>
-          </a:p>
-        </p:txBody>
-      </p:sp>
-      <p:sp>
-        <p:nvSpPr>
-          <p:cNvPr id="9" name="object 9"/>
-          <p:cNvSpPr txBox="1"/>
-          <p:nvPr/>
-        </p:nvSpPr>
-        <p:spPr>
-          <a:xfrm>
-            <a:off x="11862007" y="6407020"/>
-            <a:ext cx="132865" cy="220866"/>
-          </a:xfrm>
-          <a:prstGeom prst="rect">
-            <a:avLst/>
-          </a:prstGeom>
-        </p:spPr>
-        <p:txBody>
-          <a:bodyPr vert="horz" wrap="square" lIns="0" tIns="25499" rIns="0" bIns="0" rtlCol="0">
-            <a:spAutoFit/>
-          </a:bodyPr>
-          <a:lstStyle/>
-          <a:p>
-            <a:pPr marL="26841">
-              <a:spcBef>
-                <a:spcPts val="201"/>
-              </a:spcBef>
-            </a:pPr>
-            <a:r>
-              <a:rPr sz="1268" spc="-232" dirty="0">
-                <a:solidFill>
-                  <a:srgbClr val="22373A"/>
-                </a:solidFill>
-                <a:latin typeface="Arial Black"/>
-                <a:cs typeface="Arial Black"/>
-              </a:rPr>
-              <a:t>5</a:t>
-            </a:r>
-            <a:endParaRPr sz="1268">
-              <a:latin typeface="Arial Black"/>
-              <a:cs typeface="Arial Black"/>
-            </a:endParaRPr>
-          </a:p>
-        </p:txBody>
-      </p:sp>
-      <p:sp>
-        <p:nvSpPr>
-          <p:cNvPr id="3" name="TextBox 2">
-            <a:extLst>
-              <a:ext uri="{FF2B5EF4-FFF2-40B4-BE49-F238E27FC236}">
-                <a16:creationId xmlns:a16="http://schemas.microsoft.com/office/drawing/2014/main" id="{EB3B0B30-C2F4-16D0-9036-2E80A97D4666}"/>
-              </a:ext>
-            </a:extLst>
-          </p:cNvPr>
-          <p:cNvSpPr txBox="1"/>
-          <p:nvPr/>
-        </p:nvSpPr>
-        <p:spPr>
-          <a:xfrm>
-            <a:off x="304800" y="733299"/>
-            <a:ext cx="10668000" cy="4493538"/>
-          </a:xfrm>
-          <a:prstGeom prst="rect">
-            <a:avLst/>
-          </a:prstGeom>
-          <a:noFill/>
-        </p:spPr>
-        <p:txBody>
-          <a:bodyPr wrap="square" rtlCol="0">
-            <a:spAutoFit/>
-          </a:bodyPr>
-          <a:lstStyle/>
-          <a:p>
-            <a:endParaRPr lang="en-CA" sz="2200" dirty="0"/>
-          </a:p>
-          <a:p>
-            <a:pPr marL="457200" indent="-457200">
-              <a:buFont typeface="+mj-lt"/>
-              <a:buAutoNum type="arabicPeriod"/>
-            </a:pPr>
-            <a:r>
-              <a:rPr lang="en-CA" sz="2200" dirty="0"/>
-              <a:t>Utility of </a:t>
-            </a:r>
-            <a:r>
-              <a:rPr lang="en-CA" sz="2200" dirty="0" err="1"/>
-              <a:t>nonintensive</a:t>
-            </a:r>
-            <a:r>
-              <a:rPr lang="en-CA" sz="2200" dirty="0"/>
-              <a:t> management is worse in areas that are intensive</a:t>
-            </a:r>
-          </a:p>
-          <a:p>
-            <a:pPr marL="914400" lvl="1" indent="-457200">
-              <a:buFont typeface="Arial" panose="020B0604020202020204" pitchFamily="34" charset="0"/>
-              <a:buChar char="•"/>
-            </a:pPr>
-            <a:r>
-              <a:rPr lang="en-CA" sz="2200" dirty="0"/>
-              <a:t>There should be a negative relationship between intensity of treatment on average and quality of non-intensive treatment in a region</a:t>
-            </a:r>
-          </a:p>
-          <a:p>
-            <a:pPr marL="914400" lvl="1" indent="-457200">
-              <a:buFont typeface="Arial" panose="020B0604020202020204" pitchFamily="34" charset="0"/>
-              <a:buChar char="•"/>
-            </a:pPr>
-            <a:r>
-              <a:rPr lang="en-CA" sz="2200" dirty="0"/>
-              <a:t>That is: </a:t>
-            </a:r>
-            <a:r>
-              <a:rPr lang="en-US" sz="2000" b="1" dirty="0">
-                <a:solidFill>
-                  <a:schemeClr val="accent2">
-                    <a:lumMod val="75000"/>
-                  </a:schemeClr>
-                </a:solidFill>
-              </a:rPr>
-              <a:t>intensive treatment crowds out good medical management</a:t>
-            </a:r>
-            <a:endParaRPr lang="en-CA" sz="2000" b="1" dirty="0">
-              <a:solidFill>
-                <a:schemeClr val="accent2">
-                  <a:lumMod val="75000"/>
-                </a:schemeClr>
-              </a:solidFill>
-            </a:endParaRPr>
-          </a:p>
-          <a:p>
-            <a:pPr marL="457200" indent="-457200">
-              <a:buFont typeface="+mj-lt"/>
-              <a:buAutoNum type="arabicPeriod"/>
-            </a:pPr>
-            <a:r>
-              <a:rPr lang="en-US" sz="2200" dirty="0"/>
-              <a:t>Comparing intensive to minimalist regions: </a:t>
-            </a:r>
-          </a:p>
-          <a:p>
-            <a:pPr marL="914400" lvl="1" indent="-457200">
-              <a:buFont typeface="Arial" panose="020B0604020202020204" pitchFamily="34" charset="0"/>
-              <a:buChar char="•"/>
-            </a:pPr>
-            <a:r>
-              <a:rPr lang="en-US" sz="2200" dirty="0"/>
-              <a:t>Patient utility for riskiest patients will be higher </a:t>
-            </a:r>
-          </a:p>
-          <a:p>
-            <a:pPr marL="914400" lvl="1" indent="-457200">
-              <a:buFont typeface="Arial" panose="020B0604020202020204" pitchFamily="34" charset="0"/>
-              <a:buChar char="•"/>
-            </a:pPr>
-            <a:r>
-              <a:rPr lang="en-US" sz="2200" dirty="0"/>
-              <a:t>Patient utility for least risky patients will be lower</a:t>
-            </a:r>
-          </a:p>
-          <a:p>
-            <a:pPr marL="914400" lvl="1" indent="-457200">
-              <a:buFont typeface="Arial" panose="020B0604020202020204" pitchFamily="34" charset="0"/>
-              <a:buChar char="•"/>
-            </a:pPr>
-            <a:r>
-              <a:rPr lang="en-US" sz="2200" dirty="0"/>
-              <a:t>Benefit from receiving intervention is higher (ATT is higher)</a:t>
-            </a:r>
-          </a:p>
-          <a:p>
-            <a:pPr marL="457200" indent="-457200">
-              <a:buFont typeface="+mj-lt"/>
-              <a:buAutoNum type="arabicPeriod"/>
-            </a:pPr>
-            <a:r>
-              <a:rPr lang="en-US" sz="2200" dirty="0"/>
-              <a:t>Marginal patients receiving treatment in intensive areas will be less clinically appropriate for the intervention </a:t>
-            </a:r>
-            <a:endParaRPr lang="en-CA" sz="2200" dirty="0"/>
-          </a:p>
-          <a:p>
-            <a:pPr marL="457200" indent="-457200">
-              <a:buFont typeface="+mj-lt"/>
-              <a:buAutoNum type="arabicPeriod"/>
-            </a:pPr>
-            <a:endParaRPr lang="en-CA" sz="2200" dirty="0"/>
-          </a:p>
-          <a:p>
-            <a:r>
-              <a:rPr lang="en-CA" sz="2200" b="1" dirty="0">
-                <a:solidFill>
-                  <a:schemeClr val="accent2">
-                    <a:lumMod val="75000"/>
-                  </a:schemeClr>
-                </a:solidFill>
-              </a:rPr>
-              <a:t>How are these tested in the paper? Is it convincing? </a:t>
-            </a:r>
-          </a:p>
-        </p:txBody>
-      </p:sp>
-      <mc:AlternateContent xmlns:mc="http://schemas.openxmlformats.org/markup-compatibility/2006">
-        <mc:Choice xmlns:p14="http://schemas.microsoft.com/office/powerpoint/2010/main" Requires="p14">
-          <p:contentPart p14:bwMode="auto" r:id="rId3">
-            <p14:nvContentPartPr>
-              <p14:cNvPr id="4" name="Ink 3">
-                <a:extLst>
-                  <a:ext uri="{FF2B5EF4-FFF2-40B4-BE49-F238E27FC236}">
-                    <a16:creationId xmlns:a16="http://schemas.microsoft.com/office/drawing/2014/main" id="{0269A358-6643-27A2-4CFC-87DBE469AFBC}"/>
-                  </a:ext>
-                </a:extLst>
-              </p14:cNvPr>
-              <p14:cNvContentPartPr/>
-              <p14:nvPr/>
-            </p14:nvContentPartPr>
-            <p14:xfrm>
-              <a:off x="3164106" y="491156"/>
-              <a:ext cx="2160" cy="360"/>
-            </p14:xfrm>
-          </p:contentPart>
-        </mc:Choice>
-        <mc:Fallback>
-          <p:pic>
-            <p:nvPicPr>
-              <p:cNvPr id="4" name="Ink 3">
-                <a:extLst>
-                  <a:ext uri="{FF2B5EF4-FFF2-40B4-BE49-F238E27FC236}">
-                    <a16:creationId xmlns:a16="http://schemas.microsoft.com/office/drawing/2014/main" id="{0269A358-6643-27A2-4CFC-87DBE469AFBC}"/>
-                  </a:ext>
-                </a:extLst>
-              </p:cNvPr>
-              <p:cNvPicPr/>
-              <p:nvPr/>
-            </p:nvPicPr>
-            <p:blipFill>
-              <a:blip r:embed="rId4"/>
-              <a:stretch>
-                <a:fillRect/>
-              </a:stretch>
-            </p:blipFill>
-            <p:spPr>
-              <a:xfrm>
-                <a:off x="3155106" y="482516"/>
-                <a:ext cx="19800" cy="18000"/>
-              </a:xfrm>
-              <a:prstGeom prst="rect">
-                <a:avLst/>
-              </a:prstGeom>
-            </p:spPr>
-          </p:pic>
-        </mc:Fallback>
-      </mc:AlternateContent>
-      <mc:AlternateContent xmlns:mc="http://schemas.openxmlformats.org/markup-compatibility/2006">
-        <mc:Choice xmlns:p14="http://schemas.microsoft.com/office/powerpoint/2010/main" Requires="p14">
-          <p:contentPart p14:bwMode="auto" r:id="rId5">
-            <p14:nvContentPartPr>
-              <p14:cNvPr id="5" name="Ink 4">
-                <a:extLst>
-                  <a:ext uri="{FF2B5EF4-FFF2-40B4-BE49-F238E27FC236}">
-                    <a16:creationId xmlns:a16="http://schemas.microsoft.com/office/drawing/2014/main" id="{9EB1C396-5C70-EB5C-87E2-F2AEA6D23D6E}"/>
-                  </a:ext>
-                </a:extLst>
-              </p14:cNvPr>
-              <p14:cNvContentPartPr/>
-              <p14:nvPr/>
-            </p14:nvContentPartPr>
-            <p14:xfrm>
-              <a:off x="3028026" y="422396"/>
-              <a:ext cx="360" cy="360"/>
-            </p14:xfrm>
-          </p:contentPart>
-        </mc:Choice>
-        <mc:Fallback>
-          <p:pic>
-            <p:nvPicPr>
-              <p:cNvPr id="5" name="Ink 4">
-                <a:extLst>
-                  <a:ext uri="{FF2B5EF4-FFF2-40B4-BE49-F238E27FC236}">
-                    <a16:creationId xmlns:a16="http://schemas.microsoft.com/office/drawing/2014/main" id="{9EB1C396-5C70-EB5C-87E2-F2AEA6D23D6E}"/>
-                  </a:ext>
-                </a:extLst>
-              </p:cNvPr>
-              <p:cNvPicPr/>
-              <p:nvPr/>
-            </p:nvPicPr>
-            <p:blipFill>
-              <a:blip r:embed="rId6"/>
-              <a:stretch>
-                <a:fillRect/>
-              </a:stretch>
-            </p:blipFill>
-            <p:spPr>
-              <a:xfrm>
-                <a:off x="3019386" y="413756"/>
-                <a:ext cx="18000" cy="18000"/>
-              </a:xfrm>
-              <a:prstGeom prst="rect">
-                <a:avLst/>
-              </a:prstGeom>
-            </p:spPr>
-          </p:pic>
-        </mc:Fallback>
-      </mc:AlternateContent>
-    </p:spTree>
-    <p:extLst>
-      <p:ext uri="{BB962C8B-B14F-4D97-AF65-F5344CB8AC3E}">
-        <p14:creationId xmlns:p14="http://schemas.microsoft.com/office/powerpoint/2010/main" val="1633976078"/>
       </p:ext>
     </p:extLst>
   </p:cSld>
@@ -38633,8 +38655,8 @@
           </a:p>
         </p:txBody>
       </p:sp>
-      <mc:AlternateContent xmlns:mc="http://schemas.openxmlformats.org/markup-compatibility/2006">
-        <mc:Choice xmlns:a14="http://schemas.microsoft.com/office/drawing/2010/main" Requires="a14">
+      <mc:AlternateContent xmlns:mc="http://schemas.openxmlformats.org/markup-compatibility/2006" xmlns:a14="http://schemas.microsoft.com/office/drawing/2010/main">
+        <mc:Choice Requires="a14">
           <p:sp>
             <p:nvSpPr>
               <p:cNvPr id="3" name="TextBox 2">
@@ -39126,7 +39148,7 @@
             </p:txBody>
           </p:sp>
         </mc:Choice>
-        <mc:Fallback>
+        <mc:Fallback xmlns="">
           <p:sp>
             <p:nvSpPr>
               <p:cNvPr id="3" name="TextBox 2">
@@ -39171,8 +39193,8 @@
           </p:sp>
         </mc:Fallback>
       </mc:AlternateContent>
-      <mc:AlternateContent xmlns:mc="http://schemas.openxmlformats.org/markup-compatibility/2006">
-        <mc:Choice xmlns:p14="http://schemas.microsoft.com/office/powerpoint/2010/main" Requires="p14">
+      <mc:AlternateContent xmlns:mc="http://schemas.openxmlformats.org/markup-compatibility/2006" xmlns:p14="http://schemas.microsoft.com/office/powerpoint/2010/main">
+        <mc:Choice Requires="p14">
           <p:contentPart p14:bwMode="auto" r:id="rId4">
             <p14:nvContentPartPr>
               <p14:cNvPr id="4" name="Ink 3">
@@ -39191,7 +39213,7 @@
             </p14:xfrm>
           </p:contentPart>
         </mc:Choice>
-        <mc:Fallback>
+        <mc:Fallback xmlns="">
           <p:pic>
             <p:nvPicPr>
               <p:cNvPr id="4" name="Ink 3">
@@ -39222,8 +39244,8 @@
           </p:pic>
         </mc:Fallback>
       </mc:AlternateContent>
-      <mc:AlternateContent xmlns:mc="http://schemas.openxmlformats.org/markup-compatibility/2006">
-        <mc:Choice xmlns:p14="http://schemas.microsoft.com/office/powerpoint/2010/main" Requires="p14">
+      <mc:AlternateContent xmlns:mc="http://schemas.openxmlformats.org/markup-compatibility/2006" xmlns:p14="http://schemas.microsoft.com/office/powerpoint/2010/main">
+        <mc:Choice Requires="p14">
           <p:contentPart p14:bwMode="auto" r:id="rId6">
             <p14:nvContentPartPr>
               <p14:cNvPr id="5" name="Ink 4">
@@ -39242,7 +39264,7 @@
             </p14:xfrm>
           </p:contentPart>
         </mc:Choice>
-        <mc:Fallback>
+        <mc:Fallback xmlns="">
           <p:pic>
             <p:nvPicPr>
               <p:cNvPr id="5" name="Ink 4">
@@ -39290,6 +39312,470 @@
 </file>
 
 <file path=ppt/slides/slide46.xml><?xml version="1.0" encoding="utf-8"?>
+<p:sld xmlns:a="http://schemas.openxmlformats.org/drawingml/2006/main" xmlns:r="http://schemas.openxmlformats.org/officeDocument/2006/relationships" xmlns:p="http://schemas.openxmlformats.org/presentationml/2006/main">
+  <p:cSld>
+    <p:spTree>
+      <p:nvGrpSpPr>
+        <p:cNvPr id="1" name=""/>
+        <p:cNvGrpSpPr/>
+        <p:nvPr/>
+      </p:nvGrpSpPr>
+      <p:grpSpPr>
+        <a:xfrm>
+          <a:off x="0" y="0"/>
+          <a:ext cx="0" cy="0"/>
+          <a:chOff x="0" y="0"/>
+          <a:chExt cx="0" cy="0"/>
+        </a:xfrm>
+      </p:grpSpPr>
+      <p:sp>
+        <p:nvSpPr>
+          <p:cNvPr id="2" name="object 2"/>
+          <p:cNvSpPr txBox="1">
+            <a:spLocks noGrp="1"/>
+          </p:cNvSpPr>
+          <p:nvPr>
+            <p:ph type="title"/>
+          </p:nvPr>
+        </p:nvSpPr>
+        <p:spPr>
+          <a:xfrm>
+            <a:off x="211217" y="30443"/>
+            <a:ext cx="10304383" cy="702856"/>
+          </a:xfrm>
+          <a:prstGeom prst="rect">
+            <a:avLst/>
+          </a:prstGeom>
+        </p:spPr>
+        <p:txBody>
+          <a:bodyPr vert="horz" wrap="square" lIns="0" tIns="25499" rIns="0" bIns="0" rtlCol="0" anchor="b">
+            <a:spAutoFit/>
+          </a:bodyPr>
+          <a:lstStyle/>
+          <a:p>
+            <a:pPr marL="26841">
+              <a:lnSpc>
+                <a:spcPct val="100000"/>
+              </a:lnSpc>
+              <a:spcBef>
+                <a:spcPts val="201"/>
+              </a:spcBef>
+            </a:pPr>
+            <a:r>
+              <a:rPr lang="en-CA" spc="95" dirty="0"/>
+              <a:t>Empirical Predictions of the Model</a:t>
+            </a:r>
+            <a:endParaRPr spc="95" dirty="0"/>
+          </a:p>
+        </p:txBody>
+      </p:sp>
+      <p:sp>
+        <p:nvSpPr>
+          <p:cNvPr id="9" name="object 9"/>
+          <p:cNvSpPr txBox="1"/>
+          <p:nvPr/>
+        </p:nvSpPr>
+        <p:spPr>
+          <a:xfrm>
+            <a:off x="11862007" y="6407020"/>
+            <a:ext cx="132865" cy="220866"/>
+          </a:xfrm>
+          <a:prstGeom prst="rect">
+            <a:avLst/>
+          </a:prstGeom>
+        </p:spPr>
+        <p:txBody>
+          <a:bodyPr vert="horz" wrap="square" lIns="0" tIns="25499" rIns="0" bIns="0" rtlCol="0">
+            <a:spAutoFit/>
+          </a:bodyPr>
+          <a:lstStyle/>
+          <a:p>
+            <a:pPr marL="26841">
+              <a:spcBef>
+                <a:spcPts val="201"/>
+              </a:spcBef>
+            </a:pPr>
+            <a:r>
+              <a:rPr sz="1268" spc="-232" dirty="0">
+                <a:solidFill>
+                  <a:srgbClr val="22373A"/>
+                </a:solidFill>
+                <a:latin typeface="Arial Black"/>
+                <a:cs typeface="Arial Black"/>
+              </a:rPr>
+              <a:t>5</a:t>
+            </a:r>
+            <a:endParaRPr sz="1268">
+              <a:latin typeface="Arial Black"/>
+              <a:cs typeface="Arial Black"/>
+            </a:endParaRPr>
+          </a:p>
+        </p:txBody>
+      </p:sp>
+      <p:sp>
+        <p:nvSpPr>
+          <p:cNvPr id="3" name="TextBox 2">
+            <a:extLst>
+              <a:ext uri="{FF2B5EF4-FFF2-40B4-BE49-F238E27FC236}">
+                <a16:creationId xmlns:a16="http://schemas.microsoft.com/office/drawing/2014/main" id="{EB3B0B30-C2F4-16D0-9036-2E80A97D4666}"/>
+              </a:ext>
+            </a:extLst>
+          </p:cNvPr>
+          <p:cNvSpPr txBox="1"/>
+          <p:nvPr/>
+        </p:nvSpPr>
+        <p:spPr>
+          <a:xfrm>
+            <a:off x="304800" y="733299"/>
+            <a:ext cx="10668000" cy="4493538"/>
+          </a:xfrm>
+          <a:prstGeom prst="rect">
+            <a:avLst/>
+          </a:prstGeom>
+          <a:noFill/>
+        </p:spPr>
+        <p:txBody>
+          <a:bodyPr wrap="square" rtlCol="0">
+            <a:spAutoFit/>
+          </a:bodyPr>
+          <a:lstStyle/>
+          <a:p>
+            <a:endParaRPr lang="en-CA" sz="2200" dirty="0"/>
+          </a:p>
+          <a:p>
+            <a:pPr marL="457200" indent="-457200">
+              <a:buFont typeface="+mj-lt"/>
+              <a:buAutoNum type="arabicPeriod"/>
+            </a:pPr>
+            <a:r>
+              <a:rPr lang="en-CA" sz="2200" dirty="0"/>
+              <a:t>Utility of </a:t>
+            </a:r>
+            <a:r>
+              <a:rPr lang="en-CA" sz="2200" dirty="0" err="1"/>
+              <a:t>nonintensive</a:t>
+            </a:r>
+            <a:r>
+              <a:rPr lang="en-CA" sz="2200" dirty="0"/>
+              <a:t> management is worse in areas that are intensive</a:t>
+            </a:r>
+          </a:p>
+          <a:p>
+            <a:pPr marL="914400" lvl="1" indent="-457200">
+              <a:buFont typeface="Arial" panose="020B0604020202020204" pitchFamily="34" charset="0"/>
+              <a:buChar char="•"/>
+            </a:pPr>
+            <a:r>
+              <a:rPr lang="en-CA" sz="2200" dirty="0"/>
+              <a:t>There should be a negative relationship between intensity of treatment on average and quality of non-intensive treatment in a region</a:t>
+            </a:r>
+          </a:p>
+          <a:p>
+            <a:pPr marL="914400" lvl="1" indent="-457200">
+              <a:buFont typeface="Arial" panose="020B0604020202020204" pitchFamily="34" charset="0"/>
+              <a:buChar char="•"/>
+            </a:pPr>
+            <a:r>
+              <a:rPr lang="en-CA" sz="2200" dirty="0"/>
+              <a:t>That is: </a:t>
+            </a:r>
+            <a:r>
+              <a:rPr lang="en-US" sz="2000" b="1" dirty="0">
+                <a:solidFill>
+                  <a:schemeClr val="accent2">
+                    <a:lumMod val="75000"/>
+                  </a:schemeClr>
+                </a:solidFill>
+              </a:rPr>
+              <a:t>intensive treatment crowds out good medical management</a:t>
+            </a:r>
+            <a:endParaRPr lang="en-CA" sz="2000" b="1" dirty="0">
+              <a:solidFill>
+                <a:schemeClr val="accent2">
+                  <a:lumMod val="75000"/>
+                </a:schemeClr>
+              </a:solidFill>
+            </a:endParaRPr>
+          </a:p>
+          <a:p>
+            <a:pPr marL="457200" indent="-457200">
+              <a:buFont typeface="+mj-lt"/>
+              <a:buAutoNum type="arabicPeriod"/>
+            </a:pPr>
+            <a:r>
+              <a:rPr lang="en-US" sz="2200" dirty="0"/>
+              <a:t>Comparing intensive to minimalist regions: </a:t>
+            </a:r>
+          </a:p>
+          <a:p>
+            <a:pPr marL="914400" lvl="1" indent="-457200">
+              <a:buFont typeface="Arial" panose="020B0604020202020204" pitchFamily="34" charset="0"/>
+              <a:buChar char="•"/>
+            </a:pPr>
+            <a:r>
+              <a:rPr lang="en-US" sz="2200" dirty="0"/>
+              <a:t>Patient utility for riskiest patients will be higher </a:t>
+            </a:r>
+          </a:p>
+          <a:p>
+            <a:pPr marL="914400" lvl="1" indent="-457200">
+              <a:buFont typeface="Arial" panose="020B0604020202020204" pitchFamily="34" charset="0"/>
+              <a:buChar char="•"/>
+            </a:pPr>
+            <a:r>
+              <a:rPr lang="en-US" sz="2200" dirty="0"/>
+              <a:t>Patient utility for least risky patients will be lower</a:t>
+            </a:r>
+          </a:p>
+          <a:p>
+            <a:pPr marL="914400" lvl="1" indent="-457200">
+              <a:buFont typeface="Arial" panose="020B0604020202020204" pitchFamily="34" charset="0"/>
+              <a:buChar char="•"/>
+            </a:pPr>
+            <a:r>
+              <a:rPr lang="en-US" sz="2200" dirty="0"/>
+              <a:t>Benefit from receiving intervention is higher (ATT is higher)</a:t>
+            </a:r>
+          </a:p>
+          <a:p>
+            <a:pPr marL="457200" indent="-457200">
+              <a:buFont typeface="+mj-lt"/>
+              <a:buAutoNum type="arabicPeriod"/>
+            </a:pPr>
+            <a:r>
+              <a:rPr lang="en-US" sz="2200" dirty="0"/>
+              <a:t>Marginal patients receiving treatment in intensive areas will be less clinically appropriate for the intervention </a:t>
+            </a:r>
+            <a:endParaRPr lang="en-CA" sz="2200" dirty="0"/>
+          </a:p>
+          <a:p>
+            <a:pPr marL="457200" indent="-457200">
+              <a:buFont typeface="+mj-lt"/>
+              <a:buAutoNum type="arabicPeriod"/>
+            </a:pPr>
+            <a:endParaRPr lang="en-CA" sz="2200" dirty="0"/>
+          </a:p>
+          <a:p>
+            <a:r>
+              <a:rPr lang="en-CA" sz="2200" b="1" dirty="0">
+                <a:solidFill>
+                  <a:schemeClr val="accent2">
+                    <a:lumMod val="75000"/>
+                  </a:schemeClr>
+                </a:solidFill>
+              </a:rPr>
+              <a:t>How are these tested in the paper? Is it convincing? </a:t>
+            </a:r>
+          </a:p>
+        </p:txBody>
+      </p:sp>
+      <mc:AlternateContent xmlns:mc="http://schemas.openxmlformats.org/markup-compatibility/2006" xmlns:p14="http://schemas.microsoft.com/office/powerpoint/2010/main">
+        <mc:Choice Requires="p14">
+          <p:contentPart p14:bwMode="auto" r:id="rId3">
+            <p14:nvContentPartPr>
+              <p14:cNvPr id="4" name="Ink 3">
+                <a:extLst>
+                  <a:ext uri="{FF2B5EF4-FFF2-40B4-BE49-F238E27FC236}">
+                    <a16:creationId xmlns:a16="http://schemas.microsoft.com/office/drawing/2014/main" id="{0269A358-6643-27A2-4CFC-87DBE469AFBC}"/>
+                  </a:ext>
+                </a:extLst>
+              </p14:cNvPr>
+              <p14:cNvContentPartPr/>
+              <p14:nvPr/>
+            </p14:nvContentPartPr>
+            <p14:xfrm>
+              <a:off x="3164106" y="491156"/>
+              <a:ext cx="2160" cy="360"/>
+            </p14:xfrm>
+          </p:contentPart>
+        </mc:Choice>
+        <mc:Fallback xmlns="">
+          <p:pic>
+            <p:nvPicPr>
+              <p:cNvPr id="4" name="Ink 3">
+                <a:extLst>
+                  <a:ext uri="{FF2B5EF4-FFF2-40B4-BE49-F238E27FC236}">
+                    <a16:creationId xmlns:a16="http://schemas.microsoft.com/office/drawing/2014/main" id="{0269A358-6643-27A2-4CFC-87DBE469AFBC}"/>
+                  </a:ext>
+                </a:extLst>
+              </p:cNvPr>
+              <p:cNvPicPr/>
+              <p:nvPr/>
+            </p:nvPicPr>
+            <p:blipFill>
+              <a:blip r:embed="rId4"/>
+              <a:stretch>
+                <a:fillRect/>
+              </a:stretch>
+            </p:blipFill>
+            <p:spPr>
+              <a:xfrm>
+                <a:off x="3155106" y="482516"/>
+                <a:ext cx="19800" cy="18000"/>
+              </a:xfrm>
+              <a:prstGeom prst="rect">
+                <a:avLst/>
+              </a:prstGeom>
+            </p:spPr>
+          </p:pic>
+        </mc:Fallback>
+      </mc:AlternateContent>
+      <mc:AlternateContent xmlns:mc="http://schemas.openxmlformats.org/markup-compatibility/2006" xmlns:p14="http://schemas.microsoft.com/office/powerpoint/2010/main">
+        <mc:Choice Requires="p14">
+          <p:contentPart p14:bwMode="auto" r:id="rId5">
+            <p14:nvContentPartPr>
+              <p14:cNvPr id="5" name="Ink 4">
+                <a:extLst>
+                  <a:ext uri="{FF2B5EF4-FFF2-40B4-BE49-F238E27FC236}">
+                    <a16:creationId xmlns:a16="http://schemas.microsoft.com/office/drawing/2014/main" id="{9EB1C396-5C70-EB5C-87E2-F2AEA6D23D6E}"/>
+                  </a:ext>
+                </a:extLst>
+              </p14:cNvPr>
+              <p14:cNvContentPartPr/>
+              <p14:nvPr/>
+            </p14:nvContentPartPr>
+            <p14:xfrm>
+              <a:off x="3028026" y="422396"/>
+              <a:ext cx="360" cy="360"/>
+            </p14:xfrm>
+          </p:contentPart>
+        </mc:Choice>
+        <mc:Fallback xmlns="">
+          <p:pic>
+            <p:nvPicPr>
+              <p:cNvPr id="5" name="Ink 4">
+                <a:extLst>
+                  <a:ext uri="{FF2B5EF4-FFF2-40B4-BE49-F238E27FC236}">
+                    <a16:creationId xmlns:a16="http://schemas.microsoft.com/office/drawing/2014/main" id="{9EB1C396-5C70-EB5C-87E2-F2AEA6D23D6E}"/>
+                  </a:ext>
+                </a:extLst>
+              </p:cNvPr>
+              <p:cNvPicPr/>
+              <p:nvPr/>
+            </p:nvPicPr>
+            <p:blipFill>
+              <a:blip r:embed="rId6"/>
+              <a:stretch>
+                <a:fillRect/>
+              </a:stretch>
+            </p:blipFill>
+            <p:spPr>
+              <a:xfrm>
+                <a:off x="3019386" y="413756"/>
+                <a:ext cx="18000" cy="18000"/>
+              </a:xfrm>
+              <a:prstGeom prst="rect">
+                <a:avLst/>
+              </a:prstGeom>
+            </p:spPr>
+          </p:pic>
+        </mc:Fallback>
+      </mc:AlternateContent>
+    </p:spTree>
+    <p:extLst>
+      <p:ext uri="{BB962C8B-B14F-4D97-AF65-F5344CB8AC3E}">
+        <p14:creationId xmlns:p14="http://schemas.microsoft.com/office/powerpoint/2010/main" val="1633976078"/>
+      </p:ext>
+    </p:extLst>
+  </p:cSld>
+  <p:clrMapOvr>
+    <a:masterClrMapping/>
+  </p:clrMapOvr>
+  <p:transition>
+    <p:cut/>
+  </p:transition>
+</p:sld>
+</file>
+
+<file path=ppt/slides/slide47.xml><?xml version="1.0" encoding="utf-8"?>
+<p:sld xmlns:a="http://schemas.openxmlformats.org/drawingml/2006/main" xmlns:r="http://schemas.openxmlformats.org/officeDocument/2006/relationships" xmlns:p="http://schemas.openxmlformats.org/presentationml/2006/main">
+  <p:cSld>
+    <p:spTree>
+      <p:nvGrpSpPr>
+        <p:cNvPr id="1" name=""/>
+        <p:cNvGrpSpPr/>
+        <p:nvPr/>
+      </p:nvGrpSpPr>
+      <p:grpSpPr>
+        <a:xfrm>
+          <a:off x="0" y="0"/>
+          <a:ext cx="0" cy="0"/>
+          <a:chOff x="0" y="0"/>
+          <a:chExt cx="0" cy="0"/>
+        </a:xfrm>
+      </p:grpSpPr>
+      <p:sp>
+        <p:nvSpPr>
+          <p:cNvPr id="4" name="Title 3">
+            <a:extLst>
+              <a:ext uri="{FF2B5EF4-FFF2-40B4-BE49-F238E27FC236}">
+                <a16:creationId xmlns:a16="http://schemas.microsoft.com/office/drawing/2014/main" id="{3959A64B-5C9A-4A9B-BA45-ADECED2E51D9}"/>
+              </a:ext>
+            </a:extLst>
+          </p:cNvPr>
+          <p:cNvSpPr>
+            <a:spLocks noGrp="1"/>
+          </p:cNvSpPr>
+          <p:nvPr>
+            <p:ph type="ctrTitle"/>
+          </p:nvPr>
+        </p:nvSpPr>
+        <p:spPr>
+          <a:xfrm>
+            <a:off x="1261872" y="758952"/>
+            <a:ext cx="10625328" cy="4041648"/>
+          </a:xfrm>
+        </p:spPr>
+        <p:txBody>
+          <a:bodyPr/>
+          <a:lstStyle/>
+          <a:p>
+            <a:r>
+              <a:rPr lang="en-US" dirty="0"/>
+              <a:t>Presentations</a:t>
+            </a:r>
+          </a:p>
+        </p:txBody>
+      </p:sp>
+      <p:sp>
+        <p:nvSpPr>
+          <p:cNvPr id="5" name="Subtitle 4">
+            <a:extLst>
+              <a:ext uri="{FF2B5EF4-FFF2-40B4-BE49-F238E27FC236}">
+                <a16:creationId xmlns:a16="http://schemas.microsoft.com/office/drawing/2014/main" id="{D52D9252-3DD8-4D35-8070-32332FBE25E4}"/>
+              </a:ext>
+            </a:extLst>
+          </p:cNvPr>
+          <p:cNvSpPr>
+            <a:spLocks noGrp="1"/>
+          </p:cNvSpPr>
+          <p:nvPr>
+            <p:ph type="subTitle" idx="1"/>
+          </p:nvPr>
+        </p:nvSpPr>
+        <p:spPr/>
+        <p:txBody>
+          <a:bodyPr/>
+          <a:lstStyle/>
+          <a:p>
+            <a:endParaRPr lang="en-US" dirty="0"/>
+          </a:p>
+        </p:txBody>
+      </p:sp>
+    </p:spTree>
+    <p:extLst>
+      <p:ext uri="{BB962C8B-B14F-4D97-AF65-F5344CB8AC3E}">
+        <p14:creationId xmlns:p14="http://schemas.microsoft.com/office/powerpoint/2010/main" val="1905963770"/>
+      </p:ext>
+    </p:extLst>
+  </p:cSld>
+  <p:clrMapOvr>
+    <a:masterClrMapping/>
+  </p:clrMapOvr>
+</p:sld>
+</file>
+
+<file path=ppt/slides/slide48.xml><?xml version="1.0" encoding="utf-8"?>
 <p:sld xmlns:a="http://schemas.openxmlformats.org/drawingml/2006/main" xmlns:r="http://schemas.openxmlformats.org/officeDocument/2006/relationships" xmlns:p="http://schemas.openxmlformats.org/presentationml/2006/main">
   <p:cSld>
     <p:spTree>
@@ -39656,94 +40142,6 @@
     <p:extLst>
       <p:ext uri="{BB962C8B-B14F-4D97-AF65-F5344CB8AC3E}">
         <p14:creationId xmlns:p14="http://schemas.microsoft.com/office/powerpoint/2010/main" val="3346500796"/>
-      </p:ext>
-    </p:extLst>
-  </p:cSld>
-  <p:clrMapOvr>
-    <a:masterClrMapping/>
-  </p:clrMapOvr>
-</p:sld>
-</file>
-
-<file path=ppt/slides/slide47.xml><?xml version="1.0" encoding="utf-8"?>
-<p:sld xmlns:a="http://schemas.openxmlformats.org/drawingml/2006/main" xmlns:r="http://schemas.openxmlformats.org/officeDocument/2006/relationships" xmlns:p="http://schemas.openxmlformats.org/presentationml/2006/main">
-  <p:cSld>
-    <p:spTree>
-      <p:nvGrpSpPr>
-        <p:cNvPr id="1" name=""/>
-        <p:cNvGrpSpPr/>
-        <p:nvPr/>
-      </p:nvGrpSpPr>
-      <p:grpSpPr>
-        <a:xfrm>
-          <a:off x="0" y="0"/>
-          <a:ext cx="0" cy="0"/>
-          <a:chOff x="0" y="0"/>
-          <a:chExt cx="0" cy="0"/>
-        </a:xfrm>
-      </p:grpSpPr>
-      <p:sp>
-        <p:nvSpPr>
-          <p:cNvPr id="4" name="Title 3">
-            <a:extLst>
-              <a:ext uri="{FF2B5EF4-FFF2-40B4-BE49-F238E27FC236}">
-                <a16:creationId xmlns:a16="http://schemas.microsoft.com/office/drawing/2014/main" id="{3959A64B-5C9A-4A9B-BA45-ADECED2E51D9}"/>
-              </a:ext>
-            </a:extLst>
-          </p:cNvPr>
-          <p:cNvSpPr>
-            <a:spLocks noGrp="1"/>
-          </p:cNvSpPr>
-          <p:nvPr>
-            <p:ph type="ctrTitle"/>
-          </p:nvPr>
-        </p:nvSpPr>
-        <p:spPr>
-          <a:xfrm>
-            <a:off x="1261872" y="758952"/>
-            <a:ext cx="10625328" cy="4041648"/>
-          </a:xfrm>
-        </p:spPr>
-        <p:txBody>
-          <a:bodyPr/>
-          <a:lstStyle/>
-          <a:p>
-            <a:r>
-              <a:rPr lang="en-US" dirty="0"/>
-              <a:t>Presentations</a:t>
-            </a:r>
-          </a:p>
-        </p:txBody>
-      </p:sp>
-      <p:sp>
-        <p:nvSpPr>
-          <p:cNvPr id="5" name="Subtitle 4">
-            <a:extLst>
-              <a:ext uri="{FF2B5EF4-FFF2-40B4-BE49-F238E27FC236}">
-                <a16:creationId xmlns:a16="http://schemas.microsoft.com/office/drawing/2014/main" id="{D52D9252-3DD8-4D35-8070-32332FBE25E4}"/>
-              </a:ext>
-            </a:extLst>
-          </p:cNvPr>
-          <p:cNvSpPr>
-            <a:spLocks noGrp="1"/>
-          </p:cNvSpPr>
-          <p:nvPr>
-            <p:ph type="subTitle" idx="1"/>
-          </p:nvPr>
-        </p:nvSpPr>
-        <p:spPr/>
-        <p:txBody>
-          <a:bodyPr/>
-          <a:lstStyle/>
-          <a:p>
-            <a:endParaRPr lang="en-US" dirty="0"/>
-          </a:p>
-        </p:txBody>
-      </p:sp>
-    </p:spTree>
-    <p:extLst>
-      <p:ext uri="{BB962C8B-B14F-4D97-AF65-F5344CB8AC3E}">
-        <p14:creationId xmlns:p14="http://schemas.microsoft.com/office/powerpoint/2010/main" val="1905963770"/>
       </p:ext>
     </p:extLst>
   </p:cSld>
@@ -40283,7 +40681,7 @@
             </a:pPr>
             <a:r>
               <a:rPr lang="en-CA" sz="2200" dirty="0"/>
-              <a:t>One hypothesis: profit-maximizing physicians persuade patients to consume excess care</a:t>
+              <a:t>One hypothesis: profit-maximizing physicians persuade patients to consume “excess” care</a:t>
             </a:r>
           </a:p>
           <a:p>
@@ -40310,12 +40708,42 @@
               <a:buChar char="•"/>
             </a:pPr>
             <a:r>
-              <a:rPr lang="en-CA" sz="2200" dirty="0"/>
+              <a:rPr lang="en-CA" sz="2200" b="1" u="sng" dirty="0"/>
               <a:t>How plausible do we think this is? </a:t>
             </a:r>
           </a:p>
         </p:txBody>
       </p:sp>
+      <p:pic>
+        <p:nvPicPr>
+          <p:cNvPr id="5" name="Picture 4">
+            <a:extLst>
+              <a:ext uri="{FF2B5EF4-FFF2-40B4-BE49-F238E27FC236}">
+                <a16:creationId xmlns:a16="http://schemas.microsoft.com/office/drawing/2014/main" id="{A5842685-763E-4161-2151-DC46FB0E64DC}"/>
+              </a:ext>
+            </a:extLst>
+          </p:cNvPr>
+          <p:cNvPicPr>
+            <a:picLocks noChangeAspect="1"/>
+          </p:cNvPicPr>
+          <p:nvPr/>
+        </p:nvPicPr>
+        <p:blipFill>
+          <a:blip r:embed="rId3"/>
+          <a:stretch>
+            <a:fillRect/>
+          </a:stretch>
+        </p:blipFill>
+        <p:spPr>
+          <a:xfrm>
+            <a:off x="1905000" y="2362200"/>
+            <a:ext cx="7839636" cy="3352800"/>
+          </a:xfrm>
+          <a:prstGeom prst="rect">
+            <a:avLst/>
+          </a:prstGeom>
+        </p:spPr>
+      </p:pic>
     </p:spTree>
     <p:extLst>
       <p:ext uri="{BB962C8B-B14F-4D97-AF65-F5344CB8AC3E}">
@@ -40433,8 +40861,8 @@
           </a:p>
         </p:txBody>
       </p:sp>
-      <mc:AlternateContent xmlns:mc="http://schemas.openxmlformats.org/markup-compatibility/2006">
-        <mc:Choice xmlns:a14="http://schemas.microsoft.com/office/drawing/2010/main" Requires="a14">
+      <mc:AlternateContent xmlns:mc="http://schemas.openxmlformats.org/markup-compatibility/2006" xmlns:a14="http://schemas.microsoft.com/office/drawing/2010/main">
+        <mc:Choice Requires="a14">
           <p:sp>
             <p:nvSpPr>
               <p:cNvPr id="3" name="TextBox 2">
@@ -40558,6 +40986,7 @@
                 </a:r>
               </a:p>
               <a:p>
+                <a:pPr/>
                 <a14:m>
                   <m:oMathPara xmlns:m="http://schemas.openxmlformats.org/officeDocument/2006/math">
                     <m:oMathParaPr>
@@ -40759,7 +41188,7 @@
             </p:txBody>
           </p:sp>
         </mc:Choice>
-        <mc:Fallback>
+        <mc:Fallback xmlns="">
           <p:sp>
             <p:nvSpPr>
               <p:cNvPr id="3" name="TextBox 2">
@@ -40804,8 +41233,8 @@
           </p:sp>
         </mc:Fallback>
       </mc:AlternateContent>
-      <mc:AlternateContent xmlns:mc="http://schemas.openxmlformats.org/markup-compatibility/2006">
-        <mc:Choice xmlns:p14="http://schemas.microsoft.com/office/powerpoint/2010/main" Requires="p14">
+      <mc:AlternateContent xmlns:mc="http://schemas.openxmlformats.org/markup-compatibility/2006" xmlns:p14="http://schemas.microsoft.com/office/powerpoint/2010/main">
+        <mc:Choice Requires="p14">
           <p:contentPart p14:bwMode="auto" r:id="rId4">
             <p14:nvContentPartPr>
               <p14:cNvPr id="4" name="Ink 3">
@@ -40824,7 +41253,7 @@
             </p14:xfrm>
           </p:contentPart>
         </mc:Choice>
-        <mc:Fallback>
+        <mc:Fallback xmlns="">
           <p:pic>
             <p:nvPicPr>
               <p:cNvPr id="4" name="Ink 3">
@@ -40855,8 +41284,8 @@
           </p:pic>
         </mc:Fallback>
       </mc:AlternateContent>
-      <mc:AlternateContent xmlns:mc="http://schemas.openxmlformats.org/markup-compatibility/2006">
-        <mc:Choice xmlns:p14="http://schemas.microsoft.com/office/powerpoint/2010/main" Requires="p14">
+      <mc:AlternateContent xmlns:mc="http://schemas.openxmlformats.org/markup-compatibility/2006" xmlns:p14="http://schemas.microsoft.com/office/powerpoint/2010/main">
+        <mc:Choice Requires="p14">
           <p:contentPart p14:bwMode="auto" r:id="rId6">
             <p14:nvContentPartPr>
               <p14:cNvPr id="5" name="Ink 4">
@@ -40875,7 +41304,7 @@
             </p14:xfrm>
           </p:contentPart>
         </mc:Choice>
-        <mc:Fallback>
+        <mc:Fallback xmlns="">
           <p:pic>
             <p:nvPicPr>
               <p:cNvPr id="5" name="Ink 4">
@@ -41023,8 +41452,8 @@
           </a:p>
         </p:txBody>
       </p:sp>
-      <mc:AlternateContent xmlns:mc="http://schemas.openxmlformats.org/markup-compatibility/2006">
-        <mc:Choice xmlns:a14="http://schemas.microsoft.com/office/drawing/2010/main" Requires="a14">
+      <mc:AlternateContent xmlns:mc="http://schemas.openxmlformats.org/markup-compatibility/2006" xmlns:a14="http://schemas.microsoft.com/office/drawing/2010/main">
+        <mc:Choice Requires="a14">
           <p:sp>
             <p:nvSpPr>
               <p:cNvPr id="3" name="TextBox 2">
@@ -41148,6 +41577,7 @@
                 </a:r>
               </a:p>
               <a:p>
+                <a:pPr/>
                 <a14:m>
                   <m:oMathPara xmlns:m="http://schemas.openxmlformats.org/officeDocument/2006/math">
                     <m:oMathParaPr>
@@ -41356,6 +41786,7 @@
                 </a:r>
               </a:p>
               <a:p>
+                <a:pPr/>
                 <a14:m>
                   <m:oMathPara xmlns:m="http://schemas.openxmlformats.org/officeDocument/2006/math">
                     <m:oMathParaPr>
@@ -41554,6 +41985,7 @@
                 <a:endParaRPr lang="en-CA" sz="2200" b="0" dirty="0"/>
               </a:p>
               <a:p>
+                <a:pPr/>
                 <a14:m>
                   <m:oMathPara xmlns:m="http://schemas.openxmlformats.org/officeDocument/2006/math">
                     <m:oMathParaPr>
@@ -41689,7 +42121,7 @@
             </p:txBody>
           </p:sp>
         </mc:Choice>
-        <mc:Fallback>
+        <mc:Fallback xmlns="">
           <p:sp>
             <p:nvSpPr>
               <p:cNvPr id="3" name="TextBox 2">

--- a/Lecture05_PatientPhysicianInteractions/L5Slides_PhysicianPatientInteractions_2023W.pptx
+++ b/Lecture05_PatientPhysicianInteractions/L5Slides_PhysicianPatientInteractions_2023W.pptx
@@ -4700,7 +4700,7 @@
           <a:p>
             <a:fld id="{EF911157-0FC2-4F06-8D61-FD647FE4E19D}" type="datetimeFigureOut">
               <a:rPr lang="en-US" smtClean="0"/>
-              <a:t>2/6/2023</a:t>
+              <a:t>2/13/2024</a:t>
             </a:fld>
             <a:endParaRPr lang="en-US"/>
           </a:p>
@@ -5106,6 +5106,93 @@
           <a:p>
             <a:r>
               <a:rPr lang="en-CA" dirty="0"/>
+              <a:t>Why only two treatments? Tractability. Note that still, without making some assumptions, solution is very complicated (triple integrals!)</a:t>
+            </a:r>
+          </a:p>
+        </p:txBody>
+      </p:sp>
+      <p:sp>
+        <p:nvSpPr>
+          <p:cNvPr id="4" name="Slide Number Placeholder 3"/>
+          <p:cNvSpPr>
+            <a:spLocks noGrp="1"/>
+          </p:cNvSpPr>
+          <p:nvPr>
+            <p:ph type="sldNum" sz="quarter" idx="5"/>
+          </p:nvPr>
+        </p:nvSpPr>
+        <p:spPr/>
+        <p:txBody>
+          <a:bodyPr/>
+          <a:lstStyle/>
+          <a:p>
+            <a:fld id="{4AF79E1B-2C51-4B9B-8EA4-26DE9E345AFF}" type="slidenum">
+              <a:rPr lang="en-US" smtClean="0"/>
+              <a:t>11</a:t>
+            </a:fld>
+            <a:endParaRPr lang="en-US"/>
+          </a:p>
+        </p:txBody>
+      </p:sp>
+    </p:spTree>
+    <p:extLst>
+      <p:ext uri="{BB962C8B-B14F-4D97-AF65-F5344CB8AC3E}">
+        <p14:creationId xmlns:p14="http://schemas.microsoft.com/office/powerpoint/2010/main" val="195389170"/>
+      </p:ext>
+    </p:extLst>
+  </p:cSld>
+  <p:clrMapOvr>
+    <a:masterClrMapping/>
+  </p:clrMapOvr>
+</p:notes>
+</file>
+
+<file path=ppt/notesSlides/notesSlide11.xml><?xml version="1.0" encoding="utf-8"?>
+<p:notes xmlns:a="http://schemas.openxmlformats.org/drawingml/2006/main" xmlns:r="http://schemas.openxmlformats.org/officeDocument/2006/relationships" xmlns:p="http://schemas.openxmlformats.org/presentationml/2006/main">
+  <p:cSld>
+    <p:spTree>
+      <p:nvGrpSpPr>
+        <p:cNvPr id="1" name=""/>
+        <p:cNvGrpSpPr/>
+        <p:nvPr/>
+      </p:nvGrpSpPr>
+      <p:grpSpPr>
+        <a:xfrm>
+          <a:off x="0" y="0"/>
+          <a:ext cx="0" cy="0"/>
+          <a:chOff x="0" y="0"/>
+          <a:chExt cx="0" cy="0"/>
+        </a:xfrm>
+      </p:grpSpPr>
+      <p:sp>
+        <p:nvSpPr>
+          <p:cNvPr id="2" name="Slide Image Placeholder 1"/>
+          <p:cNvSpPr>
+            <a:spLocks noGrp="1" noRot="1" noChangeAspect="1"/>
+          </p:cNvSpPr>
+          <p:nvPr>
+            <p:ph type="sldImg"/>
+          </p:nvPr>
+        </p:nvSpPr>
+        <p:spPr/>
+      </p:sp>
+      <p:sp>
+        <p:nvSpPr>
+          <p:cNvPr id="3" name="Notes Placeholder 2"/>
+          <p:cNvSpPr>
+            <a:spLocks noGrp="1"/>
+          </p:cNvSpPr>
+          <p:nvPr>
+            <p:ph type="body" idx="1"/>
+          </p:nvPr>
+        </p:nvSpPr>
+        <p:spPr/>
+        <p:txBody>
+          <a:bodyPr/>
+          <a:lstStyle/>
+          <a:p>
+            <a:r>
+              <a:rPr lang="en-CA" dirty="0"/>
               <a:t>Price, recommendation strategy, and acceptance strategy – this is a Nash equilibrium (game theory)</a:t>
             </a:r>
           </a:p>
@@ -5147,7 +5234,7 @@
 </p:notes>
 </file>
 
-<file path=ppt/notesSlides/notesSlide11.xml><?xml version="1.0" encoding="utf-8"?>
+<file path=ppt/notesSlides/notesSlide12.xml><?xml version="1.0" encoding="utf-8"?>
 <p:notes xmlns:a="http://schemas.openxmlformats.org/drawingml/2006/main" xmlns:r="http://schemas.openxmlformats.org/officeDocument/2006/relationships" xmlns:p="http://schemas.openxmlformats.org/presentationml/2006/main">
   <p:cSld>
     <p:spTree>
@@ -5231,7 +5318,7 @@
 </p:notes>
 </file>
 
-<file path=ppt/notesSlides/notesSlide12.xml><?xml version="1.0" encoding="utf-8"?>
+<file path=ppt/notesSlides/notesSlide13.xml><?xml version="1.0" encoding="utf-8"?>
 <p:notes xmlns:a="http://schemas.openxmlformats.org/drawingml/2006/main" xmlns:r="http://schemas.openxmlformats.org/officeDocument/2006/relationships" xmlns:p="http://schemas.openxmlformats.org/presentationml/2006/main">
   <p:cSld>
     <p:spTree>
@@ -5318,7 +5405,7 @@
 </p:notes>
 </file>
 
-<file path=ppt/notesSlides/notesSlide13.xml><?xml version="1.0" encoding="utf-8"?>
+<file path=ppt/notesSlides/notesSlide14.xml><?xml version="1.0" encoding="utf-8"?>
 <p:notes xmlns:a="http://schemas.openxmlformats.org/drawingml/2006/main" xmlns:r="http://schemas.openxmlformats.org/officeDocument/2006/relationships" xmlns:p="http://schemas.openxmlformats.org/presentationml/2006/main">
   <p:cSld>
     <p:spTree>
@@ -5413,7 +5500,7 @@
 </p:notes>
 </file>
 
-<file path=ppt/notesSlides/notesSlide14.xml><?xml version="1.0" encoding="utf-8"?>
+<file path=ppt/notesSlides/notesSlide15.xml><?xml version="1.0" encoding="utf-8"?>
 <p:notes xmlns:a="http://schemas.openxmlformats.org/drawingml/2006/main" xmlns:r="http://schemas.openxmlformats.org/officeDocument/2006/relationships" xmlns:p="http://schemas.openxmlformats.org/presentationml/2006/main">
   <p:cSld>
     <p:spTree>
@@ -5508,7 +5595,7 @@
 </p:notes>
 </file>
 
-<file path=ppt/notesSlides/notesSlide15.xml><?xml version="1.0" encoding="utf-8"?>
+<file path=ppt/notesSlides/notesSlide16.xml><?xml version="1.0" encoding="utf-8"?>
 <p:notes xmlns:a="http://schemas.openxmlformats.org/drawingml/2006/main" xmlns:r="http://schemas.openxmlformats.org/officeDocument/2006/relationships" xmlns:p="http://schemas.openxmlformats.org/presentationml/2006/main">
   <p:cSld>
     <p:spTree>
@@ -5603,7 +5690,7 @@
 </p:notes>
 </file>
 
-<file path=ppt/notesSlides/notesSlide16.xml><?xml version="1.0" encoding="utf-8"?>
+<file path=ppt/notesSlides/notesSlide17.xml><?xml version="1.0" encoding="utf-8"?>
 <p:notes xmlns:a="http://schemas.openxmlformats.org/drawingml/2006/main" xmlns:r="http://schemas.openxmlformats.org/officeDocument/2006/relationships" xmlns:p="http://schemas.openxmlformats.org/presentationml/2006/main">
   <p:cSld>
     <p:spTree>
@@ -5690,7 +5777,7 @@
 </p:notes>
 </file>
 
-<file path=ppt/notesSlides/notesSlide17.xml><?xml version="1.0" encoding="utf-8"?>
+<file path=ppt/notesSlides/notesSlide18.xml><?xml version="1.0" encoding="utf-8"?>
 <p:notes xmlns:a="http://schemas.openxmlformats.org/drawingml/2006/main" xmlns:r="http://schemas.openxmlformats.org/officeDocument/2006/relationships" xmlns:p="http://schemas.openxmlformats.org/presentationml/2006/main">
   <p:cSld>
     <p:spTree>
@@ -5777,7 +5864,7 @@
 </p:notes>
 </file>
 
-<file path=ppt/notesSlides/notesSlide18.xml><?xml version="1.0" encoding="utf-8"?>
+<file path=ppt/notesSlides/notesSlide19.xml><?xml version="1.0" encoding="utf-8"?>
 <p:notes xmlns:a="http://schemas.openxmlformats.org/drawingml/2006/main" xmlns:r="http://schemas.openxmlformats.org/officeDocument/2006/relationships" xmlns:p="http://schemas.openxmlformats.org/presentationml/2006/main">
   <p:cSld>
     <p:spTree>
@@ -5864,7 +5951,94 @@
 </p:notes>
 </file>
 
-<file path=ppt/notesSlides/notesSlide19.xml><?xml version="1.0" encoding="utf-8"?>
+<file path=ppt/notesSlides/notesSlide2.xml><?xml version="1.0" encoding="utf-8"?>
+<p:notes xmlns:a="http://schemas.openxmlformats.org/drawingml/2006/main" xmlns:r="http://schemas.openxmlformats.org/officeDocument/2006/relationships" xmlns:p="http://schemas.openxmlformats.org/presentationml/2006/main">
+  <p:cSld>
+    <p:spTree>
+      <p:nvGrpSpPr>
+        <p:cNvPr id="1" name=""/>
+        <p:cNvGrpSpPr/>
+        <p:nvPr/>
+      </p:nvGrpSpPr>
+      <p:grpSpPr>
+        <a:xfrm>
+          <a:off x="0" y="0"/>
+          <a:ext cx="0" cy="0"/>
+          <a:chOff x="0" y="0"/>
+          <a:chExt cx="0" cy="0"/>
+        </a:xfrm>
+      </p:grpSpPr>
+      <p:sp>
+        <p:nvSpPr>
+          <p:cNvPr id="2" name="Slide Image Placeholder 1"/>
+          <p:cNvSpPr>
+            <a:spLocks noGrp="1" noRot="1" noChangeAspect="1"/>
+          </p:cNvSpPr>
+          <p:nvPr>
+            <p:ph type="sldImg"/>
+          </p:nvPr>
+        </p:nvSpPr>
+        <p:spPr/>
+      </p:sp>
+      <p:sp>
+        <p:nvSpPr>
+          <p:cNvPr id="3" name="Notes Placeholder 2"/>
+          <p:cNvSpPr>
+            <a:spLocks noGrp="1"/>
+          </p:cNvSpPr>
+          <p:nvPr>
+            <p:ph type="body" idx="1"/>
+          </p:nvPr>
+        </p:nvSpPr>
+        <p:spPr/>
+        <p:txBody>
+          <a:bodyPr/>
+          <a:lstStyle/>
+          <a:p>
+            <a:r>
+              <a:rPr lang="en-CA" dirty="0"/>
+              <a:t>https://librarysearch.library.utoronto.ca/discovery/npfulldisplay?docid=BM_eNqVzD0KwkAQQOFtLPzJHaYRLCKYRNFejHY29mHMTnRhMqs7m0BubwQvYPWajzczCXbxSRJdjZHs1DQltcgE1tfRBwUncJWIwXkgDALFdglMquAFsKeAD0qBepKvbByxVRiHwzhonYzPFM7s7wQoyIM6HZFYXZhJg6yU_Do3q_J0O17Wr-DfHWmsWqc1MaOQ77TK9_mmyA55tiv-oB_g6knh&amp;context=NP&amp;vid=01UTORONTO_INST:UTORONTO&amp;lang=en&amp;search_scope=all&amp;adaptor=SummonLocal&amp;tab=Everything&amp;query=any,contains,Female%20doctors%20in%20Ontario%20earn%2034%20per%20cent%20less%20on%20average,%20even%20in%20fields%20they%20dominate,%20Globe%20analysis%20finds&amp;offset=0</a:t>
+            </a:r>
+          </a:p>
+        </p:txBody>
+      </p:sp>
+      <p:sp>
+        <p:nvSpPr>
+          <p:cNvPr id="4" name="Slide Number Placeholder 3"/>
+          <p:cNvSpPr>
+            <a:spLocks noGrp="1"/>
+          </p:cNvSpPr>
+          <p:nvPr>
+            <p:ph type="sldNum" sz="quarter" idx="5"/>
+          </p:nvPr>
+        </p:nvSpPr>
+        <p:spPr/>
+        <p:txBody>
+          <a:bodyPr/>
+          <a:lstStyle/>
+          <a:p>
+            <a:fld id="{4AF79E1B-2C51-4B9B-8EA4-26DE9E345AFF}" type="slidenum">
+              <a:rPr lang="en-US" smtClean="0"/>
+              <a:t>2</a:t>
+            </a:fld>
+            <a:endParaRPr lang="en-US"/>
+          </a:p>
+        </p:txBody>
+      </p:sp>
+    </p:spTree>
+    <p:extLst>
+      <p:ext uri="{BB962C8B-B14F-4D97-AF65-F5344CB8AC3E}">
+        <p14:creationId xmlns:p14="http://schemas.microsoft.com/office/powerpoint/2010/main" val="3855500689"/>
+      </p:ext>
+    </p:extLst>
+  </p:cSld>
+  <p:clrMapOvr>
+    <a:masterClrMapping/>
+  </p:clrMapOvr>
+</p:notes>
+</file>
+
+<file path=ppt/notesSlides/notesSlide20.xml><?xml version="1.0" encoding="utf-8"?>
 <p:notes xmlns:a="http://schemas.openxmlformats.org/drawingml/2006/main" xmlns:r="http://schemas.openxmlformats.org/officeDocument/2006/relationships" xmlns:p="http://schemas.openxmlformats.org/presentationml/2006/main">
   <p:cSld>
     <p:spTree>
@@ -5951,94 +6125,7 @@
 </p:notes>
 </file>
 
-<file path=ppt/notesSlides/notesSlide2.xml><?xml version="1.0" encoding="utf-8"?>
-<p:notes xmlns:a="http://schemas.openxmlformats.org/drawingml/2006/main" xmlns:r="http://schemas.openxmlformats.org/officeDocument/2006/relationships" xmlns:p="http://schemas.openxmlformats.org/presentationml/2006/main">
-  <p:cSld>
-    <p:spTree>
-      <p:nvGrpSpPr>
-        <p:cNvPr id="1" name=""/>
-        <p:cNvGrpSpPr/>
-        <p:nvPr/>
-      </p:nvGrpSpPr>
-      <p:grpSpPr>
-        <a:xfrm>
-          <a:off x="0" y="0"/>
-          <a:ext cx="0" cy="0"/>
-          <a:chOff x="0" y="0"/>
-          <a:chExt cx="0" cy="0"/>
-        </a:xfrm>
-      </p:grpSpPr>
-      <p:sp>
-        <p:nvSpPr>
-          <p:cNvPr id="2" name="Slide Image Placeholder 1"/>
-          <p:cNvSpPr>
-            <a:spLocks noGrp="1" noRot="1" noChangeAspect="1"/>
-          </p:cNvSpPr>
-          <p:nvPr>
-            <p:ph type="sldImg"/>
-          </p:nvPr>
-        </p:nvSpPr>
-        <p:spPr/>
-      </p:sp>
-      <p:sp>
-        <p:nvSpPr>
-          <p:cNvPr id="3" name="Notes Placeholder 2"/>
-          <p:cNvSpPr>
-            <a:spLocks noGrp="1"/>
-          </p:cNvSpPr>
-          <p:nvPr>
-            <p:ph type="body" idx="1"/>
-          </p:nvPr>
-        </p:nvSpPr>
-        <p:spPr/>
-        <p:txBody>
-          <a:bodyPr/>
-          <a:lstStyle/>
-          <a:p>
-            <a:r>
-              <a:rPr lang="en-CA" dirty="0"/>
-              <a:t>Key papers don’t always publish well immediately!</a:t>
-            </a:r>
-          </a:p>
-        </p:txBody>
-      </p:sp>
-      <p:sp>
-        <p:nvSpPr>
-          <p:cNvPr id="4" name="Slide Number Placeholder 3"/>
-          <p:cNvSpPr>
-            <a:spLocks noGrp="1"/>
-          </p:cNvSpPr>
-          <p:nvPr>
-            <p:ph type="sldNum" sz="quarter" idx="5"/>
-          </p:nvPr>
-        </p:nvSpPr>
-        <p:spPr/>
-        <p:txBody>
-          <a:bodyPr/>
-          <a:lstStyle/>
-          <a:p>
-            <a:fld id="{4AF79E1B-2C51-4B9B-8EA4-26DE9E345AFF}" type="slidenum">
-              <a:rPr lang="en-US" smtClean="0"/>
-              <a:t>4</a:t>
-            </a:fld>
-            <a:endParaRPr lang="en-US"/>
-          </a:p>
-        </p:txBody>
-      </p:sp>
-    </p:spTree>
-    <p:extLst>
-      <p:ext uri="{BB962C8B-B14F-4D97-AF65-F5344CB8AC3E}">
-        <p14:creationId xmlns:p14="http://schemas.microsoft.com/office/powerpoint/2010/main" val="1527946518"/>
-      </p:ext>
-    </p:extLst>
-  </p:cSld>
-  <p:clrMapOvr>
-    <a:masterClrMapping/>
-  </p:clrMapOvr>
-</p:notes>
-</file>
-
-<file path=ppt/notesSlides/notesSlide20.xml><?xml version="1.0" encoding="utf-8"?>
+<file path=ppt/notesSlides/notesSlide21.xml><?xml version="1.0" encoding="utf-8"?>
 <p:notes xmlns:a="http://schemas.openxmlformats.org/drawingml/2006/main" xmlns:r="http://schemas.openxmlformats.org/officeDocument/2006/relationships" xmlns:p="http://schemas.openxmlformats.org/presentationml/2006/main">
   <p:cSld>
     <p:spTree>
@@ -6125,7 +6212,7 @@
 </p:notes>
 </file>
 
-<file path=ppt/notesSlides/notesSlide21.xml><?xml version="1.0" encoding="utf-8"?>
+<file path=ppt/notesSlides/notesSlide22.xml><?xml version="1.0" encoding="utf-8"?>
 <p:notes xmlns:a="http://schemas.openxmlformats.org/drawingml/2006/main" xmlns:r="http://schemas.openxmlformats.org/officeDocument/2006/relationships" xmlns:p="http://schemas.openxmlformats.org/presentationml/2006/main">
   <p:cSld>
     <p:spTree>
@@ -6212,7 +6299,7 @@
 </p:notes>
 </file>
 
-<file path=ppt/notesSlides/notesSlide22.xml><?xml version="1.0" encoding="utf-8"?>
+<file path=ppt/notesSlides/notesSlide23.xml><?xml version="1.0" encoding="utf-8"?>
 <p:notes xmlns:a="http://schemas.openxmlformats.org/drawingml/2006/main" xmlns:r="http://schemas.openxmlformats.org/officeDocument/2006/relationships" xmlns:p="http://schemas.openxmlformats.org/presentationml/2006/main">
   <p:cSld>
     <p:spTree>
@@ -6296,7 +6383,7 @@
 </p:notes>
 </file>
 
-<file path=ppt/notesSlides/notesSlide23.xml><?xml version="1.0" encoding="utf-8"?>
+<file path=ppt/notesSlides/notesSlide24.xml><?xml version="1.0" encoding="utf-8"?>
 <p:notes xmlns:a="http://schemas.openxmlformats.org/drawingml/2006/main" xmlns:r="http://schemas.openxmlformats.org/officeDocument/2006/relationships" xmlns:p="http://schemas.openxmlformats.org/presentationml/2006/main">
   <p:cSld>
     <p:spTree>
@@ -6383,7 +6470,7 @@
 </p:notes>
 </file>
 
-<file path=ppt/notesSlides/notesSlide24.xml><?xml version="1.0" encoding="utf-8"?>
+<file path=ppt/notesSlides/notesSlide25.xml><?xml version="1.0" encoding="utf-8"?>
 <p:notes xmlns:a="http://schemas.openxmlformats.org/drawingml/2006/main" xmlns:r="http://schemas.openxmlformats.org/officeDocument/2006/relationships" xmlns:p="http://schemas.openxmlformats.org/presentationml/2006/main">
   <p:cSld>
     <p:spTree>
@@ -6480,7 +6567,7 @@
 </p:notes>
 </file>
 
-<file path=ppt/notesSlides/notesSlide25.xml><?xml version="1.0" encoding="utf-8"?>
+<file path=ppt/notesSlides/notesSlide26.xml><?xml version="1.0" encoding="utf-8"?>
 <p:notes xmlns:a="http://schemas.openxmlformats.org/drawingml/2006/main" xmlns:r="http://schemas.openxmlformats.org/officeDocument/2006/relationships" xmlns:p="http://schemas.openxmlformats.org/presentationml/2006/main">
   <p:cSld>
     <p:spTree>
@@ -6628,7 +6715,7 @@
 </p:notes>
 </file>
 
-<file path=ppt/notesSlides/notesSlide26.xml><?xml version="1.0" encoding="utf-8"?>
+<file path=ppt/notesSlides/notesSlide27.xml><?xml version="1.0" encoding="utf-8"?>
 <p:notes xmlns:a="http://schemas.openxmlformats.org/drawingml/2006/main" xmlns:r="http://schemas.openxmlformats.org/officeDocument/2006/relationships" xmlns:p="http://schemas.openxmlformats.org/presentationml/2006/main">
   <p:cSld>
     <p:spTree>
@@ -6712,7 +6799,7 @@
 </p:notes>
 </file>
 
-<file path=ppt/notesSlides/notesSlide27.xml><?xml version="1.0" encoding="utf-8"?>
+<file path=ppt/notesSlides/notesSlide28.xml><?xml version="1.0" encoding="utf-8"?>
 <p:notes xmlns:a="http://schemas.openxmlformats.org/drawingml/2006/main" xmlns:r="http://schemas.openxmlformats.org/officeDocument/2006/relationships" xmlns:p="http://schemas.openxmlformats.org/presentationml/2006/main">
   <p:cSld>
     <p:spTree>
@@ -6796,7 +6883,7 @@
 </p:notes>
 </file>
 
-<file path=ppt/notesSlides/notesSlide28.xml><?xml version="1.0" encoding="utf-8"?>
+<file path=ppt/notesSlides/notesSlide29.xml><?xml version="1.0" encoding="utf-8"?>
 <p:notes xmlns:a="http://schemas.openxmlformats.org/drawingml/2006/main" xmlns:r="http://schemas.openxmlformats.org/officeDocument/2006/relationships" xmlns:p="http://schemas.openxmlformats.org/presentationml/2006/main">
   <p:cSld>
     <p:spTree>
@@ -6883,7 +6970,94 @@
 </p:notes>
 </file>
 
-<file path=ppt/notesSlides/notesSlide29.xml><?xml version="1.0" encoding="utf-8"?>
+<file path=ppt/notesSlides/notesSlide3.xml><?xml version="1.0" encoding="utf-8"?>
+<p:notes xmlns:a="http://schemas.openxmlformats.org/drawingml/2006/main" xmlns:r="http://schemas.openxmlformats.org/officeDocument/2006/relationships" xmlns:p="http://schemas.openxmlformats.org/presentationml/2006/main">
+  <p:cSld>
+    <p:spTree>
+      <p:nvGrpSpPr>
+        <p:cNvPr id="1" name=""/>
+        <p:cNvGrpSpPr/>
+        <p:nvPr/>
+      </p:nvGrpSpPr>
+      <p:grpSpPr>
+        <a:xfrm>
+          <a:off x="0" y="0"/>
+          <a:ext cx="0" cy="0"/>
+          <a:chOff x="0" y="0"/>
+          <a:chExt cx="0" cy="0"/>
+        </a:xfrm>
+      </p:grpSpPr>
+      <p:sp>
+        <p:nvSpPr>
+          <p:cNvPr id="2" name="Slide Image Placeholder 1"/>
+          <p:cNvSpPr>
+            <a:spLocks noGrp="1" noRot="1" noChangeAspect="1"/>
+          </p:cNvSpPr>
+          <p:nvPr>
+            <p:ph type="sldImg"/>
+          </p:nvPr>
+        </p:nvSpPr>
+        <p:spPr/>
+      </p:sp>
+      <p:sp>
+        <p:nvSpPr>
+          <p:cNvPr id="3" name="Notes Placeholder 2"/>
+          <p:cNvSpPr>
+            <a:spLocks noGrp="1"/>
+          </p:cNvSpPr>
+          <p:nvPr>
+            <p:ph type="body" idx="1"/>
+          </p:nvPr>
+        </p:nvSpPr>
+        <p:spPr/>
+        <p:txBody>
+          <a:bodyPr/>
+          <a:lstStyle/>
+          <a:p>
+            <a:r>
+              <a:rPr lang="en-CA" dirty="0"/>
+              <a:t>Key papers don’t always publish well immediately!</a:t>
+            </a:r>
+          </a:p>
+        </p:txBody>
+      </p:sp>
+      <p:sp>
+        <p:nvSpPr>
+          <p:cNvPr id="4" name="Slide Number Placeholder 3"/>
+          <p:cNvSpPr>
+            <a:spLocks noGrp="1"/>
+          </p:cNvSpPr>
+          <p:nvPr>
+            <p:ph type="sldNum" sz="quarter" idx="5"/>
+          </p:nvPr>
+        </p:nvSpPr>
+        <p:spPr/>
+        <p:txBody>
+          <a:bodyPr/>
+          <a:lstStyle/>
+          <a:p>
+            <a:fld id="{4AF79E1B-2C51-4B9B-8EA4-26DE9E345AFF}" type="slidenum">
+              <a:rPr lang="en-US" smtClean="0"/>
+              <a:t>4</a:t>
+            </a:fld>
+            <a:endParaRPr lang="en-US"/>
+          </a:p>
+        </p:txBody>
+      </p:sp>
+    </p:spTree>
+    <p:extLst>
+      <p:ext uri="{BB962C8B-B14F-4D97-AF65-F5344CB8AC3E}">
+        <p14:creationId xmlns:p14="http://schemas.microsoft.com/office/powerpoint/2010/main" val="1527946518"/>
+      </p:ext>
+    </p:extLst>
+  </p:cSld>
+  <p:clrMapOvr>
+    <a:masterClrMapping/>
+  </p:clrMapOvr>
+</p:notes>
+</file>
+
+<file path=ppt/notesSlides/notesSlide30.xml><?xml version="1.0" encoding="utf-8"?>
 <p:notes xmlns:a="http://schemas.openxmlformats.org/drawingml/2006/main" xmlns:r="http://schemas.openxmlformats.org/officeDocument/2006/relationships" xmlns:p="http://schemas.openxmlformats.org/presentationml/2006/main">
   <p:cSld>
     <p:spTree>
@@ -6981,94 +7155,7 @@
 </p:notes>
 </file>
 
-<file path=ppt/notesSlides/notesSlide3.xml><?xml version="1.0" encoding="utf-8"?>
-<p:notes xmlns:a="http://schemas.openxmlformats.org/drawingml/2006/main" xmlns:r="http://schemas.openxmlformats.org/officeDocument/2006/relationships" xmlns:p="http://schemas.openxmlformats.org/presentationml/2006/main">
-  <p:cSld>
-    <p:spTree>
-      <p:nvGrpSpPr>
-        <p:cNvPr id="1" name=""/>
-        <p:cNvGrpSpPr/>
-        <p:nvPr/>
-      </p:nvGrpSpPr>
-      <p:grpSpPr>
-        <a:xfrm>
-          <a:off x="0" y="0"/>
-          <a:ext cx="0" cy="0"/>
-          <a:chOff x="0" y="0"/>
-          <a:chExt cx="0" cy="0"/>
-        </a:xfrm>
-      </p:grpSpPr>
-      <p:sp>
-        <p:nvSpPr>
-          <p:cNvPr id="2" name="Slide Image Placeholder 1"/>
-          <p:cNvSpPr>
-            <a:spLocks noGrp="1" noRot="1" noChangeAspect="1"/>
-          </p:cNvSpPr>
-          <p:nvPr>
-            <p:ph type="sldImg"/>
-          </p:nvPr>
-        </p:nvSpPr>
-        <p:spPr/>
-      </p:sp>
-      <p:sp>
-        <p:nvSpPr>
-          <p:cNvPr id="3" name="Notes Placeholder 2"/>
-          <p:cNvSpPr>
-            <a:spLocks noGrp="1"/>
-          </p:cNvSpPr>
-          <p:nvPr>
-            <p:ph type="body" idx="1"/>
-          </p:nvPr>
-        </p:nvSpPr>
-        <p:spPr/>
-        <p:txBody>
-          <a:bodyPr/>
-          <a:lstStyle/>
-          <a:p>
-            <a:r>
-              <a:rPr lang="en-CA" dirty="0"/>
-              <a:t>So what’s the story – is this entirely patient selection, or does the MD have control? Think back to leniency IV from last semester!</a:t>
-            </a:r>
-          </a:p>
-        </p:txBody>
-      </p:sp>
-      <p:sp>
-        <p:nvSpPr>
-          <p:cNvPr id="4" name="Slide Number Placeholder 3"/>
-          <p:cNvSpPr>
-            <a:spLocks noGrp="1"/>
-          </p:cNvSpPr>
-          <p:nvPr>
-            <p:ph type="sldNum" sz="quarter" idx="5"/>
-          </p:nvPr>
-        </p:nvSpPr>
-        <p:spPr/>
-        <p:txBody>
-          <a:bodyPr/>
-          <a:lstStyle/>
-          <a:p>
-            <a:fld id="{4AF79E1B-2C51-4B9B-8EA4-26DE9E345AFF}" type="slidenum">
-              <a:rPr lang="en-US" smtClean="0"/>
-              <a:t>5</a:t>
-            </a:fld>
-            <a:endParaRPr lang="en-US"/>
-          </a:p>
-        </p:txBody>
-      </p:sp>
-    </p:spTree>
-    <p:extLst>
-      <p:ext uri="{BB962C8B-B14F-4D97-AF65-F5344CB8AC3E}">
-        <p14:creationId xmlns:p14="http://schemas.microsoft.com/office/powerpoint/2010/main" val="12264613"/>
-      </p:ext>
-    </p:extLst>
-  </p:cSld>
-  <p:clrMapOvr>
-    <a:masterClrMapping/>
-  </p:clrMapOvr>
-</p:notes>
-</file>
-
-<file path=ppt/notesSlides/notesSlide30.xml><?xml version="1.0" encoding="utf-8"?>
+<file path=ppt/notesSlides/notesSlide31.xml><?xml version="1.0" encoding="utf-8"?>
 <p:notes xmlns:a="http://schemas.openxmlformats.org/drawingml/2006/main" xmlns:r="http://schemas.openxmlformats.org/officeDocument/2006/relationships" xmlns:p="http://schemas.openxmlformats.org/presentationml/2006/main">
   <p:cSld>
     <p:spTree>
@@ -7166,7 +7253,7 @@
 </p:notes>
 </file>
 
-<file path=ppt/notesSlides/notesSlide31.xml><?xml version="1.0" encoding="utf-8"?>
+<file path=ppt/notesSlides/notesSlide32.xml><?xml version="1.0" encoding="utf-8"?>
 <p:notes xmlns:a="http://schemas.openxmlformats.org/drawingml/2006/main" xmlns:r="http://schemas.openxmlformats.org/officeDocument/2006/relationships" xmlns:p="http://schemas.openxmlformats.org/presentationml/2006/main">
   <p:cSld>
     <p:spTree>
@@ -7253,7 +7340,7 @@
 </p:notes>
 </file>
 
-<file path=ppt/notesSlides/notesSlide32.xml><?xml version="1.0" encoding="utf-8"?>
+<file path=ppt/notesSlides/notesSlide33.xml><?xml version="1.0" encoding="utf-8"?>
 <p:notes xmlns:a="http://schemas.openxmlformats.org/drawingml/2006/main" xmlns:r="http://schemas.openxmlformats.org/officeDocument/2006/relationships" xmlns:p="http://schemas.openxmlformats.org/presentationml/2006/main">
   <p:cSld>
     <p:spTree>
@@ -7340,7 +7427,7 @@
 </p:notes>
 </file>
 
-<file path=ppt/notesSlides/notesSlide33.xml><?xml version="1.0" encoding="utf-8"?>
+<file path=ppt/notesSlides/notesSlide34.xml><?xml version="1.0" encoding="utf-8"?>
 <p:notes xmlns:a="http://schemas.openxmlformats.org/drawingml/2006/main" xmlns:r="http://schemas.openxmlformats.org/officeDocument/2006/relationships" xmlns:p="http://schemas.openxmlformats.org/presentationml/2006/main">
   <p:cSld>
     <p:spTree>
@@ -7427,7 +7514,7 @@
 </p:notes>
 </file>
 
-<file path=ppt/notesSlides/notesSlide34.xml><?xml version="1.0" encoding="utf-8"?>
+<file path=ppt/notesSlides/notesSlide35.xml><?xml version="1.0" encoding="utf-8"?>
 <p:notes xmlns:a="http://schemas.openxmlformats.org/drawingml/2006/main" xmlns:r="http://schemas.openxmlformats.org/officeDocument/2006/relationships" xmlns:p="http://schemas.openxmlformats.org/presentationml/2006/main">
   <p:cSld>
     <p:spTree>
@@ -7541,7 +7628,7 @@
 </p:notes>
 </file>
 
-<file path=ppt/notesSlides/notesSlide35.xml><?xml version="1.0" encoding="utf-8"?>
+<file path=ppt/notesSlides/notesSlide36.xml><?xml version="1.0" encoding="utf-8"?>
 <p:notes xmlns:a="http://schemas.openxmlformats.org/drawingml/2006/main" xmlns:r="http://schemas.openxmlformats.org/officeDocument/2006/relationships" xmlns:p="http://schemas.openxmlformats.org/presentationml/2006/main">
   <p:cSld>
     <p:spTree>
@@ -7647,7 +7734,7 @@
 </p:notes>
 </file>
 
-<file path=ppt/notesSlides/notesSlide36.xml><?xml version="1.0" encoding="utf-8"?>
+<file path=ppt/notesSlides/notesSlide37.xml><?xml version="1.0" encoding="utf-8"?>
 <p:notes xmlns:a="http://schemas.openxmlformats.org/drawingml/2006/main" xmlns:r="http://schemas.openxmlformats.org/officeDocument/2006/relationships" xmlns:p="http://schemas.openxmlformats.org/presentationml/2006/main">
   <p:cSld>
     <p:spTree>
@@ -7744,7 +7831,7 @@
 </p:notes>
 </file>
 
-<file path=ppt/notesSlides/notesSlide37.xml><?xml version="1.0" encoding="utf-8"?>
+<file path=ppt/notesSlides/notesSlide38.xml><?xml version="1.0" encoding="utf-8"?>
 <p:notes xmlns:a="http://schemas.openxmlformats.org/drawingml/2006/main" xmlns:r="http://schemas.openxmlformats.org/officeDocument/2006/relationships" xmlns:p="http://schemas.openxmlformats.org/presentationml/2006/main">
   <p:cSld>
     <p:spTree>
@@ -7835,7 +7922,7 @@
 </p:notes>
 </file>
 
-<file path=ppt/notesSlides/notesSlide38.xml><?xml version="1.0" encoding="utf-8"?>
+<file path=ppt/notesSlides/notesSlide39.xml><?xml version="1.0" encoding="utf-8"?>
 <p:notes xmlns:a="http://schemas.openxmlformats.org/drawingml/2006/main" xmlns:r="http://schemas.openxmlformats.org/officeDocument/2006/relationships" xmlns:p="http://schemas.openxmlformats.org/presentationml/2006/main">
   <p:cSld>
     <p:spTree>
@@ -7926,7 +8013,94 @@
 </p:notes>
 </file>
 
-<file path=ppt/notesSlides/notesSlide39.xml><?xml version="1.0" encoding="utf-8"?>
+<file path=ppt/notesSlides/notesSlide4.xml><?xml version="1.0" encoding="utf-8"?>
+<p:notes xmlns:a="http://schemas.openxmlformats.org/drawingml/2006/main" xmlns:r="http://schemas.openxmlformats.org/officeDocument/2006/relationships" xmlns:p="http://schemas.openxmlformats.org/presentationml/2006/main">
+  <p:cSld>
+    <p:spTree>
+      <p:nvGrpSpPr>
+        <p:cNvPr id="1" name=""/>
+        <p:cNvGrpSpPr/>
+        <p:nvPr/>
+      </p:nvGrpSpPr>
+      <p:grpSpPr>
+        <a:xfrm>
+          <a:off x="0" y="0"/>
+          <a:ext cx="0" cy="0"/>
+          <a:chOff x="0" y="0"/>
+          <a:chExt cx="0" cy="0"/>
+        </a:xfrm>
+      </p:grpSpPr>
+      <p:sp>
+        <p:nvSpPr>
+          <p:cNvPr id="2" name="Slide Image Placeholder 1"/>
+          <p:cNvSpPr>
+            <a:spLocks noGrp="1" noRot="1" noChangeAspect="1"/>
+          </p:cNvSpPr>
+          <p:nvPr>
+            <p:ph type="sldImg"/>
+          </p:nvPr>
+        </p:nvSpPr>
+        <p:spPr/>
+      </p:sp>
+      <p:sp>
+        <p:nvSpPr>
+          <p:cNvPr id="3" name="Notes Placeholder 2"/>
+          <p:cNvSpPr>
+            <a:spLocks noGrp="1"/>
+          </p:cNvSpPr>
+          <p:nvPr>
+            <p:ph type="body" idx="1"/>
+          </p:nvPr>
+        </p:nvSpPr>
+        <p:spPr/>
+        <p:txBody>
+          <a:bodyPr/>
+          <a:lstStyle/>
+          <a:p>
+            <a:r>
+              <a:rPr lang="en-CA" dirty="0"/>
+              <a:t>So what’s the story – is this entirely patient selection, or does the MD have control? Think back to leniency IV from last semester!</a:t>
+            </a:r>
+          </a:p>
+        </p:txBody>
+      </p:sp>
+      <p:sp>
+        <p:nvSpPr>
+          <p:cNvPr id="4" name="Slide Number Placeholder 3"/>
+          <p:cNvSpPr>
+            <a:spLocks noGrp="1"/>
+          </p:cNvSpPr>
+          <p:nvPr>
+            <p:ph type="sldNum" sz="quarter" idx="5"/>
+          </p:nvPr>
+        </p:nvSpPr>
+        <p:spPr/>
+        <p:txBody>
+          <a:bodyPr/>
+          <a:lstStyle/>
+          <a:p>
+            <a:fld id="{4AF79E1B-2C51-4B9B-8EA4-26DE9E345AFF}" type="slidenum">
+              <a:rPr lang="en-US" smtClean="0"/>
+              <a:t>5</a:t>
+            </a:fld>
+            <a:endParaRPr lang="en-US"/>
+          </a:p>
+        </p:txBody>
+      </p:sp>
+    </p:spTree>
+    <p:extLst>
+      <p:ext uri="{BB962C8B-B14F-4D97-AF65-F5344CB8AC3E}">
+        <p14:creationId xmlns:p14="http://schemas.microsoft.com/office/powerpoint/2010/main" val="12264613"/>
+      </p:ext>
+    </p:extLst>
+  </p:cSld>
+  <p:clrMapOvr>
+    <a:masterClrMapping/>
+  </p:clrMapOvr>
+</p:notes>
+</file>
+
+<file path=ppt/notesSlides/notesSlide40.xml><?xml version="1.0" encoding="utf-8"?>
 <p:notes xmlns:a="http://schemas.openxmlformats.org/drawingml/2006/main" xmlns:r="http://schemas.openxmlformats.org/officeDocument/2006/relationships" xmlns:p="http://schemas.openxmlformats.org/presentationml/2006/main">
   <p:cSld>
     <p:spTree>
@@ -8026,94 +8200,7 @@
 </p:notes>
 </file>
 
-<file path=ppt/notesSlides/notesSlide4.xml><?xml version="1.0" encoding="utf-8"?>
-<p:notes xmlns:a="http://schemas.openxmlformats.org/drawingml/2006/main" xmlns:r="http://schemas.openxmlformats.org/officeDocument/2006/relationships" xmlns:p="http://schemas.openxmlformats.org/presentationml/2006/main">
-  <p:cSld>
-    <p:spTree>
-      <p:nvGrpSpPr>
-        <p:cNvPr id="1" name=""/>
-        <p:cNvGrpSpPr/>
-        <p:nvPr/>
-      </p:nvGrpSpPr>
-      <p:grpSpPr>
-        <a:xfrm>
-          <a:off x="0" y="0"/>
-          <a:ext cx="0" cy="0"/>
-          <a:chOff x="0" y="0"/>
-          <a:chExt cx="0" cy="0"/>
-        </a:xfrm>
-      </p:grpSpPr>
-      <p:sp>
-        <p:nvSpPr>
-          <p:cNvPr id="2" name="Slide Image Placeholder 1"/>
-          <p:cNvSpPr>
-            <a:spLocks noGrp="1" noRot="1" noChangeAspect="1"/>
-          </p:cNvSpPr>
-          <p:nvPr>
-            <p:ph type="sldImg"/>
-          </p:nvPr>
-        </p:nvSpPr>
-        <p:spPr/>
-      </p:sp>
-      <p:sp>
-        <p:nvSpPr>
-          <p:cNvPr id="3" name="Notes Placeholder 2"/>
-          <p:cNvSpPr>
-            <a:spLocks noGrp="1"/>
-          </p:cNvSpPr>
-          <p:nvPr>
-            <p:ph type="body" idx="1"/>
-          </p:nvPr>
-        </p:nvSpPr>
-        <p:spPr/>
-        <p:txBody>
-          <a:bodyPr/>
-          <a:lstStyle/>
-          <a:p>
-            <a:r>
-              <a:rPr lang="en-CA" dirty="0"/>
-              <a:t>So what’s the story? And what kind of responses do we have here – is it tech adoption? Is it profit maximization? </a:t>
-            </a:r>
-          </a:p>
-        </p:txBody>
-      </p:sp>
-      <p:sp>
-        <p:nvSpPr>
-          <p:cNvPr id="4" name="Slide Number Placeholder 3"/>
-          <p:cNvSpPr>
-            <a:spLocks noGrp="1"/>
-          </p:cNvSpPr>
-          <p:nvPr>
-            <p:ph type="sldNum" sz="quarter" idx="5"/>
-          </p:nvPr>
-        </p:nvSpPr>
-        <p:spPr/>
-        <p:txBody>
-          <a:bodyPr/>
-          <a:lstStyle/>
-          <a:p>
-            <a:fld id="{4AF79E1B-2C51-4B9B-8EA4-26DE9E345AFF}" type="slidenum">
-              <a:rPr lang="en-US" smtClean="0"/>
-              <a:t>6</a:t>
-            </a:fld>
-            <a:endParaRPr lang="en-US"/>
-          </a:p>
-        </p:txBody>
-      </p:sp>
-    </p:spTree>
-    <p:extLst>
-      <p:ext uri="{BB962C8B-B14F-4D97-AF65-F5344CB8AC3E}">
-        <p14:creationId xmlns:p14="http://schemas.microsoft.com/office/powerpoint/2010/main" val="4280877739"/>
-      </p:ext>
-    </p:extLst>
-  </p:cSld>
-  <p:clrMapOvr>
-    <a:masterClrMapping/>
-  </p:clrMapOvr>
-</p:notes>
-</file>
-
-<file path=ppt/notesSlides/notesSlide40.xml><?xml version="1.0" encoding="utf-8"?>
+<file path=ppt/notesSlides/notesSlide41.xml><?xml version="1.0" encoding="utf-8"?>
 <p:notes xmlns:a="http://schemas.openxmlformats.org/drawingml/2006/main" xmlns:r="http://schemas.openxmlformats.org/officeDocument/2006/relationships" xmlns:p="http://schemas.openxmlformats.org/presentationml/2006/main">
   <p:cSld>
     <p:spTree>
@@ -8216,7 +8303,7 @@
 </p:notes>
 </file>
 
-<file path=ppt/notesSlides/notesSlide41.xml><?xml version="1.0" encoding="utf-8"?>
+<file path=ppt/notesSlides/notesSlide42.xml><?xml version="1.0" encoding="utf-8"?>
 <p:notes xmlns:a="http://schemas.openxmlformats.org/drawingml/2006/main" xmlns:r="http://schemas.openxmlformats.org/officeDocument/2006/relationships" xmlns:p="http://schemas.openxmlformats.org/presentationml/2006/main">
   <p:cSld>
     <p:spTree>
@@ -8307,7 +8394,7 @@
 </p:notes>
 </file>
 
-<file path=ppt/notesSlides/notesSlide42.xml><?xml version="1.0" encoding="utf-8"?>
+<file path=ppt/notesSlides/notesSlide43.xml><?xml version="1.0" encoding="utf-8"?>
 <p:notes xmlns:a="http://schemas.openxmlformats.org/drawingml/2006/main" xmlns:r="http://schemas.openxmlformats.org/officeDocument/2006/relationships" xmlns:p="http://schemas.openxmlformats.org/presentationml/2006/main">
   <p:cSld>
     <p:spTree>
@@ -8398,7 +8485,7 @@
 </p:notes>
 </file>
 
-<file path=ppt/notesSlides/notesSlide43.xml><?xml version="1.0" encoding="utf-8"?>
+<file path=ppt/notesSlides/notesSlide44.xml><?xml version="1.0" encoding="utf-8"?>
 <p:notes xmlns:a="http://schemas.openxmlformats.org/drawingml/2006/main" xmlns:r="http://schemas.openxmlformats.org/officeDocument/2006/relationships" xmlns:p="http://schemas.openxmlformats.org/presentationml/2006/main">
   <p:cSld>
     <p:spTree>
@@ -8485,7 +8572,7 @@
 </p:notes>
 </file>
 
-<file path=ppt/notesSlides/notesSlide44.xml><?xml version="1.0" encoding="utf-8"?>
+<file path=ppt/notesSlides/notesSlide45.xml><?xml version="1.0" encoding="utf-8"?>
 <p:notes xmlns:a="http://schemas.openxmlformats.org/drawingml/2006/main" xmlns:r="http://schemas.openxmlformats.org/officeDocument/2006/relationships" xmlns:p="http://schemas.openxmlformats.org/presentationml/2006/main">
   <p:cSld>
     <p:spTree>
@@ -8577,7 +8664,7 @@
 </p:notes>
 </file>
 
-<file path=ppt/notesSlides/notesSlide45.xml><?xml version="1.0" encoding="utf-8"?>
+<file path=ppt/notesSlides/notesSlide46.xml><?xml version="1.0" encoding="utf-8"?>
 <p:notes xmlns:a="http://schemas.openxmlformats.org/drawingml/2006/main" xmlns:r="http://schemas.openxmlformats.org/officeDocument/2006/relationships" xmlns:p="http://schemas.openxmlformats.org/presentationml/2006/main">
   <p:cSld>
     <p:spTree>
@@ -8661,7 +8748,7 @@
 </p:notes>
 </file>
 
-<file path=ppt/notesSlides/notesSlide46.xml><?xml version="1.0" encoding="utf-8"?>
+<file path=ppt/notesSlides/notesSlide47.xml><?xml version="1.0" encoding="utf-8"?>
 <p:notes xmlns:a="http://schemas.openxmlformats.org/drawingml/2006/main" xmlns:r="http://schemas.openxmlformats.org/officeDocument/2006/relationships" xmlns:p="http://schemas.openxmlformats.org/presentationml/2006/main">
   <p:cSld>
     <p:spTree>
@@ -8794,6 +8881,93 @@
           <a:p>
             <a:r>
               <a:rPr lang="en-CA" dirty="0"/>
+              <a:t>So what’s the story? And what kind of responses do we have here – is it tech adoption? Is it profit maximization? </a:t>
+            </a:r>
+          </a:p>
+        </p:txBody>
+      </p:sp>
+      <p:sp>
+        <p:nvSpPr>
+          <p:cNvPr id="4" name="Slide Number Placeholder 3"/>
+          <p:cNvSpPr>
+            <a:spLocks noGrp="1"/>
+          </p:cNvSpPr>
+          <p:nvPr>
+            <p:ph type="sldNum" sz="quarter" idx="5"/>
+          </p:nvPr>
+        </p:nvSpPr>
+        <p:spPr/>
+        <p:txBody>
+          <a:bodyPr/>
+          <a:lstStyle/>
+          <a:p>
+            <a:fld id="{4AF79E1B-2C51-4B9B-8EA4-26DE9E345AFF}" type="slidenum">
+              <a:rPr lang="en-US" smtClean="0"/>
+              <a:t>6</a:t>
+            </a:fld>
+            <a:endParaRPr lang="en-US"/>
+          </a:p>
+        </p:txBody>
+      </p:sp>
+    </p:spTree>
+    <p:extLst>
+      <p:ext uri="{BB962C8B-B14F-4D97-AF65-F5344CB8AC3E}">
+        <p14:creationId xmlns:p14="http://schemas.microsoft.com/office/powerpoint/2010/main" val="4280877739"/>
+      </p:ext>
+    </p:extLst>
+  </p:cSld>
+  <p:clrMapOvr>
+    <a:masterClrMapping/>
+  </p:clrMapOvr>
+</p:notes>
+</file>
+
+<file path=ppt/notesSlides/notesSlide6.xml><?xml version="1.0" encoding="utf-8"?>
+<p:notes xmlns:a="http://schemas.openxmlformats.org/drawingml/2006/main" xmlns:r="http://schemas.openxmlformats.org/officeDocument/2006/relationships" xmlns:p="http://schemas.openxmlformats.org/presentationml/2006/main">
+  <p:cSld>
+    <p:spTree>
+      <p:nvGrpSpPr>
+        <p:cNvPr id="1" name=""/>
+        <p:cNvGrpSpPr/>
+        <p:nvPr/>
+      </p:nvGrpSpPr>
+      <p:grpSpPr>
+        <a:xfrm>
+          <a:off x="0" y="0"/>
+          <a:ext cx="0" cy="0"/>
+          <a:chOff x="0" y="0"/>
+          <a:chExt cx="0" cy="0"/>
+        </a:xfrm>
+      </p:grpSpPr>
+      <p:sp>
+        <p:nvSpPr>
+          <p:cNvPr id="2" name="Slide Image Placeholder 1"/>
+          <p:cNvSpPr>
+            <a:spLocks noGrp="1" noRot="1" noChangeAspect="1"/>
+          </p:cNvSpPr>
+          <p:nvPr>
+            <p:ph type="sldImg"/>
+          </p:nvPr>
+        </p:nvSpPr>
+        <p:spPr/>
+      </p:sp>
+      <p:sp>
+        <p:nvSpPr>
+          <p:cNvPr id="3" name="Notes Placeholder 2"/>
+          <p:cNvSpPr>
+            <a:spLocks noGrp="1"/>
+          </p:cNvSpPr>
+          <p:nvPr>
+            <p:ph type="body" idx="1"/>
+          </p:nvPr>
+        </p:nvSpPr>
+        <p:spPr/>
+        <p:txBody>
+          <a:bodyPr/>
+          <a:lstStyle/>
+          <a:p>
+            <a:r>
+              <a:rPr lang="en-CA" dirty="0"/>
               <a:t>We’ll come back to this question – source Johnson 2014 (“Physician-Induced Demand”)</a:t>
             </a:r>
           </a:p>
@@ -8835,7 +9009,7 @@
 </p:notes>
 </file>
 
-<file path=ppt/notesSlides/notesSlide6.xml><?xml version="1.0" encoding="utf-8"?>
+<file path=ppt/notesSlides/notesSlide7.xml><?xml version="1.0" encoding="utf-8"?>
 <p:notes xmlns:a="http://schemas.openxmlformats.org/drawingml/2006/main" xmlns:r="http://schemas.openxmlformats.org/officeDocument/2006/relationships" xmlns:p="http://schemas.openxmlformats.org/presentationml/2006/main">
   <p:cSld>
     <p:spTree>
@@ -8922,7 +9096,7 @@
 </p:notes>
 </file>
 
-<file path=ppt/notesSlides/notesSlide7.xml><?xml version="1.0" encoding="utf-8"?>
+<file path=ppt/notesSlides/notesSlide8.xml><?xml version="1.0" encoding="utf-8"?>
 <p:notes xmlns:a="http://schemas.openxmlformats.org/drawingml/2006/main" xmlns:r="http://schemas.openxmlformats.org/officeDocument/2006/relationships" xmlns:p="http://schemas.openxmlformats.org/presentationml/2006/main">
   <p:cSld>
     <p:spTree>
@@ -9009,7 +9183,7 @@
 </p:notes>
 </file>
 
-<file path=ppt/notesSlides/notesSlide8.xml><?xml version="1.0" encoding="utf-8"?>
+<file path=ppt/notesSlides/notesSlide9.xml><?xml version="1.0" encoding="utf-8"?>
 <p:notes xmlns:a="http://schemas.openxmlformats.org/drawingml/2006/main" xmlns:r="http://schemas.openxmlformats.org/officeDocument/2006/relationships" xmlns:p="http://schemas.openxmlformats.org/presentationml/2006/main">
   <p:cSld>
     <p:spTree>
@@ -9087,93 +9261,6 @@
     <p:extLst>
       <p:ext uri="{BB962C8B-B14F-4D97-AF65-F5344CB8AC3E}">
         <p14:creationId xmlns:p14="http://schemas.microsoft.com/office/powerpoint/2010/main" val="3446361375"/>
-      </p:ext>
-    </p:extLst>
-  </p:cSld>
-  <p:clrMapOvr>
-    <a:masterClrMapping/>
-  </p:clrMapOvr>
-</p:notes>
-</file>
-
-<file path=ppt/notesSlides/notesSlide9.xml><?xml version="1.0" encoding="utf-8"?>
-<p:notes xmlns:a="http://schemas.openxmlformats.org/drawingml/2006/main" xmlns:r="http://schemas.openxmlformats.org/officeDocument/2006/relationships" xmlns:p="http://schemas.openxmlformats.org/presentationml/2006/main">
-  <p:cSld>
-    <p:spTree>
-      <p:nvGrpSpPr>
-        <p:cNvPr id="1" name=""/>
-        <p:cNvGrpSpPr/>
-        <p:nvPr/>
-      </p:nvGrpSpPr>
-      <p:grpSpPr>
-        <a:xfrm>
-          <a:off x="0" y="0"/>
-          <a:ext cx="0" cy="0"/>
-          <a:chOff x="0" y="0"/>
-          <a:chExt cx="0" cy="0"/>
-        </a:xfrm>
-      </p:grpSpPr>
-      <p:sp>
-        <p:nvSpPr>
-          <p:cNvPr id="2" name="Slide Image Placeholder 1"/>
-          <p:cNvSpPr>
-            <a:spLocks noGrp="1" noRot="1" noChangeAspect="1"/>
-          </p:cNvSpPr>
-          <p:nvPr>
-            <p:ph type="sldImg"/>
-          </p:nvPr>
-        </p:nvSpPr>
-        <p:spPr/>
-      </p:sp>
-      <p:sp>
-        <p:nvSpPr>
-          <p:cNvPr id="3" name="Notes Placeholder 2"/>
-          <p:cNvSpPr>
-            <a:spLocks noGrp="1"/>
-          </p:cNvSpPr>
-          <p:nvPr>
-            <p:ph type="body" idx="1"/>
-          </p:nvPr>
-        </p:nvSpPr>
-        <p:spPr/>
-        <p:txBody>
-          <a:bodyPr/>
-          <a:lstStyle/>
-          <a:p>
-            <a:r>
-              <a:rPr lang="en-CA" dirty="0"/>
-              <a:t>Why only two treatments? Tractability. Note that still, without making some assumptions, solution is very complicated (triple integrals!)</a:t>
-            </a:r>
-          </a:p>
-        </p:txBody>
-      </p:sp>
-      <p:sp>
-        <p:nvSpPr>
-          <p:cNvPr id="4" name="Slide Number Placeholder 3"/>
-          <p:cNvSpPr>
-            <a:spLocks noGrp="1"/>
-          </p:cNvSpPr>
-          <p:nvPr>
-            <p:ph type="sldNum" sz="quarter" idx="5"/>
-          </p:nvPr>
-        </p:nvSpPr>
-        <p:spPr/>
-        <p:txBody>
-          <a:bodyPr/>
-          <a:lstStyle/>
-          <a:p>
-            <a:fld id="{4AF79E1B-2C51-4B9B-8EA4-26DE9E345AFF}" type="slidenum">
-              <a:rPr lang="en-US" smtClean="0"/>
-              <a:t>11</a:t>
-            </a:fld>
-            <a:endParaRPr lang="en-US"/>
-          </a:p>
-        </p:txBody>
-      </p:sp>
-    </p:spTree>
-    <p:extLst>
-      <p:ext uri="{BB962C8B-B14F-4D97-AF65-F5344CB8AC3E}">
-        <p14:creationId xmlns:p14="http://schemas.microsoft.com/office/powerpoint/2010/main" val="195389170"/>
       </p:ext>
     </p:extLst>
   </p:cSld>
@@ -9352,7 +9439,7 @@
             <a:fld id="{0972D05C-DCFB-4BB6-B49C-AC126BF3ED2C}" type="datetimeFigureOut">
               <a:rPr lang="en-US" smtClean="0"/>
               <a:pPr/>
-              <a:t>2/6/2023</a:t>
+              <a:t>2/13/2024</a:t>
             </a:fld>
             <a:endParaRPr lang="en-US"/>
           </a:p>
@@ -9582,7 +9669,7 @@
             <a:fld id="{0972D05C-DCFB-4BB6-B49C-AC126BF3ED2C}" type="datetimeFigureOut">
               <a:rPr lang="en-US" smtClean="0"/>
               <a:pPr/>
-              <a:t>2/6/2023</a:t>
+              <a:t>2/13/2024</a:t>
             </a:fld>
             <a:endParaRPr lang="en-US"/>
           </a:p>
@@ -9764,7 +9851,7 @@
             <a:fld id="{0972D05C-DCFB-4BB6-B49C-AC126BF3ED2C}" type="datetimeFigureOut">
               <a:rPr lang="en-US" smtClean="0"/>
               <a:pPr/>
-              <a:t>2/6/2023</a:t>
+              <a:t>2/13/2024</a:t>
             </a:fld>
             <a:endParaRPr lang="en-US"/>
           </a:p>
@@ -9936,7 +10023,7 @@
             <a:fld id="{0972D05C-DCFB-4BB6-B49C-AC126BF3ED2C}" type="datetimeFigureOut">
               <a:rPr lang="en-US" smtClean="0"/>
               <a:pPr/>
-              <a:t>2/6/2023</a:t>
+              <a:t>2/13/2024</a:t>
             </a:fld>
             <a:endParaRPr lang="en-US"/>
           </a:p>
@@ -10192,7 +10279,7 @@
             <a:fld id="{0972D05C-DCFB-4BB6-B49C-AC126BF3ED2C}" type="datetimeFigureOut">
               <a:rPr lang="en-US" smtClean="0"/>
               <a:pPr/>
-              <a:t>2/6/2023</a:t>
+              <a:t>2/13/2024</a:t>
             </a:fld>
             <a:endParaRPr lang="en-US"/>
           </a:p>
@@ -10520,7 +10607,7 @@
             <a:fld id="{0972D05C-DCFB-4BB6-B49C-AC126BF3ED2C}" type="datetimeFigureOut">
               <a:rPr lang="en-US" smtClean="0"/>
               <a:pPr/>
-              <a:t>2/6/2023</a:t>
+              <a:t>2/13/2024</a:t>
             </a:fld>
             <a:endParaRPr lang="en-US"/>
           </a:p>
@@ -10973,7 +11060,7 @@
             <a:fld id="{0972D05C-DCFB-4BB6-B49C-AC126BF3ED2C}" type="datetimeFigureOut">
               <a:rPr lang="en-US" smtClean="0"/>
               <a:pPr/>
-              <a:t>2/6/2023</a:t>
+              <a:t>2/13/2024</a:t>
             </a:fld>
             <a:endParaRPr lang="en-US"/>
           </a:p>
@@ -11093,7 +11180,7 @@
             <a:fld id="{0972D05C-DCFB-4BB6-B49C-AC126BF3ED2C}" type="datetimeFigureOut">
               <a:rPr lang="en-US" smtClean="0"/>
               <a:pPr/>
-              <a:t>2/6/2023</a:t>
+              <a:t>2/13/2024</a:t>
             </a:fld>
             <a:endParaRPr lang="en-US"/>
           </a:p>
@@ -11190,7 +11277,7 @@
             <a:fld id="{0972D05C-DCFB-4BB6-B49C-AC126BF3ED2C}" type="datetimeFigureOut">
               <a:rPr lang="en-US" smtClean="0"/>
               <a:pPr/>
-              <a:t>2/6/2023</a:t>
+              <a:t>2/13/2024</a:t>
             </a:fld>
             <a:endParaRPr lang="en-US"/>
           </a:p>
@@ -11479,7 +11566,7 @@
             <a:fld id="{0972D05C-DCFB-4BB6-B49C-AC126BF3ED2C}" type="datetimeFigureOut">
               <a:rPr lang="en-US" smtClean="0"/>
               <a:pPr/>
-              <a:t>2/6/2023</a:t>
+              <a:t>2/13/2024</a:t>
             </a:fld>
             <a:endParaRPr lang="en-US"/>
           </a:p>
@@ -11803,7 +11890,7 @@
             <a:fld id="{0972D05C-DCFB-4BB6-B49C-AC126BF3ED2C}" type="datetimeFigureOut">
               <a:rPr lang="en-US" smtClean="0"/>
               <a:pPr/>
-              <a:t>2/6/2023</a:t>
+              <a:t>2/13/2024</a:t>
             </a:fld>
             <a:endParaRPr lang="en-US"/>
           </a:p>
@@ -12058,7 +12145,7 @@
             <a:fld id="{0972D05C-DCFB-4BB6-B49C-AC126BF3ED2C}" type="datetimeFigureOut">
               <a:rPr lang="en-US" smtClean="0"/>
               <a:pPr/>
-              <a:t>2/6/2023</a:t>
+              <a:t>2/13/2024</a:t>
             </a:fld>
             <a:endParaRPr lang="en-US" dirty="0"/>
           </a:p>
@@ -28434,8 +28521,8 @@
           </a:p>
         </p:txBody>
       </p:sp>
-      <mc:AlternateContent xmlns:mc="http://schemas.openxmlformats.org/markup-compatibility/2006">
-        <mc:Choice xmlns:a14="http://schemas.microsoft.com/office/drawing/2010/main" Requires="a14">
+      <mc:AlternateContent xmlns:mc="http://schemas.openxmlformats.org/markup-compatibility/2006" xmlns:a14="http://schemas.microsoft.com/office/drawing/2010/main">
+        <mc:Choice Requires="a14">
           <p:sp>
             <p:nvSpPr>
               <p:cNvPr id="3" name="TextBox 2">
@@ -28717,7 +28804,7 @@
             </p:txBody>
           </p:sp>
         </mc:Choice>
-        <mc:Fallback>
+        <mc:Fallback xmlns="">
           <p:sp>
             <p:nvSpPr>
               <p:cNvPr id="3" name="TextBox 2">
@@ -28981,8 +29068,8 @@
           </a:p>
         </p:txBody>
       </p:sp>
-      <mc:AlternateContent xmlns:mc="http://schemas.openxmlformats.org/markup-compatibility/2006">
-        <mc:Choice xmlns:a14="http://schemas.microsoft.com/office/drawing/2010/main" Requires="a14">
+      <mc:AlternateContent xmlns:mc="http://schemas.openxmlformats.org/markup-compatibility/2006" xmlns:a14="http://schemas.microsoft.com/office/drawing/2010/main">
+        <mc:Choice Requires="a14">
           <p:sp>
             <p:nvSpPr>
               <p:cNvPr id="3" name="TextBox 2">
@@ -29304,7 +29391,7 @@
             </p:txBody>
           </p:sp>
         </mc:Choice>
-        <mc:Fallback>
+        <mc:Fallback xmlns="">
           <p:sp>
             <p:nvSpPr>
               <p:cNvPr id="3" name="TextBox 2">

--- a/Lecture05_PatientPhysicianInteractions/L5Slides_PhysicianPatientInteractions_2023W.pptx
+++ b/Lecture05_PatientPhysicianInteractions/L5Slides_PhysicianPatientInteractions_2023W.pptx
@@ -4700,7 +4700,7 @@
           <a:p>
             <a:fld id="{EF911157-0FC2-4F06-8D61-FD647FE4E19D}" type="datetimeFigureOut">
               <a:rPr lang="en-US" smtClean="0"/>
-              <a:t>2/13/2024</a:t>
+              <a:t>2/27/2024</a:t>
             </a:fld>
             <a:endParaRPr lang="en-US"/>
           </a:p>
@@ -5020,6 +5020,14 @@
               <a:buFont typeface="Arial" panose="020B0604020202020204" pitchFamily="34" charset="0"/>
               <a:buNone/>
             </a:pPr>
+            <a:r>
+              <a:rPr lang="en-US" dirty="0"/>
+              <a:t>For next time: include </a:t>
+            </a:r>
+            <a:r>
+              <a:rPr lang="en-US"/>
+              <a:t>empirical puzzle in https://www.sciencedirect.com/science/article/pii/0167629694900043</a:t>
+            </a:r>
             <a:endParaRPr lang="en-US" dirty="0"/>
           </a:p>
         </p:txBody>
@@ -9439,7 +9447,7 @@
             <a:fld id="{0972D05C-DCFB-4BB6-B49C-AC126BF3ED2C}" type="datetimeFigureOut">
               <a:rPr lang="en-US" smtClean="0"/>
               <a:pPr/>
-              <a:t>2/13/2024</a:t>
+              <a:t>2/27/2024</a:t>
             </a:fld>
             <a:endParaRPr lang="en-US"/>
           </a:p>
@@ -9669,7 +9677,7 @@
             <a:fld id="{0972D05C-DCFB-4BB6-B49C-AC126BF3ED2C}" type="datetimeFigureOut">
               <a:rPr lang="en-US" smtClean="0"/>
               <a:pPr/>
-              <a:t>2/13/2024</a:t>
+              <a:t>2/27/2024</a:t>
             </a:fld>
             <a:endParaRPr lang="en-US"/>
           </a:p>
@@ -9851,7 +9859,7 @@
             <a:fld id="{0972D05C-DCFB-4BB6-B49C-AC126BF3ED2C}" type="datetimeFigureOut">
               <a:rPr lang="en-US" smtClean="0"/>
               <a:pPr/>
-              <a:t>2/13/2024</a:t>
+              <a:t>2/27/2024</a:t>
             </a:fld>
             <a:endParaRPr lang="en-US"/>
           </a:p>
@@ -10023,7 +10031,7 @@
             <a:fld id="{0972D05C-DCFB-4BB6-B49C-AC126BF3ED2C}" type="datetimeFigureOut">
               <a:rPr lang="en-US" smtClean="0"/>
               <a:pPr/>
-              <a:t>2/13/2024</a:t>
+              <a:t>2/27/2024</a:t>
             </a:fld>
             <a:endParaRPr lang="en-US"/>
           </a:p>
@@ -10279,7 +10287,7 @@
             <a:fld id="{0972D05C-DCFB-4BB6-B49C-AC126BF3ED2C}" type="datetimeFigureOut">
               <a:rPr lang="en-US" smtClean="0"/>
               <a:pPr/>
-              <a:t>2/13/2024</a:t>
+              <a:t>2/27/2024</a:t>
             </a:fld>
             <a:endParaRPr lang="en-US"/>
           </a:p>
@@ -10607,7 +10615,7 @@
             <a:fld id="{0972D05C-DCFB-4BB6-B49C-AC126BF3ED2C}" type="datetimeFigureOut">
               <a:rPr lang="en-US" smtClean="0"/>
               <a:pPr/>
-              <a:t>2/13/2024</a:t>
+              <a:t>2/27/2024</a:t>
             </a:fld>
             <a:endParaRPr lang="en-US"/>
           </a:p>
@@ -11060,7 +11068,7 @@
             <a:fld id="{0972D05C-DCFB-4BB6-B49C-AC126BF3ED2C}" type="datetimeFigureOut">
               <a:rPr lang="en-US" smtClean="0"/>
               <a:pPr/>
-              <a:t>2/13/2024</a:t>
+              <a:t>2/27/2024</a:t>
             </a:fld>
             <a:endParaRPr lang="en-US"/>
           </a:p>
@@ -11180,7 +11188,7 @@
             <a:fld id="{0972D05C-DCFB-4BB6-B49C-AC126BF3ED2C}" type="datetimeFigureOut">
               <a:rPr lang="en-US" smtClean="0"/>
               <a:pPr/>
-              <a:t>2/13/2024</a:t>
+              <a:t>2/27/2024</a:t>
             </a:fld>
             <a:endParaRPr lang="en-US"/>
           </a:p>
@@ -11277,7 +11285,7 @@
             <a:fld id="{0972D05C-DCFB-4BB6-B49C-AC126BF3ED2C}" type="datetimeFigureOut">
               <a:rPr lang="en-US" smtClean="0"/>
               <a:pPr/>
-              <a:t>2/13/2024</a:t>
+              <a:t>2/27/2024</a:t>
             </a:fld>
             <a:endParaRPr lang="en-US"/>
           </a:p>
@@ -11566,7 +11574,7 @@
             <a:fld id="{0972D05C-DCFB-4BB6-B49C-AC126BF3ED2C}" type="datetimeFigureOut">
               <a:rPr lang="en-US" smtClean="0"/>
               <a:pPr/>
-              <a:t>2/13/2024</a:t>
+              <a:t>2/27/2024</a:t>
             </a:fld>
             <a:endParaRPr lang="en-US"/>
           </a:p>
@@ -11890,7 +11898,7 @@
             <a:fld id="{0972D05C-DCFB-4BB6-B49C-AC126BF3ED2C}" type="datetimeFigureOut">
               <a:rPr lang="en-US" smtClean="0"/>
               <a:pPr/>
-              <a:t>2/13/2024</a:t>
+              <a:t>2/27/2024</a:t>
             </a:fld>
             <a:endParaRPr lang="en-US"/>
           </a:p>
@@ -12145,7 +12153,7 @@
             <a:fld id="{0972D05C-DCFB-4BB6-B49C-AC126BF3ED2C}" type="datetimeFigureOut">
               <a:rPr lang="en-US" smtClean="0"/>
               <a:pPr/>
-              <a:t>2/13/2024</a:t>
+              <a:t>2/27/2024</a:t>
             </a:fld>
             <a:endParaRPr lang="en-US" dirty="0"/>
           </a:p>

--- a/Lecture05_PatientPhysicianInteractions/L5Slides_PhysicianPatientInteractions_2023W.pptx
+++ b/Lecture05_PatientPhysicianInteractions/L5Slides_PhysicianPatientInteractions_2023W.pptx
@@ -4700,7 +4700,7 @@
           <a:p>
             <a:fld id="{EF911157-0FC2-4F06-8D61-FD647FE4E19D}" type="datetimeFigureOut">
               <a:rPr lang="en-US" smtClean="0"/>
-              <a:t>2/27/2024</a:t>
+              <a:t>3/6/2024</a:t>
             </a:fld>
             <a:endParaRPr lang="en-US"/>
           </a:p>
@@ -5022,11 +5022,21 @@
             </a:pPr>
             <a:r>
               <a:rPr lang="en-US" dirty="0"/>
-              <a:t>For next time: include </a:t>
+              <a:t>For next time: include empirical puzzle in https://www.sciencedirect.com/science/article/pii/0167629694900043. </a:t>
+            </a:r>
+          </a:p>
+          <a:p>
+            <a:pPr marL="0" indent="0">
+              <a:buFont typeface="Arial" panose="020B0604020202020204" pitchFamily="34" charset="0"/>
+              <a:buNone/>
+            </a:pPr>
+            <a:r>
+              <a:rPr lang="en-US" dirty="0"/>
+              <a:t>Next time, focus less time on physician-induced demand (since it’s mathematically interesting but less relevant) and instead include hospital quality competition based on heterogeneous patients: https://repositorium.uminho.pt/bitstream/1822/79916/1/WP-07.2022.pdf. (Esteves et al., “Quality discrimination </a:t>
             </a:r>
             <a:r>
               <a:rPr lang="en-US"/>
-              <a:t>empirical puzzle in https://www.sciencedirect.com/science/article/pii/0167629694900043</a:t>
+              <a:t>in healthcare markets”)</a:t>
             </a:r>
             <a:endParaRPr lang="en-US" dirty="0"/>
           </a:p>
@@ -9447,7 +9457,7 @@
             <a:fld id="{0972D05C-DCFB-4BB6-B49C-AC126BF3ED2C}" type="datetimeFigureOut">
               <a:rPr lang="en-US" smtClean="0"/>
               <a:pPr/>
-              <a:t>2/27/2024</a:t>
+              <a:t>3/6/2024</a:t>
             </a:fld>
             <a:endParaRPr lang="en-US"/>
           </a:p>
@@ -9677,7 +9687,7 @@
             <a:fld id="{0972D05C-DCFB-4BB6-B49C-AC126BF3ED2C}" type="datetimeFigureOut">
               <a:rPr lang="en-US" smtClean="0"/>
               <a:pPr/>
-              <a:t>2/27/2024</a:t>
+              <a:t>3/6/2024</a:t>
             </a:fld>
             <a:endParaRPr lang="en-US"/>
           </a:p>
@@ -9859,7 +9869,7 @@
             <a:fld id="{0972D05C-DCFB-4BB6-B49C-AC126BF3ED2C}" type="datetimeFigureOut">
               <a:rPr lang="en-US" smtClean="0"/>
               <a:pPr/>
-              <a:t>2/27/2024</a:t>
+              <a:t>3/6/2024</a:t>
             </a:fld>
             <a:endParaRPr lang="en-US"/>
           </a:p>
@@ -10031,7 +10041,7 @@
             <a:fld id="{0972D05C-DCFB-4BB6-B49C-AC126BF3ED2C}" type="datetimeFigureOut">
               <a:rPr lang="en-US" smtClean="0"/>
               <a:pPr/>
-              <a:t>2/27/2024</a:t>
+              <a:t>3/6/2024</a:t>
             </a:fld>
             <a:endParaRPr lang="en-US"/>
           </a:p>
@@ -10287,7 +10297,7 @@
             <a:fld id="{0972D05C-DCFB-4BB6-B49C-AC126BF3ED2C}" type="datetimeFigureOut">
               <a:rPr lang="en-US" smtClean="0"/>
               <a:pPr/>
-              <a:t>2/27/2024</a:t>
+              <a:t>3/6/2024</a:t>
             </a:fld>
             <a:endParaRPr lang="en-US"/>
           </a:p>
@@ -10615,7 +10625,7 @@
             <a:fld id="{0972D05C-DCFB-4BB6-B49C-AC126BF3ED2C}" type="datetimeFigureOut">
               <a:rPr lang="en-US" smtClean="0"/>
               <a:pPr/>
-              <a:t>2/27/2024</a:t>
+              <a:t>3/6/2024</a:t>
             </a:fld>
             <a:endParaRPr lang="en-US"/>
           </a:p>
@@ -11068,7 +11078,7 @@
             <a:fld id="{0972D05C-DCFB-4BB6-B49C-AC126BF3ED2C}" type="datetimeFigureOut">
               <a:rPr lang="en-US" smtClean="0"/>
               <a:pPr/>
-              <a:t>2/27/2024</a:t>
+              <a:t>3/6/2024</a:t>
             </a:fld>
             <a:endParaRPr lang="en-US"/>
           </a:p>
@@ -11188,7 +11198,7 @@
             <a:fld id="{0972D05C-DCFB-4BB6-B49C-AC126BF3ED2C}" type="datetimeFigureOut">
               <a:rPr lang="en-US" smtClean="0"/>
               <a:pPr/>
-              <a:t>2/27/2024</a:t>
+              <a:t>3/6/2024</a:t>
             </a:fld>
             <a:endParaRPr lang="en-US"/>
           </a:p>
@@ -11285,7 +11295,7 @@
             <a:fld id="{0972D05C-DCFB-4BB6-B49C-AC126BF3ED2C}" type="datetimeFigureOut">
               <a:rPr lang="en-US" smtClean="0"/>
               <a:pPr/>
-              <a:t>2/27/2024</a:t>
+              <a:t>3/6/2024</a:t>
             </a:fld>
             <a:endParaRPr lang="en-US"/>
           </a:p>
@@ -11574,7 +11584,7 @@
             <a:fld id="{0972D05C-DCFB-4BB6-B49C-AC126BF3ED2C}" type="datetimeFigureOut">
               <a:rPr lang="en-US" smtClean="0"/>
               <a:pPr/>
-              <a:t>2/27/2024</a:t>
+              <a:t>3/6/2024</a:t>
             </a:fld>
             <a:endParaRPr lang="en-US"/>
           </a:p>
@@ -11898,7 +11908,7 @@
             <a:fld id="{0972D05C-DCFB-4BB6-B49C-AC126BF3ED2C}" type="datetimeFigureOut">
               <a:rPr lang="en-US" smtClean="0"/>
               <a:pPr/>
-              <a:t>2/27/2024</a:t>
+              <a:t>3/6/2024</a:t>
             </a:fld>
             <a:endParaRPr lang="en-US"/>
           </a:p>
@@ -12153,7 +12163,7 @@
             <a:fld id="{0972D05C-DCFB-4BB6-B49C-AC126BF3ED2C}" type="datetimeFigureOut">
               <a:rPr lang="en-US" smtClean="0"/>
               <a:pPr/>
-              <a:t>2/27/2024</a:t>
+              <a:t>3/6/2024</a:t>
             </a:fld>
             <a:endParaRPr lang="en-US" dirty="0"/>
           </a:p>

--- a/Lecture05_PatientPhysicianInteractions/L5Slides_PhysicianPatientInteractions_2023W.pptx
+++ b/Lecture05_PatientPhysicianInteractions/L5Slides_PhysicianPatientInteractions_2023W.pptx
@@ -4700,7 +4700,7 @@
           <a:p>
             <a:fld id="{EF911157-0FC2-4F06-8D61-FD647FE4E19D}" type="datetimeFigureOut">
               <a:rPr lang="en-US" smtClean="0"/>
-              <a:t>3/6/2024</a:t>
+              <a:t>1/28/2025</a:t>
             </a:fld>
             <a:endParaRPr lang="en-US"/>
           </a:p>
@@ -5022,6 +5022,16 @@
             </a:pPr>
             <a:r>
               <a:rPr lang="en-US" dirty="0"/>
+              <a:t>- To add: health care is a credence good (like going to a mechanic) from Tal’s book. Also chapter 8.</a:t>
+            </a:r>
+          </a:p>
+          <a:p>
+            <a:pPr marL="0" indent="0">
+              <a:buFont typeface="Arial" panose="020B0604020202020204" pitchFamily="34" charset="0"/>
+              <a:buNone/>
+            </a:pPr>
+            <a:r>
+              <a:rPr lang="en-US" dirty="0"/>
               <a:t>For next time: include empirical puzzle in https://www.sciencedirect.com/science/article/pii/0167629694900043. </a:t>
             </a:r>
           </a:p>
@@ -5032,13 +5042,8 @@
             </a:pPr>
             <a:r>
               <a:rPr lang="en-US" dirty="0"/>
-              <a:t>Next time, focus less time on physician-induced demand (since it’s mathematically interesting but less relevant) and instead include hospital quality competition based on heterogeneous patients: https://repositorium.uminho.pt/bitstream/1822/79916/1/WP-07.2022.pdf. (Esteves et al., “Quality discrimination </a:t>
+              <a:t>Next time, focus less time on physician-induced demand (since it’s mathematically interesting but less relevant) and instead include hospital quality competition based on heterogeneous patients: https://repositorium.uminho.pt/bitstream/1822/79916/1/WP-07.2022.pdf. (Esteves et al., “Quality discrimination in healthcare markets”)</a:t>
             </a:r>
-            <a:r>
-              <a:rPr lang="en-US"/>
-              <a:t>in healthcare markets”)</a:t>
-            </a:r>
-            <a:endParaRPr lang="en-US" dirty="0"/>
           </a:p>
         </p:txBody>
       </p:sp>
@@ -9457,7 +9462,7 @@
             <a:fld id="{0972D05C-DCFB-4BB6-B49C-AC126BF3ED2C}" type="datetimeFigureOut">
               <a:rPr lang="en-US" smtClean="0"/>
               <a:pPr/>
-              <a:t>3/6/2024</a:t>
+              <a:t>1/28/2025</a:t>
             </a:fld>
             <a:endParaRPr lang="en-US"/>
           </a:p>
@@ -9687,7 +9692,7 @@
             <a:fld id="{0972D05C-DCFB-4BB6-B49C-AC126BF3ED2C}" type="datetimeFigureOut">
               <a:rPr lang="en-US" smtClean="0"/>
               <a:pPr/>
-              <a:t>3/6/2024</a:t>
+              <a:t>1/28/2025</a:t>
             </a:fld>
             <a:endParaRPr lang="en-US"/>
           </a:p>
@@ -9869,7 +9874,7 @@
             <a:fld id="{0972D05C-DCFB-4BB6-B49C-AC126BF3ED2C}" type="datetimeFigureOut">
               <a:rPr lang="en-US" smtClean="0"/>
               <a:pPr/>
-              <a:t>3/6/2024</a:t>
+              <a:t>1/28/2025</a:t>
             </a:fld>
             <a:endParaRPr lang="en-US"/>
           </a:p>
@@ -10041,7 +10046,7 @@
             <a:fld id="{0972D05C-DCFB-4BB6-B49C-AC126BF3ED2C}" type="datetimeFigureOut">
               <a:rPr lang="en-US" smtClean="0"/>
               <a:pPr/>
-              <a:t>3/6/2024</a:t>
+              <a:t>1/28/2025</a:t>
             </a:fld>
             <a:endParaRPr lang="en-US"/>
           </a:p>
@@ -10297,7 +10302,7 @@
             <a:fld id="{0972D05C-DCFB-4BB6-B49C-AC126BF3ED2C}" type="datetimeFigureOut">
               <a:rPr lang="en-US" smtClean="0"/>
               <a:pPr/>
-              <a:t>3/6/2024</a:t>
+              <a:t>1/28/2025</a:t>
             </a:fld>
             <a:endParaRPr lang="en-US"/>
           </a:p>
@@ -10625,7 +10630,7 @@
             <a:fld id="{0972D05C-DCFB-4BB6-B49C-AC126BF3ED2C}" type="datetimeFigureOut">
               <a:rPr lang="en-US" smtClean="0"/>
               <a:pPr/>
-              <a:t>3/6/2024</a:t>
+              <a:t>1/28/2025</a:t>
             </a:fld>
             <a:endParaRPr lang="en-US"/>
           </a:p>
@@ -11078,7 +11083,7 @@
             <a:fld id="{0972D05C-DCFB-4BB6-B49C-AC126BF3ED2C}" type="datetimeFigureOut">
               <a:rPr lang="en-US" smtClean="0"/>
               <a:pPr/>
-              <a:t>3/6/2024</a:t>
+              <a:t>1/28/2025</a:t>
             </a:fld>
             <a:endParaRPr lang="en-US"/>
           </a:p>
@@ -11198,7 +11203,7 @@
             <a:fld id="{0972D05C-DCFB-4BB6-B49C-AC126BF3ED2C}" type="datetimeFigureOut">
               <a:rPr lang="en-US" smtClean="0"/>
               <a:pPr/>
-              <a:t>3/6/2024</a:t>
+              <a:t>1/28/2025</a:t>
             </a:fld>
             <a:endParaRPr lang="en-US"/>
           </a:p>
@@ -11295,7 +11300,7 @@
             <a:fld id="{0972D05C-DCFB-4BB6-B49C-AC126BF3ED2C}" type="datetimeFigureOut">
               <a:rPr lang="en-US" smtClean="0"/>
               <a:pPr/>
-              <a:t>3/6/2024</a:t>
+              <a:t>1/28/2025</a:t>
             </a:fld>
             <a:endParaRPr lang="en-US"/>
           </a:p>
@@ -11584,7 +11589,7 @@
             <a:fld id="{0972D05C-DCFB-4BB6-B49C-AC126BF3ED2C}" type="datetimeFigureOut">
               <a:rPr lang="en-US" smtClean="0"/>
               <a:pPr/>
-              <a:t>3/6/2024</a:t>
+              <a:t>1/28/2025</a:t>
             </a:fld>
             <a:endParaRPr lang="en-US"/>
           </a:p>
@@ -11908,7 +11913,7 @@
             <a:fld id="{0972D05C-DCFB-4BB6-B49C-AC126BF3ED2C}" type="datetimeFigureOut">
               <a:rPr lang="en-US" smtClean="0"/>
               <a:pPr/>
-              <a:t>3/6/2024</a:t>
+              <a:t>1/28/2025</a:t>
             </a:fld>
             <a:endParaRPr lang="en-US"/>
           </a:p>
@@ -12163,7 +12168,7 @@
             <a:fld id="{0972D05C-DCFB-4BB6-B49C-AC126BF3ED2C}" type="datetimeFigureOut">
               <a:rPr lang="en-US" smtClean="0"/>
               <a:pPr/>
-              <a:t>3/6/2024</a:t>
+              <a:t>1/28/2025</a:t>
             </a:fld>
             <a:endParaRPr lang="en-US" dirty="0"/>
           </a:p>
@@ -12712,9 +12717,10 @@
           </a:p>
           <a:p>
             <a:r>
-              <a:rPr lang="en-US" sz="2400" dirty="0"/>
-              <a:t>February 8, 2023</a:t>
+              <a:rPr lang="en-US" sz="2400"/>
+              <a:t>February 14, 2025</a:t>
             </a:r>
+            <a:endParaRPr lang="en-US" sz="2400" dirty="0"/>
           </a:p>
           <a:p>
             <a:endParaRPr lang="en-US" sz="2400" dirty="0"/>
